--- a/NIST_Data_Leakage_Case/NIST_Data_Leakage_03_WebHistory_SQL.pptx
+++ b/NIST_Data_Leakage_Case/NIST_Data_Leakage_03_WebHistory_SQL.pptx
@@ -155,10 +155,7 @@
 <file path=ppt/revisionInfo.xml><?xml version="1.0" encoding="utf-8"?>
 <p1510:revInfo xmlns:a="http://schemas.openxmlformats.org/drawingml/2006/main" xmlns:r="http://schemas.openxmlformats.org/officeDocument/2006/relationships" xmlns:p1510="http://schemas.microsoft.com/office/powerpoint/2015/10/main">
   <p1510:revLst>
-    <p1510:client id="{1145B16C-5E93-681B-B9BA-C7C9CDE20735}" v="10" dt="2020-10-22T20:25:25.022"/>
-    <p1510:client id="{1CD4744B-46E9-485E-8B11-DDA791EF49FF}" v="7" dt="2020-10-19T08:22:19.562"/>
-    <p1510:client id="{958F2B95-A119-46FD-A9C8-D15EFF7E5855}" v="1" dt="2020-10-26T10:32:09.184"/>
-    <p1510:client id="{B83D6D4A-8526-ED03-5564-28094B8B860F}" v="1" dt="2020-10-14T02:33:05.698"/>
+    <p1510:client id="{CCD4C665-1B8B-41BE-BFE9-E10793EC4242}" v="5" dt="2021-03-03T13:53:37.979"/>
   </p1510:revLst>
 </p1510:revInfo>
 </file>
@@ -190,26 +187,165 @@
     </pc:docChg>
   </pc:docChgLst>
   <pc:docChgLst>
-    <pc:chgData name="Richard Wheeless" userId="S::id63la41@ubalt.edu::edf7d7f9-5d95-4eec-886d-0f745236a21b" providerId="AD" clId="Web-{1145B16C-5E93-681B-B9BA-C7C9CDE20735}"/>
-    <pc:docChg chg="modSld">
-      <pc:chgData name="Richard Wheeless" userId="S::id63la41@ubalt.edu::edf7d7f9-5d95-4eec-886d-0f745236a21b" providerId="AD" clId="Web-{1145B16C-5E93-681B-B9BA-C7C9CDE20735}" dt="2020-10-22T20:25:25.022" v="9" actId="1076"/>
+    <pc:chgData name="Richard Wheeless" userId="S::id63la41@ubalt.edu::edf7d7f9-5d95-4eec-886d-0f745236a21b" providerId="AD" clId="Web-{958F2B95-A119-46FD-A9C8-D15EFF7E5855}"/>
+    <pc:docChg chg="sldOrd">
+      <pc:chgData name="Richard Wheeless" userId="S::id63la41@ubalt.edu::edf7d7f9-5d95-4eec-886d-0f745236a21b" providerId="AD" clId="Web-{958F2B95-A119-46FD-A9C8-D15EFF7E5855}" dt="2020-10-26T10:32:09.184" v="0"/>
       <pc:docMkLst>
         <pc:docMk/>
       </pc:docMkLst>
-      <pc:sldChg chg="modSp">
-        <pc:chgData name="Richard Wheeless" userId="S::id63la41@ubalt.edu::edf7d7f9-5d95-4eec-886d-0f745236a21b" providerId="AD" clId="Web-{1145B16C-5E93-681B-B9BA-C7C9CDE20735}" dt="2020-10-22T20:25:25.022" v="9" actId="1076"/>
+      <pc:sldChg chg="ord">
+        <pc:chgData name="Richard Wheeless" userId="S::id63la41@ubalt.edu::edf7d7f9-5d95-4eec-886d-0f745236a21b" providerId="AD" clId="Web-{958F2B95-A119-46FD-A9C8-D15EFF7E5855}" dt="2020-10-26T10:32:09.184" v="0"/>
         <pc:sldMkLst>
           <pc:docMk/>
-          <pc:sldMk cId="244327251" sldId="272"/>
+          <pc:sldMk cId="3280354511" sldId="273"/>
         </pc:sldMkLst>
-        <pc:picChg chg="mod">
-          <ac:chgData name="Richard Wheeless" userId="S::id63la41@ubalt.edu::edf7d7f9-5d95-4eec-886d-0f745236a21b" providerId="AD" clId="Web-{1145B16C-5E93-681B-B9BA-C7C9CDE20735}" dt="2020-10-22T20:25:25.022" v="9" actId="1076"/>
+      </pc:sldChg>
+    </pc:docChg>
+  </pc:docChgLst>
+  <pc:docChgLst>
+    <pc:chgData name="Weifeng Xu" userId="e7aed605-a3dd-4d5a-a692-a87037af107b" providerId="ADAL" clId="{CCD4C665-1B8B-41BE-BFE9-E10793EC4242}"/>
+    <pc:docChg chg="undo custSel modSld">
+      <pc:chgData name="Weifeng Xu" userId="e7aed605-a3dd-4d5a-a692-a87037af107b" providerId="ADAL" clId="{CCD4C665-1B8B-41BE-BFE9-E10793EC4242}" dt="2021-03-03T13:58:59.659" v="147" actId="13822"/>
+      <pc:docMkLst>
+        <pc:docMk/>
+      </pc:docMkLst>
+      <pc:sldChg chg="modSp mod">
+        <pc:chgData name="Weifeng Xu" userId="e7aed605-a3dd-4d5a-a692-a87037af107b" providerId="ADAL" clId="{CCD4C665-1B8B-41BE-BFE9-E10793EC4242}" dt="2021-03-03T13:34:49.418" v="54" actId="20577"/>
+        <pc:sldMkLst>
+          <pc:docMk/>
+          <pc:sldMk cId="750422591" sldId="269"/>
+        </pc:sldMkLst>
+        <pc:spChg chg="mod">
+          <ac:chgData name="Weifeng Xu" userId="e7aed605-a3dd-4d5a-a692-a87037af107b" providerId="ADAL" clId="{CCD4C665-1B8B-41BE-BFE9-E10793EC4242}" dt="2021-03-03T13:34:49.418" v="54" actId="20577"/>
+          <ac:spMkLst>
+            <pc:docMk/>
+            <pc:sldMk cId="750422591" sldId="269"/>
+            <ac:spMk id="5" creationId="{00000000-0000-0000-0000-000000000000}"/>
+          </ac:spMkLst>
+        </pc:spChg>
+      </pc:sldChg>
+      <pc:sldChg chg="modNotesTx">
+        <pc:chgData name="Weifeng Xu" userId="e7aed605-a3dd-4d5a-a692-a87037af107b" providerId="ADAL" clId="{CCD4C665-1B8B-41BE-BFE9-E10793EC4242}" dt="2021-03-03T13:15:01.223" v="22" actId="20577"/>
+        <pc:sldMkLst>
+          <pc:docMk/>
+          <pc:sldMk cId="29194520" sldId="271"/>
+        </pc:sldMkLst>
+      </pc:sldChg>
+      <pc:sldChg chg="modSp mod">
+        <pc:chgData name="Weifeng Xu" userId="e7aed605-a3dd-4d5a-a692-a87037af107b" providerId="ADAL" clId="{CCD4C665-1B8B-41BE-BFE9-E10793EC4242}" dt="2021-03-03T13:24:29.158" v="25" actId="20577"/>
+        <pc:sldMkLst>
+          <pc:docMk/>
+          <pc:sldMk cId="4260854167" sldId="278"/>
+        </pc:sldMkLst>
+        <pc:spChg chg="mod">
+          <ac:chgData name="Weifeng Xu" userId="e7aed605-a3dd-4d5a-a692-a87037af107b" providerId="ADAL" clId="{CCD4C665-1B8B-41BE-BFE9-E10793EC4242}" dt="2021-03-03T13:24:29.158" v="25" actId="20577"/>
+          <ac:spMkLst>
+            <pc:docMk/>
+            <pc:sldMk cId="4260854167" sldId="278"/>
+            <ac:spMk id="10" creationId="{00000000-0000-0000-0000-000000000000}"/>
+          </ac:spMkLst>
+        </pc:spChg>
+      </pc:sldChg>
+      <pc:sldChg chg="addSp modSp mod">
+        <pc:chgData name="Weifeng Xu" userId="e7aed605-a3dd-4d5a-a692-a87037af107b" providerId="ADAL" clId="{CCD4C665-1B8B-41BE-BFE9-E10793EC4242}" dt="2021-03-03T13:37:22.880" v="59" actId="404"/>
+        <pc:sldMkLst>
+          <pc:docMk/>
+          <pc:sldMk cId="415267365" sldId="286"/>
+        </pc:sldMkLst>
+        <pc:spChg chg="add mod">
+          <ac:chgData name="Weifeng Xu" userId="e7aed605-a3dd-4d5a-a692-a87037af107b" providerId="ADAL" clId="{CCD4C665-1B8B-41BE-BFE9-E10793EC4242}" dt="2021-03-03T13:37:22.880" v="59" actId="404"/>
+          <ac:spMkLst>
+            <pc:docMk/>
+            <pc:sldMk cId="415267365" sldId="286"/>
+            <ac:spMk id="7" creationId="{476FEC2B-49D0-49D8-9E4D-0D07D2B144D0}"/>
+          </ac:spMkLst>
+        </pc:spChg>
+      </pc:sldChg>
+      <pc:sldChg chg="addSp delSp modSp mod">
+        <pc:chgData name="Weifeng Xu" userId="e7aed605-a3dd-4d5a-a692-a87037af107b" providerId="ADAL" clId="{CCD4C665-1B8B-41BE-BFE9-E10793EC4242}" dt="2021-03-03T13:58:59.659" v="147" actId="13822"/>
+        <pc:sldMkLst>
+          <pc:docMk/>
+          <pc:sldMk cId="2296256338" sldId="288"/>
+        </pc:sldMkLst>
+        <pc:spChg chg="mod">
+          <ac:chgData name="Weifeng Xu" userId="e7aed605-a3dd-4d5a-a692-a87037af107b" providerId="ADAL" clId="{CCD4C665-1B8B-41BE-BFE9-E10793EC4242}" dt="2021-03-03T13:58:33.625" v="140" actId="1076"/>
+          <ac:spMkLst>
+            <pc:docMk/>
+            <pc:sldMk cId="2296256338" sldId="288"/>
+            <ac:spMk id="4" creationId="{00000000-0000-0000-0000-000000000000}"/>
+          </ac:spMkLst>
+        </pc:spChg>
+        <pc:spChg chg="add del">
+          <ac:chgData name="Weifeng Xu" userId="e7aed605-a3dd-4d5a-a692-a87037af107b" providerId="ADAL" clId="{CCD4C665-1B8B-41BE-BFE9-E10793EC4242}" dt="2021-03-03T13:53:34.928" v="64"/>
+          <ac:spMkLst>
+            <pc:docMk/>
+            <pc:sldMk cId="2296256338" sldId="288"/>
+            <ac:spMk id="5" creationId="{1C2D5873-19B3-4A57-BA86-638D02D6B367}"/>
+          </ac:spMkLst>
+        </pc:spChg>
+        <pc:spChg chg="add mod">
+          <ac:chgData name="Weifeng Xu" userId="e7aed605-a3dd-4d5a-a692-a87037af107b" providerId="ADAL" clId="{CCD4C665-1B8B-41BE-BFE9-E10793EC4242}" dt="2021-03-03T13:57:48.176" v="134" actId="14100"/>
+          <ac:spMkLst>
+            <pc:docMk/>
+            <pc:sldMk cId="2296256338" sldId="288"/>
+            <ac:spMk id="6" creationId="{764AB982-17C7-474F-885E-A461B0AB9AC1}"/>
+          </ac:spMkLst>
+        </pc:spChg>
+        <pc:picChg chg="add mod">
+          <ac:chgData name="Weifeng Xu" userId="e7aed605-a3dd-4d5a-a692-a87037af107b" providerId="ADAL" clId="{CCD4C665-1B8B-41BE-BFE9-E10793EC4242}" dt="2021-03-03T13:58:39.854" v="143" actId="1076"/>
           <ac:picMkLst>
             <pc:docMk/>
-            <pc:sldMk cId="244327251" sldId="272"/>
-            <ac:picMk id="4" creationId="{00000000-0000-0000-0000-000000000000}"/>
+            <pc:sldMk cId="2296256338" sldId="288"/>
+            <ac:picMk id="8" creationId="{F4232DFC-819D-4DAC-BC21-6AC25B52930E}"/>
           </ac:picMkLst>
         </pc:picChg>
+        <pc:picChg chg="mod">
+          <ac:chgData name="Weifeng Xu" userId="e7aed605-a3dd-4d5a-a692-a87037af107b" providerId="ADAL" clId="{CCD4C665-1B8B-41BE-BFE9-E10793EC4242}" dt="2021-03-03T13:58:35.314" v="141" actId="1076"/>
+          <ac:picMkLst>
+            <pc:docMk/>
+            <pc:sldMk cId="2296256338" sldId="288"/>
+            <ac:picMk id="9" creationId="{00000000-0000-0000-0000-000000000000}"/>
+          </ac:picMkLst>
+        </pc:picChg>
+        <pc:picChg chg="add mod">
+          <ac:chgData name="Weifeng Xu" userId="e7aed605-a3dd-4d5a-a692-a87037af107b" providerId="ADAL" clId="{CCD4C665-1B8B-41BE-BFE9-E10793EC4242}" dt="2021-03-03T13:58:36.976" v="142" actId="1076"/>
+          <ac:picMkLst>
+            <pc:docMk/>
+            <pc:sldMk cId="2296256338" sldId="288"/>
+            <ac:picMk id="11" creationId="{42795317-3288-4B12-BE14-8B99719A5D3D}"/>
+          </ac:picMkLst>
+        </pc:picChg>
+        <pc:cxnChg chg="add mod">
+          <ac:chgData name="Weifeng Xu" userId="e7aed605-a3dd-4d5a-a692-a87037af107b" providerId="ADAL" clId="{CCD4C665-1B8B-41BE-BFE9-E10793EC4242}" dt="2021-03-03T13:58:51.508" v="145" actId="13822"/>
+          <ac:cxnSpMkLst>
+            <pc:docMk/>
+            <pc:sldMk cId="2296256338" sldId="288"/>
+            <ac:cxnSpMk id="13" creationId="{0BA25554-D048-4DDA-8673-BC2050C6D309}"/>
+          </ac:cxnSpMkLst>
+        </pc:cxnChg>
+        <pc:cxnChg chg="add mod">
+          <ac:chgData name="Weifeng Xu" userId="e7aed605-a3dd-4d5a-a692-a87037af107b" providerId="ADAL" clId="{CCD4C665-1B8B-41BE-BFE9-E10793EC4242}" dt="2021-03-03T13:58:59.659" v="147" actId="13822"/>
+          <ac:cxnSpMkLst>
+            <pc:docMk/>
+            <pc:sldMk cId="2296256338" sldId="288"/>
+            <ac:cxnSpMk id="15" creationId="{EA3536D2-FD43-4A06-8398-BC9E2FAD67EE}"/>
+          </ac:cxnSpMkLst>
+        </pc:cxnChg>
+      </pc:sldChg>
+      <pc:sldChg chg="modSp mod">
+        <pc:chgData name="Weifeng Xu" userId="e7aed605-a3dd-4d5a-a692-a87037af107b" providerId="ADAL" clId="{CCD4C665-1B8B-41BE-BFE9-E10793EC4242}" dt="2021-03-03T13:21:14.418" v="23" actId="20577"/>
+        <pc:sldMkLst>
+          <pc:docMk/>
+          <pc:sldMk cId="3510619264" sldId="296"/>
+        </pc:sldMkLst>
+        <pc:spChg chg="mod">
+          <ac:chgData name="Weifeng Xu" userId="e7aed605-a3dd-4d5a-a692-a87037af107b" providerId="ADAL" clId="{CCD4C665-1B8B-41BE-BFE9-E10793EC4242}" dt="2021-03-03T13:21:14.418" v="23" actId="20577"/>
+          <ac:spMkLst>
+            <pc:docMk/>
+            <pc:sldMk cId="3510619264" sldId="296"/>
+            <ac:spMk id="6" creationId="{00000000-0000-0000-0000-000000000000}"/>
+          </ac:spMkLst>
+        </pc:spChg>
       </pc:sldChg>
     </pc:docChg>
   </pc:docChgLst>
@@ -246,18 +382,50 @@
     </pc:docChg>
   </pc:docChgLst>
   <pc:docChgLst>
-    <pc:chgData name="Richard Wheeless" userId="S::id63la41@ubalt.edu::edf7d7f9-5d95-4eec-886d-0f745236a21b" providerId="AD" clId="Web-{958F2B95-A119-46FD-A9C8-D15EFF7E5855}"/>
-    <pc:docChg chg="sldOrd">
-      <pc:chgData name="Richard Wheeless" userId="S::id63la41@ubalt.edu::edf7d7f9-5d95-4eec-886d-0f745236a21b" providerId="AD" clId="Web-{958F2B95-A119-46FD-A9C8-D15EFF7E5855}" dt="2020-10-26T10:32:09.184" v="0"/>
+    <pc:chgData name="Weifeng Xu" userId="e7aed605-a3dd-4d5a-a692-a87037af107b" providerId="ADAL" clId="{AC352283-D215-4470-AC02-AD78B6E2A622}"/>
+    <pc:docChg chg="modSld">
+      <pc:chgData name="Weifeng Xu" userId="e7aed605-a3dd-4d5a-a692-a87037af107b" providerId="ADAL" clId="{AC352283-D215-4470-AC02-AD78B6E2A622}" dt="2021-01-13T15:08:25.311" v="14" actId="20577"/>
       <pc:docMkLst>
         <pc:docMk/>
       </pc:docMkLst>
-      <pc:sldChg chg="ord">
-        <pc:chgData name="Richard Wheeless" userId="S::id63la41@ubalt.edu::edf7d7f9-5d95-4eec-886d-0f745236a21b" providerId="AD" clId="Web-{958F2B95-A119-46FD-A9C8-D15EFF7E5855}" dt="2020-10-26T10:32:09.184" v="0"/>
+      <pc:sldChg chg="modSp mod">
+        <pc:chgData name="Weifeng Xu" userId="e7aed605-a3dd-4d5a-a692-a87037af107b" providerId="ADAL" clId="{AC352283-D215-4470-AC02-AD78B6E2A622}" dt="2021-01-13T15:08:25.311" v="14" actId="20577"/>
         <pc:sldMkLst>
           <pc:docMk/>
-          <pc:sldMk cId="3280354511" sldId="273"/>
+          <pc:sldMk cId="1630610481" sldId="264"/>
         </pc:sldMkLst>
+        <pc:spChg chg="mod">
+          <ac:chgData name="Weifeng Xu" userId="e7aed605-a3dd-4d5a-a692-a87037af107b" providerId="ADAL" clId="{AC352283-D215-4470-AC02-AD78B6E2A622}" dt="2021-01-13T15:08:25.311" v="14" actId="20577"/>
+          <ac:spMkLst>
+            <pc:docMk/>
+            <pc:sldMk cId="1630610481" sldId="264"/>
+            <ac:spMk id="7" creationId="{C4FB1B15-E48B-444A-BFB7-26DECE7C74E9}"/>
+          </ac:spMkLst>
+        </pc:spChg>
+      </pc:sldChg>
+    </pc:docChg>
+  </pc:docChgLst>
+  <pc:docChgLst>
+    <pc:chgData name="Richard Wheeless" userId="S::id63la41@ubalt.edu::edf7d7f9-5d95-4eec-886d-0f745236a21b" providerId="AD" clId="Web-{1145B16C-5E93-681B-B9BA-C7C9CDE20735}"/>
+    <pc:docChg chg="modSld">
+      <pc:chgData name="Richard Wheeless" userId="S::id63la41@ubalt.edu::edf7d7f9-5d95-4eec-886d-0f745236a21b" providerId="AD" clId="Web-{1145B16C-5E93-681B-B9BA-C7C9CDE20735}" dt="2020-10-22T20:25:25.022" v="9" actId="1076"/>
+      <pc:docMkLst>
+        <pc:docMk/>
+      </pc:docMkLst>
+      <pc:sldChg chg="modSp">
+        <pc:chgData name="Richard Wheeless" userId="S::id63la41@ubalt.edu::edf7d7f9-5d95-4eec-886d-0f745236a21b" providerId="AD" clId="Web-{1145B16C-5E93-681B-B9BA-C7C9CDE20735}" dt="2020-10-22T20:25:25.022" v="9" actId="1076"/>
+        <pc:sldMkLst>
+          <pc:docMk/>
+          <pc:sldMk cId="244327251" sldId="272"/>
+        </pc:sldMkLst>
+        <pc:picChg chg="mod">
+          <ac:chgData name="Richard Wheeless" userId="S::id63la41@ubalt.edu::edf7d7f9-5d95-4eec-886d-0f745236a21b" providerId="AD" clId="Web-{1145B16C-5E93-681B-B9BA-C7C9CDE20735}" dt="2020-10-22T20:25:25.022" v="9" actId="1076"/>
+          <ac:picMkLst>
+            <pc:docMk/>
+            <pc:sldMk cId="244327251" sldId="272"/>
+            <ac:picMk id="4" creationId="{00000000-0000-0000-0000-000000000000}"/>
+          </ac:picMkLst>
+        </pc:picChg>
       </pc:sldChg>
     </pc:docChg>
   </pc:docChgLst>
@@ -346,7 +514,7 @@
           <a:p>
             <a:fld id="{EE41F6E3-57F9-402E-BDBA-5B2DE11C8530}" type="datetimeFigureOut">
               <a:rPr lang="en-US" smtClean="0"/>
-              <a:t>12/21/2020</a:t>
+              <a:t>3/3/2021</a:t>
             </a:fld>
             <a:endParaRPr lang="en-US"/>
           </a:p>
@@ -658,10 +826,9 @@
           <a:lstStyle/>
           <a:p>
             <a:r>
-              <a:rPr lang="en-US" dirty="0" smtClean="0"/>
+              <a:rPr lang="en-US" dirty="0"/>
               <a:t>http://xmlstar.sourceforge.net/doc/UG/</a:t>
             </a:r>
-            <a:endParaRPr lang="en-US" dirty="0"/>
           </a:p>
         </p:txBody>
       </p:sp>
@@ -746,26 +913,25 @@
           <a:lstStyle/>
           <a:p>
             <a:r>
-              <a:rPr lang="en-US" dirty="0" smtClean="0"/>
+              <a:rPr lang="en-US" dirty="0"/>
               <a:t>ls -l  /media/root/C8CA0C8DCA0C7A48/Users/informant/</a:t>
             </a:r>
             <a:r>
-              <a:rPr lang="en-US" dirty="0" err="1" smtClean="0"/>
+              <a:rPr lang="en-US" dirty="0" err="1"/>
               <a:t>AppData</a:t>
             </a:r>
             <a:r>
-              <a:rPr lang="en-US" dirty="0" smtClean="0"/>
+              <a:rPr lang="en-US" dirty="0"/>
               <a:t>/Local/Microsoft/Windows/</a:t>
             </a:r>
             <a:r>
-              <a:rPr lang="en-US" dirty="0" err="1" smtClean="0"/>
+              <a:rPr lang="en-US" dirty="0" err="1"/>
               <a:t>WebCache</a:t>
             </a:r>
             <a:r>
-              <a:rPr lang="en-US" dirty="0" smtClean="0"/>
+              <a:rPr lang="en-US" dirty="0"/>
               <a:t>/</a:t>
             </a:r>
-            <a:endParaRPr lang="en-US" dirty="0"/>
           </a:p>
         </p:txBody>
       </p:sp>
@@ -850,36 +1016,36 @@
           <a:lstStyle/>
           <a:p>
             <a:r>
-              <a:rPr lang="en-US" dirty="0" smtClean="0"/>
+              <a:rPr lang="en-US" dirty="0"/>
               <a:t>ls -l /media/root/C8CA0C8DCA0C7A48/Users/informant/</a:t>
             </a:r>
             <a:r>
-              <a:rPr lang="en-US" dirty="0" err="1" smtClean="0"/>
+              <a:rPr lang="en-US" dirty="0" err="1"/>
               <a:t>AppData</a:t>
             </a:r>
             <a:r>
-              <a:rPr lang="en-US" dirty="0" smtClean="0"/>
+              <a:rPr lang="en-US" dirty="0"/>
               <a:t>/Local/Google/Chrome/User\ Data/Default/ | grep -</a:t>
             </a:r>
             <a:r>
-              <a:rPr lang="en-US" dirty="0" err="1" smtClean="0"/>
+              <a:rPr lang="en-US" dirty="0" err="1"/>
               <a:t>Ei</a:t>
             </a:r>
             <a:r>
-              <a:rPr lang="en-US" dirty="0" smtClean="0"/>
+              <a:rPr lang="en-US" dirty="0"/>
               <a:t> "</a:t>
             </a:r>
             <a:r>
-              <a:rPr lang="en-US" dirty="0" err="1" smtClean="0"/>
+              <a:rPr lang="en-US" dirty="0" err="1"/>
               <a:t>Cache|Cookies|History</a:t>
             </a:r>
             <a:r>
-              <a:rPr lang="en-US" dirty="0" smtClean="0"/>
+              <a:rPr lang="en-US" dirty="0"/>
               <a:t>"</a:t>
             </a:r>
           </a:p>
           <a:p>
-            <a:endParaRPr lang="en-US" dirty="0" err="1" smtClean="0"/>
+            <a:endParaRPr lang="en-US" dirty="0" err="1"/>
           </a:p>
         </p:txBody>
       </p:sp>
@@ -964,18 +1130,17 @@
           <a:lstStyle/>
           <a:p>
             <a:r>
-              <a:rPr lang="en-US" dirty="0" smtClean="0"/>
+              <a:rPr lang="en-US" dirty="0"/>
               <a:t>apt-get install </a:t>
             </a:r>
             <a:r>
-              <a:rPr lang="en-US" dirty="0" err="1" smtClean="0"/>
+              <a:rPr lang="en-US" dirty="0" err="1"/>
               <a:t>libesedb-utils</a:t>
             </a:r>
             <a:r>
-              <a:rPr lang="en-US" dirty="0" smtClean="0"/>
+              <a:rPr lang="en-US" dirty="0"/>
               <a:t> -y</a:t>
             </a:r>
-            <a:endParaRPr lang="en-US" dirty="0"/>
           </a:p>
         </p:txBody>
       </p:sp>
@@ -1060,35 +1225,35 @@
           <a:lstStyle/>
           <a:p>
             <a:r>
-              <a:rPr lang="en-US" dirty="0" err="1" smtClean="0"/>
+              <a:rPr lang="en-US" dirty="0" err="1"/>
               <a:t>cp</a:t>
             </a:r>
             <a:r>
-              <a:rPr lang="en-US" dirty="0" smtClean="0"/>
+              <a:rPr lang="en-US" dirty="0"/>
               <a:t> /media/root/C8CA0C8DCA0C7A48/Users/informant/</a:t>
             </a:r>
             <a:r>
-              <a:rPr lang="en-US" dirty="0" err="1" smtClean="0"/>
+              <a:rPr lang="en-US" dirty="0" err="1"/>
               <a:t>AppData</a:t>
             </a:r>
             <a:r>
-              <a:rPr lang="en-US" dirty="0" smtClean="0"/>
+              <a:rPr lang="en-US" dirty="0"/>
               <a:t>/Local/Microsoft/Windows/</a:t>
             </a:r>
             <a:r>
-              <a:rPr lang="en-US" dirty="0" err="1" smtClean="0"/>
+              <a:rPr lang="en-US" dirty="0" err="1"/>
               <a:t>WebCache</a:t>
             </a:r>
             <a:r>
-              <a:rPr lang="en-US" dirty="0" smtClean="0"/>
+              <a:rPr lang="en-US" dirty="0"/>
               <a:t>/WebCacheV01.dat </a:t>
             </a:r>
             <a:r>
-              <a:rPr lang="en-US" dirty="0" err="1" smtClean="0"/>
+              <a:rPr lang="en-US" dirty="0" err="1"/>
               <a:t>webhistory</a:t>
             </a:r>
             <a:r>
-              <a:rPr lang="en-US" dirty="0" smtClean="0"/>
+              <a:rPr lang="en-US" dirty="0"/>
               <a:t>/ </a:t>
             </a:r>
           </a:p>
@@ -1111,27 +1276,27 @@
               <a:defRPr/>
             </a:pPr>
             <a:r>
-              <a:rPr lang="en-US" dirty="0" err="1" smtClean="0"/>
+              <a:rPr lang="en-US" dirty="0" err="1"/>
               <a:t>cp</a:t>
             </a:r>
             <a:r>
-              <a:rPr lang="en-US" dirty="0" smtClean="0"/>
+              <a:rPr lang="en-US" dirty="0"/>
               <a:t> /media/root/C8CA0C8DCA0C7A48/Users/informant/</a:t>
             </a:r>
             <a:r>
-              <a:rPr lang="en-US" dirty="0" err="1" smtClean="0"/>
+              <a:rPr lang="en-US" dirty="0" err="1"/>
               <a:t>AppData</a:t>
             </a:r>
             <a:r>
-              <a:rPr lang="en-US" dirty="0" smtClean="0"/>
+              <a:rPr lang="en-US" dirty="0"/>
               <a:t>/Local/Microsoft/Windows/Temporary\ Internet\ Files/Low/Content.IE5/index.dat </a:t>
             </a:r>
             <a:r>
-              <a:rPr lang="en-US" dirty="0" err="1" smtClean="0"/>
+              <a:rPr lang="en-US" dirty="0" err="1"/>
               <a:t>webhistory</a:t>
             </a:r>
             <a:r>
-              <a:rPr lang="en-US" dirty="0" smtClean="0"/>
+              <a:rPr lang="en-US" dirty="0"/>
               <a:t>/</a:t>
             </a:r>
           </a:p>
@@ -1221,32 +1386,32 @@
           <a:lstStyle/>
           <a:p>
             <a:r>
-              <a:rPr lang="en-US" dirty="0" err="1" smtClean="0"/>
+              <a:rPr lang="en-US" dirty="0" err="1"/>
               <a:t>cp</a:t>
             </a:r>
             <a:r>
-              <a:rPr lang="en-US" dirty="0" smtClean="0"/>
+              <a:rPr lang="en-US" dirty="0"/>
               <a:t> /media/root/C8CA0C8DCA0C7A48/Users/informant/</a:t>
             </a:r>
             <a:r>
-              <a:rPr lang="en-US" dirty="0" err="1" smtClean="0"/>
+              <a:rPr lang="en-US" dirty="0" err="1"/>
               <a:t>AppData</a:t>
             </a:r>
             <a:r>
-              <a:rPr lang="en-US" dirty="0" smtClean="0"/>
+              <a:rPr lang="en-US" dirty="0"/>
               <a:t>/Local/Google/Chrome/User\ Data/Default/History </a:t>
             </a:r>
             <a:r>
-              <a:rPr lang="en-US" dirty="0" err="1" smtClean="0"/>
+              <a:rPr lang="en-US" dirty="0" err="1"/>
               <a:t>webhistory</a:t>
             </a:r>
             <a:r>
-              <a:rPr lang="en-US" dirty="0" smtClean="0"/>
+              <a:rPr lang="en-US" dirty="0"/>
               <a:t>/</a:t>
             </a:r>
           </a:p>
           <a:p>
-            <a:endParaRPr lang="en-US" dirty="0" err="1" smtClean="0"/>
+            <a:endParaRPr lang="en-US" dirty="0" err="1"/>
           </a:p>
         </p:txBody>
       </p:sp>
@@ -1331,18 +1496,17 @@
           <a:lstStyle/>
           <a:p>
             <a:r>
-              <a:rPr lang="en-US" dirty="0" smtClean="0"/>
+              <a:rPr lang="en-US" dirty="0"/>
               <a:t>file </a:t>
             </a:r>
             <a:r>
-              <a:rPr lang="en-US" dirty="0" err="1" smtClean="0"/>
+              <a:rPr lang="en-US" dirty="0" err="1"/>
               <a:t>webhistory</a:t>
             </a:r>
             <a:r>
-              <a:rPr lang="en-US" dirty="0" smtClean="0"/>
+              <a:rPr lang="en-US" dirty="0"/>
               <a:t>/WebCacheV01.dat</a:t>
             </a:r>
-            <a:endParaRPr lang="en-US" dirty="0"/>
           </a:p>
         </p:txBody>
       </p:sp>
@@ -1427,18 +1591,17 @@
           <a:lstStyle/>
           <a:p>
             <a:r>
-              <a:rPr lang="en-US" dirty="0" smtClean="0"/>
+              <a:rPr lang="en-US" dirty="0"/>
               <a:t>apt-get install </a:t>
             </a:r>
             <a:r>
-              <a:rPr lang="en-US" dirty="0" err="1" smtClean="0"/>
+              <a:rPr lang="en-US" dirty="0" err="1"/>
               <a:t>libesedb-utils</a:t>
             </a:r>
             <a:r>
-              <a:rPr lang="en-US" dirty="0" smtClean="0"/>
+              <a:rPr lang="en-US" dirty="0"/>
               <a:t> -y</a:t>
             </a:r>
-            <a:endParaRPr lang="en-US" dirty="0"/>
           </a:p>
         </p:txBody>
       </p:sp>
@@ -1523,27 +1686,27 @@
           <a:lstStyle/>
           <a:p>
             <a:r>
-              <a:rPr lang="en-US" dirty="0" err="1" smtClean="0"/>
+              <a:rPr lang="en-US" dirty="0" err="1"/>
               <a:t>esedbexport</a:t>
             </a:r>
             <a:r>
-              <a:rPr lang="en-US" dirty="0" smtClean="0"/>
+              <a:rPr lang="en-US" dirty="0"/>
               <a:t> </a:t>
             </a:r>
             <a:r>
-              <a:rPr lang="en-US" dirty="0" err="1" smtClean="0"/>
+              <a:rPr lang="en-US" dirty="0" err="1"/>
               <a:t>webhistory</a:t>
             </a:r>
             <a:r>
-              <a:rPr lang="en-US" dirty="0" smtClean="0"/>
+              <a:rPr lang="en-US" dirty="0"/>
               <a:t>/WebCacheV01.dat -t </a:t>
             </a:r>
             <a:r>
-              <a:rPr lang="en-US" dirty="0" err="1" smtClean="0"/>
+              <a:rPr lang="en-US" dirty="0" err="1"/>
               <a:t>webhistory</a:t>
             </a:r>
             <a:r>
-              <a:rPr lang="en-US" dirty="0" smtClean="0"/>
+              <a:rPr lang="en-US" dirty="0"/>
               <a:t>/IE11</a:t>
             </a:r>
           </a:p>
@@ -1633,10 +1796,9 @@
           <a:lstStyle/>
           <a:p>
             <a:r>
-              <a:rPr lang="en-US" dirty="0" smtClean="0"/>
+              <a:rPr lang="en-US" dirty="0"/>
               <a:t>https://www.geeksforgeeks.org/awk-command-unixlinux-examples/</a:t>
             </a:r>
-            <a:endParaRPr lang="en-US" dirty="0"/>
           </a:p>
         </p:txBody>
       </p:sp>
@@ -1721,26 +1883,25 @@
           <a:lstStyle/>
           <a:p>
             <a:r>
-              <a:rPr lang="en-US" dirty="0" smtClean="0"/>
+              <a:rPr lang="en-US" dirty="0"/>
               <a:t>echo -e "Frank manager 50000 \</a:t>
             </a:r>
             <a:r>
-              <a:rPr lang="en-US" dirty="0" err="1" smtClean="0"/>
+              <a:rPr lang="en-US" dirty="0" err="1"/>
               <a:t>nAlex</a:t>
             </a:r>
             <a:r>
-              <a:rPr lang="en-US" dirty="0" smtClean="0"/>
+              <a:rPr lang="en-US" dirty="0"/>
               <a:t> clerk 45000 \</a:t>
             </a:r>
             <a:r>
-              <a:rPr lang="en-US" dirty="0" err="1" smtClean="0"/>
+              <a:rPr lang="en-US" dirty="0" err="1"/>
               <a:t>nEirc</a:t>
             </a:r>
             <a:r>
-              <a:rPr lang="en-US" dirty="0" smtClean="0"/>
+              <a:rPr lang="en-US" dirty="0"/>
               <a:t> clerk 25000“ </a:t>
             </a:r>
-            <a:endParaRPr lang="en-US" dirty="0"/>
           </a:p>
         </p:txBody>
       </p:sp>
@@ -1909,61 +2070,61 @@
           <a:lstStyle/>
           <a:p>
             <a:r>
-              <a:rPr lang="en-US" dirty="0" smtClean="0"/>
+              <a:rPr lang="en-US" dirty="0"/>
               <a:t>echo -e "Frank manager 50000 \</a:t>
             </a:r>
             <a:r>
-              <a:rPr lang="en-US" dirty="0" err="1" smtClean="0"/>
+              <a:rPr lang="en-US" dirty="0" err="1"/>
               <a:t>nAlex</a:t>
             </a:r>
             <a:r>
-              <a:rPr lang="en-US" dirty="0" smtClean="0"/>
+              <a:rPr lang="en-US" dirty="0"/>
               <a:t> clerk 45000 \</a:t>
             </a:r>
             <a:r>
-              <a:rPr lang="en-US" dirty="0" err="1" smtClean="0"/>
+              <a:rPr lang="en-US" dirty="0" err="1"/>
               <a:t>nEirc</a:t>
             </a:r>
             <a:r>
-              <a:rPr lang="en-US" dirty="0" smtClean="0"/>
+              <a:rPr lang="en-US" dirty="0"/>
               <a:t> clerk 25000" | </a:t>
             </a:r>
             <a:r>
-              <a:rPr lang="en-US" dirty="0" err="1" smtClean="0"/>
+              <a:rPr lang="en-US" dirty="0" err="1"/>
               <a:t>awk</a:t>
             </a:r>
             <a:r>
-              <a:rPr lang="en-US" dirty="0" smtClean="0"/>
+              <a:rPr lang="en-US" dirty="0"/>
               <a:t> '{print NR, $1}‘</a:t>
             </a:r>
           </a:p>
           <a:p>
             <a:r>
-              <a:rPr lang="en-US" dirty="0" smtClean="0"/>
+              <a:rPr lang="en-US" dirty="0"/>
               <a:t>echo -e "Frank manager 50000 \</a:t>
             </a:r>
             <a:r>
-              <a:rPr lang="en-US" dirty="0" err="1" smtClean="0"/>
+              <a:rPr lang="en-US" dirty="0" err="1"/>
               <a:t>nAlex</a:t>
             </a:r>
             <a:r>
-              <a:rPr lang="en-US" dirty="0" smtClean="0"/>
+              <a:rPr lang="en-US" dirty="0"/>
               <a:t> clerk 45000 \</a:t>
             </a:r>
             <a:r>
-              <a:rPr lang="en-US" dirty="0" err="1" smtClean="0"/>
+              <a:rPr lang="en-US" dirty="0" err="1"/>
               <a:t>nEirc</a:t>
             </a:r>
             <a:r>
-              <a:rPr lang="en-US" dirty="0" smtClean="0"/>
+              <a:rPr lang="en-US" dirty="0"/>
               <a:t> clerk 25000" | </a:t>
             </a:r>
             <a:r>
-              <a:rPr lang="en-US" dirty="0" err="1" smtClean="0"/>
+              <a:rPr lang="en-US" dirty="0" err="1"/>
               <a:t>awk</a:t>
             </a:r>
             <a:r>
-              <a:rPr lang="en-US" dirty="0" smtClean="0"/>
+              <a:rPr lang="en-US" dirty="0"/>
               <a:t> '{sum +=$3} ; END {print sum}'</a:t>
             </a:r>
           </a:p>
@@ -2053,20 +2214,20 @@
           <a:lstStyle/>
           <a:p>
             <a:r>
-              <a:rPr lang="en-US" dirty="0" smtClean="0"/>
+              <a:rPr lang="en-US" dirty="0"/>
               <a:t>cat  </a:t>
             </a:r>
             <a:r>
-              <a:rPr lang="en-US" dirty="0" err="1" smtClean="0"/>
+              <a:rPr lang="en-US" dirty="0" err="1"/>
               <a:t>webhistory</a:t>
             </a:r>
             <a:r>
-              <a:rPr lang="en-US" dirty="0" smtClean="0"/>
+              <a:rPr lang="en-US" dirty="0"/>
               <a:t>/IE11.export/Container_1.4 | head -n 1</a:t>
             </a:r>
           </a:p>
           <a:p>
-            <a:endParaRPr lang="en-US" dirty="0" smtClean="0"/>
+            <a:endParaRPr lang="en-US" dirty="0"/>
           </a:p>
           <a:p>
             <a:endParaRPr lang="en-US" dirty="0"/>
@@ -2171,77 +2332,76 @@
               <a:defRPr/>
             </a:pPr>
             <a:r>
-              <a:rPr lang="en-US" dirty="0" err="1" smtClean="0"/>
+              <a:rPr lang="en-US" dirty="0" err="1"/>
               <a:t>awk</a:t>
             </a:r>
             <a:r>
-              <a:rPr lang="en-US" dirty="0" smtClean="0"/>
+              <a:rPr lang="en-US" dirty="0"/>
               <a:t> '{print NR, $13, $18}' FS='\t' </a:t>
             </a:r>
             <a:r>
-              <a:rPr lang="en-US" dirty="0" err="1" smtClean="0"/>
+              <a:rPr lang="en-US" dirty="0" err="1"/>
               <a:t>webhistory</a:t>
             </a:r>
             <a:r>
-              <a:rPr lang="en-US" dirty="0" smtClean="0"/>
+              <a:rPr lang="en-US" dirty="0"/>
               <a:t>/IE11.export/Container_1.4 | head -n 5</a:t>
             </a:r>
           </a:p>
           <a:p>
             <a:r>
-              <a:rPr lang="en-US" dirty="0" err="1" smtClean="0"/>
+              <a:rPr lang="en-US" dirty="0" err="1"/>
               <a:t>awk</a:t>
             </a:r>
             <a:r>
-              <a:rPr lang="en-US" dirty="0" smtClean="0"/>
+              <a:rPr lang="en-US" dirty="0"/>
               <a:t> '{print NR, $13, $18}' FS='\t' </a:t>
             </a:r>
             <a:r>
-              <a:rPr lang="en-US" dirty="0" err="1" smtClean="0"/>
+              <a:rPr lang="en-US" dirty="0" err="1"/>
               <a:t>webhistory</a:t>
             </a:r>
             <a:r>
-              <a:rPr lang="en-US" dirty="0" smtClean="0"/>
+              <a:rPr lang="en-US" dirty="0"/>
               <a:t>/IE11.export/Container_1.4 | </a:t>
             </a:r>
             <a:r>
-              <a:rPr lang="en-US" dirty="0" err="1" smtClean="0"/>
+              <a:rPr lang="en-US" dirty="0" err="1"/>
               <a:t>wc</a:t>
             </a:r>
             <a:r>
-              <a:rPr lang="en-US" dirty="0" smtClean="0"/>
+              <a:rPr lang="en-US" dirty="0"/>
               <a:t> –l</a:t>
             </a:r>
           </a:p>
           <a:p>
             <a:r>
-              <a:rPr lang="en-US" dirty="0" err="1" smtClean="0"/>
+              <a:rPr lang="en-US" dirty="0" err="1"/>
               <a:t>awk</a:t>
             </a:r>
             <a:r>
-              <a:rPr lang="en-US" dirty="0" smtClean="0"/>
+              <a:rPr lang="en-US" dirty="0"/>
               <a:t> '{print NR, $13, $18}' FS='\t' </a:t>
             </a:r>
             <a:r>
-              <a:rPr lang="en-US" dirty="0" err="1" smtClean="0"/>
+              <a:rPr lang="en-US" dirty="0" err="1"/>
               <a:t>webhistory</a:t>
             </a:r>
             <a:r>
-              <a:rPr lang="en-US" dirty="0" smtClean="0"/>
+              <a:rPr lang="en-US" dirty="0"/>
               <a:t>/IE11.export/Container* | </a:t>
             </a:r>
             <a:r>
-              <a:rPr lang="en-US" dirty="0" err="1" smtClean="0"/>
+              <a:rPr lang="en-US" dirty="0" err="1"/>
               <a:t>wc</a:t>
             </a:r>
             <a:r>
-              <a:rPr lang="en-US" dirty="0" smtClean="0"/>
+              <a:rPr lang="en-US" dirty="0"/>
               <a:t> -l</a:t>
             </a:r>
-            <a:endParaRPr lang="en-US" dirty="0" smtClean="0"/>
-          </a:p>
-          <a:p>
-            <a:endParaRPr lang="en-US" dirty="0" smtClean="0"/>
+          </a:p>
+          <a:p>
+            <a:endParaRPr lang="en-US" dirty="0"/>
           </a:p>
           <a:p>
             <a:endParaRPr lang="en-US" dirty="0"/>
@@ -2329,10 +2489,9 @@
           <a:lstStyle/>
           <a:p>
             <a:r>
-              <a:rPr lang="en-US" dirty="0" smtClean="0"/>
+              <a:rPr lang="en-US" dirty="0"/>
               <a:t>https://github.com/libyal/libmsiecf</a:t>
             </a:r>
-            <a:endParaRPr lang="en-US" dirty="0"/>
           </a:p>
         </p:txBody>
       </p:sp>
@@ -2417,11 +2576,11 @@
           <a:lstStyle/>
           <a:p>
             <a:r>
-              <a:rPr lang="en-US" dirty="0" smtClean="0"/>
+              <a:rPr lang="en-US" dirty="0"/>
               <a:t>apt-get  install </a:t>
             </a:r>
             <a:r>
-              <a:rPr lang="en-US" dirty="0" err="1" smtClean="0"/>
+              <a:rPr lang="en-US" dirty="0" err="1"/>
               <a:t>pasco</a:t>
             </a:r>
             <a:endParaRPr lang="en-US" dirty="0"/>
@@ -2509,42 +2668,42 @@
           <a:lstStyle/>
           <a:p>
             <a:r>
-              <a:rPr lang="en-US" dirty="0" smtClean="0"/>
+              <a:rPr lang="en-US" dirty="0"/>
               <a:t>.open </a:t>
             </a:r>
             <a:r>
-              <a:rPr lang="en-US" dirty="0" err="1" smtClean="0"/>
+              <a:rPr lang="en-US" dirty="0" err="1"/>
               <a:t>webhistory</a:t>
             </a:r>
             <a:r>
-              <a:rPr lang="en-US" dirty="0" smtClean="0"/>
+              <a:rPr lang="en-US" dirty="0"/>
               <a:t>/History</a:t>
             </a:r>
           </a:p>
           <a:p>
             <a:r>
-              <a:rPr lang="en-US" dirty="0" smtClean="0"/>
+              <a:rPr lang="en-US" dirty="0"/>
               <a:t>.tables</a:t>
             </a:r>
           </a:p>
           <a:p>
             <a:r>
-              <a:rPr lang="en-US" dirty="0" smtClean="0"/>
+              <a:rPr lang="en-US" dirty="0"/>
               <a:t>.schema </a:t>
             </a:r>
             <a:r>
-              <a:rPr lang="en-US" dirty="0" err="1" smtClean="0"/>
+              <a:rPr lang="en-US" dirty="0" err="1"/>
               <a:t>urls</a:t>
             </a:r>
-            <a:endParaRPr lang="en-US" dirty="0" smtClean="0"/>
-          </a:p>
-          <a:p>
-            <a:r>
-              <a:rPr lang="en-US" dirty="0" smtClean="0"/>
+            <a:endParaRPr lang="en-US" dirty="0"/>
+          </a:p>
+          <a:p>
+            <a:r>
+              <a:rPr lang="en-US" dirty="0"/>
               <a:t>.shell</a:t>
             </a:r>
             <a:r>
-              <a:rPr lang="en-US" baseline="0" dirty="0" smtClean="0"/>
+              <a:rPr lang="en-US" baseline="0" dirty="0"/>
               <a:t> clear</a:t>
             </a:r>
             <a:endParaRPr lang="en-US" dirty="0"/>
@@ -2632,142 +2791,142 @@
           <a:lstStyle/>
           <a:p>
             <a:r>
-              <a:rPr lang="en-US" dirty="0" smtClean="0"/>
+              <a:rPr lang="en-US" dirty="0"/>
               <a:t>select id, </a:t>
             </a:r>
             <a:r>
-              <a:rPr lang="en-US" dirty="0" err="1" smtClean="0"/>
+              <a:rPr lang="en-US" dirty="0" err="1"/>
               <a:t>url</a:t>
             </a:r>
             <a:r>
-              <a:rPr lang="en-US" dirty="0" smtClean="0"/>
+              <a:rPr lang="en-US" dirty="0"/>
               <a:t>, </a:t>
             </a:r>
             <a:r>
-              <a:rPr lang="en-US" dirty="0" err="1" smtClean="0"/>
+              <a:rPr lang="en-US" dirty="0" err="1"/>
               <a:t>last_visit_time</a:t>
             </a:r>
             <a:r>
-              <a:rPr lang="en-US" dirty="0" smtClean="0"/>
+              <a:rPr lang="en-US" dirty="0"/>
               <a:t> from </a:t>
             </a:r>
             <a:r>
-              <a:rPr lang="en-US" dirty="0" err="1" smtClean="0"/>
+              <a:rPr lang="en-US" dirty="0" err="1"/>
               <a:t>urls</a:t>
             </a:r>
             <a:r>
-              <a:rPr lang="en-US" dirty="0" smtClean="0"/>
+              <a:rPr lang="en-US" dirty="0"/>
               <a:t> limit 5;</a:t>
             </a:r>
           </a:p>
           <a:p>
-            <a:endParaRPr lang="en-US" dirty="0" smtClean="0"/>
-          </a:p>
-          <a:p>
-            <a:r>
-              <a:rPr lang="en-US" dirty="0" smtClean="0"/>
+            <a:endParaRPr lang="en-US" dirty="0"/>
+          </a:p>
+          <a:p>
+            <a:r>
+              <a:rPr lang="en-US" dirty="0"/>
               <a:t>CREATE TABLE </a:t>
             </a:r>
             <a:r>
-              <a:rPr lang="en-US" dirty="0" err="1" smtClean="0"/>
+              <a:rPr lang="en-US" dirty="0" err="1"/>
               <a:t>urls</a:t>
             </a:r>
             <a:r>
-              <a:rPr lang="en-US" dirty="0" smtClean="0"/>
+              <a:rPr lang="en-US" dirty="0"/>
               <a:t>(id INTEGER PRIMARY </a:t>
             </a:r>
             <a:r>
-              <a:rPr lang="en-US" dirty="0" err="1" smtClean="0"/>
+              <a:rPr lang="en-US" dirty="0" err="1"/>
               <a:t>KEY,url</a:t>
             </a:r>
             <a:r>
-              <a:rPr lang="en-US" dirty="0" smtClean="0"/>
+              <a:rPr lang="en-US" dirty="0"/>
               <a:t> </a:t>
             </a:r>
             <a:r>
-              <a:rPr lang="en-US" dirty="0" err="1" smtClean="0"/>
+              <a:rPr lang="en-US" dirty="0" err="1"/>
               <a:t>LONGVARCHAR,title</a:t>
             </a:r>
             <a:r>
-              <a:rPr lang="en-US" dirty="0" smtClean="0"/>
+              <a:rPr lang="en-US" dirty="0"/>
               <a:t> </a:t>
             </a:r>
             <a:r>
-              <a:rPr lang="en-US" dirty="0" err="1" smtClean="0"/>
+              <a:rPr lang="en-US" dirty="0" err="1"/>
               <a:t>LONGVARCHAR,visit_count</a:t>
             </a:r>
             <a:r>
-              <a:rPr lang="en-US" dirty="0" smtClean="0"/>
+              <a:rPr lang="en-US" dirty="0"/>
               <a:t> INTEGER DEFAULT 0 NOT </a:t>
             </a:r>
             <a:r>
-              <a:rPr lang="en-US" dirty="0" err="1" smtClean="0"/>
+              <a:rPr lang="en-US" dirty="0" err="1"/>
               <a:t>NULL,typed_count</a:t>
             </a:r>
             <a:r>
-              <a:rPr lang="en-US" dirty="0" smtClean="0"/>
+              <a:rPr lang="en-US" dirty="0"/>
               <a:t> INTEGER DEFAULT 0 NOT </a:t>
             </a:r>
             <a:r>
-              <a:rPr lang="en-US" dirty="0" err="1" smtClean="0"/>
+              <a:rPr lang="en-US" dirty="0" err="1"/>
               <a:t>NULL,last_visit_time</a:t>
             </a:r>
             <a:r>
-              <a:rPr lang="en-US" dirty="0" smtClean="0"/>
+              <a:rPr lang="en-US" dirty="0"/>
               <a:t> INTEGER NOT </a:t>
             </a:r>
             <a:r>
-              <a:rPr lang="en-US" dirty="0" err="1" smtClean="0"/>
+              <a:rPr lang="en-US" dirty="0" err="1"/>
               <a:t>NULL,hidden</a:t>
             </a:r>
             <a:r>
-              <a:rPr lang="en-US" dirty="0" smtClean="0"/>
+              <a:rPr lang="en-US" dirty="0"/>
               <a:t> INTEGER DEFAULT 0 NOT </a:t>
             </a:r>
             <a:r>
-              <a:rPr lang="en-US" dirty="0" err="1" smtClean="0"/>
+              <a:rPr lang="en-US" dirty="0" err="1"/>
               <a:t>NULL,favicon_id</a:t>
             </a:r>
             <a:r>
-              <a:rPr lang="en-US" dirty="0" smtClean="0"/>
+              <a:rPr lang="en-US" dirty="0"/>
               <a:t> INTEGER DEFAULT 0 NOT NULL);</a:t>
             </a:r>
           </a:p>
           <a:p>
-            <a:endParaRPr lang="en-US" dirty="0" smtClean="0"/>
-          </a:p>
-          <a:p>
-            <a:r>
-              <a:rPr lang="en-US" dirty="0" smtClean="0"/>
+            <a:endParaRPr lang="en-US" dirty="0"/>
+          </a:p>
+          <a:p>
+            <a:r>
+              <a:rPr lang="en-US" dirty="0"/>
               <a:t>CREATE INDEX </a:t>
             </a:r>
             <a:r>
-              <a:rPr lang="en-US" dirty="0" err="1" smtClean="0"/>
+              <a:rPr lang="en-US" dirty="0" err="1"/>
               <a:t>urls_url_index</a:t>
             </a:r>
             <a:r>
-              <a:rPr lang="en-US" dirty="0" smtClean="0"/>
+              <a:rPr lang="en-US" dirty="0"/>
               <a:t> ON </a:t>
             </a:r>
             <a:r>
-              <a:rPr lang="en-US" dirty="0" err="1" smtClean="0"/>
+              <a:rPr lang="en-US" dirty="0" err="1"/>
               <a:t>urls</a:t>
             </a:r>
             <a:r>
-              <a:rPr lang="en-US" dirty="0" smtClean="0"/>
+              <a:rPr lang="en-US" dirty="0"/>
               <a:t> (</a:t>
             </a:r>
             <a:r>
-              <a:rPr lang="en-US" dirty="0" err="1" smtClean="0"/>
+              <a:rPr lang="en-US" dirty="0" err="1"/>
               <a:t>url</a:t>
             </a:r>
             <a:r>
-              <a:rPr lang="en-US" dirty="0" smtClean="0"/>
+              <a:rPr lang="en-US" dirty="0"/>
               <a:t>);</a:t>
             </a:r>
           </a:p>
           <a:p>
-            <a:endParaRPr lang="en-US" dirty="0" smtClean="0"/>
+            <a:endParaRPr lang="en-US" dirty="0"/>
           </a:p>
           <a:p>
             <a:endParaRPr lang="en-US" dirty="0"/>
@@ -2855,10 +3014,9 @@
           <a:lstStyle/>
           <a:p>
             <a:r>
-              <a:rPr lang="en-US" dirty="0" smtClean="0"/>
+              <a:rPr lang="en-US" dirty="0"/>
               <a:t>https://www.bing.com/search?q=myteststring&amp;src=IE-SearchBox&amp;FORM=IEMAE2&amp;pc=EUPP</a:t>
             </a:r>
-            <a:endParaRPr lang="en-US" dirty="0"/>
           </a:p>
         </p:txBody>
       </p:sp>
@@ -2943,10 +3101,9 @@
           <a:lstStyle/>
           <a:p>
             <a:r>
-              <a:rPr lang="en-US" dirty="0" smtClean="0"/>
+              <a:rPr lang="en-US" dirty="0"/>
               <a:t>https://www.bing.com/search?q=myteststring&amp;src=IE-SearchBox&amp;FORM=IEMAE2&amp;pc=EUPP</a:t>
             </a:r>
-            <a:endParaRPr lang="en-US" dirty="0"/>
           </a:p>
         </p:txBody>
       </p:sp>
@@ -3031,21 +3188,21 @@
           <a:lstStyle/>
           <a:p>
             <a:r>
-              <a:rPr lang="en-US" dirty="0" err="1" smtClean="0"/>
+              <a:rPr lang="en-US" dirty="0" err="1"/>
               <a:t>bing</a:t>
             </a:r>
             <a:r>
-              <a:rPr lang="en-US" dirty="0" smtClean="0"/>
+              <a:rPr lang="en-US" dirty="0"/>
               <a:t>\.com\/search\?q=(.*?)\&amp;</a:t>
             </a:r>
           </a:p>
           <a:p>
             <a:r>
-              <a:rPr lang="en-US" dirty="0" smtClean="0"/>
+              <a:rPr lang="en-US" dirty="0"/>
               <a:t>https://www.bing.com/search?</a:t>
             </a:r>
             <a:r>
-              <a:rPr lang="en-US" dirty="0" smtClean="0">
+              <a:rPr lang="en-US" dirty="0">
                 <a:solidFill>
                   <a:srgbClr val="FF0000"/>
                 </a:solidFill>
@@ -3053,10 +3210,9 @@
               <a:t>q=myteststring</a:t>
             </a:r>
             <a:r>
-              <a:rPr lang="en-US" dirty="0" smtClean="0"/>
+              <a:rPr lang="en-US" dirty="0"/>
               <a:t>&amp;src=IE-SearchBox&amp;FORM=IEMAE2&amp;pc=EUPP</a:t>
             </a:r>
-            <a:endParaRPr lang="en-US" dirty="0"/>
           </a:p>
         </p:txBody>
       </p:sp>
@@ -3141,28 +3297,95 @@
           <a:lstStyle/>
           <a:p>
             <a:r>
-              <a:rPr lang="en-US" dirty="0" err="1" smtClean="0"/>
+              <a:rPr lang="en-US" dirty="0" err="1"/>
               <a:t>losetup</a:t>
             </a:r>
             <a:r>
-              <a:rPr lang="en-US" dirty="0" smtClean="0"/>
+              <a:rPr lang="en-US" dirty="0"/>
               <a:t> --</a:t>
             </a:r>
             <a:r>
-              <a:rPr lang="en-US" dirty="0" err="1" smtClean="0"/>
+              <a:rPr lang="en-US" dirty="0" err="1"/>
               <a:t>partscan</a:t>
             </a:r>
             <a:r>
-              <a:rPr lang="en-US" dirty="0" smtClean="0"/>
+              <a:rPr lang="en-US" dirty="0"/>
               <a:t>  --find --show  --read-only cfreds_2015_data_leakage_pc.dd </a:t>
             </a:r>
           </a:p>
           <a:p>
             <a:r>
-              <a:rPr lang="en-US" dirty="0" smtClean="0"/>
+              <a:rPr lang="en-US" altLang="zh-CN" dirty="0" err="1"/>
+              <a:t>mkdir</a:t>
+            </a:r>
+            <a:r>
+              <a:rPr lang="en-US" altLang="zh-CN" dirty="0"/>
+              <a:t> /</a:t>
+            </a:r>
+            <a:r>
+              <a:rPr lang="en-US" altLang="zh-CN" dirty="0" err="1"/>
+              <a:t>mnt</a:t>
+            </a:r>
+            <a:r>
+              <a:rPr lang="en-US" altLang="zh-CN" dirty="0"/>
+              <a:t>/</a:t>
+            </a:r>
+            <a:r>
+              <a:rPr lang="en-US" altLang="zh-CN" dirty="0" err="1"/>
+              <a:t>loopdev</a:t>
+            </a:r>
+            <a:endParaRPr lang="en-US" dirty="0"/>
+          </a:p>
+          <a:p>
+            <a:r>
+              <a:rPr lang="en-US" dirty="0"/>
+              <a:t>mount -o </a:t>
+            </a:r>
+            <a:r>
+              <a:rPr lang="en-US" dirty="0" err="1"/>
+              <a:t>ro,loop,offset</a:t>
+            </a:r>
+            <a:r>
+              <a:rPr lang="en-US" dirty="0"/>
+              <a:t>=206848  cfreds_2015_data_leakage_pc.dd /</a:t>
+            </a:r>
+            <a:r>
+              <a:rPr lang="en-US" dirty="0" err="1"/>
+              <a:t>mnt</a:t>
+            </a:r>
+            <a:r>
+              <a:rPr lang="en-US" dirty="0"/>
+              <a:t>/</a:t>
+            </a:r>
+            <a:r>
+              <a:rPr lang="en-US" dirty="0" err="1"/>
+              <a:t>loopdev</a:t>
+            </a:r>
+            <a:endParaRPr lang="en-US" dirty="0"/>
+          </a:p>
+          <a:p>
+            <a:r>
+              <a:rPr lang="en-US" dirty="0" err="1"/>
+              <a:t>umount</a:t>
+            </a:r>
+            <a:r>
+              <a:rPr lang="en-US" dirty="0"/>
+              <a:t> /</a:t>
+            </a:r>
+            <a:r>
+              <a:rPr lang="en-US" dirty="0" err="1"/>
+              <a:t>mnt</a:t>
+            </a:r>
+            <a:r>
+              <a:rPr lang="en-US" dirty="0"/>
+              <a:t>/nist_dataleak_pc_dd2/</a:t>
+            </a:r>
+          </a:p>
+          <a:p>
+            <a:r>
+              <a:rPr lang="en-US" dirty="0"/>
               <a:t>ls /media/root/C8CA0C8DCA0C7A48/Windows/*.log</a:t>
             </a:r>
-            <a:endParaRPr lang="en-US" dirty="0"/>
           </a:p>
         </p:txBody>
       </p:sp>
@@ -3247,30 +3470,29 @@
           <a:lstStyle/>
           <a:p>
             <a:r>
-              <a:rPr lang="en-US" dirty="0" err="1" smtClean="0"/>
+              <a:rPr lang="en-US" dirty="0" err="1"/>
               <a:t>awk</a:t>
             </a:r>
             <a:r>
-              <a:rPr lang="en-US" dirty="0" smtClean="0"/>
+              <a:rPr lang="en-US" dirty="0"/>
               <a:t> '{print $34}'  </a:t>
             </a:r>
             <a:r>
-              <a:rPr lang="en-US" dirty="0" err="1" smtClean="0"/>
+              <a:rPr lang="en-US" dirty="0" err="1"/>
               <a:t>webhistory</a:t>
             </a:r>
             <a:r>
-              <a:rPr lang="en-US" dirty="0" smtClean="0"/>
+              <a:rPr lang="en-US" dirty="0"/>
               <a:t>/IE11.export/Container* | grep -P "</a:t>
             </a:r>
             <a:r>
-              <a:rPr lang="en-US" dirty="0" err="1" smtClean="0"/>
+              <a:rPr lang="en-US" dirty="0" err="1"/>
               <a:t>bing</a:t>
             </a:r>
             <a:r>
-              <a:rPr lang="en-US" dirty="0" smtClean="0"/>
+              <a:rPr lang="en-US" dirty="0"/>
               <a:t>\.com\/search\?q=(.*?)\&amp;" --color</a:t>
             </a:r>
-            <a:endParaRPr lang="en-US" dirty="0"/>
           </a:p>
         </p:txBody>
       </p:sp>
@@ -3456,7 +3678,7 @@
               <a:defRPr/>
             </a:pPr>
             <a:r>
-              <a:rPr lang="en-US" dirty="0" smtClean="0"/>
+              <a:rPr lang="en-US" dirty="0"/>
               <a:t>google\.com\/search\?.*q=(.*?)\&amp;</a:t>
             </a:r>
           </a:p>
@@ -3630,46 +3852,45 @@
           <a:lstStyle/>
           <a:p>
             <a:r>
-              <a:rPr lang="en-US" dirty="0" smtClean="0"/>
+              <a:rPr lang="en-US" dirty="0"/>
               <a:t>sqlite3 </a:t>
             </a:r>
             <a:r>
-              <a:rPr lang="en-US" dirty="0" err="1" smtClean="0"/>
+              <a:rPr lang="en-US" dirty="0" err="1"/>
               <a:t>webhistory</a:t>
             </a:r>
             <a:r>
-              <a:rPr lang="en-US" dirty="0" smtClean="0"/>
+              <a:rPr lang="en-US" dirty="0"/>
               <a:t>/History </a:t>
             </a:r>
           </a:p>
           <a:p>
             <a:r>
-              <a:rPr lang="en-US" dirty="0" smtClean="0"/>
+              <a:rPr lang="en-US" dirty="0"/>
               <a:t>select </a:t>
             </a:r>
             <a:r>
-              <a:rPr lang="en-US" dirty="0" err="1" smtClean="0"/>
+              <a:rPr lang="en-US" dirty="0" err="1"/>
               <a:t>id,title</a:t>
             </a:r>
             <a:r>
-              <a:rPr lang="en-US" dirty="0" smtClean="0"/>
+              <a:rPr lang="en-US" dirty="0"/>
               <a:t>  from </a:t>
             </a:r>
             <a:r>
-              <a:rPr lang="en-US" dirty="0" err="1" smtClean="0"/>
+              <a:rPr lang="en-US" dirty="0" err="1"/>
               <a:t>urls</a:t>
             </a:r>
             <a:r>
-              <a:rPr lang="en-US" dirty="0" smtClean="0"/>
+              <a:rPr lang="en-US" dirty="0"/>
               <a:t> where title like '%Search%';</a:t>
             </a:r>
           </a:p>
           <a:p>
             <a:r>
-              <a:rPr lang="en-US" dirty="0" smtClean="0"/>
+              <a:rPr lang="en-US" dirty="0"/>
               <a:t>.quit</a:t>
             </a:r>
-            <a:endParaRPr lang="en-US" dirty="0"/>
           </a:p>
         </p:txBody>
       </p:sp>
@@ -3754,11 +3975,11 @@
           <a:lstStyle/>
           <a:p>
             <a:r>
-              <a:rPr lang="en-US" dirty="0" smtClean="0"/>
+              <a:rPr lang="en-US" dirty="0"/>
               <a:t>rip.pl -r NTUSER_informant.DAT -p </a:t>
             </a:r>
             <a:r>
-              <a:rPr lang="en-US" dirty="0" err="1" smtClean="0"/>
+              <a:rPr lang="en-US" dirty="0" err="1"/>
               <a:t>wordwheelquery</a:t>
             </a:r>
             <a:endParaRPr lang="en-US" dirty="0"/>
@@ -3846,10 +4067,9 @@
           <a:lstStyle/>
           <a:p>
             <a:r>
-              <a:rPr lang="en-US" dirty="0" smtClean="0"/>
+              <a:rPr lang="en-US" dirty="0"/>
               <a:t>cat /media/root/C8CA0C8DCA0C7A48/Windows/IE11_main.log | head</a:t>
             </a:r>
-            <a:endParaRPr lang="en-US" dirty="0"/>
           </a:p>
         </p:txBody>
       </p:sp>
@@ -3934,18 +4154,17 @@
           <a:lstStyle/>
           <a:p>
             <a:r>
-              <a:rPr lang="en-US" dirty="0" smtClean="0"/>
+              <a:rPr lang="en-US" dirty="0"/>
               <a:t>apt-get install </a:t>
             </a:r>
             <a:r>
-              <a:rPr lang="en-US" dirty="0" err="1" smtClean="0"/>
+              <a:rPr lang="en-US" dirty="0" err="1"/>
               <a:t>libhivex</a:t>
             </a:r>
             <a:r>
-              <a:rPr lang="en-US" dirty="0" smtClean="0"/>
+              <a:rPr lang="en-US" dirty="0"/>
               <a:t>-bin</a:t>
             </a:r>
-            <a:endParaRPr lang="en-US" dirty="0"/>
           </a:p>
         </p:txBody>
       </p:sp>
@@ -4030,10 +4249,9 @@
           <a:lstStyle/>
           <a:p>
             <a:r>
-              <a:rPr lang="en-US" dirty="0" smtClean="0"/>
+              <a:rPr lang="en-US" dirty="0"/>
               <a:t>https://www.libguestfs.org/hivexsh.1.html</a:t>
             </a:r>
-            <a:endParaRPr lang="en-US" dirty="0"/>
           </a:p>
         </p:txBody>
       </p:sp>
@@ -4118,37 +4336,36 @@
           <a:lstStyle/>
           <a:p>
             <a:r>
-              <a:rPr lang="en-US" dirty="0" smtClean="0"/>
+              <a:rPr lang="en-US" dirty="0"/>
               <a:t>load SOFTWARE</a:t>
             </a:r>
           </a:p>
           <a:p>
             <a:r>
-              <a:rPr lang="en-US" dirty="0" smtClean="0"/>
+              <a:rPr lang="en-US" dirty="0"/>
               <a:t>cd Microsoft\Internet Explorer</a:t>
             </a:r>
           </a:p>
           <a:p>
             <a:r>
-              <a:rPr lang="en-US" dirty="0" err="1" smtClean="0"/>
+              <a:rPr lang="en-US" dirty="0" err="1"/>
               <a:t>lsval</a:t>
             </a:r>
             <a:r>
-              <a:rPr lang="en-US" dirty="0" smtClean="0"/>
+              <a:rPr lang="en-US" dirty="0"/>
               <a:t> </a:t>
             </a:r>
             <a:r>
-              <a:rPr lang="en-US" dirty="0" err="1" smtClean="0"/>
+              <a:rPr lang="en-US" dirty="0" err="1"/>
               <a:t>svcVersion</a:t>
             </a:r>
-            <a:endParaRPr lang="en-US" dirty="0" smtClean="0"/>
-          </a:p>
-          <a:p>
-            <a:r>
-              <a:rPr lang="en-US" dirty="0" smtClean="0"/>
+            <a:endParaRPr lang="en-US" dirty="0"/>
+          </a:p>
+          <a:p>
+            <a:r>
+              <a:rPr lang="en-US" dirty="0"/>
               <a:t>quit</a:t>
             </a:r>
-            <a:endParaRPr lang="en-US" dirty="0"/>
           </a:p>
         </p:txBody>
       </p:sp>
@@ -4233,18 +4450,17 @@
           <a:lstStyle/>
           <a:p>
             <a:r>
-              <a:rPr lang="en-US" dirty="0" smtClean="0"/>
+              <a:rPr lang="en-US" dirty="0"/>
               <a:t>Read more:</a:t>
             </a:r>
             <a:r>
-              <a:rPr lang="en-US" baseline="0" dirty="0" smtClean="0"/>
+              <a:rPr lang="en-US" baseline="0" dirty="0"/>
               <a:t> </a:t>
             </a:r>
             <a:r>
-              <a:rPr lang="en-US" dirty="0" smtClean="0"/>
+              <a:rPr lang="en-US" dirty="0"/>
               <a:t>https://www.passcape.com/browser_history</a:t>
             </a:r>
-            <a:endParaRPr lang="en-US" dirty="0"/>
           </a:p>
         </p:txBody>
       </p:sp>
@@ -4329,26 +4545,25 @@
           <a:lstStyle/>
           <a:p>
             <a:r>
-              <a:rPr lang="en-US" dirty="0" smtClean="0"/>
+              <a:rPr lang="en-US" dirty="0"/>
               <a:t>ls -l  /media/root/C8CA0C8DCA0C7A48/Users/informant/</a:t>
             </a:r>
             <a:r>
-              <a:rPr lang="en-US" dirty="0" err="1" smtClean="0"/>
+              <a:rPr lang="en-US" dirty="0" err="1"/>
               <a:t>AppData</a:t>
             </a:r>
             <a:r>
-              <a:rPr lang="en-US" dirty="0" smtClean="0"/>
+              <a:rPr lang="en-US" dirty="0"/>
               <a:t>/Local/Microsoft/Windows/</a:t>
             </a:r>
             <a:r>
-              <a:rPr lang="en-US" dirty="0" err="1" smtClean="0"/>
+              <a:rPr lang="en-US" dirty="0" err="1"/>
               <a:t>WebCache</a:t>
             </a:r>
             <a:r>
-              <a:rPr lang="en-US" dirty="0" smtClean="0"/>
+              <a:rPr lang="en-US" dirty="0"/>
               <a:t>/</a:t>
             </a:r>
-            <a:endParaRPr lang="en-US" dirty="0"/>
           </a:p>
         </p:txBody>
       </p:sp>
@@ -4517,7 +4732,7 @@
           <a:p>
             <a:fld id="{4263717A-E3C1-4BED-ABE0-B7069385E023}" type="datetimeFigureOut">
               <a:rPr lang="en-US" smtClean="0"/>
-              <a:t>12/21/2020</a:t>
+              <a:t>3/3/2021</a:t>
             </a:fld>
             <a:endParaRPr lang="en-US"/>
           </a:p>
@@ -4690,7 +4905,7 @@
           <a:p>
             <a:fld id="{4263717A-E3C1-4BED-ABE0-B7069385E023}" type="datetimeFigureOut">
               <a:rPr lang="en-US" smtClean="0"/>
-              <a:t>12/21/2020</a:t>
+              <a:t>3/3/2021</a:t>
             </a:fld>
             <a:endParaRPr lang="en-US"/>
           </a:p>
@@ -4868,7 +5083,7 @@
           <a:p>
             <a:fld id="{4263717A-E3C1-4BED-ABE0-B7069385E023}" type="datetimeFigureOut">
               <a:rPr lang="en-US" smtClean="0"/>
-              <a:t>12/21/2020</a:t>
+              <a:t>3/3/2021</a:t>
             </a:fld>
             <a:endParaRPr lang="en-US"/>
           </a:p>
@@ -5036,7 +5251,7 @@
           <a:p>
             <a:fld id="{4263717A-E3C1-4BED-ABE0-B7069385E023}" type="datetimeFigureOut">
               <a:rPr lang="en-US" smtClean="0"/>
-              <a:t>12/21/2020</a:t>
+              <a:t>3/3/2021</a:t>
             </a:fld>
             <a:endParaRPr lang="en-US"/>
           </a:p>
@@ -5281,7 +5496,7 @@
           <a:p>
             <a:fld id="{4263717A-E3C1-4BED-ABE0-B7069385E023}" type="datetimeFigureOut">
               <a:rPr lang="en-US" smtClean="0"/>
-              <a:t>12/21/2020</a:t>
+              <a:t>3/3/2021</a:t>
             </a:fld>
             <a:endParaRPr lang="en-US"/>
           </a:p>
@@ -5510,7 +5725,7 @@
           <a:p>
             <a:fld id="{4263717A-E3C1-4BED-ABE0-B7069385E023}" type="datetimeFigureOut">
               <a:rPr lang="en-US" smtClean="0"/>
-              <a:t>12/21/2020</a:t>
+              <a:t>3/3/2021</a:t>
             </a:fld>
             <a:endParaRPr lang="en-US"/>
           </a:p>
@@ -5874,7 +6089,7 @@
           <a:p>
             <a:fld id="{4263717A-E3C1-4BED-ABE0-B7069385E023}" type="datetimeFigureOut">
               <a:rPr lang="en-US" smtClean="0"/>
-              <a:t>12/21/2020</a:t>
+              <a:t>3/3/2021</a:t>
             </a:fld>
             <a:endParaRPr lang="en-US"/>
           </a:p>
@@ -5991,7 +6206,7 @@
           <a:p>
             <a:fld id="{4263717A-E3C1-4BED-ABE0-B7069385E023}" type="datetimeFigureOut">
               <a:rPr lang="en-US" smtClean="0"/>
-              <a:t>12/21/2020</a:t>
+              <a:t>3/3/2021</a:t>
             </a:fld>
             <a:endParaRPr lang="en-US"/>
           </a:p>
@@ -6086,7 +6301,7 @@
           <a:p>
             <a:fld id="{4263717A-E3C1-4BED-ABE0-B7069385E023}" type="datetimeFigureOut">
               <a:rPr lang="en-US" smtClean="0"/>
-              <a:t>12/21/2020</a:t>
+              <a:t>3/3/2021</a:t>
             </a:fld>
             <a:endParaRPr lang="en-US"/>
           </a:p>
@@ -6361,7 +6576,7 @@
           <a:p>
             <a:fld id="{4263717A-E3C1-4BED-ABE0-B7069385E023}" type="datetimeFigureOut">
               <a:rPr lang="en-US" smtClean="0"/>
-              <a:t>12/21/2020</a:t>
+              <a:t>3/3/2021</a:t>
             </a:fld>
             <a:endParaRPr lang="en-US"/>
           </a:p>
@@ -6613,7 +6828,7 @@
           <a:p>
             <a:fld id="{4263717A-E3C1-4BED-ABE0-B7069385E023}" type="datetimeFigureOut">
               <a:rPr lang="en-US" smtClean="0"/>
-              <a:t>12/21/2020</a:t>
+              <a:t>3/3/2021</a:t>
             </a:fld>
             <a:endParaRPr lang="en-US"/>
           </a:p>
@@ -6824,7 +7039,7 @@
           <a:p>
             <a:fld id="{4263717A-E3C1-4BED-ABE0-B7069385E023}" type="datetimeFigureOut">
               <a:rPr lang="en-US" smtClean="0"/>
-              <a:t>12/21/2020</a:t>
+              <a:t>3/3/2021</a:t>
             </a:fld>
             <a:endParaRPr lang="en-US"/>
           </a:p>
@@ -7431,11 +7646,11 @@
           <a:lstStyle/>
           <a:p>
             <a:r>
-              <a:rPr lang="en-US" dirty="0" smtClean="0"/>
+              <a:rPr lang="en-US" dirty="0"/>
               <a:t>Keywords: Web browsers, history, SQL, </a:t>
             </a:r>
             <a:r>
-              <a:rPr lang="en-US" dirty="0" err="1" smtClean="0"/>
+              <a:rPr lang="en-US" dirty="0" err="1"/>
               <a:t>hivexsh</a:t>
             </a:r>
             <a:endParaRPr lang="en-US" dirty="0"/>
@@ -7480,7 +7695,7 @@
           <p:cNvPr id="4" name="TextBox 3">
             <a:extLst>
               <a:ext uri="{FF2B5EF4-FFF2-40B4-BE49-F238E27FC236}">
-                <a16:creationId xmlns="" xmlns:a16="http://schemas.microsoft.com/office/drawing/2014/main" id="{91E53F63-8CA2-4C02-9BE9-06BC57AF2BBC}"/>
+                <a16:creationId xmlns:a16="http://schemas.microsoft.com/office/drawing/2014/main" id="{91E53F63-8CA2-4C02-9BE9-06BC57AF2BBC}"/>
               </a:ext>
             </a:extLst>
           </p:cNvPr>
@@ -7507,11 +7722,7 @@
           <a:p>
             <a:r>
               <a:rPr lang="en-US" dirty="0"/>
-              <a:t>Internet Explorer </a:t>
-            </a:r>
-            <a:r>
-              <a:rPr lang="en-US" dirty="0" smtClean="0"/>
-              <a:t>11 </a:t>
+              <a:t>Internet Explorer 11 </a:t>
             </a:r>
             <a:r>
               <a:rPr lang="en-US" dirty="0">
@@ -7584,7 +7795,7 @@
           <p:cNvPr id="7" name="TextBox 6">
             <a:extLst>
               <a:ext uri="{FF2B5EF4-FFF2-40B4-BE49-F238E27FC236}">
-                <a16:creationId xmlns="" xmlns:a16="http://schemas.microsoft.com/office/drawing/2014/main" id="{C4FB1B15-E48B-444A-BFB7-26DECE7C74E9}"/>
+                <a16:creationId xmlns:a16="http://schemas.microsoft.com/office/drawing/2014/main" id="{C4FB1B15-E48B-444A-BFB7-26DECE7C74E9}"/>
               </a:ext>
             </a:extLst>
           </p:cNvPr>
@@ -7611,14 +7822,10 @@
           <a:p>
             <a:r>
               <a:rPr lang="en-US" dirty="0"/>
-              <a:t>Google </a:t>
-            </a:r>
-            <a:r>
-              <a:rPr lang="en-US" dirty="0" smtClean="0"/>
-              <a:t>Chrome </a:t>
-            </a:r>
-            <a:r>
-              <a:rPr lang="en-US" dirty="0" smtClean="0">
+              <a:t>Find Google Chrome </a:t>
+            </a:r>
+            <a:r>
+              <a:rPr lang="en-US" dirty="0">
                 <a:solidFill>
                   <a:srgbClr val="FF0000"/>
                 </a:solidFill>
@@ -7626,11 +7833,11 @@
               <a:t>Cache</a:t>
             </a:r>
             <a:r>
-              <a:rPr lang="en-US" dirty="0" smtClean="0"/>
+              <a:rPr lang="en-US" dirty="0"/>
               <a:t>, </a:t>
             </a:r>
             <a:r>
-              <a:rPr lang="en-US" dirty="0" smtClean="0">
+              <a:rPr lang="en-US" dirty="0">
                 <a:solidFill>
                   <a:srgbClr val="FF0000"/>
                 </a:solidFill>
@@ -7638,22 +7845,17 @@
               <a:t>Cookies</a:t>
             </a:r>
             <a:r>
-              <a:rPr lang="en-US" dirty="0" smtClean="0"/>
+              <a:rPr lang="en-US" dirty="0"/>
               <a:t>, and </a:t>
             </a:r>
             <a:r>
-              <a:rPr lang="en-US" dirty="0" smtClean="0">
+              <a:rPr lang="en-US" dirty="0">
                 <a:solidFill>
                   <a:srgbClr val="FF0000"/>
                 </a:solidFill>
               </a:rPr>
               <a:t>History</a:t>
             </a:r>
-            <a:endParaRPr lang="en-US" dirty="0">
-              <a:solidFill>
-                <a:srgbClr val="FF0000"/>
-              </a:solidFill>
-            </a:endParaRPr>
           </a:p>
         </p:txBody>
       </p:sp>
@@ -7727,7 +7929,7 @@
           <a:lstStyle/>
           <a:p>
             <a:r>
-              <a:rPr lang="en-US" dirty="0" smtClean="0">
+              <a:rPr lang="en-US" dirty="0">
                 <a:solidFill>
                   <a:srgbClr val="FF0000"/>
                 </a:solidFill>
@@ -7757,34 +7959,34 @@
           <a:lstStyle/>
           <a:p>
             <a:r>
-              <a:rPr lang="en-US" dirty="0" smtClean="0"/>
+              <a:rPr lang="en-US" dirty="0"/>
               <a:t>Three types of browsers</a:t>
             </a:r>
           </a:p>
           <a:p>
             <a:pPr lvl="1"/>
             <a:r>
-              <a:rPr lang="en-US" dirty="0" smtClean="0"/>
+              <a:rPr lang="en-US" dirty="0"/>
               <a:t>IE 11</a:t>
             </a:r>
           </a:p>
           <a:p>
             <a:pPr lvl="1"/>
             <a:r>
-              <a:rPr lang="en-US" dirty="0" smtClean="0"/>
+              <a:rPr lang="en-US" dirty="0"/>
               <a:t>IE 8</a:t>
             </a:r>
           </a:p>
           <a:p>
             <a:pPr lvl="1"/>
             <a:r>
-              <a:rPr lang="en-US" dirty="0" smtClean="0"/>
+              <a:rPr lang="en-US" dirty="0"/>
               <a:t>Chrome</a:t>
             </a:r>
           </a:p>
           <a:p>
             <a:r>
-              <a:rPr lang="en-US" dirty="0" smtClean="0"/>
+              <a:rPr lang="en-US" dirty="0"/>
               <a:t>For browser</a:t>
             </a:r>
           </a:p>
@@ -7803,7 +8005,7 @@
             </a:r>
           </a:p>
           <a:p>
-            <a:endParaRPr lang="en-US" dirty="0" smtClean="0"/>
+            <a:endParaRPr lang="en-US" dirty="0"/>
           </a:p>
           <a:p>
             <a:pPr lvl="1"/>
@@ -7857,18 +8059,9 @@
           <a:lstStyle/>
           <a:p>
             <a:r>
-              <a:rPr lang="en-US" dirty="0" smtClean="0"/>
-              <a:t>Copy </a:t>
-            </a:r>
-            <a:r>
-              <a:rPr lang="en-US" dirty="0" smtClean="0"/>
-              <a:t>Three Browser </a:t>
-            </a:r>
-            <a:r>
-              <a:rPr lang="en-US" dirty="0" smtClean="0"/>
-              <a:t>information </a:t>
-            </a:r>
-            <a:endParaRPr lang="en-US" dirty="0"/>
+              <a:rPr lang="en-US" dirty="0"/>
+              <a:t>Copy Three Browser History Files </a:t>
+            </a:r>
           </a:p>
         </p:txBody>
       </p:sp>
@@ -7897,12 +8090,8 @@
           <a:lstStyle/>
           <a:p>
             <a:r>
-              <a:rPr lang="en-US" dirty="0" smtClean="0"/>
-              <a:t>Copy IE </a:t>
-            </a:r>
-            <a:r>
-              <a:rPr lang="en-US" dirty="0"/>
-              <a:t>11 History </a:t>
+              <a:rPr lang="en-US" dirty="0"/>
+              <a:t>Copy IE 11 History </a:t>
             </a:r>
             <a:r>
               <a:rPr lang="en-US" i="1" dirty="0">
@@ -7988,26 +8177,17 @@
           <a:lstStyle/>
           <a:p>
             <a:r>
-              <a:rPr lang="en-US" dirty="0" smtClean="0"/>
-              <a:t>Copy IE 8 </a:t>
-            </a:r>
-            <a:r>
-              <a:rPr lang="en-US" dirty="0"/>
-              <a:t>History </a:t>
-            </a:r>
-            <a:r>
-              <a:rPr lang="en-US" i="1" dirty="0" smtClean="0">
+              <a:rPr lang="en-US" dirty="0"/>
+              <a:t>Copy IE 8 History </a:t>
+            </a:r>
+            <a:r>
+              <a:rPr lang="en-US" i="1" dirty="0">
                 <a:solidFill>
                   <a:schemeClr val="accent5"/>
                 </a:solidFill>
               </a:rPr>
               <a:t>index.dat</a:t>
             </a:r>
-            <a:endParaRPr lang="en-US" i="1" dirty="0">
-              <a:solidFill>
-                <a:schemeClr val="accent5"/>
-              </a:solidFill>
-            </a:endParaRPr>
           </a:p>
         </p:txBody>
       </p:sp>
@@ -8066,15 +8246,11 @@
           <a:lstStyle/>
           <a:p>
             <a:r>
-              <a:rPr lang="en-US" dirty="0" smtClean="0"/>
-              <a:t>Copy Chrome </a:t>
-            </a:r>
-            <a:r>
-              <a:rPr lang="en-US" dirty="0"/>
-              <a:t>History </a:t>
-            </a:r>
-            <a:r>
-              <a:rPr lang="en-US" i="1" dirty="0" err="1" smtClean="0">
+              <a:rPr lang="en-US" dirty="0"/>
+              <a:t>Copy Chrome History </a:t>
+            </a:r>
+            <a:r>
+              <a:rPr lang="en-US" i="1" dirty="0" err="1">
                 <a:solidFill>
                   <a:schemeClr val="accent5"/>
                 </a:solidFill>
@@ -8159,7 +8335,7 @@
           <a:lstStyle/>
           <a:p>
             <a:r>
-              <a:rPr lang="en-US" dirty="0" smtClean="0">
+              <a:rPr lang="en-US" dirty="0">
                 <a:solidFill>
                   <a:srgbClr val="FF0000"/>
                 </a:solidFill>
@@ -8167,11 +8343,11 @@
               <a:t>15.1</a:t>
             </a:r>
             <a:r>
-              <a:rPr lang="en-US" dirty="0" smtClean="0"/>
+              <a:rPr lang="en-US" dirty="0"/>
               <a:t> View </a:t>
             </a:r>
             <a:r>
-              <a:rPr lang="en-US" dirty="0" smtClean="0">
+              <a:rPr lang="en-US" dirty="0">
                 <a:solidFill>
                   <a:srgbClr val="FF0000"/>
                 </a:solidFill>
@@ -8179,11 +8355,11 @@
               <a:t>IE 11 </a:t>
             </a:r>
             <a:r>
-              <a:rPr lang="en-US" dirty="0" smtClean="0"/>
+              <a:rPr lang="en-US" dirty="0"/>
               <a:t>History Using </a:t>
             </a:r>
             <a:r>
-              <a:rPr lang="en-US" i="1" dirty="0" err="1" smtClean="0">
+              <a:rPr lang="en-US" i="1" dirty="0" err="1">
                 <a:solidFill>
                   <a:srgbClr val="FF0000"/>
                 </a:solidFill>
@@ -8191,18 +8367,13 @@
               <a:t>libesedb</a:t>
             </a:r>
             <a:r>
-              <a:rPr lang="en-US" i="1" dirty="0" smtClean="0">
+              <a:rPr lang="en-US" i="1" dirty="0">
                 <a:solidFill>
                   <a:srgbClr val="FF0000"/>
                 </a:solidFill>
               </a:rPr>
               <a:t> </a:t>
             </a:r>
-            <a:endParaRPr lang="en-US" i="1" dirty="0">
-              <a:solidFill>
-                <a:srgbClr val="FF0000"/>
-              </a:solidFill>
-            </a:endParaRPr>
           </a:p>
         </p:txBody>
       </p:sp>
@@ -8229,11 +8400,11 @@
           <a:lstStyle/>
           <a:p>
             <a:r>
-              <a:rPr lang="en-US" dirty="0" smtClean="0"/>
+              <a:rPr lang="en-US" dirty="0"/>
               <a:t>How to view </a:t>
             </a:r>
             <a:r>
-              <a:rPr lang="en-US" i="1" dirty="0" smtClean="0">
+              <a:rPr lang="en-US" i="1" dirty="0">
                 <a:solidFill>
                   <a:srgbClr val="007DB5"/>
                 </a:solidFill>
@@ -8241,17 +8412,16 @@
               <a:t>WebCacheV01.dat</a:t>
             </a:r>
             <a:r>
-              <a:rPr lang="en-US" dirty="0" smtClean="0"/>
+              <a:rPr lang="en-US" dirty="0"/>
               <a:t>? </a:t>
             </a:r>
           </a:p>
           <a:p>
             <a:pPr lvl="1"/>
             <a:r>
-              <a:rPr lang="en-US" dirty="0" smtClean="0"/>
+              <a:rPr lang="en-US" dirty="0"/>
               <a:t>Need to determine the file type first</a:t>
             </a:r>
-            <a:endParaRPr lang="en-US" dirty="0"/>
           </a:p>
         </p:txBody>
       </p:sp>
@@ -8304,30 +8474,17 @@
           <a:lstStyle/>
           <a:p>
             <a:r>
-              <a:rPr lang="en-US" dirty="0" smtClean="0"/>
-              <a:t>Find the file </a:t>
-            </a:r>
-            <a:r>
-              <a:rPr lang="en-US" dirty="0"/>
-              <a:t>type </a:t>
-            </a:r>
-            <a:r>
-              <a:rPr lang="en-US" dirty="0" smtClean="0"/>
-              <a:t>of </a:t>
-            </a:r>
-            <a:r>
-              <a:rPr lang="en-US" i="1" dirty="0" smtClean="0">
+              <a:rPr lang="en-US" dirty="0"/>
+              <a:t>Find the file type of </a:t>
+            </a:r>
+            <a:r>
+              <a:rPr lang="en-US" i="1" dirty="0">
                 <a:solidFill>
                   <a:srgbClr val="007DB5"/>
                 </a:solidFill>
               </a:rPr>
               <a:t>WebCacheV01.dat </a:t>
             </a:r>
-            <a:endParaRPr lang="en-US" i="1" dirty="0">
-              <a:solidFill>
-                <a:srgbClr val="007DB5"/>
-              </a:solidFill>
-            </a:endParaRPr>
           </a:p>
         </p:txBody>
       </p:sp>
@@ -8377,11 +8534,11 @@
           <a:lstStyle/>
           <a:p>
             <a:r>
-              <a:rPr lang="en-US" dirty="0" smtClean="0"/>
+              <a:rPr lang="en-US" dirty="0"/>
               <a:t>What </a:t>
             </a:r>
             <a:r>
-              <a:rPr lang="en-US" i="1" dirty="0" err="1" smtClean="0">
+              <a:rPr lang="en-US" i="1" dirty="0" err="1">
                 <a:solidFill>
                   <a:srgbClr val="FF0000"/>
                 </a:solidFill>
@@ -8389,10 +8546,9 @@
               <a:t>libesedb</a:t>
             </a:r>
             <a:r>
-              <a:rPr lang="en-US" dirty="0" smtClean="0"/>
+              <a:rPr lang="en-US" dirty="0"/>
               <a:t>?</a:t>
             </a:r>
-            <a:endParaRPr lang="en-US" dirty="0"/>
           </a:p>
         </p:txBody>
       </p:sp>
@@ -8460,11 +8616,7 @@
             </a:r>
             <a:r>
               <a:rPr lang="en-US" dirty="0"/>
-              <a:t>) format</a:t>
-            </a:r>
-            <a:r>
-              <a:rPr lang="en-US" dirty="0" smtClean="0"/>
-              <a:t>.</a:t>
+              <a:t>) format.</a:t>
             </a:r>
           </a:p>
           <a:p>
@@ -8476,27 +8628,15 @@
           </a:p>
           <a:p>
             <a:r>
-              <a:rPr lang="en-US" dirty="0" smtClean="0"/>
-              <a:t>The </a:t>
-            </a:r>
-            <a:r>
-              <a:rPr lang="en-US" dirty="0"/>
-              <a:t>ESE database format is used in may different </a:t>
-            </a:r>
-            <a:r>
-              <a:rPr lang="en-US" dirty="0" smtClean="0"/>
-              <a:t>applications</a:t>
+              <a:rPr lang="en-US" dirty="0"/>
+              <a:t>The ESE database format is used in many different applications</a:t>
             </a:r>
           </a:p>
           <a:p>
             <a:pPr lvl="1"/>
             <a:r>
-              <a:rPr lang="en-US" dirty="0" smtClean="0"/>
-              <a:t>Windows </a:t>
-            </a:r>
-            <a:r>
-              <a:rPr lang="en-US" dirty="0"/>
-              <a:t>Search, Windows Mail, Exchange, Active Directory, etc.</a:t>
+              <a:rPr lang="en-US" dirty="0"/>
+              <a:t>Windows Search, Windows Mail, Exchange, Active Directory, etc.</a:t>
             </a:r>
           </a:p>
         </p:txBody>
@@ -8550,11 +8690,11 @@
           <a:lstStyle/>
           <a:p>
             <a:r>
-              <a:rPr lang="en-US" dirty="0" smtClean="0"/>
+              <a:rPr lang="en-US" dirty="0"/>
               <a:t>Install </a:t>
             </a:r>
             <a:r>
-              <a:rPr lang="en-US" i="1" dirty="0" err="1" smtClean="0">
+              <a:rPr lang="en-US" i="1" dirty="0" err="1">
                 <a:solidFill>
                   <a:srgbClr val="007DB5"/>
                 </a:solidFill>
@@ -8725,11 +8865,11 @@
           <a:lstStyle/>
           <a:p>
             <a:r>
-              <a:rPr lang="en-US" dirty="0" smtClean="0"/>
+              <a:rPr lang="en-US" dirty="0"/>
               <a:t>Export </a:t>
             </a:r>
             <a:r>
-              <a:rPr lang="en-US" i="1" dirty="0" smtClean="0">
+              <a:rPr lang="en-US" i="1" dirty="0">
                 <a:solidFill>
                   <a:srgbClr val="7030A0"/>
                 </a:solidFill>
@@ -8737,18 +8877,17 @@
               <a:t>WebCacheV01.dat </a:t>
             </a:r>
             <a:r>
-              <a:rPr lang="en-US" dirty="0" smtClean="0"/>
+              <a:rPr lang="en-US" dirty="0"/>
               <a:t>to the folder </a:t>
             </a:r>
             <a:r>
-              <a:rPr lang="en-US" dirty="0" err="1" smtClean="0"/>
+              <a:rPr lang="en-US" dirty="0" err="1"/>
               <a:t>webhistory</a:t>
             </a:r>
             <a:r>
-              <a:rPr lang="en-US" dirty="0" smtClean="0"/>
+              <a:rPr lang="en-US" dirty="0"/>
               <a:t>/IE11</a:t>
             </a:r>
-            <a:endParaRPr lang="en-US" dirty="0"/>
           </a:p>
         </p:txBody>
       </p:sp>
@@ -8777,10 +8916,9 @@
           <a:lstStyle/>
           <a:p>
             <a:r>
-              <a:rPr lang="en-US" dirty="0" smtClean="0"/>
+              <a:rPr lang="en-US" dirty="0"/>
               <a:t>Verify the file the folder</a:t>
             </a:r>
-            <a:endParaRPr lang="en-US" dirty="0"/>
           </a:p>
         </p:txBody>
       </p:sp>
@@ -8809,10 +8947,9 @@
           <a:lstStyle/>
           <a:p>
             <a:r>
-              <a:rPr lang="en-US" dirty="0" smtClean="0"/>
+              <a:rPr lang="en-US" dirty="0"/>
               <a:t>Find the type of the file</a:t>
             </a:r>
-            <a:endParaRPr lang="en-US" dirty="0"/>
           </a:p>
         </p:txBody>
       </p:sp>
@@ -8886,7 +9023,7 @@
           <a:lstStyle/>
           <a:p>
             <a:r>
-              <a:rPr lang="en-US" i="1" dirty="0" err="1" smtClean="0">
+              <a:rPr lang="en-US" i="1" dirty="0" err="1">
                 <a:solidFill>
                   <a:srgbClr val="FF0000"/>
                 </a:solidFill>
@@ -8894,7 +9031,7 @@
               <a:t>awk</a:t>
             </a:r>
             <a:r>
-              <a:rPr lang="en-US" i="1" dirty="0" smtClean="0">
+              <a:rPr lang="en-US" i="1" dirty="0">
                 <a:solidFill>
                   <a:srgbClr val="FF0000"/>
                 </a:solidFill>
@@ -8902,7 +9039,7 @@
               <a:t> </a:t>
             </a:r>
             <a:r>
-              <a:rPr lang="en-US" dirty="0" smtClean="0">
+              <a:rPr lang="en-US" dirty="0">
                 <a:solidFill>
                   <a:srgbClr val="FF0000"/>
                 </a:solidFill>
@@ -8910,10 +9047,9 @@
               <a:t> </a:t>
             </a:r>
             <a:r>
-              <a:rPr lang="en-US" dirty="0" smtClean="0"/>
+              <a:rPr lang="en-US" dirty="0"/>
               <a:t>command</a:t>
             </a:r>
-            <a:endParaRPr lang="en-US" dirty="0"/>
           </a:p>
         </p:txBody>
       </p:sp>
@@ -8935,59 +9071,34 @@
           <a:lstStyle/>
           <a:p>
             <a:r>
-              <a:rPr lang="en-US" dirty="0" smtClean="0"/>
-              <a:t>A </a:t>
-            </a:r>
-            <a:r>
-              <a:rPr lang="en-US" dirty="0"/>
-              <a:t>scripting language used for manipulating data and generating </a:t>
-            </a:r>
-            <a:r>
-              <a:rPr lang="en-US" dirty="0" smtClean="0"/>
-              <a:t>reports</a:t>
+              <a:rPr lang="en-US" dirty="0"/>
+              <a:t>A scripting language used for manipulating data and generating reports</a:t>
             </a:r>
           </a:p>
           <a:p>
             <a:pPr lvl="1"/>
             <a:r>
-              <a:rPr lang="en-US" dirty="0" smtClean="0"/>
-              <a:t>Transform </a:t>
-            </a:r>
-            <a:r>
-              <a:rPr lang="en-US" dirty="0"/>
-              <a:t>data files</a:t>
+              <a:rPr lang="en-US" dirty="0"/>
+              <a:t>Transform data files</a:t>
             </a:r>
           </a:p>
           <a:p>
             <a:pPr lvl="1"/>
             <a:r>
-              <a:rPr lang="en-US" dirty="0" smtClean="0"/>
-              <a:t>Produce </a:t>
-            </a:r>
-            <a:r>
-              <a:rPr lang="en-US" dirty="0"/>
-              <a:t>formatted reports</a:t>
-            </a:r>
-            <a:endParaRPr lang="en-US" dirty="0" smtClean="0"/>
-          </a:p>
-          <a:p>
-            <a:r>
-              <a:rPr lang="en-US" dirty="0" smtClean="0"/>
-              <a:t>Abbreviated </a:t>
-            </a:r>
-            <a:r>
-              <a:rPr lang="en-US" dirty="0"/>
-              <a:t>from the names of the </a:t>
-            </a:r>
-            <a:r>
-              <a:rPr lang="en-US" dirty="0" smtClean="0"/>
-              <a:t>developers</a:t>
+              <a:rPr lang="en-US" dirty="0"/>
+              <a:t>Produce formatted reports</a:t>
+            </a:r>
+          </a:p>
+          <a:p>
+            <a:r>
+              <a:rPr lang="en-US" dirty="0"/>
+              <a:t>Abbreviated from the names of the developers</a:t>
             </a:r>
           </a:p>
           <a:p>
             <a:pPr lvl="1"/>
             <a:r>
-              <a:rPr lang="en-US" dirty="0" err="1" smtClean="0">
+              <a:rPr lang="en-US" dirty="0" err="1">
                 <a:solidFill>
                   <a:srgbClr val="FF0000"/>
                 </a:solidFill>
@@ -8995,7 +9106,7 @@
               <a:t>A</a:t>
             </a:r>
             <a:r>
-              <a:rPr lang="en-US" dirty="0" err="1" smtClean="0"/>
+              <a:rPr lang="en-US" dirty="0" err="1"/>
               <a:t>ho</a:t>
             </a:r>
             <a:r>
@@ -9024,61 +9135,41 @@
             </a:r>
             <a:r>
               <a:rPr lang="en-US" dirty="0"/>
-              <a:t>ernighan</a:t>
-            </a:r>
-            <a:r>
-              <a:rPr lang="en-US" dirty="0" smtClean="0"/>
-              <a:t>.</a:t>
-            </a:r>
-          </a:p>
-          <a:p>
-            <a:r>
-              <a:rPr lang="en-US" dirty="0" smtClean="0"/>
+              <a:t>ernighan.</a:t>
+            </a:r>
+          </a:p>
+          <a:p>
+            <a:r>
+              <a:rPr lang="en-US" dirty="0"/>
               <a:t>Operations</a:t>
             </a:r>
           </a:p>
           <a:p>
             <a:pPr lvl="1"/>
             <a:r>
-              <a:rPr lang="en-US" dirty="0" smtClean="0"/>
-              <a:t>Scans </a:t>
-            </a:r>
-            <a:r>
-              <a:rPr lang="en-US" dirty="0"/>
-              <a:t>a file line by line</a:t>
+              <a:rPr lang="en-US" dirty="0"/>
+              <a:t>Scans a file line by line</a:t>
             </a:r>
           </a:p>
           <a:p>
             <a:pPr lvl="1"/>
             <a:r>
-              <a:rPr lang="en-US" dirty="0" smtClean="0"/>
-              <a:t>Splits </a:t>
-            </a:r>
-            <a:r>
-              <a:rPr lang="en-US" dirty="0"/>
-              <a:t>each input line into fields</a:t>
+              <a:rPr lang="en-US" dirty="0"/>
+              <a:t>Splits each input line into fields</a:t>
             </a:r>
           </a:p>
           <a:p>
             <a:pPr lvl="1"/>
             <a:r>
-              <a:rPr lang="en-US" dirty="0" smtClean="0"/>
-              <a:t>Compares </a:t>
-            </a:r>
-            <a:r>
-              <a:rPr lang="en-US" dirty="0"/>
-              <a:t>input line/fields to pattern</a:t>
+              <a:rPr lang="en-US" dirty="0"/>
+              <a:t>Compares input line/fields to pattern</a:t>
             </a:r>
           </a:p>
           <a:p>
             <a:pPr lvl="1"/>
             <a:r>
-              <a:rPr lang="en-US" dirty="0" smtClean="0"/>
-              <a:t>Performs </a:t>
-            </a:r>
-            <a:r>
-              <a:rPr lang="en-US" dirty="0"/>
-              <a:t>action(s) on matched lines</a:t>
+              <a:rPr lang="en-US" dirty="0"/>
+              <a:t>Performs action(s) on matched lines</a:t>
             </a:r>
           </a:p>
         </p:txBody>
@@ -9129,7 +9220,7 @@
           <a:lstStyle/>
           <a:p>
             <a:r>
-              <a:rPr lang="en-US" dirty="0" smtClean="0">
+              <a:rPr lang="en-US" dirty="0">
                 <a:solidFill>
                   <a:srgbClr val="FF0000"/>
                 </a:solidFill>
@@ -9137,12 +9228,8 @@
               <a:t>13. </a:t>
             </a:r>
             <a:r>
-              <a:rPr lang="en-US" dirty="0" smtClean="0"/>
-              <a:t>What </a:t>
-            </a:r>
-            <a:r>
-              <a:rPr lang="en-US" dirty="0"/>
-              <a:t>web browsers were used?</a:t>
+              <a:rPr lang="en-US" dirty="0"/>
+              <a:t>What web browsers were used?</a:t>
             </a:r>
           </a:p>
         </p:txBody>
@@ -9258,27 +9345,11 @@
                   <a:srgbClr val="FF0000"/>
                 </a:solidFill>
               </a:rPr>
-              <a:t>-</a:t>
-            </a:r>
-            <a:r>
-              <a:rPr lang="en-US" sz="1600" b="1" dirty="0" smtClean="0">
-                <a:solidFill>
-                  <a:srgbClr val="FF0000"/>
-                </a:solidFill>
-              </a:rPr>
-              <a:t>e</a:t>
-            </a:r>
-            <a:r>
-              <a:rPr lang="en-US" sz="1600" dirty="0" smtClean="0"/>
-              <a:t>: </a:t>
+              <a:t>-e</a:t>
             </a:r>
             <a:r>
               <a:rPr lang="en-US" sz="1600" dirty="0"/>
-              <a:t>here enables the interpretation of backslash </a:t>
-            </a:r>
-            <a:r>
-              <a:rPr lang="en-US" sz="1600" dirty="0" smtClean="0"/>
-              <a:t>escapes</a:t>
+              <a:t>: here enables the interpretation of backslash escapes</a:t>
             </a:r>
           </a:p>
           <a:p>
@@ -9353,7 +9424,7 @@
           <a:lstStyle/>
           <a:p>
             <a:r>
-              <a:rPr lang="en-US" sz="1400" b="1" dirty="0" smtClean="0">
+              <a:rPr lang="en-US" sz="1400" b="1" dirty="0">
                 <a:solidFill>
                   <a:srgbClr val="FF0000"/>
                 </a:solidFill>
@@ -9369,7 +9440,7 @@
               <a:t>pattern</a:t>
             </a:r>
             <a:r>
-              <a:rPr lang="en-US" sz="1400" b="1" dirty="0" smtClean="0">
+              <a:rPr lang="en-US" sz="1400" b="1" dirty="0">
                 <a:solidFill>
                   <a:srgbClr val="FF0000"/>
                 </a:solidFill>
@@ -9377,11 +9448,11 @@
               <a:t>/</a:t>
             </a:r>
             <a:r>
-              <a:rPr lang="en-US" sz="1400" dirty="0" smtClean="0"/>
+              <a:rPr lang="en-US" sz="1400" dirty="0"/>
               <a:t>: match a </a:t>
             </a:r>
             <a:r>
-              <a:rPr lang="en-US" sz="1400" i="1" dirty="0" smtClean="0">
+              <a:rPr lang="en-US" sz="1400" i="1" dirty="0">
                 <a:solidFill>
                   <a:srgbClr val="7030A0"/>
                 </a:solidFill>
@@ -9391,7 +9462,7 @@
           </a:p>
           <a:p>
             <a:r>
-              <a:rPr lang="en-US" sz="1400" b="1" dirty="0" smtClean="0">
+              <a:rPr lang="en-US" sz="1400" b="1" dirty="0">
                 <a:solidFill>
                   <a:srgbClr val="FF0000"/>
                 </a:solidFill>
@@ -9399,7 +9470,7 @@
               <a:t>{</a:t>
             </a:r>
             <a:r>
-              <a:rPr lang="en-US" sz="1400" i="1" dirty="0" smtClean="0">
+              <a:rPr lang="en-US" sz="1400" i="1" dirty="0">
                 <a:solidFill>
                   <a:srgbClr val="7030A0"/>
                 </a:solidFill>
@@ -9407,7 +9478,7 @@
               <a:t>action</a:t>
             </a:r>
             <a:r>
-              <a:rPr lang="en-US" sz="1400" b="1" dirty="0" smtClean="0">
+              <a:rPr lang="en-US" sz="1400" b="1" dirty="0">
                 <a:solidFill>
                   <a:srgbClr val="FF0000"/>
                 </a:solidFill>
@@ -9415,15 +9486,15 @@
               <a:t>} </a:t>
             </a:r>
             <a:r>
-              <a:rPr lang="en-US" sz="1400" b="1" dirty="0" smtClean="0"/>
+              <a:rPr lang="en-US" sz="1400" b="1" dirty="0"/>
               <a:t>:</a:t>
             </a:r>
             <a:r>
-              <a:rPr lang="en-US" sz="1400" dirty="0" smtClean="0"/>
+              <a:rPr lang="en-US" sz="1400" dirty="0"/>
               <a:t> execute an </a:t>
             </a:r>
             <a:r>
-              <a:rPr lang="en-US" sz="1400" i="1" dirty="0" smtClean="0">
+              <a:rPr lang="en-US" sz="1400" i="1" dirty="0">
                 <a:solidFill>
                   <a:srgbClr val="7030A0"/>
                 </a:solidFill>
@@ -9433,7 +9504,7 @@
           </a:p>
           <a:p>
             <a:r>
-              <a:rPr lang="en-US" sz="1400" i="1" dirty="0" smtClean="0">
+              <a:rPr lang="en-US" sz="1400" i="1" dirty="0">
                 <a:solidFill>
                   <a:srgbClr val="FF0000"/>
                 </a:solidFill>
@@ -9441,7 +9512,7 @@
               <a:t>$</a:t>
             </a:r>
             <a:r>
-              <a:rPr lang="en-US" sz="1400" i="1" dirty="0" smtClean="0">
+              <a:rPr lang="en-US" sz="1400" i="1" dirty="0">
                 <a:solidFill>
                   <a:srgbClr val="7030A0"/>
                 </a:solidFill>
@@ -9461,7 +9532,7 @@
         <p:spPr>
           <a:xfrm>
             <a:off x="265498" y="5559551"/>
-            <a:ext cx="6187078" cy="369332"/>
+            <a:ext cx="6301149" cy="369332"/>
           </a:xfrm>
           <a:prstGeom prst="rect">
             <a:avLst/>
@@ -9480,7 +9551,7 @@
           <a:lstStyle/>
           <a:p>
             <a:r>
-              <a:rPr lang="en-US" i="1" dirty="0" err="1">
+              <a:rPr lang="en-US" i="1" dirty="0">
                 <a:solidFill>
                   <a:srgbClr val="FF0000"/>
                 </a:solidFill>
@@ -9500,28 +9571,12 @@
               <a:t>options </a:t>
             </a:r>
             <a:r>
-              <a:rPr lang="en-US" i="1" dirty="0" smtClean="0">
-                <a:solidFill>
-                  <a:srgbClr val="007DB5"/>
-                </a:solidFill>
-              </a:rPr>
-              <a:t>‘selection </a:t>
-            </a:r>
-            <a:r>
               <a:rPr lang="en-US" i="1" dirty="0">
                 <a:solidFill>
                   <a:srgbClr val="007DB5"/>
                 </a:solidFill>
               </a:rPr>
-              <a:t>_criteria {action </a:t>
-            </a:r>
-            <a:r>
-              <a:rPr lang="en-US" i="1" dirty="0" smtClean="0">
-                <a:solidFill>
-                  <a:srgbClr val="007DB5"/>
-                </a:solidFill>
-              </a:rPr>
-              <a:t>}’ </a:t>
+              <a:t>‘/selection _criteria/ {action }’ </a:t>
             </a:r>
             <a:r>
               <a:rPr lang="en-US" dirty="0"/>
@@ -9555,10 +9610,9 @@
           <a:lstStyle/>
           <a:p>
             <a:r>
-              <a:rPr lang="en-US" dirty="0" smtClean="0"/>
+              <a:rPr lang="en-US" dirty="0"/>
               <a:t>Create three lines with three attributes</a:t>
             </a:r>
-            <a:endParaRPr lang="en-US" dirty="0"/>
           </a:p>
         </p:txBody>
       </p:sp>
@@ -9591,11 +9645,11 @@
               <a:buChar char="•"/>
             </a:pPr>
             <a:r>
-              <a:rPr lang="en-US" dirty="0" smtClean="0"/>
+              <a:rPr lang="en-US" dirty="0"/>
               <a:t>Select lines with the key word “</a:t>
             </a:r>
             <a:r>
-              <a:rPr lang="en-US" i="1" dirty="0" smtClean="0">
+              <a:rPr lang="en-US" i="1" dirty="0">
                 <a:solidFill>
                   <a:srgbClr val="007DB5"/>
                 </a:solidFill>
@@ -9603,7 +9657,7 @@
               <a:t>manager</a:t>
             </a:r>
             <a:r>
-              <a:rPr lang="en-US" dirty="0" smtClean="0"/>
+              <a:rPr lang="en-US" dirty="0"/>
               <a:t>”</a:t>
             </a:r>
           </a:p>
@@ -9613,11 +9667,11 @@
               <a:buChar char="•"/>
             </a:pPr>
             <a:r>
-              <a:rPr lang="en-US" dirty="0" smtClean="0"/>
+              <a:rPr lang="en-US" dirty="0"/>
               <a:t>Select  attributes </a:t>
             </a:r>
             <a:r>
-              <a:rPr lang="en-US" dirty="0" smtClean="0">
+              <a:rPr lang="en-US" dirty="0">
                 <a:solidFill>
                   <a:srgbClr val="FF0000"/>
                 </a:solidFill>
@@ -9625,22 +9679,17 @@
               <a:t>1</a:t>
             </a:r>
             <a:r>
-              <a:rPr lang="en-US" dirty="0" smtClean="0"/>
+              <a:rPr lang="en-US" dirty="0"/>
               <a:t> and </a:t>
             </a:r>
             <a:r>
-              <a:rPr lang="en-US" dirty="0" smtClean="0">
+              <a:rPr lang="en-US" dirty="0">
                 <a:solidFill>
                   <a:srgbClr val="FF0000"/>
                 </a:solidFill>
               </a:rPr>
               <a:t>3</a:t>
             </a:r>
-            <a:endParaRPr lang="en-US" dirty="0">
-              <a:solidFill>
-                <a:srgbClr val="FF0000"/>
-              </a:solidFill>
-            </a:endParaRPr>
           </a:p>
         </p:txBody>
       </p:sp>
@@ -9723,10 +9772,9 @@
           <a:lstStyle/>
           <a:p>
             <a:r>
-              <a:rPr lang="en-US" dirty="0" smtClean="0"/>
+              <a:rPr lang="en-US" dirty="0"/>
               <a:t>Calculate sum </a:t>
             </a:r>
-            <a:endParaRPr lang="en-US" dirty="0"/>
           </a:p>
         </p:txBody>
       </p:sp>
@@ -9779,11 +9827,11 @@
           <a:lstStyle/>
           <a:p>
             <a:r>
-              <a:rPr lang="en-US" dirty="0" smtClean="0"/>
+              <a:rPr lang="en-US" dirty="0"/>
               <a:t>Show </a:t>
             </a:r>
             <a:r>
-              <a:rPr lang="en-US" dirty="0" smtClean="0">
+              <a:rPr lang="en-US" dirty="0">
                 <a:solidFill>
                   <a:srgbClr val="FF0000"/>
                 </a:solidFill>
@@ -9791,11 +9839,11 @@
               <a:t>R</a:t>
             </a:r>
             <a:r>
-              <a:rPr lang="en-US" dirty="0" smtClean="0"/>
+              <a:rPr lang="en-US" dirty="0"/>
               <a:t>ow </a:t>
             </a:r>
             <a:r>
-              <a:rPr lang="en-US" dirty="0" smtClean="0">
+              <a:rPr lang="en-US" dirty="0">
                 <a:solidFill>
                   <a:srgbClr val="FF0000"/>
                 </a:solidFill>
@@ -9803,10 +9851,9 @@
               <a:t>N</a:t>
             </a:r>
             <a:r>
-              <a:rPr lang="en-US" dirty="0" smtClean="0"/>
+              <a:rPr lang="en-US" dirty="0"/>
               <a:t>umber</a:t>
             </a:r>
-            <a:endParaRPr lang="en-US" dirty="0"/>
           </a:p>
         </p:txBody>
       </p:sp>
@@ -9889,10 +9936,9 @@
           <a:lstStyle/>
           <a:p>
             <a:r>
-              <a:rPr lang="en-US" dirty="0" smtClean="0"/>
+              <a:rPr lang="en-US" dirty="0"/>
               <a:t>Show field names</a:t>
             </a:r>
-            <a:endParaRPr lang="en-US" dirty="0"/>
           </a:p>
         </p:txBody>
       </p:sp>
@@ -9999,11 +10045,11 @@
           <a:lstStyle/>
           <a:p>
             <a:r>
-              <a:rPr lang="en-US" dirty="0" smtClean="0"/>
+              <a:rPr lang="en-US" dirty="0"/>
               <a:t>Separate fields with tab </a:t>
             </a:r>
             <a:r>
-              <a:rPr lang="en-US" i="1" dirty="0" smtClean="0">
+              <a:rPr lang="en-US" i="1" dirty="0">
                 <a:solidFill>
                   <a:srgbClr val="FF0000"/>
                 </a:solidFill>
@@ -10011,11 +10057,11 @@
               <a:t>‘\t’ </a:t>
             </a:r>
             <a:r>
-              <a:rPr lang="en-US" dirty="0" smtClean="0"/>
+              <a:rPr lang="en-US" dirty="0"/>
               <a:t>and show </a:t>
             </a:r>
             <a:r>
-              <a:rPr lang="en-US" i="1" dirty="0" err="1" smtClean="0">
+              <a:rPr lang="en-US" i="1" dirty="0" err="1">
                 <a:solidFill>
                   <a:srgbClr val="7030A0"/>
                 </a:solidFill>
@@ -10023,7 +10069,7 @@
               <a:t>ModifiedTime</a:t>
             </a:r>
             <a:r>
-              <a:rPr lang="en-US" dirty="0" smtClean="0">
+              <a:rPr lang="en-US" dirty="0">
                 <a:solidFill>
                   <a:srgbClr val="7030A0"/>
                 </a:solidFill>
@@ -10031,22 +10077,17 @@
               <a:t> </a:t>
             </a:r>
             <a:r>
-              <a:rPr lang="en-US" dirty="0" smtClean="0"/>
+              <a:rPr lang="en-US" dirty="0"/>
               <a:t>and </a:t>
             </a:r>
             <a:r>
-              <a:rPr lang="en-US" i="1" dirty="0" smtClean="0">
+              <a:rPr lang="en-US" i="1" dirty="0">
                 <a:solidFill>
                   <a:srgbClr val="7030A0"/>
                 </a:solidFill>
               </a:rPr>
               <a:t>URL</a:t>
             </a:r>
-            <a:endParaRPr lang="en-US" i="1" dirty="0">
-              <a:solidFill>
-                <a:srgbClr val="7030A0"/>
-              </a:solidFill>
-            </a:endParaRPr>
           </a:p>
         </p:txBody>
       </p:sp>
@@ -10099,7 +10140,7 @@
           <a:lstStyle/>
           <a:p>
             <a:r>
-              <a:rPr lang="en-US" dirty="0" smtClean="0"/>
+              <a:rPr lang="en-US" dirty="0"/>
               <a:t>Count the number records in the file</a:t>
             </a:r>
             <a:endParaRPr lang="en-US" i="1" dirty="0">
@@ -10159,19 +10200,11 @@
           <a:lstStyle/>
           <a:p>
             <a:r>
-              <a:rPr lang="en-US" dirty="0" smtClean="0"/>
-              <a:t>Count the number records in </a:t>
-            </a:r>
-            <a:r>
-              <a:rPr lang="en-US" dirty="0" smtClean="0"/>
-              <a:t>all </a:t>
-            </a:r>
-            <a:r>
-              <a:rPr lang="en-US" dirty="0" smtClean="0"/>
-              <a:t>files start with the string “</a:t>
-            </a:r>
-            <a:r>
-              <a:rPr lang="en-US" i="1" dirty="0" smtClean="0">
+              <a:rPr lang="en-US" dirty="0"/>
+              <a:t>Count the number records in all files start with the string “</a:t>
+            </a:r>
+            <a:r>
+              <a:rPr lang="en-US" i="1" dirty="0">
                 <a:solidFill>
                   <a:srgbClr val="007DB5"/>
                 </a:solidFill>
@@ -10179,7 +10212,7 @@
               <a:t>Container</a:t>
             </a:r>
             <a:r>
-              <a:rPr lang="en-US" dirty="0" smtClean="0"/>
+              <a:rPr lang="en-US" dirty="0"/>
               <a:t>”</a:t>
             </a:r>
             <a:endParaRPr lang="en-US" i="1" dirty="0">
@@ -10218,11 +10251,11 @@
           <a:lstStyle/>
           <a:p>
             <a:r>
-              <a:rPr lang="en-US" dirty="0" smtClean="0"/>
+              <a:rPr lang="en-US" dirty="0"/>
               <a:t>Optional : </a:t>
             </a:r>
             <a:r>
-              <a:rPr lang="en-US" i="1" dirty="0" smtClean="0">
+              <a:rPr lang="en-US" i="1" dirty="0">
                 <a:solidFill>
                   <a:srgbClr val="007DB5"/>
                 </a:solidFill>
@@ -10230,10 +10263,9 @@
               <a:t>cut</a:t>
             </a:r>
             <a:r>
-              <a:rPr lang="en-US" dirty="0" smtClean="0"/>
+              <a:rPr lang="en-US" dirty="0"/>
               <a:t> command</a:t>
             </a:r>
-            <a:endParaRPr lang="en-US" dirty="0"/>
           </a:p>
         </p:txBody>
       </p:sp>
@@ -10283,7 +10315,7 @@
           <a:lstStyle/>
           <a:p>
             <a:r>
-              <a:rPr lang="en-US" dirty="0" smtClean="0">
+              <a:rPr lang="en-US" dirty="0">
                 <a:solidFill>
                   <a:srgbClr val="FF0000"/>
                 </a:solidFill>
@@ -10291,7 +10323,7 @@
               <a:t>15.2 </a:t>
             </a:r>
             <a:r>
-              <a:rPr lang="en-US" dirty="0" smtClean="0"/>
+              <a:rPr lang="en-US" dirty="0"/>
               <a:t>View </a:t>
             </a:r>
             <a:r>
@@ -10300,18 +10332,10 @@
                   <a:srgbClr val="FF0000"/>
                 </a:solidFill>
               </a:rPr>
-              <a:t>IE </a:t>
-            </a:r>
-            <a:r>
-              <a:rPr lang="en-US" dirty="0" smtClean="0">
-                <a:solidFill>
-                  <a:srgbClr val="FF0000"/>
-                </a:solidFill>
-              </a:rPr>
-              <a:t>8 </a:t>
-            </a:r>
-            <a:r>
-              <a:rPr lang="en-US" dirty="0" smtClean="0"/>
+              <a:t>IE 8 </a:t>
+            </a:r>
+            <a:r>
+              <a:rPr lang="en-US" dirty="0"/>
               <a:t>History using </a:t>
             </a:r>
             <a:r>
@@ -10382,7 +10406,7 @@
           <a:lstStyle/>
           <a:p>
             <a:r>
-              <a:rPr lang="en-US" dirty="0" smtClean="0"/>
+              <a:rPr lang="en-US" dirty="0"/>
               <a:t>Exam the file type</a:t>
             </a:r>
             <a:endParaRPr lang="en-US" i="1" dirty="0">
@@ -10442,11 +10466,6 @@
               </a:rPr>
               <a:t>index.dat</a:t>
             </a:r>
-            <a:endParaRPr lang="en-US" sz="2800" i="1" dirty="0">
-              <a:solidFill>
-                <a:srgbClr val="007DB5"/>
-              </a:solidFill>
-            </a:endParaRPr>
           </a:p>
         </p:txBody>
       </p:sp>
@@ -10553,11 +10572,11 @@
           <a:lstStyle/>
           <a:p>
             <a:r>
-              <a:rPr lang="en-US" dirty="0" smtClean="0"/>
+              <a:rPr lang="en-US" dirty="0"/>
               <a:t>Install </a:t>
             </a:r>
             <a:r>
-              <a:rPr lang="en-US" dirty="0" err="1" smtClean="0"/>
+              <a:rPr lang="en-US" dirty="0" err="1"/>
               <a:t>pasco</a:t>
             </a:r>
             <a:endParaRPr lang="en-US" i="1" dirty="0">
@@ -10593,7 +10612,7 @@
           <a:lstStyle/>
           <a:p>
             <a:r>
-              <a:rPr lang="en-US" dirty="0" smtClean="0"/>
+              <a:rPr lang="en-US" dirty="0"/>
               <a:t>Show help</a:t>
             </a:r>
             <a:endParaRPr lang="en-US" i="1" dirty="0">
@@ -10683,22 +10702,17 @@
           <a:lstStyle/>
           <a:p>
             <a:r>
-              <a:rPr lang="en-US" dirty="0" smtClean="0"/>
+              <a:rPr lang="en-US" dirty="0"/>
               <a:t>Exam </a:t>
             </a:r>
             <a:r>
-              <a:rPr lang="en-US" i="1" dirty="0" smtClean="0">
+              <a:rPr lang="en-US" i="1" dirty="0">
                 <a:solidFill>
                   <a:srgbClr val="FF0000"/>
                 </a:solidFill>
               </a:rPr>
               <a:t>index.dat</a:t>
             </a:r>
-            <a:endParaRPr lang="en-US" i="1" dirty="0">
-              <a:solidFill>
-                <a:srgbClr val="FF0000"/>
-              </a:solidFill>
-            </a:endParaRPr>
           </a:p>
         </p:txBody>
       </p:sp>
@@ -10748,7 +10762,7 @@
           <a:lstStyle/>
           <a:p>
             <a:r>
-              <a:rPr lang="en-US" dirty="0" smtClean="0">
+              <a:rPr lang="en-US" dirty="0">
                 <a:solidFill>
                   <a:srgbClr val="FF0000"/>
                 </a:solidFill>
@@ -10756,11 +10770,11 @@
               <a:t>15.3 </a:t>
             </a:r>
             <a:r>
-              <a:rPr lang="en-US" dirty="0" smtClean="0"/>
+              <a:rPr lang="en-US" dirty="0"/>
               <a:t>View </a:t>
             </a:r>
             <a:r>
-              <a:rPr lang="en-US" dirty="0" smtClean="0">
+              <a:rPr lang="en-US" dirty="0">
                 <a:solidFill>
                   <a:srgbClr val="FF0000"/>
                 </a:solidFill>
@@ -10768,22 +10782,17 @@
               <a:t>Chrome </a:t>
             </a:r>
             <a:r>
-              <a:rPr lang="en-US" dirty="0" smtClean="0"/>
+              <a:rPr lang="en-US" dirty="0"/>
               <a:t>History </a:t>
             </a:r>
             <a:r>
-              <a:rPr lang="en-US" dirty="0" smtClean="0">
+              <a:rPr lang="en-US" dirty="0">
                 <a:solidFill>
                   <a:srgbClr val="FF0000"/>
                 </a:solidFill>
               </a:rPr>
               <a:t>SQLite</a:t>
             </a:r>
-            <a:endParaRPr lang="en-US" dirty="0">
-              <a:solidFill>
-                <a:srgbClr val="FF0000"/>
-              </a:solidFill>
-            </a:endParaRPr>
           </a:p>
         </p:txBody>
       </p:sp>
@@ -10839,22 +10848,17 @@
           <a:lstStyle/>
           <a:p>
             <a:r>
-              <a:rPr lang="en-US" dirty="0" smtClean="0"/>
+              <a:rPr lang="en-US" dirty="0"/>
               <a:t>All comments start with </a:t>
             </a:r>
             <a:r>
-              <a:rPr lang="en-US" b="1" dirty="0" smtClean="0">
+              <a:rPr lang="en-US" b="1" dirty="0">
                 <a:solidFill>
                   <a:srgbClr val="FF0000"/>
                 </a:solidFill>
               </a:rPr>
               <a:t>dot .</a:t>
             </a:r>
-            <a:endParaRPr lang="en-US" b="1" dirty="0">
-              <a:solidFill>
-                <a:srgbClr val="FF0000"/>
-              </a:solidFill>
-            </a:endParaRPr>
           </a:p>
         </p:txBody>
       </p:sp>
@@ -10961,11 +10965,11 @@
           <a:lstStyle/>
           <a:p>
             <a:r>
-              <a:rPr lang="en-US" dirty="0" smtClean="0"/>
+              <a:rPr lang="en-US" dirty="0"/>
               <a:t>Open </a:t>
             </a:r>
             <a:r>
-              <a:rPr lang="en-US" i="1" dirty="0" smtClean="0">
+              <a:rPr lang="en-US" i="1" dirty="0">
                 <a:solidFill>
                   <a:srgbClr val="007DB5"/>
                 </a:solidFill>
@@ -10973,7 +10977,7 @@
               <a:t>Chrome</a:t>
             </a:r>
             <a:r>
-              <a:rPr lang="en-US" dirty="0" smtClean="0"/>
+              <a:rPr lang="en-US" dirty="0"/>
               <a:t> history</a:t>
             </a:r>
             <a:endParaRPr lang="en-US" i="1" dirty="0">
@@ -11091,11 +11095,7 @@
           <a:p>
             <a:r>
               <a:rPr lang="en-US" dirty="0"/>
-              <a:t>This timestamp format is used in web </a:t>
-            </a:r>
-            <a:r>
-              <a:rPr lang="en-US" dirty="0" smtClean="0"/>
-              <a:t>browsers</a:t>
+              <a:t>This timestamp format is used in web browsers</a:t>
             </a:r>
           </a:p>
           <a:p>
@@ -11104,12 +11104,8 @@
               <a:buChar char="•"/>
             </a:pPr>
             <a:r>
-              <a:rPr lang="en-US" dirty="0" smtClean="0"/>
-              <a:t>Apple </a:t>
-            </a:r>
-            <a:r>
-              <a:rPr lang="en-US" dirty="0"/>
-              <a:t>Safari (</a:t>
+              <a:rPr lang="en-US" dirty="0"/>
+              <a:t>Apple Safari (</a:t>
             </a:r>
             <a:r>
               <a:rPr lang="en-US" dirty="0" err="1"/>
@@ -11119,7 +11115,6 @@
               <a:rPr lang="en-US" dirty="0"/>
               <a:t>), Google Chrome and Opera (Chromium/Blink). </a:t>
             </a:r>
-            <a:endParaRPr lang="en-US" dirty="0" smtClean="0"/>
           </a:p>
           <a:p>
             <a:pPr marL="285750" indent="-285750">
@@ -11127,12 +11122,8 @@
               <a:buChar char="•"/>
             </a:pPr>
             <a:r>
-              <a:rPr lang="en-US" dirty="0" smtClean="0"/>
-              <a:t>It's </a:t>
-            </a:r>
-            <a:r>
-              <a:rPr lang="en-US" dirty="0"/>
-              <a:t>a 64-bit value for microseconds since Jan 1, 1601 00:00 UTC. One microsecond is one-millionth of a second.</a:t>
+              <a:rPr lang="en-US" dirty="0"/>
+              <a:t>It's a 64-bit value for microseconds since Jan 1, 1601 00:00 UTC. One microsecond is one-millionth of a second.</a:t>
             </a:r>
           </a:p>
         </p:txBody>
@@ -11161,6 +11152,41 @@
           </a:prstGeom>
         </p:spPr>
       </p:pic>
+      <p:sp>
+        <p:nvSpPr>
+          <p:cNvPr id="7" name="TextBox 6">
+            <a:extLst>
+              <a:ext uri="{FF2B5EF4-FFF2-40B4-BE49-F238E27FC236}">
+                <a16:creationId xmlns:a16="http://schemas.microsoft.com/office/drawing/2014/main" id="{476FEC2B-49D0-49D8-9E4D-0D07D2B144D0}"/>
+              </a:ext>
+            </a:extLst>
+          </p:cNvPr>
+          <p:cNvSpPr txBox="1"/>
+          <p:nvPr/>
+        </p:nvSpPr>
+        <p:spPr>
+          <a:xfrm>
+            <a:off x="643484" y="6077044"/>
+            <a:ext cx="6172200" cy="276999"/>
+          </a:xfrm>
+          <a:prstGeom prst="rect">
+            <a:avLst/>
+          </a:prstGeom>
+          <a:noFill/>
+        </p:spPr>
+        <p:txBody>
+          <a:bodyPr wrap="square">
+            <a:spAutoFit/>
+          </a:bodyPr>
+          <a:lstStyle/>
+          <a:p>
+            <a:r>
+              <a:rPr lang="en-US" sz="1200" dirty="0"/>
+              <a:t>https://www.epochconverter.com/webkit</a:t>
+            </a:r>
+          </a:p>
+        </p:txBody>
+      </p:sp>
     </p:spTree>
     <p:extLst>
       <p:ext uri="{BB962C8B-B14F-4D97-AF65-F5344CB8AC3E}">
@@ -11311,10 +11337,9 @@
           <a:lstStyle/>
           <a:p>
             <a:r>
-              <a:rPr lang="en-US" dirty="0" smtClean="0"/>
+              <a:rPr lang="en-US" dirty="0"/>
               <a:t>Check all versions of IE via .log</a:t>
             </a:r>
-            <a:endParaRPr lang="en-US" dirty="0"/>
           </a:p>
         </p:txBody>
       </p:sp>
@@ -11394,18 +11419,14 @@
           <a:lstStyle/>
           <a:p>
             <a:r>
-              <a:rPr lang="en-US" dirty="0" smtClean="0"/>
+              <a:rPr lang="en-US" dirty="0"/>
               <a:t>IE browser</a:t>
             </a:r>
           </a:p>
           <a:p>
             <a:r>
-              <a:rPr lang="en-US" dirty="0" smtClean="0"/>
-              <a:t>Chrome </a:t>
-            </a:r>
-            <a:r>
-              <a:rPr lang="en-US" dirty="0"/>
-              <a:t>browser</a:t>
+              <a:rPr lang="en-US" dirty="0"/>
+              <a:t>Chrome browser</a:t>
             </a:r>
           </a:p>
           <a:p>
@@ -11459,7 +11480,7 @@
           <a:lstStyle/>
           <a:p>
             <a:r>
-              <a:rPr lang="en-US" dirty="0" smtClean="0">
+              <a:rPr lang="en-US" dirty="0">
                 <a:solidFill>
                   <a:srgbClr val="FF0000"/>
                 </a:solidFill>
@@ -11467,10 +11488,9 @@
               <a:t>16.1 </a:t>
             </a:r>
             <a:r>
-              <a:rPr lang="en-US" dirty="0" smtClean="0"/>
+              <a:rPr lang="en-US" dirty="0"/>
               <a:t>IE browser</a:t>
             </a:r>
-            <a:endParaRPr lang="en-US" dirty="0"/>
           </a:p>
         </p:txBody>
       </p:sp>
@@ -11496,7 +11516,7 @@
           <a:lstStyle/>
           <a:p>
             <a:r>
-              <a:rPr lang="en-US" sz="2000" b="1" dirty="0" smtClean="0">
+              <a:rPr lang="en-US" sz="2000" b="1" dirty="0">
                 <a:solidFill>
                   <a:srgbClr val="000000"/>
                 </a:solidFill>
@@ -11507,7 +11527,7 @@
           </a:p>
           <a:p>
             <a:r>
-              <a:rPr lang="en-US" sz="2000" dirty="0" smtClean="0">
+              <a:rPr lang="en-US" sz="2000" dirty="0">
                 <a:solidFill>
                   <a:srgbClr val="000000"/>
                 </a:solidFill>
@@ -11639,10 +11659,9 @@
           <a:lstStyle/>
           <a:p>
             <a:r>
-              <a:rPr lang="en-US" dirty="0" smtClean="0"/>
+              <a:rPr lang="en-US" dirty="0"/>
               <a:t>Regular expression for bing.com search</a:t>
             </a:r>
-            <a:endParaRPr lang="en-US" dirty="0"/>
           </a:p>
         </p:txBody>
       </p:sp>
@@ -11654,7 +11673,7 @@
         </p:nvSpPr>
         <p:spPr>
           <a:xfrm>
-            <a:off x="838200" y="1795770"/>
+            <a:off x="838200" y="1690296"/>
             <a:ext cx="2024913" cy="369332"/>
           </a:xfrm>
           <a:prstGeom prst="rect">
@@ -11668,10 +11687,9 @@
           <a:lstStyle/>
           <a:p>
             <a:r>
-              <a:rPr lang="en-US" dirty="0" smtClean="0"/>
+              <a:rPr lang="en-US" dirty="0"/>
               <a:t>https://regexr.com/</a:t>
             </a:r>
-            <a:endParaRPr lang="en-US" dirty="0"/>
           </a:p>
         </p:txBody>
       </p:sp>
@@ -11691,7 +11709,7 @@
         </p:blipFill>
         <p:spPr>
           <a:xfrm>
-            <a:off x="838200" y="2414787"/>
+            <a:off x="838200" y="2082328"/>
             <a:ext cx="7582557" cy="1867062"/>
           </a:xfrm>
           <a:prstGeom prst="rect">
@@ -11699,6 +11717,264 @@
           </a:prstGeom>
         </p:spPr>
       </p:pic>
+      <p:sp>
+        <p:nvSpPr>
+          <p:cNvPr id="6" name="TextBox 5">
+            <a:extLst>
+              <a:ext uri="{FF2B5EF4-FFF2-40B4-BE49-F238E27FC236}">
+                <a16:creationId xmlns:a16="http://schemas.microsoft.com/office/drawing/2014/main" id="{764AB982-17C7-474F-885E-A461B0AB9AC1}"/>
+              </a:ext>
+            </a:extLst>
+          </p:cNvPr>
+          <p:cNvSpPr txBox="1"/>
+          <p:nvPr/>
+        </p:nvSpPr>
+        <p:spPr>
+          <a:xfrm>
+            <a:off x="838200" y="4821674"/>
+            <a:ext cx="4899660" cy="923330"/>
+          </a:xfrm>
+          <a:prstGeom prst="rect">
+            <a:avLst/>
+          </a:prstGeom>
+          <a:solidFill>
+            <a:schemeClr val="accent4">
+              <a:lumMod val="20000"/>
+              <a:lumOff val="80000"/>
+            </a:schemeClr>
+          </a:solidFill>
+        </p:spPr>
+        <p:txBody>
+          <a:bodyPr wrap="square">
+            <a:spAutoFit/>
+          </a:bodyPr>
+          <a:lstStyle/>
+          <a:p>
+            <a:r>
+              <a:rPr lang="en-GB" b="1" i="1" dirty="0">
+                <a:solidFill>
+                  <a:schemeClr val="accent6"/>
+                </a:solidFill>
+              </a:rPr>
+              <a:t>&lt;http&gt;Hello World&lt;/http&gt;</a:t>
+            </a:r>
+          </a:p>
+          <a:p>
+            <a:r>
+              <a:rPr lang="en-US" b="0" i="0" dirty="0">
+                <a:solidFill>
+                  <a:srgbClr val="FF0000"/>
+                </a:solidFill>
+                <a:effectLst/>
+                <a:latin typeface="Consolas" panose="020B0609020204030204" pitchFamily="49" charset="0"/>
+              </a:rPr>
+              <a:t>&lt;.+&gt;</a:t>
+            </a:r>
+            <a:r>
+              <a:rPr lang="en-US" b="0" i="0" dirty="0">
+                <a:solidFill>
+                  <a:srgbClr val="242729"/>
+                </a:solidFill>
+                <a:effectLst/>
+                <a:latin typeface="Consolas" panose="020B0609020204030204" pitchFamily="49" charset="0"/>
+              </a:rPr>
+              <a:t>: </a:t>
+            </a:r>
+            <a:r>
+              <a:rPr lang="en-GB" b="1" dirty="0"/>
+              <a:t>Greedy</a:t>
+            </a:r>
+            <a:r>
+              <a:rPr lang="en-GB" dirty="0"/>
+              <a:t> will consume as much as possible</a:t>
+            </a:r>
+            <a:endParaRPr lang="en-US" dirty="0"/>
+          </a:p>
+          <a:p>
+            <a:r>
+              <a:rPr lang="en-US" b="0" i="0" dirty="0">
+                <a:solidFill>
+                  <a:srgbClr val="FF0000"/>
+                </a:solidFill>
+                <a:effectLst/>
+                <a:latin typeface="Consolas" panose="020B0609020204030204" pitchFamily="49" charset="0"/>
+              </a:rPr>
+              <a:t>&lt;.+?&gt;</a:t>
+            </a:r>
+            <a:r>
+              <a:rPr lang="en-US" b="0" i="0" dirty="0">
+                <a:solidFill>
+                  <a:srgbClr val="242729"/>
+                </a:solidFill>
+                <a:effectLst/>
+                <a:latin typeface="Consolas" panose="020B0609020204030204" pitchFamily="49" charset="0"/>
+              </a:rPr>
+              <a:t>: </a:t>
+            </a:r>
+            <a:r>
+              <a:rPr lang="en-US" b="1" i="0" dirty="0">
+                <a:solidFill>
+                  <a:srgbClr val="242729"/>
+                </a:solidFill>
+                <a:effectLst/>
+                <a:latin typeface="Arial" panose="020B0604020202020204" pitchFamily="34" charset="0"/>
+              </a:rPr>
+              <a:t>lazy</a:t>
+            </a:r>
+            <a:r>
+              <a:rPr lang="en-US" b="0" i="0" dirty="0">
+                <a:solidFill>
+                  <a:srgbClr val="242729"/>
+                </a:solidFill>
+                <a:effectLst/>
+                <a:latin typeface="Arial" panose="020B0604020202020204" pitchFamily="34" charset="0"/>
+              </a:rPr>
+              <a:t> will stop right after matching</a:t>
+            </a:r>
+            <a:endParaRPr lang="en-GB" dirty="0"/>
+          </a:p>
+        </p:txBody>
+      </p:sp>
+      <p:pic>
+        <p:nvPicPr>
+          <p:cNvPr id="8" name="Picture 7">
+            <a:extLst>
+              <a:ext uri="{FF2B5EF4-FFF2-40B4-BE49-F238E27FC236}">
+                <a16:creationId xmlns:a16="http://schemas.microsoft.com/office/drawing/2014/main" id="{F4232DFC-819D-4DAC-BC21-6AC25B52930E}"/>
+              </a:ext>
+            </a:extLst>
+          </p:cNvPr>
+          <p:cNvPicPr>
+            <a:picLocks noChangeAspect="1"/>
+          </p:cNvPicPr>
+          <p:nvPr/>
+        </p:nvPicPr>
+        <p:blipFill>
+          <a:blip r:embed="rId4"/>
+          <a:stretch>
+            <a:fillRect/>
+          </a:stretch>
+        </p:blipFill>
+        <p:spPr>
+          <a:xfrm>
+            <a:off x="6709313" y="5558688"/>
+            <a:ext cx="2293819" cy="1066892"/>
+          </a:xfrm>
+          <a:prstGeom prst="rect">
+            <a:avLst/>
+          </a:prstGeom>
+        </p:spPr>
+      </p:pic>
+      <p:pic>
+        <p:nvPicPr>
+          <p:cNvPr id="11" name="Picture 10">
+            <a:extLst>
+              <a:ext uri="{FF2B5EF4-FFF2-40B4-BE49-F238E27FC236}">
+                <a16:creationId xmlns:a16="http://schemas.microsoft.com/office/drawing/2014/main" id="{42795317-3288-4B12-BE14-8B99719A5D3D}"/>
+              </a:ext>
+            </a:extLst>
+          </p:cNvPr>
+          <p:cNvPicPr>
+            <a:picLocks noChangeAspect="1"/>
+          </p:cNvPicPr>
+          <p:nvPr/>
+        </p:nvPicPr>
+        <p:blipFill>
+          <a:blip r:embed="rId5"/>
+          <a:stretch>
+            <a:fillRect/>
+          </a:stretch>
+        </p:blipFill>
+        <p:spPr>
+          <a:xfrm>
+            <a:off x="6709313" y="4220593"/>
+            <a:ext cx="2232853" cy="1066892"/>
+          </a:xfrm>
+          <a:prstGeom prst="rect">
+            <a:avLst/>
+          </a:prstGeom>
+        </p:spPr>
+      </p:pic>
+      <p:cxnSp>
+        <p:nvCxnSpPr>
+          <p:cNvPr id="13" name="Straight Arrow Connector 12">
+            <a:extLst>
+              <a:ext uri="{FF2B5EF4-FFF2-40B4-BE49-F238E27FC236}">
+                <a16:creationId xmlns:a16="http://schemas.microsoft.com/office/drawing/2014/main" id="{0BA25554-D048-4DDA-8673-BC2050C6D309}"/>
+              </a:ext>
+            </a:extLst>
+          </p:cNvPr>
+          <p:cNvCxnSpPr/>
+          <p:nvPr/>
+        </p:nvCxnSpPr>
+        <p:spPr>
+          <a:xfrm flipV="1">
+            <a:off x="5494020" y="4434840"/>
+            <a:ext cx="1215293" cy="769620"/>
+          </a:xfrm>
+          <a:prstGeom prst="straightConnector1">
+            <a:avLst/>
+          </a:prstGeom>
+          <a:ln>
+            <a:tailEnd type="triangle"/>
+          </a:ln>
+        </p:spPr>
+        <p:style>
+          <a:lnRef idx="1">
+            <a:schemeClr val="accent2"/>
+          </a:lnRef>
+          <a:fillRef idx="0">
+            <a:schemeClr val="accent2"/>
+          </a:fillRef>
+          <a:effectRef idx="0">
+            <a:schemeClr val="accent2"/>
+          </a:effectRef>
+          <a:fontRef idx="minor">
+            <a:schemeClr val="tx1"/>
+          </a:fontRef>
+        </p:style>
+      </p:cxnSp>
+      <p:cxnSp>
+        <p:nvCxnSpPr>
+          <p:cNvPr id="15" name="Straight Arrow Connector 14">
+            <a:extLst>
+              <a:ext uri="{FF2B5EF4-FFF2-40B4-BE49-F238E27FC236}">
+                <a16:creationId xmlns:a16="http://schemas.microsoft.com/office/drawing/2014/main" id="{EA3536D2-FD43-4A06-8398-BC9E2FAD67EE}"/>
+              </a:ext>
+            </a:extLst>
+          </p:cNvPr>
+          <p:cNvCxnSpPr>
+            <a:endCxn id="8" idx="1"/>
+          </p:cNvCxnSpPr>
+          <p:nvPr/>
+        </p:nvCxnSpPr>
+        <p:spPr>
+          <a:xfrm>
+            <a:off x="5234940" y="5558688"/>
+            <a:ext cx="1474373" cy="533446"/>
+          </a:xfrm>
+          <a:prstGeom prst="straightConnector1">
+            <a:avLst/>
+          </a:prstGeom>
+          <a:ln>
+            <a:tailEnd type="triangle"/>
+          </a:ln>
+        </p:spPr>
+        <p:style>
+          <a:lnRef idx="1">
+            <a:schemeClr val="accent2"/>
+          </a:lnRef>
+          <a:fillRef idx="0">
+            <a:schemeClr val="accent2"/>
+          </a:fillRef>
+          <a:effectRef idx="0">
+            <a:schemeClr val="accent2"/>
+          </a:effectRef>
+          <a:fontRef idx="minor">
+            <a:schemeClr val="tx1"/>
+          </a:fontRef>
+        </p:style>
+      </p:cxnSp>
     </p:spTree>
     <p:extLst>
       <p:ext uri="{BB962C8B-B14F-4D97-AF65-F5344CB8AC3E}">
@@ -11749,7 +12025,7 @@
               <a:t>List </a:t>
             </a:r>
             <a:r>
-              <a:rPr lang="en-US" dirty="0" smtClean="0">
+              <a:rPr lang="en-US" dirty="0">
                 <a:solidFill>
                   <a:srgbClr val="FF0000"/>
                 </a:solidFill>
@@ -11757,12 +12033,8 @@
               <a:t>IE 11 </a:t>
             </a:r>
             <a:r>
-              <a:rPr lang="en-US" dirty="0" smtClean="0"/>
-              <a:t>search </a:t>
-            </a:r>
-            <a:r>
-              <a:rPr lang="en-US" dirty="0"/>
-              <a:t>keywords </a:t>
+              <a:rPr lang="en-US" dirty="0"/>
+              <a:t>search keywords </a:t>
             </a:r>
           </a:p>
         </p:txBody>
@@ -11911,7 +12183,7 @@
           <a:lstStyle/>
           <a:p>
             <a:r>
-              <a:rPr lang="en-US" dirty="0" smtClean="0">
+              <a:rPr lang="en-US" dirty="0">
                 <a:solidFill>
                   <a:srgbClr val="FF0000"/>
                 </a:solidFill>
@@ -11919,15 +12191,11 @@
               <a:t>16.2 </a:t>
             </a:r>
             <a:r>
-              <a:rPr lang="en-US" dirty="0" smtClean="0"/>
-              <a:t>Chrome </a:t>
-            </a:r>
-            <a:r>
-              <a:rPr lang="en-US" dirty="0"/>
-              <a:t>browser</a:t>
-            </a:r>
-            <a:r>
-              <a:rPr lang="en-US" dirty="0" smtClean="0">
+              <a:rPr lang="en-US" dirty="0"/>
+              <a:t>Chrome browser</a:t>
+            </a:r>
+            <a:r>
+              <a:rPr lang="en-US" dirty="0">
                 <a:solidFill>
                   <a:srgbClr val="FF0000"/>
                 </a:solidFill>
@@ -11963,10 +12231,9 @@
           <a:lstStyle/>
           <a:p>
             <a:r>
-              <a:rPr lang="en-US" dirty="0" smtClean="0"/>
+              <a:rPr lang="en-US" dirty="0"/>
               <a:t>Exam Chrome search URL</a:t>
             </a:r>
-            <a:endParaRPr lang="en-US" dirty="0"/>
           </a:p>
         </p:txBody>
       </p:sp>
@@ -12017,13 +12284,8 @@
           <a:p>
             <a:r>
               <a:rPr lang="en-US" dirty="0"/>
-              <a:t>Regular expression for </a:t>
-            </a:r>
-            <a:r>
-              <a:rPr lang="en-US" dirty="0" smtClean="0"/>
-              <a:t>google.com search URL</a:t>
-            </a:r>
-            <a:endParaRPr lang="en-US" dirty="0"/>
+              <a:t>Regular expression for google.com search URL</a:t>
+            </a:r>
           </a:p>
         </p:txBody>
       </p:sp>
@@ -12106,10 +12368,9 @@
           <a:lstStyle/>
           <a:p>
             <a:r>
-              <a:rPr lang="en-US" dirty="0" smtClean="0"/>
+              <a:rPr lang="en-US" dirty="0"/>
               <a:t>Exam Chrome search result title</a:t>
             </a:r>
-            <a:endParaRPr lang="en-US" dirty="0"/>
           </a:p>
         </p:txBody>
       </p:sp>
@@ -12231,7 +12492,7 @@
               <a:t>List </a:t>
             </a:r>
             <a:r>
-              <a:rPr lang="en-US" dirty="0" smtClean="0">
+              <a:rPr lang="en-US" dirty="0">
                 <a:solidFill>
                   <a:srgbClr val="FF0000"/>
                 </a:solidFill>
@@ -12239,12 +12500,8 @@
               <a:t>Chrome </a:t>
             </a:r>
             <a:r>
-              <a:rPr lang="en-US" dirty="0" smtClean="0"/>
-              <a:t>search </a:t>
-            </a:r>
-            <a:r>
-              <a:rPr lang="en-US" dirty="0"/>
-              <a:t>keywords </a:t>
+              <a:rPr lang="en-US" dirty="0"/>
+              <a:t>search keywords </a:t>
             </a:r>
           </a:p>
         </p:txBody>
@@ -12319,7 +12576,7 @@
           <a:lstStyle/>
           <a:p>
             <a:r>
-              <a:rPr lang="en-US" dirty="0" smtClean="0">
+              <a:rPr lang="en-US" dirty="0">
                 <a:solidFill>
                   <a:srgbClr val="FF0000"/>
                 </a:solidFill>
@@ -12362,7 +12619,7 @@
           <p:cNvPr id="4" name="TextBox 3">
             <a:extLst>
               <a:ext uri="{FF2B5EF4-FFF2-40B4-BE49-F238E27FC236}">
-                <a16:creationId xmlns="" xmlns:a16="http://schemas.microsoft.com/office/drawing/2014/main" id="{F8A37CAE-4370-4548-875A-F4C62230C749}"/>
+                <a16:creationId xmlns:a16="http://schemas.microsoft.com/office/drawing/2014/main" id="{F8A37CAE-4370-4548-875A-F4C62230C749}"/>
               </a:ext>
             </a:extLst>
           </p:cNvPr>
@@ -12389,14 +12646,10 @@
           <a:p>
             <a:r>
               <a:rPr lang="en-US" dirty="0"/>
-              <a:t>rip.pl on NTUSER.DAT </a:t>
-            </a:r>
-            <a:r>
-              <a:rPr lang="en-US" dirty="0" smtClean="0"/>
-              <a:t>file with </a:t>
-            </a:r>
-            <a:r>
-              <a:rPr lang="en-US" i="1" dirty="0" err="1" smtClean="0">
+              <a:t>rip.pl on NTUSER.DAT file with </a:t>
+            </a:r>
+            <a:r>
+              <a:rPr lang="en-US" i="1" dirty="0" err="1">
                 <a:solidFill>
                   <a:srgbClr val="7030A0"/>
                 </a:solidFill>
@@ -12404,7 +12657,7 @@
               <a:t>wordwheelquery</a:t>
             </a:r>
             <a:r>
-              <a:rPr lang="en-US" dirty="0" smtClean="0">
+              <a:rPr lang="en-US" dirty="0">
                 <a:solidFill>
                   <a:srgbClr val="7030A0"/>
                 </a:solidFill>
@@ -12462,10 +12715,9 @@
               <a:t>WordWheelQuery</a:t>
             </a:r>
             <a:r>
-              <a:rPr lang="en-US" sz="1400" dirty="0" smtClean="0"/>
+              <a:rPr lang="en-US" sz="1400" dirty="0"/>
               <a:t>\</a:t>
             </a:r>
-            <a:endParaRPr lang="en-US" sz="1400" dirty="0"/>
           </a:p>
           <a:p>
             <a:r>
@@ -12568,10 +12820,9 @@
           <a:lstStyle/>
           <a:p>
             <a:r>
-              <a:rPr lang="en-US" dirty="0" smtClean="0"/>
+              <a:rPr lang="en-US" dirty="0"/>
               <a:t>Exam IE logs</a:t>
             </a:r>
-            <a:endParaRPr lang="en-US" dirty="0"/>
           </a:p>
         </p:txBody>
       </p:sp>
@@ -12621,7 +12872,7 @@
           <a:lstStyle/>
           <a:p>
             <a:r>
-              <a:rPr lang="en-US" dirty="0" smtClean="0">
+              <a:rPr lang="en-US" dirty="0">
                 <a:solidFill>
                   <a:srgbClr val="FF0000"/>
                 </a:solidFill>
@@ -12629,10 +12880,9 @@
               <a:t>13.1</a:t>
             </a:r>
             <a:r>
-              <a:rPr lang="en-US" dirty="0" smtClean="0"/>
+              <a:rPr lang="en-US" dirty="0"/>
               <a:t> Can you find the version number?</a:t>
             </a:r>
-            <a:endParaRPr lang="en-US" dirty="0"/>
           </a:p>
         </p:txBody>
       </p:sp>
@@ -12659,31 +12909,19 @@
           <a:lstStyle/>
           <a:p>
             <a:r>
-              <a:rPr lang="en-US" dirty="0" smtClean="0"/>
-              <a:t>Locations </a:t>
-            </a:r>
-            <a:r>
-              <a:rPr lang="en-US" dirty="0"/>
-              <a:t>to exam browsers’ version</a:t>
+              <a:rPr lang="en-US" dirty="0"/>
+              <a:t>Locations to exam browsers’ version</a:t>
             </a:r>
           </a:p>
           <a:p>
             <a:pPr lvl="1"/>
-            <a:r>
-              <a:rPr lang="en-US" i="1" dirty="0" smtClean="0">
-                <a:solidFill>
-                  <a:srgbClr val="007DB5"/>
-                </a:solidFill>
-              </a:rPr>
-              <a:t>HKLM\SOFTWARE\Microsoft\Internet </a:t>
-            </a:r>
             <a:r>
               <a:rPr lang="en-US" i="1" dirty="0">
                 <a:solidFill>
                   <a:srgbClr val="007DB5"/>
                 </a:solidFill>
               </a:rPr>
-              <a:t>Explorer (value: </a:t>
+              <a:t>HKLM\SOFTWARE\Microsoft\Internet Explorer (value: </a:t>
             </a:r>
             <a:r>
               <a:rPr lang="en-US" i="1" dirty="0" err="1">
@@ -12731,15 +12969,11 @@
           </a:p>
           <a:p>
             <a:r>
-              <a:rPr lang="en-US" dirty="0" smtClean="0"/>
-              <a:t>Use </a:t>
-            </a:r>
-            <a:r>
-              <a:rPr lang="en-US" dirty="0"/>
-              <a:t>Windows Registry hive shell (</a:t>
-            </a:r>
-            <a:r>
-              <a:rPr lang="en-US" i="1" dirty="0" err="1" smtClean="0">
+              <a:rPr lang="en-US" dirty="0"/>
+              <a:t>Use Windows Registry hive shell (</a:t>
+            </a:r>
+            <a:r>
+              <a:rPr lang="en-US" i="1" dirty="0" err="1">
                 <a:solidFill>
                   <a:srgbClr val="007DB5"/>
                 </a:solidFill>
@@ -12754,12 +12988,8 @@
           <a:p>
             <a:pPr lvl="1"/>
             <a:r>
-              <a:rPr lang="en-US" dirty="0" smtClean="0"/>
-              <a:t>It provides </a:t>
-            </a:r>
-            <a:r>
-              <a:rPr lang="en-US" dirty="0"/>
-              <a:t>a simple shell for navigating Windows Registry 'hive' files.</a:t>
+              <a:rPr lang="en-US" dirty="0"/>
+              <a:t>It provides a simple shell for navigating Windows Registry 'hive' files.</a:t>
             </a:r>
           </a:p>
         </p:txBody>
@@ -12891,11 +13121,11 @@
           <a:lstStyle/>
           <a:p>
             <a:r>
-              <a:rPr lang="en-US" dirty="0" smtClean="0"/>
+              <a:rPr lang="en-US" dirty="0"/>
               <a:t>Install </a:t>
             </a:r>
             <a:r>
-              <a:rPr lang="en-US" i="1" dirty="0" err="1" smtClean="0">
+              <a:rPr lang="en-US" i="1" dirty="0" err="1">
                 <a:solidFill>
                   <a:srgbClr val="007DB5"/>
                 </a:solidFill>
@@ -12926,11 +13156,11 @@
           <a:lstStyle/>
           <a:p>
             <a:r>
-              <a:rPr lang="en-US" dirty="0" smtClean="0"/>
+              <a:rPr lang="en-US" dirty="0"/>
               <a:t>Install </a:t>
             </a:r>
             <a:r>
-              <a:rPr lang="en-US" i="1" dirty="0" err="1" smtClean="0">
+              <a:rPr lang="en-US" i="1" dirty="0" err="1">
                 <a:solidFill>
                   <a:srgbClr val="FF0000"/>
                 </a:solidFill>
@@ -12970,7 +13200,7 @@
           <a:lstStyle/>
           <a:p>
             <a:r>
-              <a:rPr lang="en-US" dirty="0" smtClean="0"/>
+              <a:rPr lang="en-US" dirty="0"/>
               <a:t>Show </a:t>
             </a:r>
             <a:r>
@@ -12982,7 +13212,7 @@
               <a:t>hivexsh</a:t>
             </a:r>
             <a:r>
-              <a:rPr lang="en-US" dirty="0" smtClean="0"/>
+              <a:rPr lang="en-US" dirty="0"/>
               <a:t> manual</a:t>
             </a:r>
             <a:endParaRPr lang="en-US" i="1" dirty="0">
@@ -13072,11 +13302,11 @@
           <a:lstStyle/>
           <a:p>
             <a:r>
-              <a:rPr lang="en-US" dirty="0" smtClean="0"/>
+              <a:rPr lang="en-US" dirty="0"/>
               <a:t>Exam the version of IE using </a:t>
             </a:r>
             <a:r>
-              <a:rPr lang="en-US" i="1" dirty="0" err="1" smtClean="0">
+              <a:rPr lang="en-US" i="1" dirty="0" err="1">
                 <a:solidFill>
                   <a:srgbClr val="007DB5"/>
                 </a:solidFill>
@@ -13116,11 +13346,11 @@
           <a:lstStyle/>
           <a:p>
             <a:r>
-              <a:rPr lang="en-US" dirty="0" smtClean="0"/>
+              <a:rPr lang="en-US" dirty="0"/>
               <a:t>How to exam the version of </a:t>
             </a:r>
             <a:r>
-              <a:rPr lang="en-US" i="1" dirty="0" smtClean="0">
+              <a:rPr lang="en-US" i="1" dirty="0">
                 <a:solidFill>
                   <a:srgbClr val="007DB5"/>
                 </a:solidFill>
@@ -13128,11 +13358,11 @@
               <a:t>Chrome</a:t>
             </a:r>
             <a:r>
-              <a:rPr lang="en-US" dirty="0" smtClean="0"/>
+              <a:rPr lang="en-US" dirty="0"/>
               <a:t> using </a:t>
             </a:r>
             <a:r>
-              <a:rPr lang="en-US" i="1" dirty="0" err="1" smtClean="0">
+              <a:rPr lang="en-US" i="1" dirty="0" err="1">
                 <a:solidFill>
                   <a:srgbClr val="007DB5"/>
                 </a:solidFill>
@@ -13140,7 +13370,7 @@
               <a:t>hivexsh</a:t>
             </a:r>
             <a:r>
-              <a:rPr lang="en-US" i="1" dirty="0" smtClean="0">
+              <a:rPr lang="en-US" i="1" dirty="0">
                 <a:solidFill>
                   <a:srgbClr val="007DB5"/>
                 </a:solidFill>
@@ -13200,7 +13430,7 @@
           <a:lstStyle/>
           <a:p>
             <a:r>
-              <a:rPr lang="en-US" dirty="0" smtClean="0">
+              <a:rPr lang="en-US" dirty="0">
                 <a:solidFill>
                   <a:srgbClr val="FF0000"/>
                 </a:solidFill>
@@ -13230,7 +13460,7 @@
         </p:nvGraphicFramePr>
         <p:xfrm>
           <a:off x="726981" y="2077948"/>
-          <a:ext cx="10494394" cy="3959488"/>
+          <a:ext cx="10494394" cy="3919992"/>
         </p:xfrm>
         <a:graphic>
           <a:graphicData uri="http://schemas.openxmlformats.org/drawingml/2006/table">
@@ -13239,8 +13469,20 @@
                 <a:tableStyleId>{BC89EF96-8CEA-46FF-86C4-4CE0E7609802}</a:tableStyleId>
               </a:tblPr>
               <a:tblGrid>
-                <a:gridCol w="1881095"/>
-                <a:gridCol w="8613299"/>
+                <a:gridCol w="1881095">
+                  <a:extLst>
+                    <a:ext uri="{9D8B030D-6E8A-4147-A177-3AD203B41FA5}">
+                      <a16:colId xmlns:a16="http://schemas.microsoft.com/office/drawing/2014/main" val="20000"/>
+                    </a:ext>
+                  </a:extLst>
+                </a:gridCol>
+                <a:gridCol w="8613299">
+                  <a:extLst>
+                    <a:ext uri="{9D8B030D-6E8A-4147-A177-3AD203B41FA5}">
+                      <a16:colId xmlns:a16="http://schemas.microsoft.com/office/drawing/2014/main" val="20001"/>
+                    </a:ext>
+                  </a:extLst>
+                </a:gridCol>
               </a:tblGrid>
               <a:tr h="789940">
                 <a:tc>
@@ -13335,29 +13577,8 @@
                           <a:ea typeface="Malgun Gothic" panose="020B0503020000020004" pitchFamily="34" charset="-127"/>
                           <a:cs typeface="Arial" panose="020B0604020202020204" pitchFamily="34" charset="0"/>
                         </a:rPr>
-                        <a:t>C:\</a:t>
+                        <a:t>C:\Users\informant\AppData\Local\Microsoft\Windows\History\</a:t>
                       </a:r>
-                      <a:r>
-                        <a:rPr lang="en-US" sz="1800" b="0" kern="1200" dirty="0" smtClean="0">
-                          <a:solidFill>
-                            <a:schemeClr val="tx1"/>
-                          </a:solidFill>
-                          <a:effectLst/>
-                          <a:latin typeface="Times New Roman" panose="02020603050405020304" pitchFamily="18" charset="0"/>
-                          <a:ea typeface="Malgun Gothic" panose="020B0503020000020004" pitchFamily="34" charset="-127"/>
-                          <a:cs typeface="Arial" panose="020B0604020202020204" pitchFamily="34" charset="0"/>
-                        </a:rPr>
-                        <a:t>Users\informant\AppData\Local\Microsoft\Windows\History\</a:t>
-                      </a:r>
-                      <a:endParaRPr lang="en-US" sz="1800" b="0" kern="1200" dirty="0">
-                        <a:solidFill>
-                          <a:schemeClr val="tx1"/>
-                        </a:solidFill>
-                        <a:effectLst/>
-                        <a:latin typeface="Times New Roman" panose="02020603050405020304" pitchFamily="18" charset="0"/>
-                        <a:ea typeface="Malgun Gothic" panose="020B0503020000020004" pitchFamily="34" charset="-127"/>
-                        <a:cs typeface="Arial" panose="020B0604020202020204" pitchFamily="34" charset="0"/>
-                      </a:endParaRPr>
                     </a:p>
                     <a:p>
                       <a:pPr marL="0" marR="0">
@@ -13384,29 +13605,8 @@
                           <a:ea typeface="Malgun Gothic" panose="020B0503020000020004" pitchFamily="34" charset="-127"/>
                           <a:cs typeface="Arial" panose="020B0604020202020204" pitchFamily="34" charset="0"/>
                         </a:rPr>
-                        <a:t>C:\Users\informant\AppData\Local\Microsoft\Windows\Temporary Internet </a:t>
+                        <a:t>C:\Users\informant\AppData\Local\Microsoft\Windows\Temporary Internet Files\Low\Content.IE5\index.dat</a:t>
                       </a:r>
-                      <a:r>
-                        <a:rPr lang="en-US" sz="1800" b="0" kern="1200" dirty="0" smtClean="0">
-                          <a:solidFill>
-                            <a:srgbClr val="FF0000"/>
-                          </a:solidFill>
-                          <a:effectLst/>
-                          <a:latin typeface="Times New Roman" panose="02020603050405020304" pitchFamily="18" charset="0"/>
-                          <a:ea typeface="Malgun Gothic" panose="020B0503020000020004" pitchFamily="34" charset="-127"/>
-                          <a:cs typeface="Arial" panose="020B0604020202020204" pitchFamily="34" charset="0"/>
-                        </a:rPr>
-                        <a:t>Files\Low\Content.IE5\index.dat</a:t>
-                      </a:r>
-                      <a:endParaRPr lang="en-US" sz="1800" b="0" kern="1200" dirty="0">
-                        <a:solidFill>
-                          <a:srgbClr val="FF0000"/>
-                        </a:solidFill>
-                        <a:effectLst/>
-                        <a:latin typeface="Times New Roman" panose="02020603050405020304" pitchFamily="18" charset="0"/>
-                        <a:ea typeface="Malgun Gothic" panose="020B0503020000020004" pitchFamily="34" charset="-127"/>
-                        <a:cs typeface="Arial" panose="020B0604020202020204" pitchFamily="34" charset="0"/>
-                      </a:endParaRPr>
                     </a:p>
                     <a:p>
                       <a:pPr marL="0" marR="0">
@@ -13439,6 +13639,11 @@
                   </a:txBody>
                   <a:tcPr marL="68580" marR="68580" marT="0" marB="0"/>
                 </a:tc>
+                <a:extLst>
+                  <a:ext uri="{0D108BD9-81ED-4DB2-BD59-A6C34878D82A}">
+                    <a16:rowId xmlns:a16="http://schemas.microsoft.com/office/drawing/2014/main" val="10000"/>
+                  </a:ext>
+                </a:extLst>
               </a:tr>
               <a:tr h="437524">
                 <a:tc>
@@ -13511,6 +13716,11 @@
                   </a:txBody>
                   <a:tcPr marL="68580" marR="68580" marT="0" marB="0" anchor="ctr"/>
                 </a:tc>
+                <a:extLst>
+                  <a:ext uri="{0D108BD9-81ED-4DB2-BD59-A6C34878D82A}">
+                    <a16:rowId xmlns:a16="http://schemas.microsoft.com/office/drawing/2014/main" val="10001"/>
+                  </a:ext>
+                </a:extLst>
               </a:tr>
               <a:tr h="2136599">
                 <a:tc>
@@ -13803,6 +14013,11 @@
                   </a:txBody>
                   <a:tcPr marL="68580" marR="68580" marT="0" marB="0"/>
                 </a:tc>
+                <a:extLst>
+                  <a:ext uri="{0D108BD9-81ED-4DB2-BD59-A6C34878D82A}">
+                    <a16:rowId xmlns:a16="http://schemas.microsoft.com/office/drawing/2014/main" val="10002"/>
+                  </a:ext>
+                </a:extLst>
               </a:tr>
             </a:tbl>
           </a:graphicData>
@@ -13843,7 +14058,7 @@
           <p:cNvPr id="6" name="TextBox 5">
             <a:extLst>
               <a:ext uri="{FF2B5EF4-FFF2-40B4-BE49-F238E27FC236}">
-                <a16:creationId xmlns="" xmlns:a16="http://schemas.microsoft.com/office/drawing/2014/main" id="{0693FE32-82B0-42F3-AFEC-F26A966CF332}"/>
+                <a16:creationId xmlns:a16="http://schemas.microsoft.com/office/drawing/2014/main" id="{0693FE32-82B0-42F3-AFEC-F26A966CF332}"/>
               </a:ext>
             </a:extLst>
           </p:cNvPr>

--- a/NIST_Data_Leakage_Case/NIST_Data_Leakage_03_WebHistory_SQL.pptx
+++ b/NIST_Data_Leakage_Case/NIST_Data_Leakage_03_WebHistory_SQL.pptx
@@ -187,22 +187,6 @@
     </pc:docChg>
   </pc:docChgLst>
   <pc:docChgLst>
-    <pc:chgData name="Richard Wheeless" userId="S::id63la41@ubalt.edu::edf7d7f9-5d95-4eec-886d-0f745236a21b" providerId="AD" clId="Web-{958F2B95-A119-46FD-A9C8-D15EFF7E5855}"/>
-    <pc:docChg chg="sldOrd">
-      <pc:chgData name="Richard Wheeless" userId="S::id63la41@ubalt.edu::edf7d7f9-5d95-4eec-886d-0f745236a21b" providerId="AD" clId="Web-{958F2B95-A119-46FD-A9C8-D15EFF7E5855}" dt="2020-10-26T10:32:09.184" v="0"/>
-      <pc:docMkLst>
-        <pc:docMk/>
-      </pc:docMkLst>
-      <pc:sldChg chg="ord">
-        <pc:chgData name="Richard Wheeless" userId="S::id63la41@ubalt.edu::edf7d7f9-5d95-4eec-886d-0f745236a21b" providerId="AD" clId="Web-{958F2B95-A119-46FD-A9C8-D15EFF7E5855}" dt="2020-10-26T10:32:09.184" v="0"/>
-        <pc:sldMkLst>
-          <pc:docMk/>
-          <pc:sldMk cId="3280354511" sldId="273"/>
-        </pc:sldMkLst>
-      </pc:sldChg>
-    </pc:docChg>
-  </pc:docChgLst>
-  <pc:docChgLst>
     <pc:chgData name="Weifeng Xu" userId="e7aed605-a3dd-4d5a-a692-a87037af107b" providerId="ADAL" clId="{CCD4C665-1B8B-41BE-BFE9-E10793EC4242}"/>
     <pc:docChg chg="undo custSel modSld">
       <pc:chgData name="Weifeng Xu" userId="e7aed605-a3dd-4d5a-a692-a87037af107b" providerId="ADAL" clId="{CCD4C665-1B8B-41BE-BFE9-E10793EC4242}" dt="2021-03-03T13:58:59.659" v="147" actId="13822"/>
@@ -350,6 +334,46 @@
     </pc:docChg>
   </pc:docChgLst>
   <pc:docChgLst>
+    <pc:chgData name="Richard Wheeless" userId="S::id63la41@ubalt.edu::edf7d7f9-5d95-4eec-886d-0f745236a21b" providerId="AD" clId="Web-{1145B16C-5E93-681B-B9BA-C7C9CDE20735}"/>
+    <pc:docChg chg="modSld">
+      <pc:chgData name="Richard Wheeless" userId="S::id63la41@ubalt.edu::edf7d7f9-5d95-4eec-886d-0f745236a21b" providerId="AD" clId="Web-{1145B16C-5E93-681B-B9BA-C7C9CDE20735}" dt="2020-10-22T20:25:25.022" v="9" actId="1076"/>
+      <pc:docMkLst>
+        <pc:docMk/>
+      </pc:docMkLst>
+      <pc:sldChg chg="modSp">
+        <pc:chgData name="Richard Wheeless" userId="S::id63la41@ubalt.edu::edf7d7f9-5d95-4eec-886d-0f745236a21b" providerId="AD" clId="Web-{1145B16C-5E93-681B-B9BA-C7C9CDE20735}" dt="2020-10-22T20:25:25.022" v="9" actId="1076"/>
+        <pc:sldMkLst>
+          <pc:docMk/>
+          <pc:sldMk cId="244327251" sldId="272"/>
+        </pc:sldMkLst>
+        <pc:picChg chg="mod">
+          <ac:chgData name="Richard Wheeless" userId="S::id63la41@ubalt.edu::edf7d7f9-5d95-4eec-886d-0f745236a21b" providerId="AD" clId="Web-{1145B16C-5E93-681B-B9BA-C7C9CDE20735}" dt="2020-10-22T20:25:25.022" v="9" actId="1076"/>
+          <ac:picMkLst>
+            <pc:docMk/>
+            <pc:sldMk cId="244327251" sldId="272"/>
+            <ac:picMk id="4" creationId="{00000000-0000-0000-0000-000000000000}"/>
+          </ac:picMkLst>
+        </pc:picChg>
+      </pc:sldChg>
+    </pc:docChg>
+  </pc:docChgLst>
+  <pc:docChgLst>
+    <pc:chgData name="Richard Wheeless" userId="S::id63la41@ubalt.edu::edf7d7f9-5d95-4eec-886d-0f745236a21b" providerId="AD" clId="Web-{958F2B95-A119-46FD-A9C8-D15EFF7E5855}"/>
+    <pc:docChg chg="sldOrd">
+      <pc:chgData name="Richard Wheeless" userId="S::id63la41@ubalt.edu::edf7d7f9-5d95-4eec-886d-0f745236a21b" providerId="AD" clId="Web-{958F2B95-A119-46FD-A9C8-D15EFF7E5855}" dt="2020-10-26T10:32:09.184" v="0"/>
+      <pc:docMkLst>
+        <pc:docMk/>
+      </pc:docMkLst>
+      <pc:sldChg chg="ord">
+        <pc:chgData name="Richard Wheeless" userId="S::id63la41@ubalt.edu::edf7d7f9-5d95-4eec-886d-0f745236a21b" providerId="AD" clId="Web-{958F2B95-A119-46FD-A9C8-D15EFF7E5855}" dt="2020-10-26T10:32:09.184" v="0"/>
+        <pc:sldMkLst>
+          <pc:docMk/>
+          <pc:sldMk cId="3280354511" sldId="273"/>
+        </pc:sldMkLst>
+      </pc:sldChg>
+    </pc:docChg>
+  </pc:docChgLst>
+  <pc:docChgLst>
     <pc:chgData name="Richard Wheeless" userId="S::id63la41@ubalt.edu::edf7d7f9-5d95-4eec-886d-0f745236a21b" providerId="AD" clId="Web-{1CD4744B-46E9-485E-8B11-DDA791EF49FF}"/>
     <pc:docChg chg="modSld">
       <pc:chgData name="Richard Wheeless" userId="S::id63la41@ubalt.edu::edf7d7f9-5d95-4eec-886d-0f745236a21b" providerId="AD" clId="Web-{1CD4744B-46E9-485E-8B11-DDA791EF49FF}" dt="2020-10-19T08:22:19.562" v="6" actId="1076"/>
@@ -406,26 +430,18 @@
     </pc:docChg>
   </pc:docChgLst>
   <pc:docChgLst>
-    <pc:chgData name="Richard Wheeless" userId="S::id63la41@ubalt.edu::edf7d7f9-5d95-4eec-886d-0f745236a21b" providerId="AD" clId="Web-{1145B16C-5E93-681B-B9BA-C7C9CDE20735}"/>
+    <pc:chgData name="Richard Wheeless" userId="S::id63la41@ubalt.edu::edf7d7f9-5d95-4eec-886d-0f745236a21b" providerId="AD" clId="Web-{C7603778-FF2C-3625-76A9-125A26B0D2D5}"/>
     <pc:docChg chg="modSld">
-      <pc:chgData name="Richard Wheeless" userId="S::id63la41@ubalt.edu::edf7d7f9-5d95-4eec-886d-0f745236a21b" providerId="AD" clId="Web-{1145B16C-5E93-681B-B9BA-C7C9CDE20735}" dt="2020-10-22T20:25:25.022" v="9" actId="1076"/>
+      <pc:chgData name="Richard Wheeless" userId="S::id63la41@ubalt.edu::edf7d7f9-5d95-4eec-886d-0f745236a21b" providerId="AD" clId="Web-{C7603778-FF2C-3625-76A9-125A26B0D2D5}" dt="2021-09-10T07:11:06.655" v="10"/>
       <pc:docMkLst>
         <pc:docMk/>
       </pc:docMkLst>
-      <pc:sldChg chg="modSp">
-        <pc:chgData name="Richard Wheeless" userId="S::id63la41@ubalt.edu::edf7d7f9-5d95-4eec-886d-0f745236a21b" providerId="AD" clId="Web-{1145B16C-5E93-681B-B9BA-C7C9CDE20735}" dt="2020-10-22T20:25:25.022" v="9" actId="1076"/>
+      <pc:sldChg chg="modNotes">
+        <pc:chgData name="Richard Wheeless" userId="S::id63la41@ubalt.edu::edf7d7f9-5d95-4eec-886d-0f745236a21b" providerId="AD" clId="Web-{C7603778-FF2C-3625-76A9-125A26B0D2D5}" dt="2021-09-10T07:11:06.655" v="10"/>
         <pc:sldMkLst>
           <pc:docMk/>
-          <pc:sldMk cId="244327251" sldId="272"/>
+          <pc:sldMk cId="3091480736" sldId="257"/>
         </pc:sldMkLst>
-        <pc:picChg chg="mod">
-          <ac:chgData name="Richard Wheeless" userId="S::id63la41@ubalt.edu::edf7d7f9-5d95-4eec-886d-0f745236a21b" providerId="AD" clId="Web-{1145B16C-5E93-681B-B9BA-C7C9CDE20735}" dt="2020-10-22T20:25:25.022" v="9" actId="1076"/>
-          <ac:picMkLst>
-            <pc:docMk/>
-            <pc:sldMk cId="244327251" sldId="272"/>
-            <ac:picMk id="4" creationId="{00000000-0000-0000-0000-000000000000}"/>
-          </ac:picMkLst>
-        </pc:picChg>
       </pc:sldChg>
     </pc:docChg>
   </pc:docChgLst>
@@ -514,7 +530,7 @@
           <a:p>
             <a:fld id="{EE41F6E3-57F9-402E-BDBA-5B2DE11C8530}" type="datetimeFigureOut">
               <a:rPr lang="en-US" smtClean="0"/>
-              <a:t>3/3/2021</a:t>
+              <a:t>9/9/2021</a:t>
             </a:fld>
             <a:endParaRPr lang="en-US"/>
           </a:p>
@@ -1985,6 +2001,12 @@
           <a:bodyPr/>
           <a:lstStyle/>
           <a:p>
+            <a:r>
+              <a:rPr lang="en-US">
+                <a:cs typeface="Calibri"/>
+              </a:rPr>
+              <a:t>Explore| chrome| firefox | duck</a:t>
+            </a:r>
             <a:endParaRPr lang="en-US" dirty="0"/>
           </a:p>
         </p:txBody>
@@ -4732,7 +4754,7 @@
           <a:p>
             <a:fld id="{4263717A-E3C1-4BED-ABE0-B7069385E023}" type="datetimeFigureOut">
               <a:rPr lang="en-US" smtClean="0"/>
-              <a:t>3/3/2021</a:t>
+              <a:t>9/9/2021</a:t>
             </a:fld>
             <a:endParaRPr lang="en-US"/>
           </a:p>
@@ -4905,7 +4927,7 @@
           <a:p>
             <a:fld id="{4263717A-E3C1-4BED-ABE0-B7069385E023}" type="datetimeFigureOut">
               <a:rPr lang="en-US" smtClean="0"/>
-              <a:t>3/3/2021</a:t>
+              <a:t>9/9/2021</a:t>
             </a:fld>
             <a:endParaRPr lang="en-US"/>
           </a:p>
@@ -5083,7 +5105,7 @@
           <a:p>
             <a:fld id="{4263717A-E3C1-4BED-ABE0-B7069385E023}" type="datetimeFigureOut">
               <a:rPr lang="en-US" smtClean="0"/>
-              <a:t>3/3/2021</a:t>
+              <a:t>9/9/2021</a:t>
             </a:fld>
             <a:endParaRPr lang="en-US"/>
           </a:p>
@@ -5251,7 +5273,7 @@
           <a:p>
             <a:fld id="{4263717A-E3C1-4BED-ABE0-B7069385E023}" type="datetimeFigureOut">
               <a:rPr lang="en-US" smtClean="0"/>
-              <a:t>3/3/2021</a:t>
+              <a:t>9/9/2021</a:t>
             </a:fld>
             <a:endParaRPr lang="en-US"/>
           </a:p>
@@ -5496,7 +5518,7 @@
           <a:p>
             <a:fld id="{4263717A-E3C1-4BED-ABE0-B7069385E023}" type="datetimeFigureOut">
               <a:rPr lang="en-US" smtClean="0"/>
-              <a:t>3/3/2021</a:t>
+              <a:t>9/9/2021</a:t>
             </a:fld>
             <a:endParaRPr lang="en-US"/>
           </a:p>
@@ -5725,7 +5747,7 @@
           <a:p>
             <a:fld id="{4263717A-E3C1-4BED-ABE0-B7069385E023}" type="datetimeFigureOut">
               <a:rPr lang="en-US" smtClean="0"/>
-              <a:t>3/3/2021</a:t>
+              <a:t>9/9/2021</a:t>
             </a:fld>
             <a:endParaRPr lang="en-US"/>
           </a:p>
@@ -6089,7 +6111,7 @@
           <a:p>
             <a:fld id="{4263717A-E3C1-4BED-ABE0-B7069385E023}" type="datetimeFigureOut">
               <a:rPr lang="en-US" smtClean="0"/>
-              <a:t>3/3/2021</a:t>
+              <a:t>9/9/2021</a:t>
             </a:fld>
             <a:endParaRPr lang="en-US"/>
           </a:p>
@@ -6206,7 +6228,7 @@
           <a:p>
             <a:fld id="{4263717A-E3C1-4BED-ABE0-B7069385E023}" type="datetimeFigureOut">
               <a:rPr lang="en-US" smtClean="0"/>
-              <a:t>3/3/2021</a:t>
+              <a:t>9/9/2021</a:t>
             </a:fld>
             <a:endParaRPr lang="en-US"/>
           </a:p>
@@ -6301,7 +6323,7 @@
           <a:p>
             <a:fld id="{4263717A-E3C1-4BED-ABE0-B7069385E023}" type="datetimeFigureOut">
               <a:rPr lang="en-US" smtClean="0"/>
-              <a:t>3/3/2021</a:t>
+              <a:t>9/9/2021</a:t>
             </a:fld>
             <a:endParaRPr lang="en-US"/>
           </a:p>
@@ -6576,7 +6598,7 @@
           <a:p>
             <a:fld id="{4263717A-E3C1-4BED-ABE0-B7069385E023}" type="datetimeFigureOut">
               <a:rPr lang="en-US" smtClean="0"/>
-              <a:t>3/3/2021</a:t>
+              <a:t>9/9/2021</a:t>
             </a:fld>
             <a:endParaRPr lang="en-US"/>
           </a:p>
@@ -6828,7 +6850,7 @@
           <a:p>
             <a:fld id="{4263717A-E3C1-4BED-ABE0-B7069385E023}" type="datetimeFigureOut">
               <a:rPr lang="en-US" smtClean="0"/>
-              <a:t>3/3/2021</a:t>
+              <a:t>9/9/2021</a:t>
             </a:fld>
             <a:endParaRPr lang="en-US"/>
           </a:p>
@@ -7039,7 +7061,7 @@
           <a:p>
             <a:fld id="{4263717A-E3C1-4BED-ABE0-B7069385E023}" type="datetimeFigureOut">
               <a:rPr lang="en-US" smtClean="0"/>
-              <a:t>3/3/2021</a:t>
+              <a:t>9/9/2021</a:t>
             </a:fld>
             <a:endParaRPr lang="en-US"/>
           </a:p>

--- a/NIST_Data_Leakage_Case/NIST_Data_Leakage_03_WebHistory_SQL.pptx
+++ b/NIST_Data_Leakage_Case/NIST_Data_Leakage_03_WebHistory_SQL.pptx
@@ -5,7 +5,7 @@
     <p:sldMasterId id="2147483648" r:id="rId1"/>
   </p:sldMasterIdLst>
   <p:notesMasterIdLst>
-    <p:notesMasterId r:id="rId40"/>
+    <p:notesMasterId r:id="rId42"/>
   </p:notesMasterIdLst>
   <p:sldIdLst>
     <p:sldId id="256" r:id="rId2"/>
@@ -37,15 +37,17 @@
     <p:sldId id="284" r:id="rId28"/>
     <p:sldId id="285" r:id="rId29"/>
     <p:sldId id="286" r:id="rId30"/>
-    <p:sldId id="291" r:id="rId31"/>
-    <p:sldId id="294" r:id="rId32"/>
-    <p:sldId id="288" r:id="rId33"/>
-    <p:sldId id="289" r:id="rId34"/>
-    <p:sldId id="287" r:id="rId35"/>
-    <p:sldId id="290" r:id="rId36"/>
-    <p:sldId id="295" r:id="rId37"/>
-    <p:sldId id="292" r:id="rId38"/>
-    <p:sldId id="293" r:id="rId39"/>
+    <p:sldId id="301" r:id="rId31"/>
+    <p:sldId id="300" r:id="rId32"/>
+    <p:sldId id="291" r:id="rId33"/>
+    <p:sldId id="294" r:id="rId34"/>
+    <p:sldId id="288" r:id="rId35"/>
+    <p:sldId id="289" r:id="rId36"/>
+    <p:sldId id="287" r:id="rId37"/>
+    <p:sldId id="290" r:id="rId38"/>
+    <p:sldId id="295" r:id="rId39"/>
+    <p:sldId id="292" r:id="rId40"/>
+    <p:sldId id="293" r:id="rId41"/>
   </p:sldIdLst>
   <p:sldSz cx="12192000" cy="6858000"/>
   <p:notesSz cx="6858000" cy="9144000"/>
@@ -155,7 +157,7 @@
 <file path=ppt/revisionInfo.xml><?xml version="1.0" encoding="utf-8"?>
 <p1510:revInfo xmlns:a="http://schemas.openxmlformats.org/drawingml/2006/main" xmlns:r="http://schemas.openxmlformats.org/officeDocument/2006/relationships" xmlns:p1510="http://schemas.microsoft.com/office/powerpoint/2015/10/main">
   <p1510:revLst>
-    <p1510:client id="{CCD4C665-1B8B-41BE-BFE9-E10793EC4242}" v="5" dt="2021-03-03T13:53:37.979"/>
+    <p1510:client id="{409D07DA-7E5C-4EF5-A9AF-5A4926BCA666}" v="6" dt="2022-03-09T00:33:56.233"/>
   </p1510:revLst>
 </p1510:revInfo>
 </file>
@@ -183,6 +185,131 @@
             <ac:picMk id="7" creationId="{00000000-0000-0000-0000-000000000000}"/>
           </ac:picMkLst>
         </pc:picChg>
+      </pc:sldChg>
+    </pc:docChg>
+  </pc:docChgLst>
+  <pc:docChgLst>
+    <pc:chgData name="Richard Wheeless" userId="S::id63la41@ubalt.edu::edf7d7f9-5d95-4eec-886d-0f745236a21b" providerId="AD" clId="Web-{958F2B95-A119-46FD-A9C8-D15EFF7E5855}"/>
+    <pc:docChg chg="sldOrd">
+      <pc:chgData name="Richard Wheeless" userId="S::id63la41@ubalt.edu::edf7d7f9-5d95-4eec-886d-0f745236a21b" providerId="AD" clId="Web-{958F2B95-A119-46FD-A9C8-D15EFF7E5855}" dt="2020-10-26T10:32:09.184" v="0"/>
+      <pc:docMkLst>
+        <pc:docMk/>
+      </pc:docMkLst>
+      <pc:sldChg chg="ord">
+        <pc:chgData name="Richard Wheeless" userId="S::id63la41@ubalt.edu::edf7d7f9-5d95-4eec-886d-0f745236a21b" providerId="AD" clId="Web-{958F2B95-A119-46FD-A9C8-D15EFF7E5855}" dt="2020-10-26T10:32:09.184" v="0"/>
+        <pc:sldMkLst>
+          <pc:docMk/>
+          <pc:sldMk cId="3280354511" sldId="273"/>
+        </pc:sldMkLst>
+      </pc:sldChg>
+    </pc:docChg>
+  </pc:docChgLst>
+  <pc:docChgLst>
+    <pc:chgData name="Weifeng Xu" userId="e7aed605-a3dd-4d5a-a692-a87037af107b" providerId="ADAL" clId="{409D07DA-7E5C-4EF5-A9AF-5A4926BCA666}"/>
+    <pc:docChg chg="undo custSel addSld delSld modSld">
+      <pc:chgData name="Weifeng Xu" userId="e7aed605-a3dd-4d5a-a692-a87037af107b" providerId="ADAL" clId="{409D07DA-7E5C-4EF5-A9AF-5A4926BCA666}" dt="2022-03-08T23:20:49.315" v="344" actId="20578"/>
+      <pc:docMkLst>
+        <pc:docMk/>
+      </pc:docMkLst>
+      <pc:sldChg chg="modSp">
+        <pc:chgData name="Weifeng Xu" userId="e7aed605-a3dd-4d5a-a692-a87037af107b" providerId="ADAL" clId="{409D07DA-7E5C-4EF5-A9AF-5A4926BCA666}" dt="2022-03-08T23:20:49.315" v="344" actId="20578"/>
+        <pc:sldMkLst>
+          <pc:docMk/>
+          <pc:sldMk cId="2852293132" sldId="277"/>
+        </pc:sldMkLst>
+        <pc:spChg chg="mod">
+          <ac:chgData name="Weifeng Xu" userId="e7aed605-a3dd-4d5a-a692-a87037af107b" providerId="ADAL" clId="{409D07DA-7E5C-4EF5-A9AF-5A4926BCA666}" dt="2022-03-08T23:20:49.315" v="344" actId="20578"/>
+          <ac:spMkLst>
+            <pc:docMk/>
+            <pc:sldMk cId="2852293132" sldId="277"/>
+            <ac:spMk id="3" creationId="{00000000-0000-0000-0000-000000000000}"/>
+          </ac:spMkLst>
+        </pc:spChg>
+      </pc:sldChg>
+      <pc:sldChg chg="addSp modSp new mod modNotesTx">
+        <pc:chgData name="Weifeng Xu" userId="e7aed605-a3dd-4d5a-a692-a87037af107b" providerId="ADAL" clId="{409D07DA-7E5C-4EF5-A9AF-5A4926BCA666}" dt="2022-03-08T14:38:59.681" v="327" actId="20577"/>
+        <pc:sldMkLst>
+          <pc:docMk/>
+          <pc:sldMk cId="4053852185" sldId="300"/>
+        </pc:sldMkLst>
+        <pc:spChg chg="add mod">
+          <ac:chgData name="Weifeng Xu" userId="e7aed605-a3dd-4d5a-a692-a87037af107b" providerId="ADAL" clId="{409D07DA-7E5C-4EF5-A9AF-5A4926BCA666}" dt="2022-03-08T14:38:59.681" v="327" actId="20577"/>
+          <ac:spMkLst>
+            <pc:docMk/>
+            <pc:sldMk cId="4053852185" sldId="300"/>
+            <ac:spMk id="4" creationId="{99D0B177-9166-4F77-9FAB-108948E5843F}"/>
+          </ac:spMkLst>
+        </pc:spChg>
+        <pc:picChg chg="add">
+          <ac:chgData name="Weifeng Xu" userId="e7aed605-a3dd-4d5a-a692-a87037af107b" providerId="ADAL" clId="{409D07DA-7E5C-4EF5-A9AF-5A4926BCA666}" dt="2022-03-08T13:54:19.790" v="1" actId="22"/>
+          <ac:picMkLst>
+            <pc:docMk/>
+            <pc:sldMk cId="4053852185" sldId="300"/>
+            <ac:picMk id="3" creationId="{C111D80A-CC0A-45A8-8E7D-6D534A0F5156}"/>
+          </ac:picMkLst>
+        </pc:picChg>
+      </pc:sldChg>
+      <pc:sldChg chg="addSp modSp new mod modClrScheme chgLayout modNotesTx">
+        <pc:chgData name="Weifeng Xu" userId="e7aed605-a3dd-4d5a-a692-a87037af107b" providerId="ADAL" clId="{409D07DA-7E5C-4EF5-A9AF-5A4926BCA666}" dt="2022-03-08T14:58:50.921" v="343" actId="14100"/>
+        <pc:sldMkLst>
+          <pc:docMk/>
+          <pc:sldMk cId="2904199124" sldId="301"/>
+        </pc:sldMkLst>
+        <pc:spChg chg="add mod">
+          <ac:chgData name="Weifeng Xu" userId="e7aed605-a3dd-4d5a-a692-a87037af107b" providerId="ADAL" clId="{409D07DA-7E5C-4EF5-A9AF-5A4926BCA666}" dt="2022-03-08T13:56:25.884" v="60" actId="20577"/>
+          <ac:spMkLst>
+            <pc:docMk/>
+            <pc:sldMk cId="2904199124" sldId="301"/>
+            <ac:spMk id="2" creationId="{1050FBFD-EB3E-464B-B431-A1B2710991D3}"/>
+          </ac:spMkLst>
+        </pc:spChg>
+        <pc:spChg chg="add mod">
+          <ac:chgData name="Weifeng Xu" userId="e7aed605-a3dd-4d5a-a692-a87037af107b" providerId="ADAL" clId="{409D07DA-7E5C-4EF5-A9AF-5A4926BCA666}" dt="2022-03-08T14:40:04.010" v="328" actId="20577"/>
+          <ac:spMkLst>
+            <pc:docMk/>
+            <pc:sldMk cId="2904199124" sldId="301"/>
+            <ac:spMk id="3" creationId="{A65B5667-188A-4CF8-BD3C-7538810492CF}"/>
+          </ac:spMkLst>
+        </pc:spChg>
+        <pc:spChg chg="add mod">
+          <ac:chgData name="Weifeng Xu" userId="e7aed605-a3dd-4d5a-a692-a87037af107b" providerId="ADAL" clId="{409D07DA-7E5C-4EF5-A9AF-5A4926BCA666}" dt="2022-03-08T14:37:26.216" v="266" actId="1076"/>
+          <ac:spMkLst>
+            <pc:docMk/>
+            <pc:sldMk cId="2904199124" sldId="301"/>
+            <ac:spMk id="7" creationId="{2A62204D-7212-4FF9-9CA5-9F0B663BBC85}"/>
+          </ac:spMkLst>
+        </pc:spChg>
+        <pc:spChg chg="add mod">
+          <ac:chgData name="Weifeng Xu" userId="e7aed605-a3dd-4d5a-a692-a87037af107b" providerId="ADAL" clId="{409D07DA-7E5C-4EF5-A9AF-5A4926BCA666}" dt="2022-03-08T14:58:50.921" v="343" actId="14100"/>
+          <ac:spMkLst>
+            <pc:docMk/>
+            <pc:sldMk cId="2904199124" sldId="301"/>
+            <ac:spMk id="9" creationId="{8EB77D37-7718-446D-873B-3BCF06E5E1CD}"/>
+          </ac:spMkLst>
+        </pc:spChg>
+        <pc:picChg chg="add mod">
+          <ac:chgData name="Weifeng Xu" userId="e7aed605-a3dd-4d5a-a692-a87037af107b" providerId="ADAL" clId="{409D07DA-7E5C-4EF5-A9AF-5A4926BCA666}" dt="2022-03-08T14:36:26.277" v="256" actId="1076"/>
+          <ac:picMkLst>
+            <pc:docMk/>
+            <pc:sldMk cId="2904199124" sldId="301"/>
+            <ac:picMk id="5" creationId="{CCD06E80-623D-4C55-879B-7C08561290EB}"/>
+          </ac:picMkLst>
+        </pc:picChg>
+        <pc:picChg chg="add mod">
+          <ac:chgData name="Weifeng Xu" userId="e7aed605-a3dd-4d5a-a692-a87037af107b" providerId="ADAL" clId="{409D07DA-7E5C-4EF5-A9AF-5A4926BCA666}" dt="2022-03-08T14:57:02.140" v="335" actId="1076"/>
+          <ac:picMkLst>
+            <pc:docMk/>
+            <pc:sldMk cId="2904199124" sldId="301"/>
+            <ac:picMk id="6" creationId="{41ECA614-3B25-40E2-AD5F-A6C1D7D3730B}"/>
+          </ac:picMkLst>
+        </pc:picChg>
+      </pc:sldChg>
+      <pc:sldChg chg="new del">
+        <pc:chgData name="Weifeng Xu" userId="e7aed605-a3dd-4d5a-a692-a87037af107b" providerId="ADAL" clId="{409D07DA-7E5C-4EF5-A9AF-5A4926BCA666}" dt="2022-03-08T14:35:00.310" v="252" actId="680"/>
+        <pc:sldMkLst>
+          <pc:docMk/>
+          <pc:sldMk cId="2189322117" sldId="302"/>
+        </pc:sldMkLst>
       </pc:sldChg>
     </pc:docChg>
   </pc:docChgLst>
@@ -334,46 +461,6 @@
     </pc:docChg>
   </pc:docChgLst>
   <pc:docChgLst>
-    <pc:chgData name="Richard Wheeless" userId="S::id63la41@ubalt.edu::edf7d7f9-5d95-4eec-886d-0f745236a21b" providerId="AD" clId="Web-{1145B16C-5E93-681B-B9BA-C7C9CDE20735}"/>
-    <pc:docChg chg="modSld">
-      <pc:chgData name="Richard Wheeless" userId="S::id63la41@ubalt.edu::edf7d7f9-5d95-4eec-886d-0f745236a21b" providerId="AD" clId="Web-{1145B16C-5E93-681B-B9BA-C7C9CDE20735}" dt="2020-10-22T20:25:25.022" v="9" actId="1076"/>
-      <pc:docMkLst>
-        <pc:docMk/>
-      </pc:docMkLst>
-      <pc:sldChg chg="modSp">
-        <pc:chgData name="Richard Wheeless" userId="S::id63la41@ubalt.edu::edf7d7f9-5d95-4eec-886d-0f745236a21b" providerId="AD" clId="Web-{1145B16C-5E93-681B-B9BA-C7C9CDE20735}" dt="2020-10-22T20:25:25.022" v="9" actId="1076"/>
-        <pc:sldMkLst>
-          <pc:docMk/>
-          <pc:sldMk cId="244327251" sldId="272"/>
-        </pc:sldMkLst>
-        <pc:picChg chg="mod">
-          <ac:chgData name="Richard Wheeless" userId="S::id63la41@ubalt.edu::edf7d7f9-5d95-4eec-886d-0f745236a21b" providerId="AD" clId="Web-{1145B16C-5E93-681B-B9BA-C7C9CDE20735}" dt="2020-10-22T20:25:25.022" v="9" actId="1076"/>
-          <ac:picMkLst>
-            <pc:docMk/>
-            <pc:sldMk cId="244327251" sldId="272"/>
-            <ac:picMk id="4" creationId="{00000000-0000-0000-0000-000000000000}"/>
-          </ac:picMkLst>
-        </pc:picChg>
-      </pc:sldChg>
-    </pc:docChg>
-  </pc:docChgLst>
-  <pc:docChgLst>
-    <pc:chgData name="Richard Wheeless" userId="S::id63la41@ubalt.edu::edf7d7f9-5d95-4eec-886d-0f745236a21b" providerId="AD" clId="Web-{958F2B95-A119-46FD-A9C8-D15EFF7E5855}"/>
-    <pc:docChg chg="sldOrd">
-      <pc:chgData name="Richard Wheeless" userId="S::id63la41@ubalt.edu::edf7d7f9-5d95-4eec-886d-0f745236a21b" providerId="AD" clId="Web-{958F2B95-A119-46FD-A9C8-D15EFF7E5855}" dt="2020-10-26T10:32:09.184" v="0"/>
-      <pc:docMkLst>
-        <pc:docMk/>
-      </pc:docMkLst>
-      <pc:sldChg chg="ord">
-        <pc:chgData name="Richard Wheeless" userId="S::id63la41@ubalt.edu::edf7d7f9-5d95-4eec-886d-0f745236a21b" providerId="AD" clId="Web-{958F2B95-A119-46FD-A9C8-D15EFF7E5855}" dt="2020-10-26T10:32:09.184" v="0"/>
-        <pc:sldMkLst>
-          <pc:docMk/>
-          <pc:sldMk cId="3280354511" sldId="273"/>
-        </pc:sldMkLst>
-      </pc:sldChg>
-    </pc:docChg>
-  </pc:docChgLst>
-  <pc:docChgLst>
     <pc:chgData name="Richard Wheeless" userId="S::id63la41@ubalt.edu::edf7d7f9-5d95-4eec-886d-0f745236a21b" providerId="AD" clId="Web-{1CD4744B-46E9-485E-8B11-DDA791EF49FF}"/>
     <pc:docChg chg="modSld">
       <pc:chgData name="Richard Wheeless" userId="S::id63la41@ubalt.edu::edf7d7f9-5d95-4eec-886d-0f745236a21b" providerId="AD" clId="Web-{1CD4744B-46E9-485E-8B11-DDA791EF49FF}" dt="2020-10-19T08:22:19.562" v="6" actId="1076"/>
@@ -445,6 +532,30 @@
       </pc:sldChg>
     </pc:docChg>
   </pc:docChgLst>
+  <pc:docChgLst>
+    <pc:chgData name="Richard Wheeless" userId="S::id63la41@ubalt.edu::edf7d7f9-5d95-4eec-886d-0f745236a21b" providerId="AD" clId="Web-{1145B16C-5E93-681B-B9BA-C7C9CDE20735}"/>
+    <pc:docChg chg="modSld">
+      <pc:chgData name="Richard Wheeless" userId="S::id63la41@ubalt.edu::edf7d7f9-5d95-4eec-886d-0f745236a21b" providerId="AD" clId="Web-{1145B16C-5E93-681B-B9BA-C7C9CDE20735}" dt="2020-10-22T20:25:25.022" v="9" actId="1076"/>
+      <pc:docMkLst>
+        <pc:docMk/>
+      </pc:docMkLst>
+      <pc:sldChg chg="modSp">
+        <pc:chgData name="Richard Wheeless" userId="S::id63la41@ubalt.edu::edf7d7f9-5d95-4eec-886d-0f745236a21b" providerId="AD" clId="Web-{1145B16C-5E93-681B-B9BA-C7C9CDE20735}" dt="2020-10-22T20:25:25.022" v="9" actId="1076"/>
+        <pc:sldMkLst>
+          <pc:docMk/>
+          <pc:sldMk cId="244327251" sldId="272"/>
+        </pc:sldMkLst>
+        <pc:picChg chg="mod">
+          <ac:chgData name="Richard Wheeless" userId="S::id63la41@ubalt.edu::edf7d7f9-5d95-4eec-886d-0f745236a21b" providerId="AD" clId="Web-{1145B16C-5E93-681B-B9BA-C7C9CDE20735}" dt="2020-10-22T20:25:25.022" v="9" actId="1076"/>
+          <ac:picMkLst>
+            <pc:docMk/>
+            <pc:sldMk cId="244327251" sldId="272"/>
+            <ac:picMk id="4" creationId="{00000000-0000-0000-0000-000000000000}"/>
+          </ac:picMkLst>
+        </pc:picChg>
+      </pc:sldChg>
+    </pc:docChg>
+  </pc:docChgLst>
 </pc:chgInfo>
 </file>
 
@@ -530,7 +641,7 @@
           <a:p>
             <a:fld id="{EE41F6E3-57F9-402E-BDBA-5B2DE11C8530}" type="datetimeFigureOut">
               <a:rPr lang="en-US" smtClean="0"/>
-              <a:t>9/9/2021</a:t>
+              <a:t>3/8/2022</a:t>
             </a:fld>
             <a:endParaRPr lang="en-US"/>
           </a:p>
@@ -3036,9 +3147,10 @@
           <a:lstStyle/>
           <a:p>
             <a:r>
-              <a:rPr lang="en-US" dirty="0"/>
-              <a:t>https://www.bing.com/search?q=myteststring&amp;src=IE-SearchBox&amp;FORM=IEMAE2&amp;pc=EUPP</a:t>
-            </a:r>
+              <a:rPr lang="en-GB" dirty="0"/>
+              <a:t>date +%s -d 'Jan 1 00:00:00 UTC 1601'</a:t>
+            </a:r>
+            <a:endParaRPr lang="en-US" dirty="0"/>
           </a:p>
         </p:txBody>
       </p:sp>
@@ -3049,7 +3161,7 @@
             <a:spLocks noGrp="1"/>
           </p:cNvSpPr>
           <p:nvPr>
-            <p:ph type="sldNum" sz="quarter" idx="10"/>
+            <p:ph type="sldNum" sz="quarter" idx="5"/>
           </p:nvPr>
         </p:nvSpPr>
         <p:spPr/>
@@ -3068,7 +3180,7 @@
     </p:spTree>
     <p:extLst>
       <p:ext uri="{BB962C8B-B14F-4D97-AF65-F5344CB8AC3E}">
-        <p14:creationId xmlns:p14="http://schemas.microsoft.com/office/powerpoint/2010/main" val="946030001"/>
+        <p14:creationId xmlns:p14="http://schemas.microsoft.com/office/powerpoint/2010/main" val="725676549"/>
       </p:ext>
     </p:extLst>
   </p:cSld>
@@ -3123,8 +3235,49 @@
           <a:lstStyle/>
           <a:p>
             <a:r>
-              <a:rPr lang="en-US" dirty="0"/>
-              <a:t>https://www.bing.com/search?q=myteststring&amp;src=IE-SearchBox&amp;FORM=IEMAE2&amp;pc=EUPP</a:t>
+              <a:rPr lang="en-GB" dirty="0"/>
+              <a:t>select id, </a:t>
+            </a:r>
+            <a:r>
+              <a:rPr lang="en-GB" dirty="0" err="1"/>
+              <a:t>url</a:t>
+            </a:r>
+            <a:r>
+              <a:rPr lang="en-GB" dirty="0"/>
+              <a:t>, datetime((</a:t>
+            </a:r>
+            <a:r>
+              <a:rPr lang="en-GB" dirty="0" err="1"/>
+              <a:t>last_visit_time</a:t>
+            </a:r>
+            <a:r>
+              <a:rPr lang="en-GB" dirty="0"/>
+              <a:t>/1000000)-11644473600,'unixepoch', '</a:t>
+            </a:r>
+            <a:r>
+              <a:rPr lang="en-GB" dirty="0" err="1"/>
+              <a:t>localtime</a:t>
+            </a:r>
+            <a:r>
+              <a:rPr lang="en-GB" dirty="0"/>
+              <a:t>') AS time from </a:t>
+            </a:r>
+            <a:r>
+              <a:rPr lang="en-GB" dirty="0" err="1"/>
+              <a:t>urls</a:t>
+            </a:r>
+            <a:r>
+              <a:rPr lang="en-GB" dirty="0"/>
+              <a:t> limit 5;</a:t>
+            </a:r>
+          </a:p>
+          <a:p>
+            <a:endParaRPr lang="en-GB" dirty="0"/>
+          </a:p>
+          <a:p>
+            <a:r>
+              <a:rPr lang="en-US" dirty="0"/>
+              <a:t>https://linuxsleuthing.blogspot.com/2011/06/decoding-google-chrome-timestamps-in.html</a:t>
             </a:r>
           </a:p>
         </p:txBody>
@@ -3136,7 +3289,7 @@
             <a:spLocks noGrp="1"/>
           </p:cNvSpPr>
           <p:nvPr>
-            <p:ph type="sldNum" sz="quarter" idx="10"/>
+            <p:ph type="sldNum" sz="quarter" idx="5"/>
           </p:nvPr>
         </p:nvSpPr>
         <p:spPr/>
@@ -3155,7 +3308,7 @@
     </p:spTree>
     <p:extLst>
       <p:ext uri="{BB962C8B-B14F-4D97-AF65-F5344CB8AC3E}">
-        <p14:creationId xmlns:p14="http://schemas.microsoft.com/office/powerpoint/2010/main" val="2703403418"/>
+        <p14:creationId xmlns:p14="http://schemas.microsoft.com/office/powerpoint/2010/main" val="1769183022"/>
       </p:ext>
     </p:extLst>
   </p:cSld>
@@ -3210,30 +3363,8 @@
           <a:lstStyle/>
           <a:p>
             <a:r>
-              <a:rPr lang="en-US" dirty="0" err="1"/>
-              <a:t>bing</a:t>
-            </a:r>
-            <a:r>
-              <a:rPr lang="en-US" dirty="0"/>
-              <a:t>\.com\/search\?q=(.*?)\&amp;</a:t>
-            </a:r>
-          </a:p>
-          <a:p>
-            <a:r>
-              <a:rPr lang="en-US" dirty="0"/>
-              <a:t>https://www.bing.com/search?</a:t>
-            </a:r>
-            <a:r>
-              <a:rPr lang="en-US" dirty="0">
-                <a:solidFill>
-                  <a:srgbClr val="FF0000"/>
-                </a:solidFill>
-              </a:rPr>
-              <a:t>q=myteststring</a:t>
-            </a:r>
-            <a:r>
-              <a:rPr lang="en-US" dirty="0"/>
-              <a:t>&amp;src=IE-SearchBox&amp;FORM=IEMAE2&amp;pc=EUPP</a:t>
+              <a:rPr lang="en-US" dirty="0"/>
+              <a:t>https://www.bing.com/search?q=myteststring&amp;src=IE-SearchBox&amp;FORM=IEMAE2&amp;pc=EUPP</a:t>
             </a:r>
           </a:p>
         </p:txBody>
@@ -3264,7 +3395,7 @@
     </p:spTree>
     <p:extLst>
       <p:ext uri="{BB962C8B-B14F-4D97-AF65-F5344CB8AC3E}">
-        <p14:creationId xmlns:p14="http://schemas.microsoft.com/office/powerpoint/2010/main" val="3672508878"/>
+        <p14:creationId xmlns:p14="http://schemas.microsoft.com/office/powerpoint/2010/main" val="946030001"/>
       </p:ext>
     </p:extLst>
   </p:cSld>
@@ -3492,28 +3623,8 @@
           <a:lstStyle/>
           <a:p>
             <a:r>
-              <a:rPr lang="en-US" dirty="0" err="1"/>
-              <a:t>awk</a:t>
-            </a:r>
-            <a:r>
-              <a:rPr lang="en-US" dirty="0"/>
-              <a:t> '{print $34}'  </a:t>
-            </a:r>
-            <a:r>
-              <a:rPr lang="en-US" dirty="0" err="1"/>
-              <a:t>webhistory</a:t>
-            </a:r>
-            <a:r>
-              <a:rPr lang="en-US" dirty="0"/>
-              <a:t>/IE11.export/Container* | grep -P "</a:t>
-            </a:r>
-            <a:r>
-              <a:rPr lang="en-US" dirty="0" err="1"/>
-              <a:t>bing</a:t>
-            </a:r>
-            <a:r>
-              <a:rPr lang="en-US" dirty="0"/>
-              <a:t>\.com\/search\?q=(.*?)\&amp;" --color</a:t>
+              <a:rPr lang="en-US" dirty="0"/>
+              <a:t>https://www.bing.com/search?q=myteststring&amp;src=IE-SearchBox&amp;FORM=IEMAE2&amp;pc=EUPP</a:t>
             </a:r>
           </a:p>
         </p:txBody>
@@ -3544,7 +3655,7 @@
     </p:spTree>
     <p:extLst>
       <p:ext uri="{BB962C8B-B14F-4D97-AF65-F5344CB8AC3E}">
-        <p14:creationId xmlns:p14="http://schemas.microsoft.com/office/powerpoint/2010/main" val="1070425497"/>
+        <p14:creationId xmlns:p14="http://schemas.microsoft.com/office/powerpoint/2010/main" val="2703403418"/>
       </p:ext>
     </p:extLst>
   </p:cSld>
@@ -3598,7 +3709,32 @@
           <a:bodyPr/>
           <a:lstStyle/>
           <a:p>
-            <a:endParaRPr lang="en-US" dirty="0"/>
+            <a:r>
+              <a:rPr lang="en-US" dirty="0" err="1"/>
+              <a:t>bing</a:t>
+            </a:r>
+            <a:r>
+              <a:rPr lang="en-US" dirty="0"/>
+              <a:t>\.com\/search\?q=(.*?)\&amp;</a:t>
+            </a:r>
+          </a:p>
+          <a:p>
+            <a:r>
+              <a:rPr lang="en-US" dirty="0"/>
+              <a:t>https://www.bing.com/search?</a:t>
+            </a:r>
+            <a:r>
+              <a:rPr lang="en-US" dirty="0">
+                <a:solidFill>
+                  <a:srgbClr val="FF0000"/>
+                </a:solidFill>
+              </a:rPr>
+              <a:t>q=myteststring</a:t>
+            </a:r>
+            <a:r>
+              <a:rPr lang="en-US" dirty="0"/>
+              <a:t>&amp;src=IE-SearchBox&amp;FORM=IEMAE2&amp;pc=EUPP</a:t>
+            </a:r>
           </a:p>
         </p:txBody>
       </p:sp>
@@ -3628,7 +3764,7 @@
     </p:spTree>
     <p:extLst>
       <p:ext uri="{BB962C8B-B14F-4D97-AF65-F5344CB8AC3E}">
-        <p14:creationId xmlns:p14="http://schemas.microsoft.com/office/powerpoint/2010/main" val="3669171993"/>
+        <p14:creationId xmlns:p14="http://schemas.microsoft.com/office/powerpoint/2010/main" val="3672508878"/>
       </p:ext>
     </p:extLst>
   </p:cSld>
@@ -3682,30 +3818,30 @@
           <a:bodyPr/>
           <a:lstStyle/>
           <a:p>
-            <a:pPr marL="0" marR="0" lvl="0" indent="0" algn="l" defTabSz="914400" rtl="0" eaLnBrk="1" fontAlgn="auto" latinLnBrk="0" hangingPunct="1">
-              <a:lnSpc>
-                <a:spcPct val="100000"/>
-              </a:lnSpc>
-              <a:spcBef>
-                <a:spcPts val="0"/>
-              </a:spcBef>
-              <a:spcAft>
-                <a:spcPts val="0"/>
-              </a:spcAft>
-              <a:buClrTx/>
-              <a:buSzTx/>
-              <a:buFontTx/>
-              <a:buNone/>
-              <a:tabLst/>
-              <a:defRPr/>
-            </a:pPr>
-            <a:r>
-              <a:rPr lang="en-US" dirty="0"/>
-              <a:t>google\.com\/search\?.*q=(.*?)\&amp;</a:t>
-            </a:r>
-          </a:p>
-          <a:p>
-            <a:endParaRPr lang="en-US" dirty="0"/>
+            <a:r>
+              <a:rPr lang="en-US" dirty="0" err="1"/>
+              <a:t>awk</a:t>
+            </a:r>
+            <a:r>
+              <a:rPr lang="en-US" dirty="0"/>
+              <a:t> '{print $34}'  </a:t>
+            </a:r>
+            <a:r>
+              <a:rPr lang="en-US" dirty="0" err="1"/>
+              <a:t>webhistory</a:t>
+            </a:r>
+            <a:r>
+              <a:rPr lang="en-US" dirty="0"/>
+              <a:t>/IE11.export/Container* | grep -P "</a:t>
+            </a:r>
+            <a:r>
+              <a:rPr lang="en-US" dirty="0" err="1"/>
+              <a:t>bing</a:t>
+            </a:r>
+            <a:r>
+              <a:rPr lang="en-US" dirty="0"/>
+              <a:t>\.com\/search\?q=(.*?)\&amp;" --color</a:t>
+            </a:r>
           </a:p>
         </p:txBody>
       </p:sp>
@@ -3735,7 +3871,7 @@
     </p:spTree>
     <p:extLst>
       <p:ext uri="{BB962C8B-B14F-4D97-AF65-F5344CB8AC3E}">
-        <p14:creationId xmlns:p14="http://schemas.microsoft.com/office/powerpoint/2010/main" val="1621552559"/>
+        <p14:creationId xmlns:p14="http://schemas.microsoft.com/office/powerpoint/2010/main" val="1070425497"/>
       </p:ext>
     </p:extLst>
   </p:cSld>
@@ -3819,7 +3955,7 @@
     </p:spTree>
     <p:extLst>
       <p:ext uri="{BB962C8B-B14F-4D97-AF65-F5344CB8AC3E}">
-        <p14:creationId xmlns:p14="http://schemas.microsoft.com/office/powerpoint/2010/main" val="135432019"/>
+        <p14:creationId xmlns:p14="http://schemas.microsoft.com/office/powerpoint/2010/main" val="3669171993"/>
       </p:ext>
     </p:extLst>
   </p:cSld>
@@ -3873,46 +4009,30 @@
           <a:bodyPr/>
           <a:lstStyle/>
           <a:p>
-            <a:r>
-              <a:rPr lang="en-US" dirty="0"/>
-              <a:t>sqlite3 </a:t>
-            </a:r>
-            <a:r>
-              <a:rPr lang="en-US" dirty="0" err="1"/>
-              <a:t>webhistory</a:t>
-            </a:r>
-            <a:r>
-              <a:rPr lang="en-US" dirty="0"/>
-              <a:t>/History </a:t>
-            </a:r>
-          </a:p>
-          <a:p>
-            <a:r>
-              <a:rPr lang="en-US" dirty="0"/>
-              <a:t>select </a:t>
-            </a:r>
-            <a:r>
-              <a:rPr lang="en-US" dirty="0" err="1"/>
-              <a:t>id,title</a:t>
-            </a:r>
-            <a:r>
-              <a:rPr lang="en-US" dirty="0"/>
-              <a:t>  from </a:t>
-            </a:r>
-            <a:r>
-              <a:rPr lang="en-US" dirty="0" err="1"/>
-              <a:t>urls</a:t>
-            </a:r>
-            <a:r>
-              <a:rPr lang="en-US" dirty="0"/>
-              <a:t> where title like '%Search%';</a:t>
-            </a:r>
-          </a:p>
-          <a:p>
-            <a:r>
-              <a:rPr lang="en-US" dirty="0"/>
-              <a:t>.quit</a:t>
-            </a:r>
+            <a:pPr marL="0" marR="0" lvl="0" indent="0" algn="l" defTabSz="914400" rtl="0" eaLnBrk="1" fontAlgn="auto" latinLnBrk="0" hangingPunct="1">
+              <a:lnSpc>
+                <a:spcPct val="100000"/>
+              </a:lnSpc>
+              <a:spcBef>
+                <a:spcPts val="0"/>
+              </a:spcBef>
+              <a:spcAft>
+                <a:spcPts val="0"/>
+              </a:spcAft>
+              <a:buClrTx/>
+              <a:buSzTx/>
+              <a:buFontTx/>
+              <a:buNone/>
+              <a:tabLst/>
+              <a:defRPr/>
+            </a:pPr>
+            <a:r>
+              <a:rPr lang="en-US" dirty="0"/>
+              <a:t>google\.com\/search\?.*q=(.*?)\&amp;</a:t>
+            </a:r>
+          </a:p>
+          <a:p>
+            <a:endParaRPr lang="en-US" dirty="0"/>
           </a:p>
         </p:txBody>
       </p:sp>
@@ -3942,7 +4062,7 @@
     </p:spTree>
     <p:extLst>
       <p:ext uri="{BB962C8B-B14F-4D97-AF65-F5344CB8AC3E}">
-        <p14:creationId xmlns:p14="http://schemas.microsoft.com/office/powerpoint/2010/main" val="1098937277"/>
+        <p14:creationId xmlns:p14="http://schemas.microsoft.com/office/powerpoint/2010/main" val="1621552559"/>
       </p:ext>
     </p:extLst>
   </p:cSld>
@@ -3996,14 +4116,6 @@
           <a:bodyPr/>
           <a:lstStyle/>
           <a:p>
-            <a:r>
-              <a:rPr lang="en-US" dirty="0"/>
-              <a:t>rip.pl -r NTUSER_informant.DAT -p </a:t>
-            </a:r>
-            <a:r>
-              <a:rPr lang="en-US" dirty="0" err="1"/>
-              <a:t>wordwheelquery</a:t>
-            </a:r>
             <a:endParaRPr lang="en-US" dirty="0"/>
           </a:p>
         </p:txBody>
@@ -4026,6 +4138,221 @@
             <a:fld id="{DDBF98C7-164A-4723-84F0-B1E4B080DDEC}" type="slidenum">
               <a:rPr lang="en-US" smtClean="0"/>
               <a:t>38</a:t>
+            </a:fld>
+            <a:endParaRPr lang="en-US"/>
+          </a:p>
+        </p:txBody>
+      </p:sp>
+    </p:spTree>
+    <p:extLst>
+      <p:ext uri="{BB962C8B-B14F-4D97-AF65-F5344CB8AC3E}">
+        <p14:creationId xmlns:p14="http://schemas.microsoft.com/office/powerpoint/2010/main" val="135432019"/>
+      </p:ext>
+    </p:extLst>
+  </p:cSld>
+  <p:clrMapOvr>
+    <a:masterClrMapping/>
+  </p:clrMapOvr>
+</p:notes>
+</file>
+
+<file path=ppt/notesSlides/notesSlide36.xml><?xml version="1.0" encoding="utf-8"?>
+<p:notes xmlns:a="http://schemas.openxmlformats.org/drawingml/2006/main" xmlns:r="http://schemas.openxmlformats.org/officeDocument/2006/relationships" xmlns:p="http://schemas.openxmlformats.org/presentationml/2006/main">
+  <p:cSld>
+    <p:spTree>
+      <p:nvGrpSpPr>
+        <p:cNvPr id="1" name=""/>
+        <p:cNvGrpSpPr/>
+        <p:nvPr/>
+      </p:nvGrpSpPr>
+      <p:grpSpPr>
+        <a:xfrm>
+          <a:off x="0" y="0"/>
+          <a:ext cx="0" cy="0"/>
+          <a:chOff x="0" y="0"/>
+          <a:chExt cx="0" cy="0"/>
+        </a:xfrm>
+      </p:grpSpPr>
+      <p:sp>
+        <p:nvSpPr>
+          <p:cNvPr id="2" name="Slide Image Placeholder 1"/>
+          <p:cNvSpPr>
+            <a:spLocks noGrp="1" noRot="1" noChangeAspect="1"/>
+          </p:cNvSpPr>
+          <p:nvPr>
+            <p:ph type="sldImg"/>
+          </p:nvPr>
+        </p:nvSpPr>
+        <p:spPr/>
+      </p:sp>
+      <p:sp>
+        <p:nvSpPr>
+          <p:cNvPr id="3" name="Notes Placeholder 2"/>
+          <p:cNvSpPr>
+            <a:spLocks noGrp="1"/>
+          </p:cNvSpPr>
+          <p:nvPr>
+            <p:ph type="body" idx="1"/>
+          </p:nvPr>
+        </p:nvSpPr>
+        <p:spPr/>
+        <p:txBody>
+          <a:bodyPr/>
+          <a:lstStyle/>
+          <a:p>
+            <a:r>
+              <a:rPr lang="en-US" dirty="0"/>
+              <a:t>sqlite3 </a:t>
+            </a:r>
+            <a:r>
+              <a:rPr lang="en-US" dirty="0" err="1"/>
+              <a:t>webhistory</a:t>
+            </a:r>
+            <a:r>
+              <a:rPr lang="en-US" dirty="0"/>
+              <a:t>/History </a:t>
+            </a:r>
+          </a:p>
+          <a:p>
+            <a:r>
+              <a:rPr lang="en-US" dirty="0"/>
+              <a:t>select </a:t>
+            </a:r>
+            <a:r>
+              <a:rPr lang="en-US" dirty="0" err="1"/>
+              <a:t>id,title</a:t>
+            </a:r>
+            <a:r>
+              <a:rPr lang="en-US" dirty="0"/>
+              <a:t>  from </a:t>
+            </a:r>
+            <a:r>
+              <a:rPr lang="en-US" dirty="0" err="1"/>
+              <a:t>urls</a:t>
+            </a:r>
+            <a:r>
+              <a:rPr lang="en-US" dirty="0"/>
+              <a:t> where title like '%Search%';</a:t>
+            </a:r>
+          </a:p>
+          <a:p>
+            <a:r>
+              <a:rPr lang="en-US" dirty="0"/>
+              <a:t>.quit</a:t>
+            </a:r>
+          </a:p>
+        </p:txBody>
+      </p:sp>
+      <p:sp>
+        <p:nvSpPr>
+          <p:cNvPr id="4" name="Slide Number Placeholder 3"/>
+          <p:cNvSpPr>
+            <a:spLocks noGrp="1"/>
+          </p:cNvSpPr>
+          <p:nvPr>
+            <p:ph type="sldNum" sz="quarter" idx="10"/>
+          </p:nvPr>
+        </p:nvSpPr>
+        <p:spPr/>
+        <p:txBody>
+          <a:bodyPr/>
+          <a:lstStyle/>
+          <a:p>
+            <a:fld id="{DDBF98C7-164A-4723-84F0-B1E4B080DDEC}" type="slidenum">
+              <a:rPr lang="en-US" smtClean="0"/>
+              <a:t>39</a:t>
+            </a:fld>
+            <a:endParaRPr lang="en-US"/>
+          </a:p>
+        </p:txBody>
+      </p:sp>
+    </p:spTree>
+    <p:extLst>
+      <p:ext uri="{BB962C8B-B14F-4D97-AF65-F5344CB8AC3E}">
+        <p14:creationId xmlns:p14="http://schemas.microsoft.com/office/powerpoint/2010/main" val="1098937277"/>
+      </p:ext>
+    </p:extLst>
+  </p:cSld>
+  <p:clrMapOvr>
+    <a:masterClrMapping/>
+  </p:clrMapOvr>
+</p:notes>
+</file>
+
+<file path=ppt/notesSlides/notesSlide37.xml><?xml version="1.0" encoding="utf-8"?>
+<p:notes xmlns:a="http://schemas.openxmlformats.org/drawingml/2006/main" xmlns:r="http://schemas.openxmlformats.org/officeDocument/2006/relationships" xmlns:p="http://schemas.openxmlformats.org/presentationml/2006/main">
+  <p:cSld>
+    <p:spTree>
+      <p:nvGrpSpPr>
+        <p:cNvPr id="1" name=""/>
+        <p:cNvGrpSpPr/>
+        <p:nvPr/>
+      </p:nvGrpSpPr>
+      <p:grpSpPr>
+        <a:xfrm>
+          <a:off x="0" y="0"/>
+          <a:ext cx="0" cy="0"/>
+          <a:chOff x="0" y="0"/>
+          <a:chExt cx="0" cy="0"/>
+        </a:xfrm>
+      </p:grpSpPr>
+      <p:sp>
+        <p:nvSpPr>
+          <p:cNvPr id="2" name="Slide Image Placeholder 1"/>
+          <p:cNvSpPr>
+            <a:spLocks noGrp="1" noRot="1" noChangeAspect="1"/>
+          </p:cNvSpPr>
+          <p:nvPr>
+            <p:ph type="sldImg"/>
+          </p:nvPr>
+        </p:nvSpPr>
+        <p:spPr/>
+      </p:sp>
+      <p:sp>
+        <p:nvSpPr>
+          <p:cNvPr id="3" name="Notes Placeholder 2"/>
+          <p:cNvSpPr>
+            <a:spLocks noGrp="1"/>
+          </p:cNvSpPr>
+          <p:nvPr>
+            <p:ph type="body" idx="1"/>
+          </p:nvPr>
+        </p:nvSpPr>
+        <p:spPr/>
+        <p:txBody>
+          <a:bodyPr/>
+          <a:lstStyle/>
+          <a:p>
+            <a:r>
+              <a:rPr lang="en-US" dirty="0"/>
+              <a:t>rip.pl -r NTUSER_informant.DAT -p </a:t>
+            </a:r>
+            <a:r>
+              <a:rPr lang="en-US" dirty="0" err="1"/>
+              <a:t>wordwheelquery</a:t>
+            </a:r>
+            <a:endParaRPr lang="en-US" dirty="0"/>
+          </a:p>
+        </p:txBody>
+      </p:sp>
+      <p:sp>
+        <p:nvSpPr>
+          <p:cNvPr id="4" name="Slide Number Placeholder 3"/>
+          <p:cNvSpPr>
+            <a:spLocks noGrp="1"/>
+          </p:cNvSpPr>
+          <p:nvPr>
+            <p:ph type="sldNum" sz="quarter" idx="10"/>
+          </p:nvPr>
+        </p:nvSpPr>
+        <p:spPr/>
+        <p:txBody>
+          <a:bodyPr/>
+          <a:lstStyle/>
+          <a:p>
+            <a:fld id="{DDBF98C7-164A-4723-84F0-B1E4B080DDEC}" type="slidenum">
+              <a:rPr lang="en-US" smtClean="0"/>
+              <a:t>40</a:t>
             </a:fld>
             <a:endParaRPr lang="en-US"/>
           </a:p>
@@ -4754,7 +5081,7 @@
           <a:p>
             <a:fld id="{4263717A-E3C1-4BED-ABE0-B7069385E023}" type="datetimeFigureOut">
               <a:rPr lang="en-US" smtClean="0"/>
-              <a:t>9/9/2021</a:t>
+              <a:t>3/8/2022</a:t>
             </a:fld>
             <a:endParaRPr lang="en-US"/>
           </a:p>
@@ -4927,7 +5254,7 @@
           <a:p>
             <a:fld id="{4263717A-E3C1-4BED-ABE0-B7069385E023}" type="datetimeFigureOut">
               <a:rPr lang="en-US" smtClean="0"/>
-              <a:t>9/9/2021</a:t>
+              <a:t>3/8/2022</a:t>
             </a:fld>
             <a:endParaRPr lang="en-US"/>
           </a:p>
@@ -5105,7 +5432,7 @@
           <a:p>
             <a:fld id="{4263717A-E3C1-4BED-ABE0-B7069385E023}" type="datetimeFigureOut">
               <a:rPr lang="en-US" smtClean="0"/>
-              <a:t>9/9/2021</a:t>
+              <a:t>3/8/2022</a:t>
             </a:fld>
             <a:endParaRPr lang="en-US"/>
           </a:p>
@@ -5273,7 +5600,7 @@
           <a:p>
             <a:fld id="{4263717A-E3C1-4BED-ABE0-B7069385E023}" type="datetimeFigureOut">
               <a:rPr lang="en-US" smtClean="0"/>
-              <a:t>9/9/2021</a:t>
+              <a:t>3/8/2022</a:t>
             </a:fld>
             <a:endParaRPr lang="en-US"/>
           </a:p>
@@ -5518,7 +5845,7 @@
           <a:p>
             <a:fld id="{4263717A-E3C1-4BED-ABE0-B7069385E023}" type="datetimeFigureOut">
               <a:rPr lang="en-US" smtClean="0"/>
-              <a:t>9/9/2021</a:t>
+              <a:t>3/8/2022</a:t>
             </a:fld>
             <a:endParaRPr lang="en-US"/>
           </a:p>
@@ -5747,7 +6074,7 @@
           <a:p>
             <a:fld id="{4263717A-E3C1-4BED-ABE0-B7069385E023}" type="datetimeFigureOut">
               <a:rPr lang="en-US" smtClean="0"/>
-              <a:t>9/9/2021</a:t>
+              <a:t>3/8/2022</a:t>
             </a:fld>
             <a:endParaRPr lang="en-US"/>
           </a:p>
@@ -6111,7 +6438,7 @@
           <a:p>
             <a:fld id="{4263717A-E3C1-4BED-ABE0-B7069385E023}" type="datetimeFigureOut">
               <a:rPr lang="en-US" smtClean="0"/>
-              <a:t>9/9/2021</a:t>
+              <a:t>3/8/2022</a:t>
             </a:fld>
             <a:endParaRPr lang="en-US"/>
           </a:p>
@@ -6228,7 +6555,7 @@
           <a:p>
             <a:fld id="{4263717A-E3C1-4BED-ABE0-B7069385E023}" type="datetimeFigureOut">
               <a:rPr lang="en-US" smtClean="0"/>
-              <a:t>9/9/2021</a:t>
+              <a:t>3/8/2022</a:t>
             </a:fld>
             <a:endParaRPr lang="en-US"/>
           </a:p>
@@ -6323,7 +6650,7 @@
           <a:p>
             <a:fld id="{4263717A-E3C1-4BED-ABE0-B7069385E023}" type="datetimeFigureOut">
               <a:rPr lang="en-US" smtClean="0"/>
-              <a:t>9/9/2021</a:t>
+              <a:t>3/8/2022</a:t>
             </a:fld>
             <a:endParaRPr lang="en-US"/>
           </a:p>
@@ -6598,7 +6925,7 @@
           <a:p>
             <a:fld id="{4263717A-E3C1-4BED-ABE0-B7069385E023}" type="datetimeFigureOut">
               <a:rPr lang="en-US" smtClean="0"/>
-              <a:t>9/9/2021</a:t>
+              <a:t>3/8/2022</a:t>
             </a:fld>
             <a:endParaRPr lang="en-US"/>
           </a:p>
@@ -6850,7 +7177,7 @@
           <a:p>
             <a:fld id="{4263717A-E3C1-4BED-ABE0-B7069385E023}" type="datetimeFigureOut">
               <a:rPr lang="en-US" smtClean="0"/>
-              <a:t>9/9/2021</a:t>
+              <a:t>3/8/2022</a:t>
             </a:fld>
             <a:endParaRPr lang="en-US"/>
           </a:p>
@@ -7061,7 +7388,7 @@
           <a:p>
             <a:fld id="{4263717A-E3C1-4BED-ABE0-B7069385E023}" type="datetimeFigureOut">
               <a:rPr lang="en-US" smtClean="0"/>
-              <a:t>9/9/2021</a:t>
+              <a:t>3/8/2022</a:t>
             </a:fld>
             <a:endParaRPr lang="en-US"/>
           </a:p>
@@ -11397,6 +11724,487 @@
       </p:grpSpPr>
       <p:sp>
         <p:nvSpPr>
+          <p:cNvPr id="2" name="Title 1">
+            <a:extLst>
+              <a:ext uri="{FF2B5EF4-FFF2-40B4-BE49-F238E27FC236}">
+                <a16:creationId xmlns:a16="http://schemas.microsoft.com/office/drawing/2014/main" id="{1050FBFD-EB3E-464B-B431-A1B2710991D3}"/>
+              </a:ext>
+            </a:extLst>
+          </p:cNvPr>
+          <p:cNvSpPr>
+            <a:spLocks noGrp="1"/>
+          </p:cNvSpPr>
+          <p:nvPr>
+            <p:ph type="title"/>
+          </p:nvPr>
+        </p:nvSpPr>
+        <p:spPr/>
+        <p:txBody>
+          <a:bodyPr/>
+          <a:lstStyle/>
+          <a:p>
+            <a:r>
+              <a:rPr lang="en-US" dirty="0"/>
+              <a:t>How to convert </a:t>
+            </a:r>
+            <a:r>
+              <a:rPr lang="en-US" dirty="0" err="1"/>
+              <a:t>WebKit</a:t>
+            </a:r>
+            <a:r>
+              <a:rPr lang="en-US" dirty="0"/>
+              <a:t> time to human-readable time format</a:t>
+            </a:r>
+          </a:p>
+        </p:txBody>
+      </p:sp>
+      <p:sp>
+        <p:nvSpPr>
+          <p:cNvPr id="3" name="Content Placeholder 2">
+            <a:extLst>
+              <a:ext uri="{FF2B5EF4-FFF2-40B4-BE49-F238E27FC236}">
+                <a16:creationId xmlns:a16="http://schemas.microsoft.com/office/drawing/2014/main" id="{A65B5667-188A-4CF8-BD3C-7538810492CF}"/>
+              </a:ext>
+            </a:extLst>
+          </p:cNvPr>
+          <p:cNvSpPr>
+            <a:spLocks noGrp="1"/>
+          </p:cNvSpPr>
+          <p:nvPr>
+            <p:ph idx="1"/>
+          </p:nvPr>
+        </p:nvSpPr>
+        <p:spPr>
+          <a:xfrm>
+            <a:off x="838200" y="1825625"/>
+            <a:ext cx="10515600" cy="3449760"/>
+          </a:xfrm>
+        </p:spPr>
+        <p:txBody>
+          <a:bodyPr/>
+          <a:lstStyle/>
+          <a:p>
+            <a:r>
+              <a:rPr lang="en-US" dirty="0"/>
+              <a:t>Unix epoch: </a:t>
+            </a:r>
+          </a:p>
+          <a:p>
+            <a:pPr lvl="1"/>
+            <a:r>
+              <a:rPr lang="en-GB" dirty="0"/>
+              <a:t>the number of </a:t>
+            </a:r>
+            <a:r>
+              <a:rPr lang="en-GB" dirty="0">
+                <a:solidFill>
+                  <a:srgbClr val="FF0000"/>
+                </a:solidFill>
+              </a:rPr>
+              <a:t>seconds</a:t>
+            </a:r>
+            <a:r>
+              <a:rPr lang="en-GB" dirty="0"/>
+              <a:t> elapsed since 01/01/1970 00:00:00. </a:t>
+            </a:r>
+          </a:p>
+          <a:p>
+            <a:pPr lvl="1"/>
+            <a:r>
+              <a:rPr lang="en-GB" dirty="0"/>
+              <a:t>datetime() function</a:t>
+            </a:r>
+          </a:p>
+          <a:p>
+            <a:pPr lvl="2"/>
+            <a:r>
+              <a:rPr lang="en-GB" i="1" dirty="0">
+                <a:solidFill>
+                  <a:schemeClr val="accent2"/>
+                </a:solidFill>
+              </a:rPr>
+              <a:t>SELECT datetime(time, '</a:t>
+            </a:r>
+            <a:r>
+              <a:rPr lang="en-GB" i="1" dirty="0" err="1">
+                <a:solidFill>
+                  <a:schemeClr val="accent2"/>
+                </a:solidFill>
+              </a:rPr>
+              <a:t>unixepoch</a:t>
+            </a:r>
+            <a:r>
+              <a:rPr lang="en-GB" i="1" dirty="0">
+                <a:solidFill>
+                  <a:schemeClr val="accent2"/>
+                </a:solidFill>
+              </a:rPr>
+              <a:t>', '</a:t>
+            </a:r>
+            <a:r>
+              <a:rPr lang="en-GB" i="1" dirty="0" err="1">
+                <a:solidFill>
+                  <a:schemeClr val="accent2"/>
+                </a:solidFill>
+              </a:rPr>
+              <a:t>localtime</a:t>
+            </a:r>
+            <a:r>
+              <a:rPr lang="en-GB" i="1" dirty="0">
+                <a:solidFill>
+                  <a:schemeClr val="accent2"/>
+                </a:solidFill>
+              </a:rPr>
+              <a:t>') AS time FROM table;</a:t>
+            </a:r>
+          </a:p>
+          <a:p>
+            <a:r>
+              <a:rPr lang="en-GB" dirty="0"/>
+              <a:t>Approach</a:t>
+            </a:r>
+          </a:p>
+          <a:p>
+            <a:pPr lvl="1"/>
+            <a:r>
+              <a:rPr lang="en-US" dirty="0" err="1"/>
+              <a:t>webkit</a:t>
+            </a:r>
+            <a:r>
+              <a:rPr lang="en-US" dirty="0"/>
+              <a:t> microsecond -&gt; </a:t>
+            </a:r>
+            <a:r>
+              <a:rPr lang="en-US" dirty="0" err="1"/>
+              <a:t>webkit</a:t>
+            </a:r>
+            <a:r>
+              <a:rPr lang="en-US" dirty="0"/>
+              <a:t> second (/1000,000)</a:t>
+            </a:r>
+          </a:p>
+          <a:p>
+            <a:pPr lvl="1"/>
+            <a:r>
+              <a:rPr lang="en-US" dirty="0"/>
+              <a:t>difference (</a:t>
+            </a:r>
+            <a:r>
+              <a:rPr lang="en-US" dirty="0" err="1"/>
+              <a:t>webkit</a:t>
+            </a:r>
+            <a:r>
+              <a:rPr lang="en-US" dirty="0"/>
+              <a:t> second – </a:t>
+            </a:r>
+            <a:r>
+              <a:rPr lang="en-US" dirty="0" err="1"/>
+              <a:t>unix</a:t>
+            </a:r>
+            <a:r>
+              <a:rPr lang="en-US" dirty="0"/>
+              <a:t> epoch time)</a:t>
+            </a:r>
+          </a:p>
+          <a:p>
+            <a:pPr lvl="2"/>
+            <a:r>
+              <a:rPr lang="en-US" dirty="0"/>
+              <a:t>01/01/1601 - 01/01/1970</a:t>
+            </a:r>
+          </a:p>
+          <a:p>
+            <a:pPr lvl="2"/>
+            <a:endParaRPr lang="en-US" dirty="0"/>
+          </a:p>
+        </p:txBody>
+      </p:sp>
+      <p:pic>
+        <p:nvPicPr>
+          <p:cNvPr id="5" name="Picture 4">
+            <a:extLst>
+              <a:ext uri="{FF2B5EF4-FFF2-40B4-BE49-F238E27FC236}">
+                <a16:creationId xmlns:a16="http://schemas.microsoft.com/office/drawing/2014/main" id="{CCD06E80-623D-4C55-879B-7C08561290EB}"/>
+              </a:ext>
+            </a:extLst>
+          </p:cNvPr>
+          <p:cNvPicPr>
+            <a:picLocks noChangeAspect="1"/>
+          </p:cNvPicPr>
+          <p:nvPr/>
+        </p:nvPicPr>
+        <p:blipFill>
+          <a:blip r:embed="rId3"/>
+          <a:stretch>
+            <a:fillRect/>
+          </a:stretch>
+        </p:blipFill>
+        <p:spPr>
+          <a:xfrm>
+            <a:off x="1698858" y="5410322"/>
+            <a:ext cx="5037257" cy="457240"/>
+          </a:xfrm>
+          <a:prstGeom prst="rect">
+            <a:avLst/>
+          </a:prstGeom>
+        </p:spPr>
+      </p:pic>
+      <p:sp>
+        <p:nvSpPr>
+          <p:cNvPr id="7" name="TextBox 6">
+            <a:extLst>
+              <a:ext uri="{FF2B5EF4-FFF2-40B4-BE49-F238E27FC236}">
+                <a16:creationId xmlns:a16="http://schemas.microsoft.com/office/drawing/2014/main" id="{2A62204D-7212-4FF9-9CA5-9F0B663BBC85}"/>
+              </a:ext>
+            </a:extLst>
+          </p:cNvPr>
+          <p:cNvSpPr txBox="1"/>
+          <p:nvPr/>
+        </p:nvSpPr>
+        <p:spPr>
+          <a:xfrm>
+            <a:off x="1698858" y="6002499"/>
+            <a:ext cx="4622132" cy="369332"/>
+          </a:xfrm>
+          <a:prstGeom prst="rect">
+            <a:avLst/>
+          </a:prstGeom>
+          <a:noFill/>
+        </p:spPr>
+        <p:txBody>
+          <a:bodyPr wrap="square">
+            <a:spAutoFit/>
+          </a:bodyPr>
+          <a:lstStyle/>
+          <a:p>
+            <a:r>
+              <a:rPr lang="en-GB" dirty="0"/>
+              <a:t> </a:t>
+            </a:r>
+            <a:r>
+              <a:rPr lang="en-GB" dirty="0">
+                <a:solidFill>
+                  <a:srgbClr val="FF0000"/>
+                </a:solidFill>
+              </a:rPr>
+              <a:t>%s</a:t>
+            </a:r>
+            <a:r>
+              <a:rPr lang="en-GB" dirty="0"/>
+              <a:t>: seconds since 1970-01-01 00:00:00 UTC</a:t>
+            </a:r>
+            <a:endParaRPr lang="en-US" dirty="0"/>
+          </a:p>
+        </p:txBody>
+      </p:sp>
+      <p:pic>
+        <p:nvPicPr>
+          <p:cNvPr id="6" name="Picture 5">
+            <a:extLst>
+              <a:ext uri="{FF2B5EF4-FFF2-40B4-BE49-F238E27FC236}">
+                <a16:creationId xmlns:a16="http://schemas.microsoft.com/office/drawing/2014/main" id="{41ECA614-3B25-40E2-AD5F-A6C1D7D3730B}"/>
+              </a:ext>
+            </a:extLst>
+          </p:cNvPr>
+          <p:cNvPicPr>
+            <a:picLocks noChangeAspect="1"/>
+          </p:cNvPicPr>
+          <p:nvPr/>
+        </p:nvPicPr>
+        <p:blipFill>
+          <a:blip r:embed="rId4"/>
+          <a:stretch>
+            <a:fillRect/>
+          </a:stretch>
+        </p:blipFill>
+        <p:spPr>
+          <a:xfrm>
+            <a:off x="7329717" y="5421844"/>
+            <a:ext cx="4493315" cy="445717"/>
+          </a:xfrm>
+          <a:prstGeom prst="rect">
+            <a:avLst/>
+          </a:prstGeom>
+        </p:spPr>
+      </p:pic>
+      <p:sp>
+        <p:nvSpPr>
+          <p:cNvPr id="9" name="TextBox 8">
+            <a:extLst>
+              <a:ext uri="{FF2B5EF4-FFF2-40B4-BE49-F238E27FC236}">
+                <a16:creationId xmlns:a16="http://schemas.microsoft.com/office/drawing/2014/main" id="{8EB77D37-7718-446D-873B-3BCF06E5E1CD}"/>
+              </a:ext>
+            </a:extLst>
+          </p:cNvPr>
+          <p:cNvSpPr txBox="1"/>
+          <p:nvPr/>
+        </p:nvSpPr>
+        <p:spPr>
+          <a:xfrm>
+            <a:off x="7259017" y="5932020"/>
+            <a:ext cx="4094784" cy="646331"/>
+          </a:xfrm>
+          <a:prstGeom prst="rect">
+            <a:avLst/>
+          </a:prstGeom>
+          <a:noFill/>
+        </p:spPr>
+        <p:txBody>
+          <a:bodyPr wrap="square">
+            <a:spAutoFit/>
+          </a:bodyPr>
+          <a:lstStyle/>
+          <a:p>
+            <a:r>
+              <a:rPr lang="en-GB" dirty="0"/>
+              <a:t>List of Format specifiers used with date command</a:t>
+            </a:r>
+            <a:endParaRPr lang="en-US" dirty="0"/>
+          </a:p>
+        </p:txBody>
+      </p:sp>
+    </p:spTree>
+    <p:extLst>
+      <p:ext uri="{BB962C8B-B14F-4D97-AF65-F5344CB8AC3E}">
+        <p14:creationId xmlns:p14="http://schemas.microsoft.com/office/powerpoint/2010/main" val="2904199124"/>
+      </p:ext>
+    </p:extLst>
+  </p:cSld>
+  <p:clrMapOvr>
+    <a:masterClrMapping/>
+  </p:clrMapOvr>
+</p:sld>
+</file>
+
+<file path=ppt/slides/slide31.xml><?xml version="1.0" encoding="utf-8"?>
+<p:sld xmlns:a="http://schemas.openxmlformats.org/drawingml/2006/main" xmlns:r="http://schemas.openxmlformats.org/officeDocument/2006/relationships" xmlns:p="http://schemas.openxmlformats.org/presentationml/2006/main">
+  <p:cSld>
+    <p:spTree>
+      <p:nvGrpSpPr>
+        <p:cNvPr id="1" name=""/>
+        <p:cNvGrpSpPr/>
+        <p:nvPr/>
+      </p:nvGrpSpPr>
+      <p:grpSpPr>
+        <a:xfrm>
+          <a:off x="0" y="0"/>
+          <a:ext cx="0" cy="0"/>
+          <a:chOff x="0" y="0"/>
+          <a:chExt cx="0" cy="0"/>
+        </a:xfrm>
+      </p:grpSpPr>
+      <p:pic>
+        <p:nvPicPr>
+          <p:cNvPr id="3" name="Picture 2">
+            <a:extLst>
+              <a:ext uri="{FF2B5EF4-FFF2-40B4-BE49-F238E27FC236}">
+                <a16:creationId xmlns:a16="http://schemas.microsoft.com/office/drawing/2014/main" id="{C111D80A-CC0A-45A8-8E7D-6D534A0F5156}"/>
+              </a:ext>
+            </a:extLst>
+          </p:cNvPr>
+          <p:cNvPicPr>
+            <a:picLocks noChangeAspect="1"/>
+          </p:cNvPicPr>
+          <p:nvPr/>
+        </p:nvPicPr>
+        <p:blipFill>
+          <a:blip r:embed="rId3"/>
+          <a:stretch>
+            <a:fillRect/>
+          </a:stretch>
+        </p:blipFill>
+        <p:spPr>
+          <a:xfrm>
+            <a:off x="323350" y="1988695"/>
+            <a:ext cx="11545300" cy="2880610"/>
+          </a:xfrm>
+          <a:prstGeom prst="rect">
+            <a:avLst/>
+          </a:prstGeom>
+        </p:spPr>
+      </p:pic>
+      <p:sp>
+        <p:nvSpPr>
+          <p:cNvPr id="4" name="TextBox 3">
+            <a:extLst>
+              <a:ext uri="{FF2B5EF4-FFF2-40B4-BE49-F238E27FC236}">
+                <a16:creationId xmlns:a16="http://schemas.microsoft.com/office/drawing/2014/main" id="{99D0B177-9166-4F77-9FAB-108948E5843F}"/>
+              </a:ext>
+            </a:extLst>
+          </p:cNvPr>
+          <p:cNvSpPr txBox="1"/>
+          <p:nvPr/>
+        </p:nvSpPr>
+        <p:spPr>
+          <a:xfrm>
+            <a:off x="323350" y="1619363"/>
+            <a:ext cx="6406313" cy="369332"/>
+          </a:xfrm>
+          <a:prstGeom prst="rect">
+            <a:avLst/>
+          </a:prstGeom>
+          <a:solidFill>
+            <a:srgbClr val="FFC000"/>
+          </a:solidFill>
+        </p:spPr>
+        <p:txBody>
+          <a:bodyPr wrap="square" rtlCol="0">
+            <a:spAutoFit/>
+          </a:bodyPr>
+          <a:lstStyle/>
+          <a:p>
+            <a:r>
+              <a:rPr lang="en-US" dirty="0"/>
+              <a:t>Datetime function to convert </a:t>
+            </a:r>
+            <a:r>
+              <a:rPr lang="en-US" dirty="0" err="1"/>
+              <a:t>webkit</a:t>
+            </a:r>
+            <a:r>
+              <a:rPr lang="en-US" dirty="0"/>
+              <a:t> time to Unix epoch</a:t>
+            </a:r>
+            <a:endParaRPr lang="en-US" i="1" dirty="0">
+              <a:solidFill>
+                <a:srgbClr val="7030A0"/>
+              </a:solidFill>
+            </a:endParaRPr>
+          </a:p>
+        </p:txBody>
+      </p:sp>
+    </p:spTree>
+    <p:extLst>
+      <p:ext uri="{BB962C8B-B14F-4D97-AF65-F5344CB8AC3E}">
+        <p14:creationId xmlns:p14="http://schemas.microsoft.com/office/powerpoint/2010/main" val="4053852185"/>
+      </p:ext>
+    </p:extLst>
+  </p:cSld>
+  <p:clrMapOvr>
+    <a:masterClrMapping/>
+  </p:clrMapOvr>
+</p:sld>
+</file>
+
+<file path=ppt/slides/slide32.xml><?xml version="1.0" encoding="utf-8"?>
+<p:sld xmlns:a="http://schemas.openxmlformats.org/drawingml/2006/main" xmlns:r="http://schemas.openxmlformats.org/officeDocument/2006/relationships" xmlns:p="http://schemas.openxmlformats.org/presentationml/2006/main">
+  <p:cSld>
+    <p:spTree>
+      <p:nvGrpSpPr>
+        <p:cNvPr id="1" name=""/>
+        <p:cNvGrpSpPr/>
+        <p:nvPr/>
+      </p:nvGrpSpPr>
+      <p:grpSpPr>
+        <a:xfrm>
+          <a:off x="0" y="0"/>
+          <a:ext cx="0" cy="0"/>
+          <a:chOff x="0" y="0"/>
+          <a:chExt cx="0" cy="0"/>
+        </a:xfrm>
+      </p:grpSpPr>
+      <p:sp>
+        <p:nvSpPr>
           <p:cNvPr id="2" name="Title 1"/>
           <p:cNvSpPr>
             <a:spLocks noGrp="1"/>
@@ -11469,7 +12277,7 @@
 </p:sld>
 </file>
 
-<file path=ppt/slides/slide31.xml><?xml version="1.0" encoding="utf-8"?>
+<file path=ppt/slides/slide33.xml><?xml version="1.0" encoding="utf-8"?>
 <p:sld xmlns:a="http://schemas.openxmlformats.org/drawingml/2006/main" xmlns:r="http://schemas.openxmlformats.org/officeDocument/2006/relationships" xmlns:p="http://schemas.openxmlformats.org/presentationml/2006/main">
   <p:cSld>
     <p:spTree>
@@ -11648,7 +12456,7 @@
 </p:sld>
 </file>
 
-<file path=ppt/slides/slide32.xml><?xml version="1.0" encoding="utf-8"?>
+<file path=ppt/slides/slide34.xml><?xml version="1.0" encoding="utf-8"?>
 <p:sld xmlns:a="http://schemas.openxmlformats.org/drawingml/2006/main" xmlns:r="http://schemas.openxmlformats.org/officeDocument/2006/relationships" xmlns:p="http://schemas.openxmlformats.org/presentationml/2006/main">
   <p:cSld>
     <p:spTree>
@@ -12010,7 +12818,7 @@
 </p:sld>
 </file>
 
-<file path=ppt/slides/slide33.xml><?xml version="1.0" encoding="utf-8"?>
+<file path=ppt/slides/slide35.xml><?xml version="1.0" encoding="utf-8"?>
 <p:sld xmlns:a="http://schemas.openxmlformats.org/drawingml/2006/main" xmlns:r="http://schemas.openxmlformats.org/officeDocument/2006/relationships" xmlns:p="http://schemas.openxmlformats.org/presentationml/2006/main">
   <p:cSld>
     <p:spTree>
@@ -12098,7 +12906,7 @@
 </p:sld>
 </file>
 
-<file path=ppt/slides/slide34.xml><?xml version="1.0" encoding="utf-8"?>
+<file path=ppt/slides/slide36.xml><?xml version="1.0" encoding="utf-8"?>
 <p:sld xmlns:a="http://schemas.openxmlformats.org/drawingml/2006/main" xmlns:r="http://schemas.openxmlformats.org/officeDocument/2006/relationships" xmlns:p="http://schemas.openxmlformats.org/presentationml/2006/main">
   <p:cSld>
     <p:spTree>
@@ -12272,7 +13080,7 @@
 </p:sld>
 </file>
 
-<file path=ppt/slides/slide35.xml><?xml version="1.0" encoding="utf-8"?>
+<file path=ppt/slides/slide37.xml><?xml version="1.0" encoding="utf-8"?>
 <p:sld xmlns:a="http://schemas.openxmlformats.org/drawingml/2006/main" xmlns:r="http://schemas.openxmlformats.org/officeDocument/2006/relationships" xmlns:p="http://schemas.openxmlformats.org/presentationml/2006/main">
   <p:cSld>
     <p:spTree>
@@ -12348,7 +13156,7 @@
 </p:sld>
 </file>
 
-<file path=ppt/slides/slide36.xml><?xml version="1.0" encoding="utf-8"?>
+<file path=ppt/slides/slide38.xml><?xml version="1.0" encoding="utf-8"?>
 <p:sld xmlns:a="http://schemas.openxmlformats.org/drawingml/2006/main" xmlns:r="http://schemas.openxmlformats.org/officeDocument/2006/relationships" xmlns:p="http://schemas.openxmlformats.org/presentationml/2006/main">
   <p:cSld>
     <p:spTree>
@@ -12477,7 +13285,7 @@
 </p:sld>
 </file>
 
-<file path=ppt/slides/slide37.xml><?xml version="1.0" encoding="utf-8"?>
+<file path=ppt/slides/slide39.xml><?xml version="1.0" encoding="utf-8"?>
 <p:sld xmlns:a="http://schemas.openxmlformats.org/drawingml/2006/main" xmlns:r="http://schemas.openxmlformats.org/officeDocument/2006/relationships" xmlns:p="http://schemas.openxmlformats.org/presentationml/2006/main">
   <p:cSld>
     <p:spTree>
@@ -12556,217 +13364,6 @@
     <p:extLst>
       <p:ext uri="{BB962C8B-B14F-4D97-AF65-F5344CB8AC3E}">
         <p14:creationId xmlns:p14="http://schemas.microsoft.com/office/powerpoint/2010/main" val="1970188579"/>
-      </p:ext>
-    </p:extLst>
-  </p:cSld>
-  <p:clrMapOvr>
-    <a:masterClrMapping/>
-  </p:clrMapOvr>
-</p:sld>
-</file>
-
-<file path=ppt/slides/slide38.xml><?xml version="1.0" encoding="utf-8"?>
-<p:sld xmlns:a="http://schemas.openxmlformats.org/drawingml/2006/main" xmlns:r="http://schemas.openxmlformats.org/officeDocument/2006/relationships" xmlns:p="http://schemas.openxmlformats.org/presentationml/2006/main">
-  <p:cSld>
-    <p:spTree>
-      <p:nvGrpSpPr>
-        <p:cNvPr id="1" name=""/>
-        <p:cNvGrpSpPr/>
-        <p:nvPr/>
-      </p:nvGrpSpPr>
-      <p:grpSpPr>
-        <a:xfrm>
-          <a:off x="0" y="0"/>
-          <a:ext cx="0" cy="0"/>
-          <a:chOff x="0" y="0"/>
-          <a:chExt cx="0" cy="0"/>
-        </a:xfrm>
-      </p:grpSpPr>
-      <p:sp>
-        <p:nvSpPr>
-          <p:cNvPr id="2" name="Title 1"/>
-          <p:cNvSpPr>
-            <a:spLocks noGrp="1"/>
-          </p:cNvSpPr>
-          <p:nvPr>
-            <p:ph type="title"/>
-          </p:nvPr>
-        </p:nvSpPr>
-        <p:spPr/>
-        <p:txBody>
-          <a:bodyPr/>
-          <a:lstStyle/>
-          <a:p>
-            <a:r>
-              <a:rPr lang="en-US" dirty="0">
-                <a:solidFill>
-                  <a:srgbClr val="FF0000"/>
-                </a:solidFill>
-              </a:rPr>
-              <a:t>17.</a:t>
-            </a:r>
-            <a:r>
-              <a:rPr lang="en-US" dirty="0"/>
-              <a:t>	List all user keywords at the search bar in Windows Explorer. (Timestamp, Keyword)</a:t>
-            </a:r>
-          </a:p>
-        </p:txBody>
-      </p:sp>
-      <p:pic>
-        <p:nvPicPr>
-          <p:cNvPr id="3" name="Picture 2"/>
-          <p:cNvPicPr>
-            <a:picLocks noChangeAspect="1"/>
-          </p:cNvPicPr>
-          <p:nvPr/>
-        </p:nvPicPr>
-        <p:blipFill>
-          <a:blip r:embed="rId3"/>
-          <a:stretch>
-            <a:fillRect/>
-          </a:stretch>
-        </p:blipFill>
-        <p:spPr>
-          <a:xfrm>
-            <a:off x="838200" y="2186044"/>
-            <a:ext cx="7912608" cy="3395933"/>
-          </a:xfrm>
-          <a:prstGeom prst="rect">
-            <a:avLst/>
-          </a:prstGeom>
-        </p:spPr>
-      </p:pic>
-      <p:sp>
-        <p:nvSpPr>
-          <p:cNvPr id="4" name="TextBox 3">
-            <a:extLst>
-              <a:ext uri="{FF2B5EF4-FFF2-40B4-BE49-F238E27FC236}">
-                <a16:creationId xmlns:a16="http://schemas.microsoft.com/office/drawing/2014/main" id="{F8A37CAE-4370-4548-875A-F4C62230C749}"/>
-              </a:ext>
-            </a:extLst>
-          </p:cNvPr>
-          <p:cNvSpPr txBox="1"/>
-          <p:nvPr/>
-        </p:nvSpPr>
-        <p:spPr>
-          <a:xfrm>
-            <a:off x="838200" y="1816712"/>
-            <a:ext cx="6385560" cy="369332"/>
-          </a:xfrm>
-          <a:prstGeom prst="rect">
-            <a:avLst/>
-          </a:prstGeom>
-          <a:solidFill>
-            <a:srgbClr val="FFC000"/>
-          </a:solidFill>
-        </p:spPr>
-        <p:txBody>
-          <a:bodyPr wrap="square" rtlCol="0">
-            <a:spAutoFit/>
-          </a:bodyPr>
-          <a:lstStyle/>
-          <a:p>
-            <a:r>
-              <a:rPr lang="en-US" dirty="0"/>
-              <a:t>rip.pl on NTUSER.DAT file with </a:t>
-            </a:r>
-            <a:r>
-              <a:rPr lang="en-US" i="1" dirty="0" err="1">
-                <a:solidFill>
-                  <a:srgbClr val="7030A0"/>
-                </a:solidFill>
-              </a:rPr>
-              <a:t>wordwheelquery</a:t>
-            </a:r>
-            <a:r>
-              <a:rPr lang="en-US" dirty="0">
-                <a:solidFill>
-                  <a:srgbClr val="7030A0"/>
-                </a:solidFill>
-              </a:rPr>
-              <a:t> </a:t>
-            </a:r>
-            <a:r>
-              <a:rPr lang="en-US" dirty="0"/>
-              <a:t>plugin</a:t>
-            </a:r>
-          </a:p>
-        </p:txBody>
-      </p:sp>
-      <p:sp>
-        <p:nvSpPr>
-          <p:cNvPr id="5" name="Rectangle 4"/>
-          <p:cNvSpPr/>
-          <p:nvPr/>
-        </p:nvSpPr>
-        <p:spPr>
-          <a:xfrm>
-            <a:off x="838200" y="5581977"/>
-            <a:ext cx="7912608" cy="738664"/>
-          </a:xfrm>
-          <a:prstGeom prst="rect">
-            <a:avLst/>
-          </a:prstGeom>
-          <a:solidFill>
-            <a:schemeClr val="accent4">
-              <a:lumMod val="20000"/>
-              <a:lumOff val="80000"/>
-            </a:schemeClr>
-          </a:solidFill>
-        </p:spPr>
-        <p:txBody>
-          <a:bodyPr wrap="square">
-            <a:spAutoFit/>
-          </a:bodyPr>
-          <a:lstStyle/>
-          <a:p>
-            <a:r>
-              <a:rPr lang="en-US" sz="1400" dirty="0"/>
-              <a:t>HKU\informant\Software\Microsoft\Windows\</a:t>
-            </a:r>
-            <a:r>
-              <a:rPr lang="en-US" sz="1400" dirty="0" err="1"/>
-              <a:t>CurrentVersion</a:t>
-            </a:r>
-            <a:r>
-              <a:rPr lang="en-US" sz="1400" dirty="0"/>
-              <a:t>\Explorer\</a:t>
-            </a:r>
-            <a:r>
-              <a:rPr lang="en-US" sz="1400" dirty="0" err="1"/>
-              <a:t>WordWheelQuery</a:t>
-            </a:r>
-            <a:r>
-              <a:rPr lang="en-US" sz="1400" dirty="0"/>
-              <a:t>\</a:t>
-            </a:r>
-          </a:p>
-          <a:p>
-            <a:r>
-              <a:rPr lang="en-US" sz="1400" dirty="0"/>
-              <a:t>- ‘Timestamp’ can be inferred from a timestamp of the parent key (‘</a:t>
-            </a:r>
-            <a:r>
-              <a:rPr lang="en-US" sz="1400" dirty="0" err="1"/>
-              <a:t>WordWheelQuery</a:t>
-            </a:r>
-            <a:r>
-              <a:rPr lang="en-US" sz="1400" dirty="0"/>
-              <a:t>’).</a:t>
-            </a:r>
-          </a:p>
-          <a:p>
-            <a:r>
-              <a:rPr lang="en-US" sz="1400" dirty="0"/>
-              <a:t>- ‘Timestamp’ may not be accurate because it depends on the update mechanism of Windows Explorer.</a:t>
-            </a:r>
-          </a:p>
-        </p:txBody>
-      </p:sp>
-    </p:spTree>
-    <p:extLst>
-      <p:ext uri="{BB962C8B-B14F-4D97-AF65-F5344CB8AC3E}">
-        <p14:creationId xmlns:p14="http://schemas.microsoft.com/office/powerpoint/2010/main" val="4210516364"/>
       </p:ext>
     </p:extLst>
   </p:cSld>
@@ -12852,6 +13449,217 @@
     <p:extLst>
       <p:ext uri="{BB962C8B-B14F-4D97-AF65-F5344CB8AC3E}">
         <p14:creationId xmlns:p14="http://schemas.microsoft.com/office/powerpoint/2010/main" val="1517354248"/>
+      </p:ext>
+    </p:extLst>
+  </p:cSld>
+  <p:clrMapOvr>
+    <a:masterClrMapping/>
+  </p:clrMapOvr>
+</p:sld>
+</file>
+
+<file path=ppt/slides/slide40.xml><?xml version="1.0" encoding="utf-8"?>
+<p:sld xmlns:a="http://schemas.openxmlformats.org/drawingml/2006/main" xmlns:r="http://schemas.openxmlformats.org/officeDocument/2006/relationships" xmlns:p="http://schemas.openxmlformats.org/presentationml/2006/main">
+  <p:cSld>
+    <p:spTree>
+      <p:nvGrpSpPr>
+        <p:cNvPr id="1" name=""/>
+        <p:cNvGrpSpPr/>
+        <p:nvPr/>
+      </p:nvGrpSpPr>
+      <p:grpSpPr>
+        <a:xfrm>
+          <a:off x="0" y="0"/>
+          <a:ext cx="0" cy="0"/>
+          <a:chOff x="0" y="0"/>
+          <a:chExt cx="0" cy="0"/>
+        </a:xfrm>
+      </p:grpSpPr>
+      <p:sp>
+        <p:nvSpPr>
+          <p:cNvPr id="2" name="Title 1"/>
+          <p:cNvSpPr>
+            <a:spLocks noGrp="1"/>
+          </p:cNvSpPr>
+          <p:nvPr>
+            <p:ph type="title"/>
+          </p:nvPr>
+        </p:nvSpPr>
+        <p:spPr/>
+        <p:txBody>
+          <a:bodyPr/>
+          <a:lstStyle/>
+          <a:p>
+            <a:r>
+              <a:rPr lang="en-US" dirty="0">
+                <a:solidFill>
+                  <a:srgbClr val="FF0000"/>
+                </a:solidFill>
+              </a:rPr>
+              <a:t>17.</a:t>
+            </a:r>
+            <a:r>
+              <a:rPr lang="en-US" dirty="0"/>
+              <a:t>	List all user keywords at the search bar in Windows Explorer. (Timestamp, Keyword)</a:t>
+            </a:r>
+          </a:p>
+        </p:txBody>
+      </p:sp>
+      <p:pic>
+        <p:nvPicPr>
+          <p:cNvPr id="3" name="Picture 2"/>
+          <p:cNvPicPr>
+            <a:picLocks noChangeAspect="1"/>
+          </p:cNvPicPr>
+          <p:nvPr/>
+        </p:nvPicPr>
+        <p:blipFill>
+          <a:blip r:embed="rId3"/>
+          <a:stretch>
+            <a:fillRect/>
+          </a:stretch>
+        </p:blipFill>
+        <p:spPr>
+          <a:xfrm>
+            <a:off x="838200" y="2186044"/>
+            <a:ext cx="7912608" cy="3395933"/>
+          </a:xfrm>
+          <a:prstGeom prst="rect">
+            <a:avLst/>
+          </a:prstGeom>
+        </p:spPr>
+      </p:pic>
+      <p:sp>
+        <p:nvSpPr>
+          <p:cNvPr id="4" name="TextBox 3">
+            <a:extLst>
+              <a:ext uri="{FF2B5EF4-FFF2-40B4-BE49-F238E27FC236}">
+                <a16:creationId xmlns:a16="http://schemas.microsoft.com/office/drawing/2014/main" id="{F8A37CAE-4370-4548-875A-F4C62230C749}"/>
+              </a:ext>
+            </a:extLst>
+          </p:cNvPr>
+          <p:cNvSpPr txBox="1"/>
+          <p:nvPr/>
+        </p:nvSpPr>
+        <p:spPr>
+          <a:xfrm>
+            <a:off x="838200" y="1816712"/>
+            <a:ext cx="6385560" cy="369332"/>
+          </a:xfrm>
+          <a:prstGeom prst="rect">
+            <a:avLst/>
+          </a:prstGeom>
+          <a:solidFill>
+            <a:srgbClr val="FFC000"/>
+          </a:solidFill>
+        </p:spPr>
+        <p:txBody>
+          <a:bodyPr wrap="square" rtlCol="0">
+            <a:spAutoFit/>
+          </a:bodyPr>
+          <a:lstStyle/>
+          <a:p>
+            <a:r>
+              <a:rPr lang="en-US" dirty="0"/>
+              <a:t>rip.pl on NTUSER.DAT file with </a:t>
+            </a:r>
+            <a:r>
+              <a:rPr lang="en-US" i="1" dirty="0" err="1">
+                <a:solidFill>
+                  <a:srgbClr val="7030A0"/>
+                </a:solidFill>
+              </a:rPr>
+              <a:t>wordwheelquery</a:t>
+            </a:r>
+            <a:r>
+              <a:rPr lang="en-US" dirty="0">
+                <a:solidFill>
+                  <a:srgbClr val="7030A0"/>
+                </a:solidFill>
+              </a:rPr>
+              <a:t> </a:t>
+            </a:r>
+            <a:r>
+              <a:rPr lang="en-US" dirty="0"/>
+              <a:t>plugin</a:t>
+            </a:r>
+          </a:p>
+        </p:txBody>
+      </p:sp>
+      <p:sp>
+        <p:nvSpPr>
+          <p:cNvPr id="5" name="Rectangle 4"/>
+          <p:cNvSpPr/>
+          <p:nvPr/>
+        </p:nvSpPr>
+        <p:spPr>
+          <a:xfrm>
+            <a:off x="838200" y="5581977"/>
+            <a:ext cx="7912608" cy="738664"/>
+          </a:xfrm>
+          <a:prstGeom prst="rect">
+            <a:avLst/>
+          </a:prstGeom>
+          <a:solidFill>
+            <a:schemeClr val="accent4">
+              <a:lumMod val="20000"/>
+              <a:lumOff val="80000"/>
+            </a:schemeClr>
+          </a:solidFill>
+        </p:spPr>
+        <p:txBody>
+          <a:bodyPr wrap="square">
+            <a:spAutoFit/>
+          </a:bodyPr>
+          <a:lstStyle/>
+          <a:p>
+            <a:r>
+              <a:rPr lang="en-US" sz="1400" dirty="0"/>
+              <a:t>HKU\informant\Software\Microsoft\Windows\</a:t>
+            </a:r>
+            <a:r>
+              <a:rPr lang="en-US" sz="1400" dirty="0" err="1"/>
+              <a:t>CurrentVersion</a:t>
+            </a:r>
+            <a:r>
+              <a:rPr lang="en-US" sz="1400" dirty="0"/>
+              <a:t>\Explorer\</a:t>
+            </a:r>
+            <a:r>
+              <a:rPr lang="en-US" sz="1400" dirty="0" err="1"/>
+              <a:t>WordWheelQuery</a:t>
+            </a:r>
+            <a:r>
+              <a:rPr lang="en-US" sz="1400" dirty="0"/>
+              <a:t>\</a:t>
+            </a:r>
+          </a:p>
+          <a:p>
+            <a:r>
+              <a:rPr lang="en-US" sz="1400" dirty="0"/>
+              <a:t>- ‘Timestamp’ can be inferred from a timestamp of the parent key (‘</a:t>
+            </a:r>
+            <a:r>
+              <a:rPr lang="en-US" sz="1400" dirty="0" err="1"/>
+              <a:t>WordWheelQuery</a:t>
+            </a:r>
+            <a:r>
+              <a:rPr lang="en-US" sz="1400" dirty="0"/>
+              <a:t>’).</a:t>
+            </a:r>
+          </a:p>
+          <a:p>
+            <a:r>
+              <a:rPr lang="en-US" sz="1400" dirty="0"/>
+              <a:t>- ‘Timestamp’ may not be accurate because it depends on the update mechanism of Windows Explorer.</a:t>
+            </a:r>
+          </a:p>
+        </p:txBody>
+      </p:sp>
+    </p:spTree>
+    <p:extLst>
+      <p:ext uri="{BB962C8B-B14F-4D97-AF65-F5344CB8AC3E}">
+        <p14:creationId xmlns:p14="http://schemas.microsoft.com/office/powerpoint/2010/main" val="4210516364"/>
       </p:ext>
     </p:extLst>
   </p:cSld>
@@ -13688,7 +14496,7 @@
                         </a:tabLst>
                       </a:pPr>
                       <a:r>
-                        <a:rPr lang="en-US" sz="1800" kern="1200">
+                        <a:rPr lang="en-US" sz="1800" kern="1200" dirty="0">
                           <a:solidFill>
                             <a:schemeClr val="tx1"/>
                           </a:solidFill>
@@ -13765,7 +14573,7 @@
                         </a:tabLst>
                       </a:pPr>
                       <a:r>
-                        <a:rPr lang="en-US" sz="1800" kern="1200">
+                        <a:rPr lang="en-US" sz="1800" kern="1200" dirty="0">
                           <a:solidFill>
                             <a:schemeClr val="tx1"/>
                           </a:solidFill>

--- a/NIST_Data_Leakage_Case/NIST_Data_Leakage_03_WebHistory_SQL.pptx
+++ b/NIST_Data_Leakage_Case/NIST_Data_Leakage_03_WebHistory_SQL.pptx
@@ -210,7 +210,7 @@
   <pc:docChgLst>
     <pc:chgData name="Weifeng Xu" userId="e7aed605-a3dd-4d5a-a692-a87037af107b" providerId="ADAL" clId="{409D07DA-7E5C-4EF5-A9AF-5A4926BCA666}"/>
     <pc:docChg chg="undo custSel addSld delSld modSld">
-      <pc:chgData name="Weifeng Xu" userId="e7aed605-a3dd-4d5a-a692-a87037af107b" providerId="ADAL" clId="{409D07DA-7E5C-4EF5-A9AF-5A4926BCA666}" dt="2022-09-27T23:35:18.737" v="849" actId="20577"/>
+      <pc:chgData name="Weifeng Xu" userId="e7aed605-a3dd-4d5a-a692-a87037af107b" providerId="ADAL" clId="{409D07DA-7E5C-4EF5-A9AF-5A4926BCA666}" dt="2023-02-27T14:16:26.910" v="1001" actId="207"/>
       <pc:docMkLst>
         <pc:docMk/>
       </pc:docMkLst>
@@ -345,7 +345,7 @@
         </pc:sldMkLst>
       </pc:sldChg>
       <pc:sldChg chg="addSp modSp new mod modClrScheme chgLayout">
-        <pc:chgData name="Weifeng Xu" userId="e7aed605-a3dd-4d5a-a692-a87037af107b" providerId="ADAL" clId="{409D07DA-7E5C-4EF5-A9AF-5A4926BCA666}" dt="2022-09-27T23:35:18.737" v="849" actId="20577"/>
+        <pc:chgData name="Weifeng Xu" userId="e7aed605-a3dd-4d5a-a692-a87037af107b" providerId="ADAL" clId="{409D07DA-7E5C-4EF5-A9AF-5A4926BCA666}" dt="2023-02-27T14:16:26.910" v="1001" actId="207"/>
         <pc:sldMkLst>
           <pc:docMk/>
           <pc:sldMk cId="3211415656" sldId="302"/>
@@ -359,7 +359,7 @@
           </ac:spMkLst>
         </pc:spChg>
         <pc:spChg chg="add mod ord">
-          <ac:chgData name="Weifeng Xu" userId="e7aed605-a3dd-4d5a-a692-a87037af107b" providerId="ADAL" clId="{409D07DA-7E5C-4EF5-A9AF-5A4926BCA666}" dt="2022-09-27T23:35:18.737" v="849" actId="20577"/>
+          <ac:chgData name="Weifeng Xu" userId="e7aed605-a3dd-4d5a-a692-a87037af107b" providerId="ADAL" clId="{409D07DA-7E5C-4EF5-A9AF-5A4926BCA666}" dt="2023-02-27T14:16:26.910" v="1001" actId="207"/>
           <ac:spMkLst>
             <pc:docMk/>
             <pc:sldMk cId="3211415656" sldId="302"/>
@@ -437,8 +437,8 @@
           </ac:picMkLst>
         </pc:picChg>
       </pc:sldChg>
-      <pc:sldChg chg="addSp delSp modSp new mod">
-        <pc:chgData name="Weifeng Xu" userId="e7aed605-a3dd-4d5a-a692-a87037af107b" providerId="ADAL" clId="{409D07DA-7E5C-4EF5-A9AF-5A4926BCA666}" dt="2022-09-27T21:28:03.999" v="784" actId="1076"/>
+      <pc:sldChg chg="addSp delSp modSp new mod modClrScheme chgLayout">
+        <pc:chgData name="Weifeng Xu" userId="e7aed605-a3dd-4d5a-a692-a87037af107b" providerId="ADAL" clId="{409D07DA-7E5C-4EF5-A9AF-5A4926BCA666}" dt="2023-02-27T14:13:22.234" v="936" actId="20577"/>
         <pc:sldMkLst>
           <pc:docMk/>
           <pc:sldMk cId="2055990861" sldId="305"/>
@@ -449,6 +449,14 @@
             <pc:docMk/>
             <pc:sldMk cId="2055990861" sldId="305"/>
             <ac:spMk id="2" creationId="{793588AD-1E41-081C-1983-AD173D4A0A45}"/>
+          </ac:spMkLst>
+        </pc:spChg>
+        <pc:spChg chg="add mod ord">
+          <ac:chgData name="Weifeng Xu" userId="e7aed605-a3dd-4d5a-a692-a87037af107b" providerId="ADAL" clId="{409D07DA-7E5C-4EF5-A9AF-5A4926BCA666}" dt="2023-02-27T14:13:22.234" v="936" actId="20577"/>
+          <ac:spMkLst>
+            <pc:docMk/>
+            <pc:sldMk cId="2055990861" sldId="305"/>
+            <ac:spMk id="3" creationId="{A2FBCAF6-1D6B-F98D-62FF-A370F64D637F}"/>
           </ac:spMkLst>
         </pc:spChg>
         <pc:picChg chg="add mod">
@@ -806,7 +814,7 @@
           <a:p>
             <a:fld id="{EE41F6E3-57F9-402E-BDBA-5B2DE11C8530}" type="datetimeFigureOut">
               <a:rPr lang="en-US" smtClean="0"/>
-              <a:t>9/27/2022</a:t>
+              <a:t>2/27/2023</a:t>
             </a:fld>
             <a:endParaRPr lang="en-US"/>
           </a:p>
@@ -5243,7 +5251,7 @@
           <a:p>
             <a:fld id="{4263717A-E3C1-4BED-ABE0-B7069385E023}" type="datetimeFigureOut">
               <a:rPr lang="en-US" smtClean="0"/>
-              <a:t>9/27/2022</a:t>
+              <a:t>2/27/2023</a:t>
             </a:fld>
             <a:endParaRPr lang="en-US"/>
           </a:p>
@@ -5416,7 +5424,7 @@
           <a:p>
             <a:fld id="{4263717A-E3C1-4BED-ABE0-B7069385E023}" type="datetimeFigureOut">
               <a:rPr lang="en-US" smtClean="0"/>
-              <a:t>9/27/2022</a:t>
+              <a:t>2/27/2023</a:t>
             </a:fld>
             <a:endParaRPr lang="en-US"/>
           </a:p>
@@ -5594,7 +5602,7 @@
           <a:p>
             <a:fld id="{4263717A-E3C1-4BED-ABE0-B7069385E023}" type="datetimeFigureOut">
               <a:rPr lang="en-US" smtClean="0"/>
-              <a:t>9/27/2022</a:t>
+              <a:t>2/27/2023</a:t>
             </a:fld>
             <a:endParaRPr lang="en-US"/>
           </a:p>
@@ -5762,7 +5770,7 @@
           <a:p>
             <a:fld id="{4263717A-E3C1-4BED-ABE0-B7069385E023}" type="datetimeFigureOut">
               <a:rPr lang="en-US" smtClean="0"/>
-              <a:t>9/27/2022</a:t>
+              <a:t>2/27/2023</a:t>
             </a:fld>
             <a:endParaRPr lang="en-US"/>
           </a:p>
@@ -6007,7 +6015,7 @@
           <a:p>
             <a:fld id="{4263717A-E3C1-4BED-ABE0-B7069385E023}" type="datetimeFigureOut">
               <a:rPr lang="en-US" smtClean="0"/>
-              <a:t>9/27/2022</a:t>
+              <a:t>2/27/2023</a:t>
             </a:fld>
             <a:endParaRPr lang="en-US"/>
           </a:p>
@@ -6236,7 +6244,7 @@
           <a:p>
             <a:fld id="{4263717A-E3C1-4BED-ABE0-B7069385E023}" type="datetimeFigureOut">
               <a:rPr lang="en-US" smtClean="0"/>
-              <a:t>9/27/2022</a:t>
+              <a:t>2/27/2023</a:t>
             </a:fld>
             <a:endParaRPr lang="en-US"/>
           </a:p>
@@ -6600,7 +6608,7 @@
           <a:p>
             <a:fld id="{4263717A-E3C1-4BED-ABE0-B7069385E023}" type="datetimeFigureOut">
               <a:rPr lang="en-US" smtClean="0"/>
-              <a:t>9/27/2022</a:t>
+              <a:t>2/27/2023</a:t>
             </a:fld>
             <a:endParaRPr lang="en-US"/>
           </a:p>
@@ -6717,7 +6725,7 @@
           <a:p>
             <a:fld id="{4263717A-E3C1-4BED-ABE0-B7069385E023}" type="datetimeFigureOut">
               <a:rPr lang="en-US" smtClean="0"/>
-              <a:t>9/27/2022</a:t>
+              <a:t>2/27/2023</a:t>
             </a:fld>
             <a:endParaRPr lang="en-US"/>
           </a:p>
@@ -6812,7 +6820,7 @@
           <a:p>
             <a:fld id="{4263717A-E3C1-4BED-ABE0-B7069385E023}" type="datetimeFigureOut">
               <a:rPr lang="en-US" smtClean="0"/>
-              <a:t>9/27/2022</a:t>
+              <a:t>2/27/2023</a:t>
             </a:fld>
             <a:endParaRPr lang="en-US"/>
           </a:p>
@@ -7087,7 +7095,7 @@
           <a:p>
             <a:fld id="{4263717A-E3C1-4BED-ABE0-B7069385E023}" type="datetimeFigureOut">
               <a:rPr lang="en-US" smtClean="0"/>
-              <a:t>9/27/2022</a:t>
+              <a:t>2/27/2023</a:t>
             </a:fld>
             <a:endParaRPr lang="en-US"/>
           </a:p>
@@ -7339,7 +7347,7 @@
           <a:p>
             <a:fld id="{4263717A-E3C1-4BED-ABE0-B7069385E023}" type="datetimeFigureOut">
               <a:rPr lang="en-US" smtClean="0"/>
-              <a:t>9/27/2022</a:t>
+              <a:t>2/27/2023</a:t>
             </a:fld>
             <a:endParaRPr lang="en-US"/>
           </a:p>
@@ -7550,7 +7558,7 @@
           <a:p>
             <a:fld id="{4263717A-E3C1-4BED-ABE0-B7069385E023}" type="datetimeFigureOut">
               <a:rPr lang="en-US" smtClean="0"/>
-              <a:t>9/27/2022</a:t>
+              <a:t>2/27/2023</a:t>
             </a:fld>
             <a:endParaRPr lang="en-US"/>
           </a:p>
@@ -12483,6 +12491,34 @@
           </a:p>
         </p:txBody>
       </p:sp>
+      <p:sp>
+        <p:nvSpPr>
+          <p:cNvPr id="3" name="Title 2">
+            <a:extLst>
+              <a:ext uri="{FF2B5EF4-FFF2-40B4-BE49-F238E27FC236}">
+                <a16:creationId xmlns:a16="http://schemas.microsoft.com/office/drawing/2014/main" id="{A2FBCAF6-1D6B-F98D-62FF-A370F64D637F}"/>
+              </a:ext>
+            </a:extLst>
+          </p:cNvPr>
+          <p:cNvSpPr>
+            <a:spLocks noGrp="1"/>
+          </p:cNvSpPr>
+          <p:nvPr>
+            <p:ph type="title"/>
+          </p:nvPr>
+        </p:nvSpPr>
+        <p:spPr/>
+        <p:txBody>
+          <a:bodyPr/>
+          <a:lstStyle/>
+          <a:p>
+            <a:r>
+              <a:rPr lang="en-US" dirty="0"/>
+              <a:t>Data generated by applications have different formats</a:t>
+            </a:r>
+          </a:p>
+        </p:txBody>
+      </p:sp>
     </p:spTree>
     <p:extLst>
       <p:ext uri="{BB962C8B-B14F-4D97-AF65-F5344CB8AC3E}">
@@ -14921,13 +14957,20 @@
             <a:pPr lvl="1"/>
             <a:r>
               <a:rPr lang="en-GB" dirty="0"/>
-              <a:t>visit a few other websites</a:t>
-            </a:r>
-            <a:r>
-              <a:rPr lang="en-GB"/>
-              <a:t>/string search</a:t>
-            </a:r>
-            <a:endParaRPr lang="en-GB" dirty="0"/>
+              <a:t>visit a few other websites/string search (e.g., </a:t>
+            </a:r>
+            <a:r>
+              <a:rPr lang="en-GB" dirty="0">
+                <a:solidFill>
+                  <a:srgbClr val="FF0000"/>
+                </a:solidFill>
+              </a:rPr>
+              <a:t>firearm, your name</a:t>
+            </a:r>
+            <a:r>
+              <a:rPr lang="en-GB" dirty="0"/>
+              <a:t>)</a:t>
+            </a:r>
           </a:p>
           <a:p>
             <a:r>
@@ -14935,15 +14978,21 @@
               <a:t>Your tasks (using </a:t>
             </a:r>
             <a:r>
-              <a:rPr lang="en-GB" dirty="0" err="1"/>
+              <a:rPr lang="en-GB" sz="2400" dirty="0" err="1">
+                <a:latin typeface="OCRB" panose="020B0609020202020204" pitchFamily="49" charset="0"/>
+              </a:rPr>
               <a:t>hivexsh</a:t>
             </a:r>
             <a:r>
-              <a:rPr lang="en-GB" dirty="0"/>
+              <a:rPr lang="en-GB" sz="2400" dirty="0">
+                <a:latin typeface="OCRB" panose="020B0609020202020204" pitchFamily="49" charset="0"/>
+              </a:rPr>
               <a:t>/</a:t>
             </a:r>
             <a:r>
-              <a:rPr lang="en-GB" dirty="0" err="1"/>
+              <a:rPr lang="en-GB" sz="2400" dirty="0" err="1">
+                <a:latin typeface="OCRB" panose="020B0609020202020204" pitchFamily="49" charset="0"/>
+              </a:rPr>
               <a:t>Sqlites</a:t>
             </a:r>
             <a:r>
@@ -14958,7 +15007,9 @@
               <a:t>Find the Firefox/Edge installation date (</a:t>
             </a:r>
             <a:r>
-              <a:rPr lang="en-US" dirty="0" err="1"/>
+              <a:rPr lang="en-US" dirty="0" err="1">
+                <a:latin typeface="OCRB" panose="020B0609020202020204" pitchFamily="49" charset="0"/>
+              </a:rPr>
               <a:t>shimcache</a:t>
             </a:r>
             <a:r>
@@ -14970,7 +15021,7 @@
             <a:pPr lvl="1"/>
             <a:r>
               <a:rPr lang="en-US" dirty="0"/>
-              <a:t>Find the Firefox/Edge version from registry</a:t>
+              <a:t>Find the Firefox/Edge version from the registry</a:t>
             </a:r>
           </a:p>
           <a:p>
@@ -14984,15 +15035,32 @@
             <a:pPr lvl="1"/>
             <a:r>
               <a:rPr lang="en-US" dirty="0"/>
-              <a:t>Find the websites you have visited starts from pytorch.org and their timestamps</a:t>
+              <a:t>Find the websites you have visited starting from pytorch.org and their timestamps</a:t>
             </a:r>
           </a:p>
           <a:p>
             <a:pPr lvl="1"/>
             <a:r>
               <a:rPr lang="en-US" dirty="0"/>
-              <a:t>Search keywords</a:t>
-            </a:r>
+              <a:t>Search keywords (</a:t>
+            </a:r>
+            <a:r>
+              <a:rPr lang="en-GB" dirty="0"/>
+              <a:t>e.g., </a:t>
+            </a:r>
+            <a:r>
+              <a:rPr lang="en-GB" dirty="0">
+                <a:solidFill>
+                  <a:srgbClr val="FF0000"/>
+                </a:solidFill>
+              </a:rPr>
+              <a:t>firearm, your name</a:t>
+            </a:r>
+            <a:r>
+              <a:rPr lang="en-GB" dirty="0"/>
+              <a:t>)</a:t>
+            </a:r>
+            <a:endParaRPr lang="en-US" dirty="0"/>
           </a:p>
         </p:txBody>
       </p:sp>

--- a/NIST_Data_Leakage_Case/NIST_Data_Leakage_03_WebHistory_SQL.pptx
+++ b/NIST_Data_Leakage_Case/NIST_Data_Leakage_03_WebHistory_SQL.pptx
@@ -5,52 +5,54 @@
     <p:sldMasterId id="2147483648" r:id="rId1"/>
   </p:sldMasterIdLst>
   <p:notesMasterIdLst>
-    <p:notesMasterId r:id="rId45"/>
+    <p:notesMasterId r:id="rId47"/>
   </p:notesMasterIdLst>
   <p:sldIdLst>
     <p:sldId id="256" r:id="rId2"/>
-    <p:sldId id="304" r:id="rId3"/>
-    <p:sldId id="305" r:id="rId4"/>
-    <p:sldId id="257" r:id="rId5"/>
-    <p:sldId id="271" r:id="rId6"/>
-    <p:sldId id="272" r:id="rId7"/>
-    <p:sldId id="259" r:id="rId8"/>
-    <p:sldId id="260" r:id="rId9"/>
-    <p:sldId id="261" r:id="rId10"/>
-    <p:sldId id="258" r:id="rId11"/>
-    <p:sldId id="275" r:id="rId12"/>
-    <p:sldId id="266" r:id="rId13"/>
-    <p:sldId id="264" r:id="rId14"/>
-    <p:sldId id="263" r:id="rId15"/>
-    <p:sldId id="269" r:id="rId16"/>
-    <p:sldId id="273" r:id="rId17"/>
-    <p:sldId id="274" r:id="rId18"/>
-    <p:sldId id="296" r:id="rId19"/>
-    <p:sldId id="268" r:id="rId20"/>
-    <p:sldId id="276" r:id="rId21"/>
-    <p:sldId id="277" r:id="rId22"/>
-    <p:sldId id="278" r:id="rId23"/>
-    <p:sldId id="279" r:id="rId24"/>
-    <p:sldId id="280" r:id="rId25"/>
-    <p:sldId id="298" r:id="rId26"/>
-    <p:sldId id="281" r:id="rId27"/>
-    <p:sldId id="299" r:id="rId28"/>
-    <p:sldId id="283" r:id="rId29"/>
-    <p:sldId id="284" r:id="rId30"/>
-    <p:sldId id="285" r:id="rId31"/>
-    <p:sldId id="286" r:id="rId32"/>
-    <p:sldId id="301" r:id="rId33"/>
-    <p:sldId id="300" r:id="rId34"/>
-    <p:sldId id="291" r:id="rId35"/>
-    <p:sldId id="294" r:id="rId36"/>
-    <p:sldId id="288" r:id="rId37"/>
-    <p:sldId id="289" r:id="rId38"/>
-    <p:sldId id="287" r:id="rId39"/>
-    <p:sldId id="290" r:id="rId40"/>
-    <p:sldId id="295" r:id="rId41"/>
-    <p:sldId id="292" r:id="rId42"/>
-    <p:sldId id="293" r:id="rId43"/>
-    <p:sldId id="302" r:id="rId44"/>
+    <p:sldId id="307" r:id="rId3"/>
+    <p:sldId id="304" r:id="rId4"/>
+    <p:sldId id="305" r:id="rId5"/>
+    <p:sldId id="306" r:id="rId6"/>
+    <p:sldId id="257" r:id="rId7"/>
+    <p:sldId id="271" r:id="rId8"/>
+    <p:sldId id="272" r:id="rId9"/>
+    <p:sldId id="259" r:id="rId10"/>
+    <p:sldId id="260" r:id="rId11"/>
+    <p:sldId id="261" r:id="rId12"/>
+    <p:sldId id="258" r:id="rId13"/>
+    <p:sldId id="275" r:id="rId14"/>
+    <p:sldId id="266" r:id="rId15"/>
+    <p:sldId id="264" r:id="rId16"/>
+    <p:sldId id="263" r:id="rId17"/>
+    <p:sldId id="269" r:id="rId18"/>
+    <p:sldId id="273" r:id="rId19"/>
+    <p:sldId id="274" r:id="rId20"/>
+    <p:sldId id="296" r:id="rId21"/>
+    <p:sldId id="268" r:id="rId22"/>
+    <p:sldId id="276" r:id="rId23"/>
+    <p:sldId id="277" r:id="rId24"/>
+    <p:sldId id="278" r:id="rId25"/>
+    <p:sldId id="279" r:id="rId26"/>
+    <p:sldId id="280" r:id="rId27"/>
+    <p:sldId id="298" r:id="rId28"/>
+    <p:sldId id="281" r:id="rId29"/>
+    <p:sldId id="299" r:id="rId30"/>
+    <p:sldId id="283" r:id="rId31"/>
+    <p:sldId id="284" r:id="rId32"/>
+    <p:sldId id="285" r:id="rId33"/>
+    <p:sldId id="286" r:id="rId34"/>
+    <p:sldId id="301" r:id="rId35"/>
+    <p:sldId id="300" r:id="rId36"/>
+    <p:sldId id="291" r:id="rId37"/>
+    <p:sldId id="294" r:id="rId38"/>
+    <p:sldId id="288" r:id="rId39"/>
+    <p:sldId id="289" r:id="rId40"/>
+    <p:sldId id="287" r:id="rId41"/>
+    <p:sldId id="290" r:id="rId42"/>
+    <p:sldId id="295" r:id="rId43"/>
+    <p:sldId id="292" r:id="rId44"/>
+    <p:sldId id="293" r:id="rId45"/>
+    <p:sldId id="302" r:id="rId46"/>
   </p:sldIdLst>
   <p:sldSz cx="12192000" cy="6858000"/>
   <p:notesSz cx="6858000" cy="9144000"/>
@@ -209,8 +211,8 @@
   </pc:docChgLst>
   <pc:docChgLst>
     <pc:chgData name="Weifeng Xu" userId="e7aed605-a3dd-4d5a-a692-a87037af107b" providerId="ADAL" clId="{409D07DA-7E5C-4EF5-A9AF-5A4926BCA666}"/>
-    <pc:docChg chg="undo custSel addSld delSld modSld">
-      <pc:chgData name="Weifeng Xu" userId="e7aed605-a3dd-4d5a-a692-a87037af107b" providerId="ADAL" clId="{409D07DA-7E5C-4EF5-A9AF-5A4926BCA666}" dt="2023-02-27T14:16:26.910" v="1001" actId="207"/>
+    <pc:docChg chg="undo custSel addSld delSld modSld sldOrd">
+      <pc:chgData name="Weifeng Xu" userId="e7aed605-a3dd-4d5a-a692-a87037af107b" providerId="ADAL" clId="{409D07DA-7E5C-4EF5-A9AF-5A4926BCA666}" dt="2023-02-28T15:25:30.597" v="1644" actId="6549"/>
       <pc:docMkLst>
         <pc:docMk/>
       </pc:docMkLst>
@@ -283,7 +285,7 @@
         </pc:picChg>
       </pc:sldChg>
       <pc:sldChg chg="addSp modSp new mod modClrScheme chgLayout modNotesTx">
-        <pc:chgData name="Weifeng Xu" userId="e7aed605-a3dd-4d5a-a692-a87037af107b" providerId="ADAL" clId="{409D07DA-7E5C-4EF5-A9AF-5A4926BCA666}" dt="2022-03-08T14:58:50.921" v="343" actId="14100"/>
+        <pc:chgData name="Weifeng Xu" userId="e7aed605-a3dd-4d5a-a692-a87037af107b" providerId="ADAL" clId="{409D07DA-7E5C-4EF5-A9AF-5A4926BCA666}" dt="2023-02-28T15:05:31.701" v="1005" actId="20577"/>
         <pc:sldMkLst>
           <pc:docMk/>
           <pc:sldMk cId="2904199124" sldId="301"/>
@@ -297,7 +299,7 @@
           </ac:spMkLst>
         </pc:spChg>
         <pc:spChg chg="add mod">
-          <ac:chgData name="Weifeng Xu" userId="e7aed605-a3dd-4d5a-a692-a87037af107b" providerId="ADAL" clId="{409D07DA-7E5C-4EF5-A9AF-5A4926BCA666}" dt="2022-03-08T14:40:04.010" v="328" actId="20577"/>
+          <ac:chgData name="Weifeng Xu" userId="e7aed605-a3dd-4d5a-a692-a87037af107b" providerId="ADAL" clId="{409D07DA-7E5C-4EF5-A9AF-5A4926BCA666}" dt="2023-02-28T15:05:31.701" v="1005" actId="20577"/>
           <ac:spMkLst>
             <pc:docMk/>
             <pc:sldMk cId="2904199124" sldId="301"/>
@@ -483,6 +485,52 @@
             <ac:picMk id="1030" creationId="{4E99F73B-9894-2401-CF24-79CAB34653F6}"/>
           </ac:picMkLst>
         </pc:picChg>
+      </pc:sldChg>
+      <pc:sldChg chg="addSp modSp new mod ord modClrScheme chgLayout">
+        <pc:chgData name="Weifeng Xu" userId="e7aed605-a3dd-4d5a-a692-a87037af107b" providerId="ADAL" clId="{409D07DA-7E5C-4EF5-A9AF-5A4926BCA666}" dt="2023-02-28T15:21:39.217" v="1362" actId="20577"/>
+        <pc:sldMkLst>
+          <pc:docMk/>
+          <pc:sldMk cId="4165459125" sldId="306"/>
+        </pc:sldMkLst>
+        <pc:spChg chg="mod ord">
+          <ac:chgData name="Weifeng Xu" userId="e7aed605-a3dd-4d5a-a692-a87037af107b" providerId="ADAL" clId="{409D07DA-7E5C-4EF5-A9AF-5A4926BCA666}" dt="2023-02-28T15:16:21.162" v="1033" actId="700"/>
+          <ac:spMkLst>
+            <pc:docMk/>
+            <pc:sldMk cId="4165459125" sldId="306"/>
+            <ac:spMk id="2" creationId="{C990B706-7E51-C619-EDB7-465188F981AD}"/>
+          </ac:spMkLst>
+        </pc:spChg>
+        <pc:spChg chg="add mod ord">
+          <ac:chgData name="Weifeng Xu" userId="e7aed605-a3dd-4d5a-a692-a87037af107b" providerId="ADAL" clId="{409D07DA-7E5C-4EF5-A9AF-5A4926BCA666}" dt="2023-02-28T15:21:39.217" v="1362" actId="20577"/>
+          <ac:spMkLst>
+            <pc:docMk/>
+            <pc:sldMk cId="4165459125" sldId="306"/>
+            <ac:spMk id="3" creationId="{FDE5C25D-0753-82FA-B101-7283CC9D92A5}"/>
+          </ac:spMkLst>
+        </pc:spChg>
+      </pc:sldChg>
+      <pc:sldChg chg="modSp new mod">
+        <pc:chgData name="Weifeng Xu" userId="e7aed605-a3dd-4d5a-a692-a87037af107b" providerId="ADAL" clId="{409D07DA-7E5C-4EF5-A9AF-5A4926BCA666}" dt="2023-02-28T15:25:30.597" v="1644" actId="6549"/>
+        <pc:sldMkLst>
+          <pc:docMk/>
+          <pc:sldMk cId="2202518917" sldId="307"/>
+        </pc:sldMkLst>
+        <pc:spChg chg="mod">
+          <ac:chgData name="Weifeng Xu" userId="e7aed605-a3dd-4d5a-a692-a87037af107b" providerId="ADAL" clId="{409D07DA-7E5C-4EF5-A9AF-5A4926BCA666}" dt="2023-02-28T15:22:41.863" v="1368" actId="20577"/>
+          <ac:spMkLst>
+            <pc:docMk/>
+            <pc:sldMk cId="2202518917" sldId="307"/>
+            <ac:spMk id="2" creationId="{5FA1E2A4-C2D3-092B-E707-504A200298E7}"/>
+          </ac:spMkLst>
+        </pc:spChg>
+        <pc:spChg chg="mod">
+          <ac:chgData name="Weifeng Xu" userId="e7aed605-a3dd-4d5a-a692-a87037af107b" providerId="ADAL" clId="{409D07DA-7E5C-4EF5-A9AF-5A4926BCA666}" dt="2023-02-28T15:25:30.597" v="1644" actId="6549"/>
+          <ac:spMkLst>
+            <pc:docMk/>
+            <pc:sldMk cId="2202518917" sldId="307"/>
+            <ac:spMk id="3" creationId="{C37B6B56-2138-CADD-E2D5-70BE27CBC5CC}"/>
+          </ac:spMkLst>
+        </pc:spChg>
       </pc:sldChg>
     </pc:docChg>
   </pc:docChgLst>
@@ -814,7 +862,7 @@
           <a:p>
             <a:fld id="{EE41F6E3-57F9-402E-BDBA-5B2DE11C8530}" type="datetimeFigureOut">
               <a:rPr lang="en-US" smtClean="0"/>
-              <a:t>2/27/2023</a:t>
+              <a:t>2/28/2023</a:t>
             </a:fld>
             <a:endParaRPr lang="en-US"/>
           </a:p>
@@ -1249,7 +1297,7 @@
           <a:p>
             <a:fld id="{DDBF98C7-164A-4723-84F0-B1E4B080DDEC}" type="slidenum">
               <a:rPr lang="en-US" smtClean="0"/>
-              <a:t>12</a:t>
+              <a:t>14</a:t>
             </a:fld>
             <a:endParaRPr lang="en-US"/>
           </a:p>
@@ -1363,7 +1411,7 @@
           <a:p>
             <a:fld id="{DDBF98C7-164A-4723-84F0-B1E4B080DDEC}" type="slidenum">
               <a:rPr lang="en-US" smtClean="0"/>
-              <a:t>13</a:t>
+              <a:t>15</a:t>
             </a:fld>
             <a:endParaRPr lang="en-US"/>
           </a:p>
@@ -1458,7 +1506,7 @@
           <a:p>
             <a:fld id="{DDBF98C7-164A-4723-84F0-B1E4B080DDEC}" type="slidenum">
               <a:rPr lang="en-US" smtClean="0"/>
-              <a:t>14</a:t>
+              <a:t>16</a:t>
             </a:fld>
             <a:endParaRPr lang="en-US"/>
           </a:p>
@@ -1619,7 +1667,7 @@
           <a:p>
             <a:fld id="{DDBF98C7-164A-4723-84F0-B1E4B080DDEC}" type="slidenum">
               <a:rPr lang="en-US" smtClean="0"/>
-              <a:t>15</a:t>
+              <a:t>17</a:t>
             </a:fld>
             <a:endParaRPr lang="en-US"/>
           </a:p>
@@ -1729,7 +1777,7 @@
           <a:p>
             <a:fld id="{DDBF98C7-164A-4723-84F0-B1E4B080DDEC}" type="slidenum">
               <a:rPr lang="en-US" smtClean="0"/>
-              <a:t>16</a:t>
+              <a:t>18</a:t>
             </a:fld>
             <a:endParaRPr lang="en-US"/>
           </a:p>
@@ -1824,7 +1872,7 @@
           <a:p>
             <a:fld id="{DDBF98C7-164A-4723-84F0-B1E4B080DDEC}" type="slidenum">
               <a:rPr lang="en-US" smtClean="0"/>
-              <a:t>17</a:t>
+              <a:t>19</a:t>
             </a:fld>
             <a:endParaRPr lang="en-US"/>
           </a:p>
@@ -1919,7 +1967,7 @@
           <a:p>
             <a:fld id="{DDBF98C7-164A-4723-84F0-B1E4B080DDEC}" type="slidenum">
               <a:rPr lang="en-US" smtClean="0"/>
-              <a:t>18</a:t>
+              <a:t>20</a:t>
             </a:fld>
             <a:endParaRPr lang="en-US"/>
           </a:p>
@@ -2029,7 +2077,7 @@
           <a:p>
             <a:fld id="{DDBF98C7-164A-4723-84F0-B1E4B080DDEC}" type="slidenum">
               <a:rPr lang="en-US" smtClean="0"/>
-              <a:t>20</a:t>
+              <a:t>22</a:t>
             </a:fld>
             <a:endParaRPr lang="en-US"/>
           </a:p>
@@ -2116,7 +2164,7 @@
           <a:p>
             <a:fld id="{DDBF98C7-164A-4723-84F0-B1E4B080DDEC}" type="slidenum">
               <a:rPr lang="en-US" smtClean="0"/>
-              <a:t>21</a:t>
+              <a:t>23</a:t>
             </a:fld>
             <a:endParaRPr lang="en-US"/>
           </a:p>
@@ -2219,7 +2267,7 @@
           <a:p>
             <a:fld id="{DDBF98C7-164A-4723-84F0-B1E4B080DDEC}" type="slidenum">
               <a:rPr lang="en-US" smtClean="0"/>
-              <a:t>22</a:t>
+              <a:t>24</a:t>
             </a:fld>
             <a:endParaRPr lang="en-US"/>
           </a:p>
@@ -2309,7 +2357,7 @@
           <a:p>
             <a:fld id="{DDBF98C7-164A-4723-84F0-B1E4B080DDEC}" type="slidenum">
               <a:rPr lang="en-US" smtClean="0"/>
-              <a:t>4</a:t>
+              <a:t>6</a:t>
             </a:fld>
             <a:endParaRPr lang="en-US"/>
           </a:p>
@@ -2453,7 +2501,7 @@
           <a:p>
             <a:fld id="{DDBF98C7-164A-4723-84F0-B1E4B080DDEC}" type="slidenum">
               <a:rPr lang="en-US" smtClean="0"/>
-              <a:t>23</a:t>
+              <a:t>25</a:t>
             </a:fld>
             <a:endParaRPr lang="en-US"/>
           </a:p>
@@ -2554,7 +2602,7 @@
           <a:p>
             <a:fld id="{DDBF98C7-164A-4723-84F0-B1E4B080DDEC}" type="slidenum">
               <a:rPr lang="en-US" smtClean="0"/>
-              <a:t>24</a:t>
+              <a:t>26</a:t>
             </a:fld>
             <a:endParaRPr lang="en-US"/>
           </a:p>
@@ -2728,7 +2776,7 @@
           <a:p>
             <a:fld id="{DDBF98C7-164A-4723-84F0-B1E4B080DDEC}" type="slidenum">
               <a:rPr lang="en-US" smtClean="0"/>
-              <a:t>25</a:t>
+              <a:t>27</a:t>
             </a:fld>
             <a:endParaRPr lang="en-US"/>
           </a:p>
@@ -2815,7 +2863,7 @@
           <a:p>
             <a:fld id="{DDBF98C7-164A-4723-84F0-B1E4B080DDEC}" type="slidenum">
               <a:rPr lang="en-US" smtClean="0"/>
-              <a:t>26</a:t>
+              <a:t>28</a:t>
             </a:fld>
             <a:endParaRPr lang="en-US"/>
           </a:p>
@@ -2907,7 +2955,7 @@
           <a:p>
             <a:fld id="{DDBF98C7-164A-4723-84F0-B1E4B080DDEC}" type="slidenum">
               <a:rPr lang="en-US" smtClean="0"/>
-              <a:t>27</a:t>
+              <a:t>29</a:t>
             </a:fld>
             <a:endParaRPr lang="en-US"/>
           </a:p>
@@ -3030,7 +3078,7 @@
           <a:p>
             <a:fld id="{DDBF98C7-164A-4723-84F0-B1E4B080DDEC}" type="slidenum">
               <a:rPr lang="en-US" smtClean="0"/>
-              <a:t>30</a:t>
+              <a:t>32</a:t>
             </a:fld>
             <a:endParaRPr lang="en-US"/>
           </a:p>
@@ -3253,7 +3301,7 @@
           <a:p>
             <a:fld id="{DDBF98C7-164A-4723-84F0-B1E4B080DDEC}" type="slidenum">
               <a:rPr lang="en-US" smtClean="0"/>
-              <a:t>31</a:t>
+              <a:t>33</a:t>
             </a:fld>
             <a:endParaRPr lang="en-US"/>
           </a:p>
@@ -3341,7 +3389,7 @@
           <a:p>
             <a:fld id="{DDBF98C7-164A-4723-84F0-B1E4B080DDEC}" type="slidenum">
               <a:rPr lang="en-US" smtClean="0"/>
-              <a:t>32</a:t>
+              <a:t>34</a:t>
             </a:fld>
             <a:endParaRPr lang="en-US"/>
           </a:p>
@@ -3469,7 +3517,7 @@
           <a:p>
             <a:fld id="{DDBF98C7-164A-4723-84F0-B1E4B080DDEC}" type="slidenum">
               <a:rPr lang="en-US" smtClean="0"/>
-              <a:t>33</a:t>
+              <a:t>35</a:t>
             </a:fld>
             <a:endParaRPr lang="en-US"/>
           </a:p>
@@ -3556,7 +3604,7 @@
           <a:p>
             <a:fld id="{DDBF98C7-164A-4723-84F0-B1E4B080DDEC}" type="slidenum">
               <a:rPr lang="en-US" smtClean="0"/>
-              <a:t>34</a:t>
+              <a:t>36</a:t>
             </a:fld>
             <a:endParaRPr lang="en-US"/>
           </a:p>
@@ -3729,7 +3777,7 @@
           <a:p>
             <a:fld id="{DDBF98C7-164A-4723-84F0-B1E4B080DDEC}" type="slidenum">
               <a:rPr lang="en-US" smtClean="0"/>
-              <a:t>5</a:t>
+              <a:t>7</a:t>
             </a:fld>
             <a:endParaRPr lang="en-US"/>
           </a:p>
@@ -3816,7 +3864,7 @@
           <a:p>
             <a:fld id="{DDBF98C7-164A-4723-84F0-B1E4B080DDEC}" type="slidenum">
               <a:rPr lang="en-US" smtClean="0"/>
-              <a:t>35</a:t>
+              <a:t>37</a:t>
             </a:fld>
             <a:endParaRPr lang="en-US"/>
           </a:p>
@@ -3925,7 +3973,7 @@
           <a:p>
             <a:fld id="{DDBF98C7-164A-4723-84F0-B1E4B080DDEC}" type="slidenum">
               <a:rPr lang="en-US" smtClean="0"/>
-              <a:t>36</a:t>
+              <a:t>38</a:t>
             </a:fld>
             <a:endParaRPr lang="en-US"/>
           </a:p>
@@ -4032,7 +4080,7 @@
           <a:p>
             <a:fld id="{DDBF98C7-164A-4723-84F0-B1E4B080DDEC}" type="slidenum">
               <a:rPr lang="en-US" smtClean="0"/>
-              <a:t>37</a:t>
+              <a:t>39</a:t>
             </a:fld>
             <a:endParaRPr lang="en-US"/>
           </a:p>
@@ -4116,7 +4164,7 @@
           <a:p>
             <a:fld id="{DDBF98C7-164A-4723-84F0-B1E4B080DDEC}" type="slidenum">
               <a:rPr lang="en-US" smtClean="0"/>
-              <a:t>38</a:t>
+              <a:t>40</a:t>
             </a:fld>
             <a:endParaRPr lang="en-US"/>
           </a:p>
@@ -4223,7 +4271,7 @@
           <a:p>
             <a:fld id="{DDBF98C7-164A-4723-84F0-B1E4B080DDEC}" type="slidenum">
               <a:rPr lang="en-US" smtClean="0"/>
-              <a:t>39</a:t>
+              <a:t>41</a:t>
             </a:fld>
             <a:endParaRPr lang="en-US"/>
           </a:p>
@@ -4307,7 +4355,7 @@
           <a:p>
             <a:fld id="{DDBF98C7-164A-4723-84F0-B1E4B080DDEC}" type="slidenum">
               <a:rPr lang="en-US" smtClean="0"/>
-              <a:t>40</a:t>
+              <a:t>42</a:t>
             </a:fld>
             <a:endParaRPr lang="en-US"/>
           </a:p>
@@ -4430,7 +4478,7 @@
           <a:p>
             <a:fld id="{DDBF98C7-164A-4723-84F0-B1E4B080DDEC}" type="slidenum">
               <a:rPr lang="en-US" smtClean="0"/>
-              <a:t>41</a:t>
+              <a:t>43</a:t>
             </a:fld>
             <a:endParaRPr lang="en-US"/>
           </a:p>
@@ -4522,7 +4570,7 @@
           <a:p>
             <a:fld id="{DDBF98C7-164A-4723-84F0-B1E4B080DDEC}" type="slidenum">
               <a:rPr lang="en-US" smtClean="0"/>
-              <a:t>42</a:t>
+              <a:t>44</a:t>
             </a:fld>
             <a:endParaRPr lang="en-US"/>
           </a:p>
@@ -4609,7 +4657,7 @@
           <a:p>
             <a:fld id="{DDBF98C7-164A-4723-84F0-B1E4B080DDEC}" type="slidenum">
               <a:rPr lang="en-US" smtClean="0"/>
-              <a:t>6</a:t>
+              <a:t>8</a:t>
             </a:fld>
             <a:endParaRPr lang="en-US"/>
           </a:p>
@@ -4704,7 +4752,7 @@
           <a:p>
             <a:fld id="{DDBF98C7-164A-4723-84F0-B1E4B080DDEC}" type="slidenum">
               <a:rPr lang="en-US" smtClean="0"/>
-              <a:t>7</a:t>
+              <a:t>9</a:t>
             </a:fld>
             <a:endParaRPr lang="en-US"/>
           </a:p>
@@ -4791,7 +4839,7 @@
           <a:p>
             <a:fld id="{DDBF98C7-164A-4723-84F0-B1E4B080DDEC}" type="slidenum">
               <a:rPr lang="en-US" smtClean="0"/>
-              <a:t>8</a:t>
+              <a:t>10</a:t>
             </a:fld>
             <a:endParaRPr lang="en-US"/>
           </a:p>
@@ -4905,7 +4953,7 @@
           <a:p>
             <a:fld id="{DDBF98C7-164A-4723-84F0-B1E4B080DDEC}" type="slidenum">
               <a:rPr lang="en-US" smtClean="0"/>
-              <a:t>9</a:t>
+              <a:t>11</a:t>
             </a:fld>
             <a:endParaRPr lang="en-US"/>
           </a:p>
@@ -5000,7 +5048,7 @@
           <a:p>
             <a:fld id="{DDBF98C7-164A-4723-84F0-B1E4B080DDEC}" type="slidenum">
               <a:rPr lang="en-US" smtClean="0"/>
-              <a:t>10</a:t>
+              <a:t>12</a:t>
             </a:fld>
             <a:endParaRPr lang="en-US"/>
           </a:p>
@@ -5103,7 +5151,7 @@
           <a:p>
             <a:fld id="{DDBF98C7-164A-4723-84F0-B1E4B080DDEC}" type="slidenum">
               <a:rPr lang="en-US" smtClean="0"/>
-              <a:t>11</a:t>
+              <a:t>13</a:t>
             </a:fld>
             <a:endParaRPr lang="en-US"/>
           </a:p>
@@ -5251,7 +5299,7 @@
           <a:p>
             <a:fld id="{4263717A-E3C1-4BED-ABE0-B7069385E023}" type="datetimeFigureOut">
               <a:rPr lang="en-US" smtClean="0"/>
-              <a:t>2/27/2023</a:t>
+              <a:t>2/28/2023</a:t>
             </a:fld>
             <a:endParaRPr lang="en-US"/>
           </a:p>
@@ -5424,7 +5472,7 @@
           <a:p>
             <a:fld id="{4263717A-E3C1-4BED-ABE0-B7069385E023}" type="datetimeFigureOut">
               <a:rPr lang="en-US" smtClean="0"/>
-              <a:t>2/27/2023</a:t>
+              <a:t>2/28/2023</a:t>
             </a:fld>
             <a:endParaRPr lang="en-US"/>
           </a:p>
@@ -5602,7 +5650,7 @@
           <a:p>
             <a:fld id="{4263717A-E3C1-4BED-ABE0-B7069385E023}" type="datetimeFigureOut">
               <a:rPr lang="en-US" smtClean="0"/>
-              <a:t>2/27/2023</a:t>
+              <a:t>2/28/2023</a:t>
             </a:fld>
             <a:endParaRPr lang="en-US"/>
           </a:p>
@@ -5770,7 +5818,7 @@
           <a:p>
             <a:fld id="{4263717A-E3C1-4BED-ABE0-B7069385E023}" type="datetimeFigureOut">
               <a:rPr lang="en-US" smtClean="0"/>
-              <a:t>2/27/2023</a:t>
+              <a:t>2/28/2023</a:t>
             </a:fld>
             <a:endParaRPr lang="en-US"/>
           </a:p>
@@ -6015,7 +6063,7 @@
           <a:p>
             <a:fld id="{4263717A-E3C1-4BED-ABE0-B7069385E023}" type="datetimeFigureOut">
               <a:rPr lang="en-US" smtClean="0"/>
-              <a:t>2/27/2023</a:t>
+              <a:t>2/28/2023</a:t>
             </a:fld>
             <a:endParaRPr lang="en-US"/>
           </a:p>
@@ -6244,7 +6292,7 @@
           <a:p>
             <a:fld id="{4263717A-E3C1-4BED-ABE0-B7069385E023}" type="datetimeFigureOut">
               <a:rPr lang="en-US" smtClean="0"/>
-              <a:t>2/27/2023</a:t>
+              <a:t>2/28/2023</a:t>
             </a:fld>
             <a:endParaRPr lang="en-US"/>
           </a:p>
@@ -6608,7 +6656,7 @@
           <a:p>
             <a:fld id="{4263717A-E3C1-4BED-ABE0-B7069385E023}" type="datetimeFigureOut">
               <a:rPr lang="en-US" smtClean="0"/>
-              <a:t>2/27/2023</a:t>
+              <a:t>2/28/2023</a:t>
             </a:fld>
             <a:endParaRPr lang="en-US"/>
           </a:p>
@@ -6725,7 +6773,7 @@
           <a:p>
             <a:fld id="{4263717A-E3C1-4BED-ABE0-B7069385E023}" type="datetimeFigureOut">
               <a:rPr lang="en-US" smtClean="0"/>
-              <a:t>2/27/2023</a:t>
+              <a:t>2/28/2023</a:t>
             </a:fld>
             <a:endParaRPr lang="en-US"/>
           </a:p>
@@ -6820,7 +6868,7 @@
           <a:p>
             <a:fld id="{4263717A-E3C1-4BED-ABE0-B7069385E023}" type="datetimeFigureOut">
               <a:rPr lang="en-US" smtClean="0"/>
-              <a:t>2/27/2023</a:t>
+              <a:t>2/28/2023</a:t>
             </a:fld>
             <a:endParaRPr lang="en-US"/>
           </a:p>
@@ -7095,7 +7143,7 @@
           <a:p>
             <a:fld id="{4263717A-E3C1-4BED-ABE0-B7069385E023}" type="datetimeFigureOut">
               <a:rPr lang="en-US" smtClean="0"/>
-              <a:t>2/27/2023</a:t>
+              <a:t>2/28/2023</a:t>
             </a:fld>
             <a:endParaRPr lang="en-US"/>
           </a:p>
@@ -7347,7 +7395,7 @@
           <a:p>
             <a:fld id="{4263717A-E3C1-4BED-ABE0-B7069385E023}" type="datetimeFigureOut">
               <a:rPr lang="en-US" smtClean="0"/>
-              <a:t>2/27/2023</a:t>
+              <a:t>2/28/2023</a:t>
             </a:fld>
             <a:endParaRPr lang="en-US"/>
           </a:p>
@@ -7558,7 +7606,7 @@
           <a:p>
             <a:fld id="{4263717A-E3C1-4BED-ABE0-B7069385E023}" type="datetimeFigureOut">
               <a:rPr lang="en-US" smtClean="0"/>
-              <a:t>2/27/2023</a:t>
+              <a:t>2/28/2023</a:t>
             </a:fld>
             <a:endParaRPr lang="en-US"/>
           </a:p>
@@ -8193,6 +8241,396 @@
 </file>
 
 <file path=ppt/slides/slide10.xml><?xml version="1.0" encoding="utf-8"?>
+<p:sld xmlns:a="http://schemas.openxmlformats.org/drawingml/2006/main" xmlns:r="http://schemas.openxmlformats.org/officeDocument/2006/relationships" xmlns:p="http://schemas.openxmlformats.org/presentationml/2006/main">
+  <p:cSld>
+    <p:spTree>
+      <p:nvGrpSpPr>
+        <p:cNvPr id="1" name=""/>
+        <p:cNvGrpSpPr/>
+        <p:nvPr/>
+      </p:nvGrpSpPr>
+      <p:grpSpPr>
+        <a:xfrm>
+          <a:off x="0" y="0"/>
+          <a:ext cx="0" cy="0"/>
+          <a:chOff x="0" y="0"/>
+          <a:chExt cx="0" cy="0"/>
+        </a:xfrm>
+      </p:grpSpPr>
+      <p:pic>
+        <p:nvPicPr>
+          <p:cNvPr id="4" name="Picture 3"/>
+          <p:cNvPicPr>
+            <a:picLocks noChangeAspect="1"/>
+          </p:cNvPicPr>
+          <p:nvPr/>
+        </p:nvPicPr>
+        <p:blipFill>
+          <a:blip r:embed="rId3"/>
+          <a:stretch>
+            <a:fillRect/>
+          </a:stretch>
+        </p:blipFill>
+        <p:spPr>
+          <a:xfrm>
+            <a:off x="3591719" y="3530456"/>
+            <a:ext cx="3563713" cy="762988"/>
+          </a:xfrm>
+          <a:prstGeom prst="rect">
+            <a:avLst/>
+          </a:prstGeom>
+        </p:spPr>
+      </p:pic>
+      <p:pic>
+        <p:nvPicPr>
+          <p:cNvPr id="5" name="Picture 4"/>
+          <p:cNvPicPr>
+            <a:picLocks noChangeAspect="1"/>
+          </p:cNvPicPr>
+          <p:nvPr/>
+        </p:nvPicPr>
+        <p:blipFill>
+          <a:blip r:embed="rId4"/>
+          <a:stretch>
+            <a:fillRect/>
+          </a:stretch>
+        </p:blipFill>
+        <p:spPr>
+          <a:xfrm>
+            <a:off x="3607101" y="4395981"/>
+            <a:ext cx="6238503" cy="1744805"/>
+          </a:xfrm>
+          <a:prstGeom prst="rect">
+            <a:avLst/>
+          </a:prstGeom>
+        </p:spPr>
+      </p:pic>
+      <p:pic>
+        <p:nvPicPr>
+          <p:cNvPr id="6" name="Picture 5"/>
+          <p:cNvPicPr>
+            <a:picLocks noChangeAspect="1"/>
+          </p:cNvPicPr>
+          <p:nvPr/>
+        </p:nvPicPr>
+        <p:blipFill>
+          <a:blip r:embed="rId5"/>
+          <a:stretch>
+            <a:fillRect/>
+          </a:stretch>
+        </p:blipFill>
+        <p:spPr>
+          <a:xfrm>
+            <a:off x="3607101" y="1876897"/>
+            <a:ext cx="5902911" cy="1468529"/>
+          </a:xfrm>
+          <a:prstGeom prst="rect">
+            <a:avLst/>
+          </a:prstGeom>
+        </p:spPr>
+      </p:pic>
+      <p:sp>
+        <p:nvSpPr>
+          <p:cNvPr id="7" name="TextBox 6"/>
+          <p:cNvSpPr txBox="1"/>
+          <p:nvPr/>
+        </p:nvSpPr>
+        <p:spPr>
+          <a:xfrm>
+            <a:off x="896816" y="1875718"/>
+            <a:ext cx="2710285" cy="369332"/>
+          </a:xfrm>
+          <a:prstGeom prst="rect">
+            <a:avLst/>
+          </a:prstGeom>
+          <a:solidFill>
+            <a:srgbClr val="FFC000"/>
+          </a:solidFill>
+        </p:spPr>
+        <p:txBody>
+          <a:bodyPr wrap="square" rtlCol="0">
+            <a:spAutoFit/>
+          </a:bodyPr>
+          <a:lstStyle/>
+          <a:p>
+            <a:r>
+              <a:rPr lang="en-US" dirty="0"/>
+              <a:t>Install </a:t>
+            </a:r>
+            <a:r>
+              <a:rPr lang="en-US" i="1" dirty="0" err="1">
+                <a:solidFill>
+                  <a:srgbClr val="007DB5"/>
+                </a:solidFill>
+              </a:rPr>
+              <a:t>hivexsh</a:t>
+            </a:r>
+            <a:endParaRPr lang="en-US" i="1" dirty="0">
+              <a:solidFill>
+                <a:srgbClr val="007DB5"/>
+              </a:solidFill>
+            </a:endParaRPr>
+          </a:p>
+        </p:txBody>
+      </p:sp>
+      <p:sp>
+        <p:nvSpPr>
+          <p:cNvPr id="2" name="Title 1"/>
+          <p:cNvSpPr>
+            <a:spLocks noGrp="1"/>
+          </p:cNvSpPr>
+          <p:nvPr>
+            <p:ph type="title"/>
+          </p:nvPr>
+        </p:nvSpPr>
+        <p:spPr/>
+        <p:txBody>
+          <a:bodyPr/>
+          <a:lstStyle/>
+          <a:p>
+            <a:r>
+              <a:rPr lang="en-US" dirty="0"/>
+              <a:t>Install </a:t>
+            </a:r>
+            <a:r>
+              <a:rPr lang="en-US" i="1" dirty="0" err="1">
+                <a:solidFill>
+                  <a:srgbClr val="FF0000"/>
+                </a:solidFill>
+              </a:rPr>
+              <a:t>hivexsh</a:t>
+            </a:r>
+            <a:endParaRPr lang="en-US" i="1" dirty="0">
+              <a:solidFill>
+                <a:srgbClr val="FF0000"/>
+              </a:solidFill>
+            </a:endParaRPr>
+          </a:p>
+        </p:txBody>
+      </p:sp>
+      <p:sp>
+        <p:nvSpPr>
+          <p:cNvPr id="8" name="TextBox 7"/>
+          <p:cNvSpPr txBox="1"/>
+          <p:nvPr/>
+        </p:nvSpPr>
+        <p:spPr>
+          <a:xfrm>
+            <a:off x="881434" y="3542618"/>
+            <a:ext cx="2710285" cy="369332"/>
+          </a:xfrm>
+          <a:prstGeom prst="rect">
+            <a:avLst/>
+          </a:prstGeom>
+          <a:solidFill>
+            <a:srgbClr val="FFC000"/>
+          </a:solidFill>
+        </p:spPr>
+        <p:txBody>
+          <a:bodyPr wrap="square" rtlCol="0">
+            <a:spAutoFit/>
+          </a:bodyPr>
+          <a:lstStyle/>
+          <a:p>
+            <a:r>
+              <a:rPr lang="en-US" dirty="0"/>
+              <a:t>Show </a:t>
+            </a:r>
+            <a:r>
+              <a:rPr lang="en-US" i="1" dirty="0" err="1">
+                <a:solidFill>
+                  <a:srgbClr val="007DB5"/>
+                </a:solidFill>
+              </a:rPr>
+              <a:t>hivexsh</a:t>
+            </a:r>
+            <a:r>
+              <a:rPr lang="en-US" dirty="0"/>
+              <a:t> manual</a:t>
+            </a:r>
+            <a:endParaRPr lang="en-US" i="1" dirty="0">
+              <a:solidFill>
+                <a:srgbClr val="007DB5"/>
+              </a:solidFill>
+            </a:endParaRPr>
+          </a:p>
+        </p:txBody>
+      </p:sp>
+    </p:spTree>
+    <p:extLst>
+      <p:ext uri="{BB962C8B-B14F-4D97-AF65-F5344CB8AC3E}">
+        <p14:creationId xmlns:p14="http://schemas.microsoft.com/office/powerpoint/2010/main" val="929697321"/>
+      </p:ext>
+    </p:extLst>
+  </p:cSld>
+  <p:clrMapOvr>
+    <a:masterClrMapping/>
+  </p:clrMapOvr>
+</p:sld>
+</file>
+
+<file path=ppt/slides/slide11.xml><?xml version="1.0" encoding="utf-8"?>
+<p:sld xmlns:a="http://schemas.openxmlformats.org/drawingml/2006/main" xmlns:r="http://schemas.openxmlformats.org/officeDocument/2006/relationships" xmlns:p="http://schemas.openxmlformats.org/presentationml/2006/main">
+  <p:cSld>
+    <p:spTree>
+      <p:nvGrpSpPr>
+        <p:cNvPr id="1" name=""/>
+        <p:cNvGrpSpPr/>
+        <p:nvPr/>
+      </p:nvGrpSpPr>
+      <p:grpSpPr>
+        <a:xfrm>
+          <a:off x="0" y="0"/>
+          <a:ext cx="0" cy="0"/>
+          <a:chOff x="0" y="0"/>
+          <a:chExt cx="0" cy="0"/>
+        </a:xfrm>
+      </p:grpSpPr>
+      <p:pic>
+        <p:nvPicPr>
+          <p:cNvPr id="2" name="Picture 1"/>
+          <p:cNvPicPr>
+            <a:picLocks noChangeAspect="1"/>
+          </p:cNvPicPr>
+          <p:nvPr/>
+        </p:nvPicPr>
+        <p:blipFill>
+          <a:blip r:embed="rId3"/>
+          <a:stretch>
+            <a:fillRect/>
+          </a:stretch>
+        </p:blipFill>
+        <p:spPr>
+          <a:xfrm>
+            <a:off x="1361882" y="967040"/>
+            <a:ext cx="7321618" cy="3469507"/>
+          </a:xfrm>
+          <a:prstGeom prst="rect">
+            <a:avLst/>
+          </a:prstGeom>
+        </p:spPr>
+      </p:pic>
+      <p:sp>
+        <p:nvSpPr>
+          <p:cNvPr id="3" name="TextBox 2"/>
+          <p:cNvSpPr txBox="1"/>
+          <p:nvPr/>
+        </p:nvSpPr>
+        <p:spPr>
+          <a:xfrm>
+            <a:off x="1361882" y="597708"/>
+            <a:ext cx="4304272" cy="369332"/>
+          </a:xfrm>
+          <a:prstGeom prst="rect">
+            <a:avLst/>
+          </a:prstGeom>
+          <a:solidFill>
+            <a:srgbClr val="FFC000"/>
+          </a:solidFill>
+        </p:spPr>
+        <p:txBody>
+          <a:bodyPr wrap="square" rtlCol="0">
+            <a:spAutoFit/>
+          </a:bodyPr>
+          <a:lstStyle/>
+          <a:p>
+            <a:r>
+              <a:rPr lang="en-US" dirty="0"/>
+              <a:t>Exam the version of IE using </a:t>
+            </a:r>
+            <a:r>
+              <a:rPr lang="en-US" i="1" dirty="0" err="1">
+                <a:solidFill>
+                  <a:srgbClr val="007DB5"/>
+                </a:solidFill>
+              </a:rPr>
+              <a:t>hivexsh</a:t>
+            </a:r>
+            <a:endParaRPr lang="en-US" i="1" dirty="0">
+              <a:solidFill>
+                <a:srgbClr val="007DB5"/>
+              </a:solidFill>
+            </a:endParaRPr>
+          </a:p>
+        </p:txBody>
+      </p:sp>
+      <p:sp>
+        <p:nvSpPr>
+          <p:cNvPr id="4" name="TextBox 3"/>
+          <p:cNvSpPr txBox="1"/>
+          <p:nvPr/>
+        </p:nvSpPr>
+        <p:spPr>
+          <a:xfrm>
+            <a:off x="1361882" y="4805879"/>
+            <a:ext cx="6508210" cy="369332"/>
+          </a:xfrm>
+          <a:prstGeom prst="rect">
+            <a:avLst/>
+          </a:prstGeom>
+          <a:solidFill>
+            <a:srgbClr val="FFC000"/>
+          </a:solidFill>
+        </p:spPr>
+        <p:txBody>
+          <a:bodyPr wrap="square" rtlCol="0">
+            <a:spAutoFit/>
+          </a:bodyPr>
+          <a:lstStyle/>
+          <a:p>
+            <a:r>
+              <a:rPr lang="en-US" dirty="0"/>
+              <a:t>How to exam the version of </a:t>
+            </a:r>
+            <a:r>
+              <a:rPr lang="en-US" i="1" dirty="0">
+                <a:solidFill>
+                  <a:srgbClr val="007DB5"/>
+                </a:solidFill>
+              </a:rPr>
+              <a:t>Chrome</a:t>
+            </a:r>
+            <a:r>
+              <a:rPr lang="en-US" dirty="0"/>
+              <a:t> using </a:t>
+            </a:r>
+            <a:r>
+              <a:rPr lang="en-US" i="1" dirty="0" err="1">
+                <a:solidFill>
+                  <a:srgbClr val="007DB5"/>
+                </a:solidFill>
+              </a:rPr>
+              <a:t>hivexsh</a:t>
+            </a:r>
+            <a:r>
+              <a:rPr lang="en-US" i="1" dirty="0">
+                <a:solidFill>
+                  <a:srgbClr val="007DB5"/>
+                </a:solidFill>
+              </a:rPr>
+              <a:t> </a:t>
+            </a:r>
+            <a:r>
+              <a:rPr lang="en-US" dirty="0"/>
+              <a:t>?</a:t>
+            </a:r>
+          </a:p>
+        </p:txBody>
+      </p:sp>
+    </p:spTree>
+    <p:extLst>
+      <p:ext uri="{BB962C8B-B14F-4D97-AF65-F5344CB8AC3E}">
+        <p14:creationId xmlns:p14="http://schemas.microsoft.com/office/powerpoint/2010/main" val="3748405130"/>
+      </p:ext>
+    </p:extLst>
+  </p:cSld>
+  <p:clrMapOvr>
+    <a:masterClrMapping/>
+  </p:clrMapOvr>
+</p:sld>
+</file>
+
+<file path=ppt/slides/slide12.xml><?xml version="1.0" encoding="utf-8"?>
 <p:sld xmlns:a="http://schemas.openxmlformats.org/drawingml/2006/main" xmlns:r="http://schemas.openxmlformats.org/officeDocument/2006/relationships" xmlns:p="http://schemas.openxmlformats.org/presentationml/2006/main">
   <p:cSld>
     <p:spTree>
@@ -8831,7 +9269,7 @@
 </p:sld>
 </file>
 
-<file path=ppt/slides/slide11.xml><?xml version="1.0" encoding="utf-8"?>
+<file path=ppt/slides/slide13.xml><?xml version="1.0" encoding="utf-8"?>
 <p:sld xmlns:a="http://schemas.openxmlformats.org/drawingml/2006/main" xmlns:r="http://schemas.openxmlformats.org/officeDocument/2006/relationships" xmlns:p="http://schemas.openxmlformats.org/presentationml/2006/main">
   <p:cSld>
     <p:spTree>
@@ -8930,7 +9368,7 @@
 </p:sld>
 </file>
 
-<file path=ppt/slides/slide12.xml><?xml version="1.0" encoding="utf-8"?>
+<file path=ppt/slides/slide14.xml><?xml version="1.0" encoding="utf-8"?>
 <p:sld xmlns:a="http://schemas.openxmlformats.org/drawingml/2006/main" xmlns:r="http://schemas.openxmlformats.org/officeDocument/2006/relationships" xmlns:p="http://schemas.openxmlformats.org/presentationml/2006/main">
   <p:cSld>
     <p:spTree>
@@ -9030,7 +9468,7 @@
 </p:sld>
 </file>
 
-<file path=ppt/slides/slide13.xml><?xml version="1.0" encoding="utf-8"?>
+<file path=ppt/slides/slide15.xml><?xml version="1.0" encoding="utf-8"?>
 <p:sld xmlns:a="http://schemas.openxmlformats.org/drawingml/2006/main" xmlns:r="http://schemas.openxmlformats.org/officeDocument/2006/relationships" xmlns:p="http://schemas.openxmlformats.org/presentationml/2006/main">
   <p:cSld>
     <p:spTree>
@@ -9153,7 +9591,7 @@
 </p:sld>
 </file>
 
-<file path=ppt/slides/slide14.xml><?xml version="1.0" encoding="utf-8"?>
+<file path=ppt/slides/slide16.xml><?xml version="1.0" encoding="utf-8"?>
 <p:sld xmlns:a="http://schemas.openxmlformats.org/drawingml/2006/main" xmlns:r="http://schemas.openxmlformats.org/officeDocument/2006/relationships" xmlns:p="http://schemas.openxmlformats.org/presentationml/2006/main">
   <p:cSld>
     <p:spTree>
@@ -9283,7 +9721,7 @@
 </p:sld>
 </file>
 
-<file path=ppt/slides/slide15.xml><?xml version="1.0" encoding="utf-8"?>
+<file path=ppt/slides/slide17.xml><?xml version="1.0" encoding="utf-8"?>
 <p:sld xmlns:a="http://schemas.openxmlformats.org/drawingml/2006/main" xmlns:r="http://schemas.openxmlformats.org/officeDocument/2006/relationships" xmlns:p="http://schemas.openxmlformats.org/presentationml/2006/main">
   <p:cSld>
     <p:spTree>
@@ -9461,7 +9899,7 @@
 </p:sld>
 </file>
 
-<file path=ppt/slides/slide16.xml><?xml version="1.0" encoding="utf-8"?>
+<file path=ppt/slides/slide18.xml><?xml version="1.0" encoding="utf-8"?>
 <p:sld xmlns:a="http://schemas.openxmlformats.org/drawingml/2006/main" xmlns:r="http://schemas.openxmlformats.org/officeDocument/2006/relationships" xmlns:p="http://schemas.openxmlformats.org/presentationml/2006/main">
   <p:cSld>
     <p:spTree>
@@ -9559,7 +9997,7 @@
 </p:sld>
 </file>
 
-<file path=ppt/slides/slide17.xml><?xml version="1.0" encoding="utf-8"?>
+<file path=ppt/slides/slide19.xml><?xml version="1.0" encoding="utf-8"?>
 <p:sld xmlns:a="http://schemas.openxmlformats.org/drawingml/2006/main" xmlns:r="http://schemas.openxmlformats.org/officeDocument/2006/relationships" xmlns:p="http://schemas.openxmlformats.org/presentationml/2006/main">
   <p:cSld>
     <p:spTree>
@@ -9758,7 +10196,109 @@
 </p:sld>
 </file>
 
-<file path=ppt/slides/slide18.xml><?xml version="1.0" encoding="utf-8"?>
+<file path=ppt/slides/slide2.xml><?xml version="1.0" encoding="utf-8"?>
+<p:sld xmlns:a="http://schemas.openxmlformats.org/drawingml/2006/main" xmlns:r="http://schemas.openxmlformats.org/officeDocument/2006/relationships" xmlns:p="http://schemas.openxmlformats.org/presentationml/2006/main">
+  <p:cSld>
+    <p:spTree>
+      <p:nvGrpSpPr>
+        <p:cNvPr id="1" name=""/>
+        <p:cNvGrpSpPr/>
+        <p:nvPr/>
+      </p:nvGrpSpPr>
+      <p:grpSpPr>
+        <a:xfrm>
+          <a:off x="0" y="0"/>
+          <a:ext cx="0" cy="0"/>
+          <a:chOff x="0" y="0"/>
+          <a:chExt cx="0" cy="0"/>
+        </a:xfrm>
+      </p:grpSpPr>
+      <p:sp>
+        <p:nvSpPr>
+          <p:cNvPr id="2" name="Title 1">
+            <a:extLst>
+              <a:ext uri="{FF2B5EF4-FFF2-40B4-BE49-F238E27FC236}">
+                <a16:creationId xmlns:a16="http://schemas.microsoft.com/office/drawing/2014/main" id="{5FA1E2A4-C2D3-092B-E707-504A200298E7}"/>
+              </a:ext>
+            </a:extLst>
+          </p:cNvPr>
+          <p:cNvSpPr>
+            <a:spLocks noGrp="1"/>
+          </p:cNvSpPr>
+          <p:nvPr>
+            <p:ph type="title"/>
+          </p:nvPr>
+        </p:nvSpPr>
+        <p:spPr/>
+        <p:txBody>
+          <a:bodyPr/>
+          <a:lstStyle/>
+          <a:p>
+            <a:r>
+              <a:rPr lang="en-US" dirty="0"/>
+              <a:t>Goals</a:t>
+            </a:r>
+          </a:p>
+        </p:txBody>
+      </p:sp>
+      <p:sp>
+        <p:nvSpPr>
+          <p:cNvPr id="3" name="Content Placeholder 2">
+            <a:extLst>
+              <a:ext uri="{FF2B5EF4-FFF2-40B4-BE49-F238E27FC236}">
+                <a16:creationId xmlns:a16="http://schemas.microsoft.com/office/drawing/2014/main" id="{C37B6B56-2138-CADD-E2D5-70BE27CBC5CC}"/>
+              </a:ext>
+            </a:extLst>
+          </p:cNvPr>
+          <p:cNvSpPr>
+            <a:spLocks noGrp="1"/>
+          </p:cNvSpPr>
+          <p:nvPr>
+            <p:ph idx="1"/>
+          </p:nvPr>
+        </p:nvSpPr>
+        <p:spPr/>
+        <p:txBody>
+          <a:bodyPr/>
+          <a:lstStyle/>
+          <a:p>
+            <a:r>
+              <a:rPr lang="en-US" dirty="0"/>
+              <a:t>Understand the compute layer that generates evidence</a:t>
+            </a:r>
+          </a:p>
+          <a:p>
+            <a:r>
+              <a:rPr lang="en-US" dirty="0"/>
+              <a:t>The approach to investigating browser history</a:t>
+            </a:r>
+          </a:p>
+          <a:p>
+            <a:r>
+              <a:rPr lang="en-US"/>
+              <a:t>Familiar </a:t>
+            </a:r>
+            <a:r>
+              <a:rPr lang="en-US" dirty="0"/>
+              <a:t>with important tools for cyber investigations</a:t>
+            </a:r>
+          </a:p>
+        </p:txBody>
+      </p:sp>
+    </p:spTree>
+    <p:extLst>
+      <p:ext uri="{BB962C8B-B14F-4D97-AF65-F5344CB8AC3E}">
+        <p14:creationId xmlns:p14="http://schemas.microsoft.com/office/powerpoint/2010/main" val="2202518917"/>
+      </p:ext>
+    </p:extLst>
+  </p:cSld>
+  <p:clrMapOvr>
+    <a:masterClrMapping/>
+  </p:clrMapOvr>
+</p:sld>
+</file>
+
+<file path=ppt/slides/slide20.xml><?xml version="1.0" encoding="utf-8"?>
 <p:sld xmlns:a="http://schemas.openxmlformats.org/drawingml/2006/main" xmlns:r="http://schemas.openxmlformats.org/officeDocument/2006/relationships" xmlns:p="http://schemas.openxmlformats.org/presentationml/2006/main">
   <p:cSld>
     <p:spTree>
@@ -9979,7 +10519,7 @@
 </p:sld>
 </file>
 
-<file path=ppt/slides/slide19.xml><?xml version="1.0" encoding="utf-8"?>
+<file path=ppt/slides/slide21.xml><?xml version="1.0" encoding="utf-8"?>
 <p:sld xmlns:a="http://schemas.openxmlformats.org/drawingml/2006/main" xmlns:r="http://schemas.openxmlformats.org/officeDocument/2006/relationships" xmlns:p="http://schemas.openxmlformats.org/presentationml/2006/main">
   <p:cSld>
     <p:spTree>
@@ -10033,285 +10573,7 @@
 </p:sld>
 </file>
 
-<file path=ppt/slides/slide2.xml><?xml version="1.0" encoding="utf-8"?>
-<p:sld xmlns:a="http://schemas.openxmlformats.org/drawingml/2006/main" xmlns:r="http://schemas.openxmlformats.org/officeDocument/2006/relationships" xmlns:p="http://schemas.openxmlformats.org/presentationml/2006/main">
-  <p:cSld>
-    <p:spTree>
-      <p:nvGrpSpPr>
-        <p:cNvPr id="1" name=""/>
-        <p:cNvGrpSpPr/>
-        <p:nvPr/>
-      </p:nvGrpSpPr>
-      <p:grpSpPr>
-        <a:xfrm>
-          <a:off x="0" y="0"/>
-          <a:ext cx="0" cy="0"/>
-          <a:chOff x="0" y="0"/>
-          <a:chExt cx="0" cy="0"/>
-        </a:xfrm>
-      </p:grpSpPr>
-      <p:pic>
-        <p:nvPicPr>
-          <p:cNvPr id="1026" name="Picture 2" descr="Technology layers from hardware to users.">
-            <a:extLst>
-              <a:ext uri="{FF2B5EF4-FFF2-40B4-BE49-F238E27FC236}">
-                <a16:creationId xmlns:a16="http://schemas.microsoft.com/office/drawing/2014/main" id="{383A4A36-A8F1-4488-B678-B0A846360527}"/>
-              </a:ext>
-            </a:extLst>
-          </p:cNvPr>
-          <p:cNvPicPr>
-            <a:picLocks noChangeAspect="1" noChangeArrowheads="1"/>
-          </p:cNvPicPr>
-          <p:nvPr/>
-        </p:nvPicPr>
-        <p:blipFill>
-          <a:blip r:embed="rId2">
-            <a:extLst>
-              <a:ext uri="{28A0092B-C50C-407E-A947-70E740481C1C}">
-                <a14:useLocalDpi xmlns:a14="http://schemas.microsoft.com/office/drawing/2010/main" val="0"/>
-              </a:ext>
-            </a:extLst>
-          </a:blip>
-          <a:stretch>
-            <a:fillRect/>
-          </a:stretch>
-        </p:blipFill>
-        <p:spPr bwMode="auto">
-          <a:xfrm>
-            <a:off x="841894" y="446882"/>
-            <a:ext cx="8105747" cy="5411755"/>
-          </a:xfrm>
-          <a:prstGeom prst="rect">
-            <a:avLst/>
-          </a:prstGeom>
-          <a:noFill/>
-          <a:extLst>
-            <a:ext uri="{909E8E84-426E-40DD-AFC4-6F175D3DCCD1}">
-              <a14:hiddenFill xmlns:a14="http://schemas.microsoft.com/office/drawing/2010/main">
-                <a:solidFill>
-                  <a:srgbClr val="FFFFFF"/>
-                </a:solidFill>
-              </a14:hiddenFill>
-            </a:ext>
-          </a:extLst>
-        </p:spPr>
-      </p:pic>
-      <p:sp>
-        <p:nvSpPr>
-          <p:cNvPr id="6" name="TextBox 5">
-            <a:extLst>
-              <a:ext uri="{FF2B5EF4-FFF2-40B4-BE49-F238E27FC236}">
-                <a16:creationId xmlns:a16="http://schemas.microsoft.com/office/drawing/2014/main" id="{DBB35AD8-5C2E-43B0-9DEE-1602D90C480F}"/>
-              </a:ext>
-            </a:extLst>
-          </p:cNvPr>
-          <p:cNvSpPr txBox="1"/>
-          <p:nvPr/>
-        </p:nvSpPr>
-        <p:spPr>
-          <a:xfrm>
-            <a:off x="7189393" y="6566910"/>
-            <a:ext cx="6176864" cy="261610"/>
-          </a:xfrm>
-          <a:prstGeom prst="rect">
-            <a:avLst/>
-          </a:prstGeom>
-          <a:noFill/>
-        </p:spPr>
-        <p:txBody>
-          <a:bodyPr wrap="square">
-            <a:spAutoFit/>
-          </a:bodyPr>
-          <a:lstStyle/>
-          <a:p>
-            <a:r>
-              <a:rPr lang="en-US" sz="1050" dirty="0"/>
-              <a:t>https://windsongtraining.ca/</a:t>
-            </a:r>
-            <a:r>
-              <a:rPr lang="en-US" sz="900" dirty="0"/>
-              <a:t>the-technology-layer-cake-users-apps-os-and-hardware</a:t>
-            </a:r>
-            <a:r>
-              <a:rPr lang="en-US" sz="1050" dirty="0"/>
-              <a:t>/</a:t>
-            </a:r>
-          </a:p>
-        </p:txBody>
-      </p:sp>
-      <p:sp>
-        <p:nvSpPr>
-          <p:cNvPr id="3" name="Right Brace 2">
-            <a:extLst>
-              <a:ext uri="{FF2B5EF4-FFF2-40B4-BE49-F238E27FC236}">
-                <a16:creationId xmlns:a16="http://schemas.microsoft.com/office/drawing/2014/main" id="{81FF3E71-63E4-4E3A-83FB-207CA7A70BB5}"/>
-              </a:ext>
-            </a:extLst>
-          </p:cNvPr>
-          <p:cNvSpPr/>
-          <p:nvPr/>
-        </p:nvSpPr>
-        <p:spPr>
-          <a:xfrm>
-            <a:off x="9157307" y="1468999"/>
-            <a:ext cx="946484" cy="4321015"/>
-          </a:xfrm>
-          <a:prstGeom prst="rightBrace">
-            <a:avLst/>
-          </a:prstGeom>
-        </p:spPr>
-        <p:style>
-          <a:lnRef idx="1">
-            <a:schemeClr val="accent1"/>
-          </a:lnRef>
-          <a:fillRef idx="0">
-            <a:schemeClr val="accent1"/>
-          </a:fillRef>
-          <a:effectRef idx="0">
-            <a:schemeClr val="accent1"/>
-          </a:effectRef>
-          <a:fontRef idx="minor">
-            <a:schemeClr val="tx1"/>
-          </a:fontRef>
-        </p:style>
-        <p:txBody>
-          <a:bodyPr rtlCol="0" anchor="ctr"/>
-          <a:lstStyle/>
-          <a:p>
-            <a:pPr algn="ctr"/>
-            <a:endParaRPr lang="en-US" dirty="0"/>
-          </a:p>
-        </p:txBody>
-      </p:sp>
-      <p:sp>
-        <p:nvSpPr>
-          <p:cNvPr id="4" name="TextBox 3">
-            <a:extLst>
-              <a:ext uri="{FF2B5EF4-FFF2-40B4-BE49-F238E27FC236}">
-                <a16:creationId xmlns:a16="http://schemas.microsoft.com/office/drawing/2014/main" id="{6DF168C5-CA4C-4395-8075-B4EE8934D9AD}"/>
-              </a:ext>
-            </a:extLst>
-          </p:cNvPr>
-          <p:cNvSpPr txBox="1"/>
-          <p:nvPr/>
-        </p:nvSpPr>
-        <p:spPr>
-          <a:xfrm>
-            <a:off x="10313457" y="2056675"/>
-            <a:ext cx="1878543" cy="2585323"/>
-          </a:xfrm>
-          <a:prstGeom prst="rect">
-            <a:avLst/>
-          </a:prstGeom>
-          <a:noFill/>
-        </p:spPr>
-        <p:txBody>
-          <a:bodyPr wrap="square" rtlCol="0">
-            <a:spAutoFit/>
-          </a:bodyPr>
-          <a:lstStyle/>
-          <a:p>
-            <a:pPr marL="285750" indent="-285750">
-              <a:buFont typeface="Arial" panose="020B0604020202020204" pitchFamily="34" charset="0"/>
-              <a:buChar char="•"/>
-            </a:pPr>
-            <a:r>
-              <a:rPr lang="en-US" dirty="0">
-                <a:solidFill>
-                  <a:srgbClr val="FF0000"/>
-                </a:solidFill>
-              </a:rPr>
-              <a:t>Evidence</a:t>
-            </a:r>
-            <a:r>
-              <a:rPr lang="en-US" dirty="0"/>
-              <a:t> is generated from each layer</a:t>
-            </a:r>
-          </a:p>
-          <a:p>
-            <a:pPr marL="285750" indent="-285750">
-              <a:buFont typeface="Arial" panose="020B0604020202020204" pitchFamily="34" charset="0"/>
-              <a:buChar char="•"/>
-            </a:pPr>
-            <a:r>
-              <a:rPr lang="en-US" dirty="0">
-                <a:solidFill>
-                  <a:srgbClr val="7030A0"/>
-                </a:solidFill>
-              </a:rPr>
-              <a:t>User activities= Applications+ OS+ Disk/Memory</a:t>
-            </a:r>
-          </a:p>
-        </p:txBody>
-      </p:sp>
-      <p:sp>
-        <p:nvSpPr>
-          <p:cNvPr id="5" name="Arrow: Right 4">
-            <a:extLst>
-              <a:ext uri="{FF2B5EF4-FFF2-40B4-BE49-F238E27FC236}">
-                <a16:creationId xmlns:a16="http://schemas.microsoft.com/office/drawing/2014/main" id="{F41488E2-6CC7-AC84-80C7-6DE74C734264}"/>
-              </a:ext>
-            </a:extLst>
-          </p:cNvPr>
-          <p:cNvSpPr/>
-          <p:nvPr/>
-        </p:nvSpPr>
-        <p:spPr>
-          <a:xfrm>
-            <a:off x="165005" y="2660698"/>
-            <a:ext cx="838772" cy="343759"/>
-          </a:xfrm>
-          <a:prstGeom prst="rightArrow">
-            <a:avLst/>
-          </a:prstGeom>
-          <a:solidFill>
-            <a:srgbClr val="FF0000"/>
-          </a:solidFill>
-          <a:ln>
-            <a:solidFill>
-              <a:srgbClr val="FF0000"/>
-            </a:solidFill>
-          </a:ln>
-        </p:spPr>
-        <p:style>
-          <a:lnRef idx="2">
-            <a:schemeClr val="accent1">
-              <a:shade val="50000"/>
-            </a:schemeClr>
-          </a:lnRef>
-          <a:fillRef idx="1">
-            <a:schemeClr val="accent1"/>
-          </a:fillRef>
-          <a:effectRef idx="0">
-            <a:schemeClr val="accent1"/>
-          </a:effectRef>
-          <a:fontRef idx="minor">
-            <a:schemeClr val="lt1"/>
-          </a:fontRef>
-        </p:style>
-        <p:txBody>
-          <a:bodyPr rtlCol="0" anchor="ctr"/>
-          <a:lstStyle/>
-          <a:p>
-            <a:pPr algn="ctr"/>
-            <a:endParaRPr lang="en-US"/>
-          </a:p>
-        </p:txBody>
-      </p:sp>
-    </p:spTree>
-    <p:extLst>
-      <p:ext uri="{BB962C8B-B14F-4D97-AF65-F5344CB8AC3E}">
-        <p14:creationId xmlns:p14="http://schemas.microsoft.com/office/powerpoint/2010/main" val="4010385979"/>
-      </p:ext>
-    </p:extLst>
-  </p:cSld>
-  <p:clrMapOvr>
-    <a:masterClrMapping/>
-  </p:clrMapOvr>
-</p:sld>
-</file>
-
-<file path=ppt/slides/slide20.xml><?xml version="1.0" encoding="utf-8"?>
+<file path=ppt/slides/slide22.xml><?xml version="1.0" encoding="utf-8"?>
 <p:sld xmlns:a="http://schemas.openxmlformats.org/drawingml/2006/main" xmlns:r="http://schemas.openxmlformats.org/officeDocument/2006/relationships" xmlns:p="http://schemas.openxmlformats.org/presentationml/2006/main">
   <p:cSld>
     <p:spTree>
@@ -10525,7 +10787,7 @@
 </p:sld>
 </file>
 
-<file path=ppt/slides/slide21.xml><?xml version="1.0" encoding="utf-8"?>
+<file path=ppt/slides/slide23.xml><?xml version="1.0" encoding="utf-8"?>
 <p:sld xmlns:a="http://schemas.openxmlformats.org/drawingml/2006/main" xmlns:r="http://schemas.openxmlformats.org/officeDocument/2006/relationships" xmlns:p="http://schemas.openxmlformats.org/presentationml/2006/main">
   <p:cSld>
     <p:spTree>
@@ -10722,7 +10984,7 @@
 </p:sld>
 </file>
 
-<file path=ppt/slides/slide22.xml><?xml version="1.0" encoding="utf-8"?>
+<file path=ppt/slides/slide24.xml><?xml version="1.0" encoding="utf-8"?>
 <p:sld xmlns:a="http://schemas.openxmlformats.org/drawingml/2006/main" xmlns:r="http://schemas.openxmlformats.org/officeDocument/2006/relationships" xmlns:p="http://schemas.openxmlformats.org/presentationml/2006/main">
   <p:cSld>
     <p:spTree>
@@ -11157,7 +11419,7 @@
 </p:sld>
 </file>
 
-<file path=ppt/slides/slide23.xml><?xml version="1.0" encoding="utf-8"?>
+<file path=ppt/slides/slide25.xml><?xml version="1.0" encoding="utf-8"?>
 <p:sld xmlns:a="http://schemas.openxmlformats.org/drawingml/2006/main" xmlns:r="http://schemas.openxmlformats.org/officeDocument/2006/relationships" xmlns:p="http://schemas.openxmlformats.org/presentationml/2006/main">
   <p:cSld>
     <p:spTree>
@@ -11321,7 +11583,7 @@
 </p:sld>
 </file>
 
-<file path=ppt/slides/slide24.xml><?xml version="1.0" encoding="utf-8"?>
+<file path=ppt/slides/slide26.xml><?xml version="1.0" encoding="utf-8"?>
 <p:sld xmlns:a="http://schemas.openxmlformats.org/drawingml/2006/main" xmlns:r="http://schemas.openxmlformats.org/officeDocument/2006/relationships" xmlns:p="http://schemas.openxmlformats.org/presentationml/2006/main">
   <p:cSld>
     <p:spTree>
@@ -11430,7 +11692,7 @@
 </p:sld>
 </file>
 
-<file path=ppt/slides/slide25.xml><?xml version="1.0" encoding="utf-8"?>
+<file path=ppt/slides/slide27.xml><?xml version="1.0" encoding="utf-8"?>
 <p:sld xmlns:a="http://schemas.openxmlformats.org/drawingml/2006/main" xmlns:r="http://schemas.openxmlformats.org/officeDocument/2006/relationships" xmlns:p="http://schemas.openxmlformats.org/presentationml/2006/main">
   <p:cSld>
     <p:spTree>
@@ -11733,7 +11995,7 @@
 </p:sld>
 </file>
 
-<file path=ppt/slides/slide26.xml><?xml version="1.0" encoding="utf-8"?>
+<file path=ppt/slides/slide28.xml><?xml version="1.0" encoding="utf-8"?>
 <p:sld xmlns:a="http://schemas.openxmlformats.org/drawingml/2006/main" xmlns:r="http://schemas.openxmlformats.org/officeDocument/2006/relationships" xmlns:p="http://schemas.openxmlformats.org/presentationml/2006/main">
   <p:cSld>
     <p:spTree>
@@ -11933,7 +12195,7 @@
 </p:sld>
 </file>
 
-<file path=ppt/slides/slide27.xml><?xml version="1.0" encoding="utf-8"?>
+<file path=ppt/slides/slide29.xml><?xml version="1.0" encoding="utf-8"?>
 <p:sld xmlns:a="http://schemas.openxmlformats.org/drawingml/2006/main" xmlns:r="http://schemas.openxmlformats.org/officeDocument/2006/relationships" xmlns:p="http://schemas.openxmlformats.org/presentationml/2006/main">
   <p:cSld>
     <p:spTree>
@@ -12087,7 +12349,285 @@
 </p:sld>
 </file>
 
-<file path=ppt/slides/slide28.xml><?xml version="1.0" encoding="utf-8"?>
+<file path=ppt/slides/slide3.xml><?xml version="1.0" encoding="utf-8"?>
+<p:sld xmlns:a="http://schemas.openxmlformats.org/drawingml/2006/main" xmlns:r="http://schemas.openxmlformats.org/officeDocument/2006/relationships" xmlns:p="http://schemas.openxmlformats.org/presentationml/2006/main">
+  <p:cSld>
+    <p:spTree>
+      <p:nvGrpSpPr>
+        <p:cNvPr id="1" name=""/>
+        <p:cNvGrpSpPr/>
+        <p:nvPr/>
+      </p:nvGrpSpPr>
+      <p:grpSpPr>
+        <a:xfrm>
+          <a:off x="0" y="0"/>
+          <a:ext cx="0" cy="0"/>
+          <a:chOff x="0" y="0"/>
+          <a:chExt cx="0" cy="0"/>
+        </a:xfrm>
+      </p:grpSpPr>
+      <p:pic>
+        <p:nvPicPr>
+          <p:cNvPr id="1026" name="Picture 2" descr="Technology layers from hardware to users.">
+            <a:extLst>
+              <a:ext uri="{FF2B5EF4-FFF2-40B4-BE49-F238E27FC236}">
+                <a16:creationId xmlns:a16="http://schemas.microsoft.com/office/drawing/2014/main" id="{383A4A36-A8F1-4488-B678-B0A846360527}"/>
+              </a:ext>
+            </a:extLst>
+          </p:cNvPr>
+          <p:cNvPicPr>
+            <a:picLocks noChangeAspect="1" noChangeArrowheads="1"/>
+          </p:cNvPicPr>
+          <p:nvPr/>
+        </p:nvPicPr>
+        <p:blipFill>
+          <a:blip r:embed="rId2">
+            <a:extLst>
+              <a:ext uri="{28A0092B-C50C-407E-A947-70E740481C1C}">
+                <a14:useLocalDpi xmlns:a14="http://schemas.microsoft.com/office/drawing/2010/main" val="0"/>
+              </a:ext>
+            </a:extLst>
+          </a:blip>
+          <a:stretch>
+            <a:fillRect/>
+          </a:stretch>
+        </p:blipFill>
+        <p:spPr bwMode="auto">
+          <a:xfrm>
+            <a:off x="841894" y="446882"/>
+            <a:ext cx="8105747" cy="5411755"/>
+          </a:xfrm>
+          <a:prstGeom prst="rect">
+            <a:avLst/>
+          </a:prstGeom>
+          <a:noFill/>
+          <a:extLst>
+            <a:ext uri="{909E8E84-426E-40DD-AFC4-6F175D3DCCD1}">
+              <a14:hiddenFill xmlns:a14="http://schemas.microsoft.com/office/drawing/2010/main">
+                <a:solidFill>
+                  <a:srgbClr val="FFFFFF"/>
+                </a:solidFill>
+              </a14:hiddenFill>
+            </a:ext>
+          </a:extLst>
+        </p:spPr>
+      </p:pic>
+      <p:sp>
+        <p:nvSpPr>
+          <p:cNvPr id="6" name="TextBox 5">
+            <a:extLst>
+              <a:ext uri="{FF2B5EF4-FFF2-40B4-BE49-F238E27FC236}">
+                <a16:creationId xmlns:a16="http://schemas.microsoft.com/office/drawing/2014/main" id="{DBB35AD8-5C2E-43B0-9DEE-1602D90C480F}"/>
+              </a:ext>
+            </a:extLst>
+          </p:cNvPr>
+          <p:cNvSpPr txBox="1"/>
+          <p:nvPr/>
+        </p:nvSpPr>
+        <p:spPr>
+          <a:xfrm>
+            <a:off x="7189393" y="6566910"/>
+            <a:ext cx="6176864" cy="261610"/>
+          </a:xfrm>
+          <a:prstGeom prst="rect">
+            <a:avLst/>
+          </a:prstGeom>
+          <a:noFill/>
+        </p:spPr>
+        <p:txBody>
+          <a:bodyPr wrap="square">
+            <a:spAutoFit/>
+          </a:bodyPr>
+          <a:lstStyle/>
+          <a:p>
+            <a:r>
+              <a:rPr lang="en-US" sz="1050" dirty="0"/>
+              <a:t>https://windsongtraining.ca/</a:t>
+            </a:r>
+            <a:r>
+              <a:rPr lang="en-US" sz="900" dirty="0"/>
+              <a:t>the-technology-layer-cake-users-apps-os-and-hardware</a:t>
+            </a:r>
+            <a:r>
+              <a:rPr lang="en-US" sz="1050" dirty="0"/>
+              <a:t>/</a:t>
+            </a:r>
+          </a:p>
+        </p:txBody>
+      </p:sp>
+      <p:sp>
+        <p:nvSpPr>
+          <p:cNvPr id="3" name="Right Brace 2">
+            <a:extLst>
+              <a:ext uri="{FF2B5EF4-FFF2-40B4-BE49-F238E27FC236}">
+                <a16:creationId xmlns:a16="http://schemas.microsoft.com/office/drawing/2014/main" id="{81FF3E71-63E4-4E3A-83FB-207CA7A70BB5}"/>
+              </a:ext>
+            </a:extLst>
+          </p:cNvPr>
+          <p:cNvSpPr/>
+          <p:nvPr/>
+        </p:nvSpPr>
+        <p:spPr>
+          <a:xfrm>
+            <a:off x="9157307" y="1468999"/>
+            <a:ext cx="946484" cy="4321015"/>
+          </a:xfrm>
+          <a:prstGeom prst="rightBrace">
+            <a:avLst/>
+          </a:prstGeom>
+        </p:spPr>
+        <p:style>
+          <a:lnRef idx="1">
+            <a:schemeClr val="accent1"/>
+          </a:lnRef>
+          <a:fillRef idx="0">
+            <a:schemeClr val="accent1"/>
+          </a:fillRef>
+          <a:effectRef idx="0">
+            <a:schemeClr val="accent1"/>
+          </a:effectRef>
+          <a:fontRef idx="minor">
+            <a:schemeClr val="tx1"/>
+          </a:fontRef>
+        </p:style>
+        <p:txBody>
+          <a:bodyPr rtlCol="0" anchor="ctr"/>
+          <a:lstStyle/>
+          <a:p>
+            <a:pPr algn="ctr"/>
+            <a:endParaRPr lang="en-US" dirty="0"/>
+          </a:p>
+        </p:txBody>
+      </p:sp>
+      <p:sp>
+        <p:nvSpPr>
+          <p:cNvPr id="4" name="TextBox 3">
+            <a:extLst>
+              <a:ext uri="{FF2B5EF4-FFF2-40B4-BE49-F238E27FC236}">
+                <a16:creationId xmlns:a16="http://schemas.microsoft.com/office/drawing/2014/main" id="{6DF168C5-CA4C-4395-8075-B4EE8934D9AD}"/>
+              </a:ext>
+            </a:extLst>
+          </p:cNvPr>
+          <p:cNvSpPr txBox="1"/>
+          <p:nvPr/>
+        </p:nvSpPr>
+        <p:spPr>
+          <a:xfrm>
+            <a:off x="10313457" y="2056675"/>
+            <a:ext cx="1878543" cy="2585323"/>
+          </a:xfrm>
+          <a:prstGeom prst="rect">
+            <a:avLst/>
+          </a:prstGeom>
+          <a:noFill/>
+        </p:spPr>
+        <p:txBody>
+          <a:bodyPr wrap="square" rtlCol="0">
+            <a:spAutoFit/>
+          </a:bodyPr>
+          <a:lstStyle/>
+          <a:p>
+            <a:pPr marL="285750" indent="-285750">
+              <a:buFont typeface="Arial" panose="020B0604020202020204" pitchFamily="34" charset="0"/>
+              <a:buChar char="•"/>
+            </a:pPr>
+            <a:r>
+              <a:rPr lang="en-US" dirty="0">
+                <a:solidFill>
+                  <a:srgbClr val="FF0000"/>
+                </a:solidFill>
+              </a:rPr>
+              <a:t>Evidence</a:t>
+            </a:r>
+            <a:r>
+              <a:rPr lang="en-US" dirty="0"/>
+              <a:t> is generated from each layer</a:t>
+            </a:r>
+          </a:p>
+          <a:p>
+            <a:pPr marL="285750" indent="-285750">
+              <a:buFont typeface="Arial" panose="020B0604020202020204" pitchFamily="34" charset="0"/>
+              <a:buChar char="•"/>
+            </a:pPr>
+            <a:r>
+              <a:rPr lang="en-US" dirty="0">
+                <a:solidFill>
+                  <a:srgbClr val="7030A0"/>
+                </a:solidFill>
+              </a:rPr>
+              <a:t>User activities= Applications+ OS+ Disk/Memory</a:t>
+            </a:r>
+          </a:p>
+        </p:txBody>
+      </p:sp>
+      <p:sp>
+        <p:nvSpPr>
+          <p:cNvPr id="5" name="Arrow: Right 4">
+            <a:extLst>
+              <a:ext uri="{FF2B5EF4-FFF2-40B4-BE49-F238E27FC236}">
+                <a16:creationId xmlns:a16="http://schemas.microsoft.com/office/drawing/2014/main" id="{F41488E2-6CC7-AC84-80C7-6DE74C734264}"/>
+              </a:ext>
+            </a:extLst>
+          </p:cNvPr>
+          <p:cNvSpPr/>
+          <p:nvPr/>
+        </p:nvSpPr>
+        <p:spPr>
+          <a:xfrm>
+            <a:off x="165005" y="2660698"/>
+            <a:ext cx="838772" cy="343759"/>
+          </a:xfrm>
+          <a:prstGeom prst="rightArrow">
+            <a:avLst/>
+          </a:prstGeom>
+          <a:solidFill>
+            <a:srgbClr val="FF0000"/>
+          </a:solidFill>
+          <a:ln>
+            <a:solidFill>
+              <a:srgbClr val="FF0000"/>
+            </a:solidFill>
+          </a:ln>
+        </p:spPr>
+        <p:style>
+          <a:lnRef idx="2">
+            <a:schemeClr val="accent1">
+              <a:shade val="50000"/>
+            </a:schemeClr>
+          </a:lnRef>
+          <a:fillRef idx="1">
+            <a:schemeClr val="accent1"/>
+          </a:fillRef>
+          <a:effectRef idx="0">
+            <a:schemeClr val="accent1"/>
+          </a:effectRef>
+          <a:fontRef idx="minor">
+            <a:schemeClr val="lt1"/>
+          </a:fontRef>
+        </p:style>
+        <p:txBody>
+          <a:bodyPr rtlCol="0" anchor="ctr"/>
+          <a:lstStyle/>
+          <a:p>
+            <a:pPr algn="ctr"/>
+            <a:endParaRPr lang="en-US"/>
+          </a:p>
+        </p:txBody>
+      </p:sp>
+    </p:spTree>
+    <p:extLst>
+      <p:ext uri="{BB962C8B-B14F-4D97-AF65-F5344CB8AC3E}">
+        <p14:creationId xmlns:p14="http://schemas.microsoft.com/office/powerpoint/2010/main" val="4010385979"/>
+      </p:ext>
+    </p:extLst>
+  </p:cSld>
+  <p:clrMapOvr>
+    <a:masterClrMapping/>
+  </p:clrMapOvr>
+</p:sld>
+</file>
+
+<file path=ppt/slides/slide30.xml><?xml version="1.0" encoding="utf-8"?>
 <p:sld xmlns:a="http://schemas.openxmlformats.org/drawingml/2006/main" xmlns:r="http://schemas.openxmlformats.org/officeDocument/2006/relationships" xmlns:p="http://schemas.openxmlformats.org/presentationml/2006/main">
   <p:cSld>
     <p:spTree>
@@ -12180,7 +12720,7 @@
 </p:sld>
 </file>
 
-<file path=ppt/slides/slide29.xml><?xml version="1.0" encoding="utf-8"?>
+<file path=ppt/slides/slide31.xml><?xml version="1.0" encoding="utf-8"?>
 <p:sld xmlns:a="http://schemas.openxmlformats.org/drawingml/2006/main" xmlns:r="http://schemas.openxmlformats.org/officeDocument/2006/relationships" xmlns:p="http://schemas.openxmlformats.org/presentationml/2006/main">
   <p:cSld>
     <p:spTree>
@@ -12326,213 +12866,7 @@
 </p:sld>
 </file>
 
-<file path=ppt/slides/slide3.xml><?xml version="1.0" encoding="utf-8"?>
-<p:sld xmlns:a="http://schemas.openxmlformats.org/drawingml/2006/main" xmlns:r="http://schemas.openxmlformats.org/officeDocument/2006/relationships" xmlns:p="http://schemas.openxmlformats.org/presentationml/2006/main">
-  <p:cSld>
-    <p:spTree>
-      <p:nvGrpSpPr>
-        <p:cNvPr id="1" name=""/>
-        <p:cNvGrpSpPr/>
-        <p:nvPr/>
-      </p:nvGrpSpPr>
-      <p:grpSpPr>
-        <a:xfrm>
-          <a:off x="0" y="0"/>
-          <a:ext cx="0" cy="0"/>
-          <a:chOff x="0" y="0"/>
-          <a:chExt cx="0" cy="0"/>
-        </a:xfrm>
-      </p:grpSpPr>
-      <p:pic>
-        <p:nvPicPr>
-          <p:cNvPr id="1026" name="Picture 2" descr="The Two Types of Application Software: General Purpose Applications and  Custom Software - TurboFuture">
-            <a:extLst>
-              <a:ext uri="{FF2B5EF4-FFF2-40B4-BE49-F238E27FC236}">
-                <a16:creationId xmlns:a16="http://schemas.microsoft.com/office/drawing/2014/main" id="{35B4E213-5AE6-5BDE-1396-0D6E0E28D24C}"/>
-              </a:ext>
-            </a:extLst>
-          </p:cNvPr>
-          <p:cNvPicPr>
-            <a:picLocks noChangeAspect="1" noChangeArrowheads="1"/>
-          </p:cNvPicPr>
-          <p:nvPr/>
-        </p:nvPicPr>
-        <p:blipFill>
-          <a:blip r:embed="rId2">
-            <a:extLst>
-              <a:ext uri="{28A0092B-C50C-407E-A947-70E740481C1C}">
-                <a14:useLocalDpi xmlns:a14="http://schemas.microsoft.com/office/drawing/2010/main" val="0"/>
-              </a:ext>
-            </a:extLst>
-          </a:blip>
-          <a:srcRect/>
-          <a:stretch>
-            <a:fillRect/>
-          </a:stretch>
-        </p:blipFill>
-        <p:spPr bwMode="auto">
-          <a:xfrm>
-            <a:off x="1176130" y="2422973"/>
-            <a:ext cx="3576983" cy="2012053"/>
-          </a:xfrm>
-          <a:prstGeom prst="rect">
-            <a:avLst/>
-          </a:prstGeom>
-          <a:noFill/>
-          <a:extLst>
-            <a:ext uri="{909E8E84-426E-40DD-AFC4-6F175D3DCCD1}">
-              <a14:hiddenFill xmlns:a14="http://schemas.microsoft.com/office/drawing/2010/main">
-                <a:solidFill>
-                  <a:srgbClr val="FFFFFF"/>
-                </a:solidFill>
-              </a14:hiddenFill>
-            </a:ext>
-          </a:extLst>
-        </p:spPr>
-      </p:pic>
-      <p:pic>
-        <p:nvPicPr>
-          <p:cNvPr id="1030" name="Picture 6" descr="Storage Solutions on Microsoft Azure | by AnisKHELOUFI | Analytics Vidhya |  Medium">
-            <a:extLst>
-              <a:ext uri="{FF2B5EF4-FFF2-40B4-BE49-F238E27FC236}">
-                <a16:creationId xmlns:a16="http://schemas.microsoft.com/office/drawing/2014/main" id="{4E99F73B-9894-2401-CF24-79CAB34653F6}"/>
-              </a:ext>
-            </a:extLst>
-          </p:cNvPr>
-          <p:cNvPicPr>
-            <a:picLocks noChangeAspect="1" noChangeArrowheads="1"/>
-          </p:cNvPicPr>
-          <p:nvPr/>
-        </p:nvPicPr>
-        <p:blipFill>
-          <a:blip r:embed="rId3">
-            <a:extLst>
-              <a:ext uri="{28A0092B-C50C-407E-A947-70E740481C1C}">
-                <a14:useLocalDpi xmlns:a14="http://schemas.microsoft.com/office/drawing/2010/main" val="0"/>
-              </a:ext>
-            </a:extLst>
-          </a:blip>
-          <a:srcRect/>
-          <a:stretch>
-            <a:fillRect/>
-          </a:stretch>
-        </p:blipFill>
-        <p:spPr bwMode="auto">
-          <a:xfrm>
-            <a:off x="6096000" y="2716764"/>
-            <a:ext cx="4737953" cy="1424470"/>
-          </a:xfrm>
-          <a:prstGeom prst="rect">
-            <a:avLst/>
-          </a:prstGeom>
-          <a:noFill/>
-          <a:extLst>
-            <a:ext uri="{909E8E84-426E-40DD-AFC4-6F175D3DCCD1}">
-              <a14:hiddenFill xmlns:a14="http://schemas.microsoft.com/office/drawing/2010/main">
-                <a:solidFill>
-                  <a:srgbClr val="FFFFFF"/>
-                </a:solidFill>
-              </a14:hiddenFill>
-            </a:ext>
-          </a:extLst>
-        </p:spPr>
-      </p:pic>
-      <p:sp>
-        <p:nvSpPr>
-          <p:cNvPr id="2" name="Arrow: Right 1">
-            <a:extLst>
-              <a:ext uri="{FF2B5EF4-FFF2-40B4-BE49-F238E27FC236}">
-                <a16:creationId xmlns:a16="http://schemas.microsoft.com/office/drawing/2014/main" id="{793588AD-1E41-081C-1983-AD173D4A0A45}"/>
-              </a:ext>
-            </a:extLst>
-          </p:cNvPr>
-          <p:cNvSpPr/>
-          <p:nvPr/>
-        </p:nvSpPr>
-        <p:spPr>
-          <a:xfrm>
-            <a:off x="5094813" y="3333250"/>
-            <a:ext cx="838772" cy="343759"/>
-          </a:xfrm>
-          <a:prstGeom prst="rightArrow">
-            <a:avLst/>
-          </a:prstGeom>
-          <a:solidFill>
-            <a:srgbClr val="FF0000"/>
-          </a:solidFill>
-          <a:ln>
-            <a:solidFill>
-              <a:srgbClr val="FF0000"/>
-            </a:solidFill>
-          </a:ln>
-        </p:spPr>
-        <p:style>
-          <a:lnRef idx="2">
-            <a:schemeClr val="accent1">
-              <a:shade val="50000"/>
-            </a:schemeClr>
-          </a:lnRef>
-          <a:fillRef idx="1">
-            <a:schemeClr val="accent1"/>
-          </a:fillRef>
-          <a:effectRef idx="0">
-            <a:schemeClr val="accent1"/>
-          </a:effectRef>
-          <a:fontRef idx="minor">
-            <a:schemeClr val="lt1"/>
-          </a:fontRef>
-        </p:style>
-        <p:txBody>
-          <a:bodyPr rtlCol="0" anchor="ctr"/>
-          <a:lstStyle/>
-          <a:p>
-            <a:pPr algn="ctr"/>
-            <a:endParaRPr lang="en-US"/>
-          </a:p>
-        </p:txBody>
-      </p:sp>
-      <p:sp>
-        <p:nvSpPr>
-          <p:cNvPr id="3" name="Title 2">
-            <a:extLst>
-              <a:ext uri="{FF2B5EF4-FFF2-40B4-BE49-F238E27FC236}">
-                <a16:creationId xmlns:a16="http://schemas.microsoft.com/office/drawing/2014/main" id="{A2FBCAF6-1D6B-F98D-62FF-A370F64D637F}"/>
-              </a:ext>
-            </a:extLst>
-          </p:cNvPr>
-          <p:cNvSpPr>
-            <a:spLocks noGrp="1"/>
-          </p:cNvSpPr>
-          <p:nvPr>
-            <p:ph type="title"/>
-          </p:nvPr>
-        </p:nvSpPr>
-        <p:spPr/>
-        <p:txBody>
-          <a:bodyPr/>
-          <a:lstStyle/>
-          <a:p>
-            <a:r>
-              <a:rPr lang="en-US" dirty="0"/>
-              <a:t>Data generated by applications have different formats</a:t>
-            </a:r>
-          </a:p>
-        </p:txBody>
-      </p:sp>
-    </p:spTree>
-    <p:extLst>
-      <p:ext uri="{BB962C8B-B14F-4D97-AF65-F5344CB8AC3E}">
-        <p14:creationId xmlns:p14="http://schemas.microsoft.com/office/powerpoint/2010/main" val="2055990861"/>
-      </p:ext>
-    </p:extLst>
-  </p:cSld>
-  <p:clrMapOvr>
-    <a:masterClrMapping/>
-  </p:clrMapOvr>
-</p:sld>
-</file>
-
-<file path=ppt/slides/slide30.xml><?xml version="1.0" encoding="utf-8"?>
+<file path=ppt/slides/slide32.xml><?xml version="1.0" encoding="utf-8"?>
 <p:sld xmlns:a="http://schemas.openxmlformats.org/drawingml/2006/main" xmlns:r="http://schemas.openxmlformats.org/officeDocument/2006/relationships" xmlns:p="http://schemas.openxmlformats.org/presentationml/2006/main">
   <p:cSld>
     <p:spTree>
@@ -12658,7 +12992,7 @@
 </p:sld>
 </file>
 
-<file path=ppt/slides/slide31.xml><?xml version="1.0" encoding="utf-8"?>
+<file path=ppt/slides/slide33.xml><?xml version="1.0" encoding="utf-8"?>
 <p:sld xmlns:a="http://schemas.openxmlformats.org/drawingml/2006/main" xmlns:r="http://schemas.openxmlformats.org/officeDocument/2006/relationships" xmlns:p="http://schemas.openxmlformats.org/presentationml/2006/main">
   <p:cSld>
     <p:spTree>
@@ -12857,7 +13191,7 @@
 </p:sld>
 </file>
 
-<file path=ppt/slides/slide32.xml><?xml version="1.0" encoding="utf-8"?>
+<file path=ppt/slides/slide34.xml><?xml version="1.0" encoding="utf-8"?>
 <p:sld xmlns:a="http://schemas.openxmlformats.org/drawingml/2006/main" xmlns:r="http://schemas.openxmlformats.org/officeDocument/2006/relationships" xmlns:p="http://schemas.openxmlformats.org/presentationml/2006/main">
   <p:cSld>
     <p:spTree>
@@ -13047,15 +13381,7 @@
             </a:r>
             <a:r>
               <a:rPr lang="en-US" dirty="0"/>
-              <a:t> second – </a:t>
-            </a:r>
-            <a:r>
-              <a:rPr lang="en-US" dirty="0" err="1"/>
-              <a:t>unix</a:t>
-            </a:r>
-            <a:r>
-              <a:rPr lang="en-US" dirty="0"/>
-              <a:t> epoch time)</a:t>
+              <a:t> second – Unix epoch time)</a:t>
             </a:r>
           </a:p>
           <a:p>
@@ -13228,7 +13554,7 @@
 </p:sld>
 </file>
 
-<file path=ppt/slides/slide33.xml><?xml version="1.0" encoding="utf-8"?>
+<file path=ppt/slides/slide35.xml><?xml version="1.0" encoding="utf-8"?>
 <p:sld xmlns:a="http://schemas.openxmlformats.org/drawingml/2006/main" xmlns:r="http://schemas.openxmlformats.org/officeDocument/2006/relationships" xmlns:p="http://schemas.openxmlformats.org/presentationml/2006/main">
   <p:cSld>
     <p:spTree>
@@ -13338,7 +13664,7 @@
 </p:sld>
 </file>
 
-<file path=ppt/slides/slide34.xml><?xml version="1.0" encoding="utf-8"?>
+<file path=ppt/slides/slide36.xml><?xml version="1.0" encoding="utf-8"?>
 <p:sld xmlns:a="http://schemas.openxmlformats.org/drawingml/2006/main" xmlns:r="http://schemas.openxmlformats.org/officeDocument/2006/relationships" xmlns:p="http://schemas.openxmlformats.org/presentationml/2006/main">
   <p:cSld>
     <p:spTree>
@@ -13429,7 +13755,7 @@
 </p:sld>
 </file>
 
-<file path=ppt/slides/slide35.xml><?xml version="1.0" encoding="utf-8"?>
+<file path=ppt/slides/slide37.xml><?xml version="1.0" encoding="utf-8"?>
 <p:sld xmlns:a="http://schemas.openxmlformats.org/drawingml/2006/main" xmlns:r="http://schemas.openxmlformats.org/officeDocument/2006/relationships" xmlns:p="http://schemas.openxmlformats.org/presentationml/2006/main">
   <p:cSld>
     <p:spTree>
@@ -13608,7 +13934,7 @@
 </p:sld>
 </file>
 
-<file path=ppt/slides/slide36.xml><?xml version="1.0" encoding="utf-8"?>
+<file path=ppt/slides/slide38.xml><?xml version="1.0" encoding="utf-8"?>
 <p:sld xmlns:a="http://schemas.openxmlformats.org/drawingml/2006/main" xmlns:r="http://schemas.openxmlformats.org/officeDocument/2006/relationships" xmlns:p="http://schemas.openxmlformats.org/presentationml/2006/main">
   <p:cSld>
     <p:spTree>
@@ -14018,7 +14344,7 @@
 </p:sld>
 </file>
 
-<file path=ppt/slides/slide37.xml><?xml version="1.0" encoding="utf-8"?>
+<file path=ppt/slides/slide39.xml><?xml version="1.0" encoding="utf-8"?>
 <p:sld xmlns:a="http://schemas.openxmlformats.org/drawingml/2006/main" xmlns:r="http://schemas.openxmlformats.org/officeDocument/2006/relationships" xmlns:p="http://schemas.openxmlformats.org/presentationml/2006/main">
   <p:cSld>
     <p:spTree>
@@ -14106,7 +14432,213 @@
 </p:sld>
 </file>
 
-<file path=ppt/slides/slide38.xml><?xml version="1.0" encoding="utf-8"?>
+<file path=ppt/slides/slide4.xml><?xml version="1.0" encoding="utf-8"?>
+<p:sld xmlns:a="http://schemas.openxmlformats.org/drawingml/2006/main" xmlns:r="http://schemas.openxmlformats.org/officeDocument/2006/relationships" xmlns:p="http://schemas.openxmlformats.org/presentationml/2006/main">
+  <p:cSld>
+    <p:spTree>
+      <p:nvGrpSpPr>
+        <p:cNvPr id="1" name=""/>
+        <p:cNvGrpSpPr/>
+        <p:nvPr/>
+      </p:nvGrpSpPr>
+      <p:grpSpPr>
+        <a:xfrm>
+          <a:off x="0" y="0"/>
+          <a:ext cx="0" cy="0"/>
+          <a:chOff x="0" y="0"/>
+          <a:chExt cx="0" cy="0"/>
+        </a:xfrm>
+      </p:grpSpPr>
+      <p:pic>
+        <p:nvPicPr>
+          <p:cNvPr id="1026" name="Picture 2" descr="The Two Types of Application Software: General Purpose Applications and  Custom Software - TurboFuture">
+            <a:extLst>
+              <a:ext uri="{FF2B5EF4-FFF2-40B4-BE49-F238E27FC236}">
+                <a16:creationId xmlns:a16="http://schemas.microsoft.com/office/drawing/2014/main" id="{35B4E213-5AE6-5BDE-1396-0D6E0E28D24C}"/>
+              </a:ext>
+            </a:extLst>
+          </p:cNvPr>
+          <p:cNvPicPr>
+            <a:picLocks noChangeAspect="1" noChangeArrowheads="1"/>
+          </p:cNvPicPr>
+          <p:nvPr/>
+        </p:nvPicPr>
+        <p:blipFill>
+          <a:blip r:embed="rId2">
+            <a:extLst>
+              <a:ext uri="{28A0092B-C50C-407E-A947-70E740481C1C}">
+                <a14:useLocalDpi xmlns:a14="http://schemas.microsoft.com/office/drawing/2010/main" val="0"/>
+              </a:ext>
+            </a:extLst>
+          </a:blip>
+          <a:srcRect/>
+          <a:stretch>
+            <a:fillRect/>
+          </a:stretch>
+        </p:blipFill>
+        <p:spPr bwMode="auto">
+          <a:xfrm>
+            <a:off x="1176130" y="2422973"/>
+            <a:ext cx="3576983" cy="2012053"/>
+          </a:xfrm>
+          <a:prstGeom prst="rect">
+            <a:avLst/>
+          </a:prstGeom>
+          <a:noFill/>
+          <a:extLst>
+            <a:ext uri="{909E8E84-426E-40DD-AFC4-6F175D3DCCD1}">
+              <a14:hiddenFill xmlns:a14="http://schemas.microsoft.com/office/drawing/2010/main">
+                <a:solidFill>
+                  <a:srgbClr val="FFFFFF"/>
+                </a:solidFill>
+              </a14:hiddenFill>
+            </a:ext>
+          </a:extLst>
+        </p:spPr>
+      </p:pic>
+      <p:pic>
+        <p:nvPicPr>
+          <p:cNvPr id="1030" name="Picture 6" descr="Storage Solutions on Microsoft Azure | by AnisKHELOUFI | Analytics Vidhya |  Medium">
+            <a:extLst>
+              <a:ext uri="{FF2B5EF4-FFF2-40B4-BE49-F238E27FC236}">
+                <a16:creationId xmlns:a16="http://schemas.microsoft.com/office/drawing/2014/main" id="{4E99F73B-9894-2401-CF24-79CAB34653F6}"/>
+              </a:ext>
+            </a:extLst>
+          </p:cNvPr>
+          <p:cNvPicPr>
+            <a:picLocks noChangeAspect="1" noChangeArrowheads="1"/>
+          </p:cNvPicPr>
+          <p:nvPr/>
+        </p:nvPicPr>
+        <p:blipFill>
+          <a:blip r:embed="rId3">
+            <a:extLst>
+              <a:ext uri="{28A0092B-C50C-407E-A947-70E740481C1C}">
+                <a14:useLocalDpi xmlns:a14="http://schemas.microsoft.com/office/drawing/2010/main" val="0"/>
+              </a:ext>
+            </a:extLst>
+          </a:blip>
+          <a:srcRect/>
+          <a:stretch>
+            <a:fillRect/>
+          </a:stretch>
+        </p:blipFill>
+        <p:spPr bwMode="auto">
+          <a:xfrm>
+            <a:off x="6096000" y="2716764"/>
+            <a:ext cx="4737953" cy="1424470"/>
+          </a:xfrm>
+          <a:prstGeom prst="rect">
+            <a:avLst/>
+          </a:prstGeom>
+          <a:noFill/>
+          <a:extLst>
+            <a:ext uri="{909E8E84-426E-40DD-AFC4-6F175D3DCCD1}">
+              <a14:hiddenFill xmlns:a14="http://schemas.microsoft.com/office/drawing/2010/main">
+                <a:solidFill>
+                  <a:srgbClr val="FFFFFF"/>
+                </a:solidFill>
+              </a14:hiddenFill>
+            </a:ext>
+          </a:extLst>
+        </p:spPr>
+      </p:pic>
+      <p:sp>
+        <p:nvSpPr>
+          <p:cNvPr id="2" name="Arrow: Right 1">
+            <a:extLst>
+              <a:ext uri="{FF2B5EF4-FFF2-40B4-BE49-F238E27FC236}">
+                <a16:creationId xmlns:a16="http://schemas.microsoft.com/office/drawing/2014/main" id="{793588AD-1E41-081C-1983-AD173D4A0A45}"/>
+              </a:ext>
+            </a:extLst>
+          </p:cNvPr>
+          <p:cNvSpPr/>
+          <p:nvPr/>
+        </p:nvSpPr>
+        <p:spPr>
+          <a:xfrm>
+            <a:off x="5094813" y="3333250"/>
+            <a:ext cx="838772" cy="343759"/>
+          </a:xfrm>
+          <a:prstGeom prst="rightArrow">
+            <a:avLst/>
+          </a:prstGeom>
+          <a:solidFill>
+            <a:srgbClr val="FF0000"/>
+          </a:solidFill>
+          <a:ln>
+            <a:solidFill>
+              <a:srgbClr val="FF0000"/>
+            </a:solidFill>
+          </a:ln>
+        </p:spPr>
+        <p:style>
+          <a:lnRef idx="2">
+            <a:schemeClr val="accent1">
+              <a:shade val="50000"/>
+            </a:schemeClr>
+          </a:lnRef>
+          <a:fillRef idx="1">
+            <a:schemeClr val="accent1"/>
+          </a:fillRef>
+          <a:effectRef idx="0">
+            <a:schemeClr val="accent1"/>
+          </a:effectRef>
+          <a:fontRef idx="minor">
+            <a:schemeClr val="lt1"/>
+          </a:fontRef>
+        </p:style>
+        <p:txBody>
+          <a:bodyPr rtlCol="0" anchor="ctr"/>
+          <a:lstStyle/>
+          <a:p>
+            <a:pPr algn="ctr"/>
+            <a:endParaRPr lang="en-US"/>
+          </a:p>
+        </p:txBody>
+      </p:sp>
+      <p:sp>
+        <p:nvSpPr>
+          <p:cNvPr id="3" name="Title 2">
+            <a:extLst>
+              <a:ext uri="{FF2B5EF4-FFF2-40B4-BE49-F238E27FC236}">
+                <a16:creationId xmlns:a16="http://schemas.microsoft.com/office/drawing/2014/main" id="{A2FBCAF6-1D6B-F98D-62FF-A370F64D637F}"/>
+              </a:ext>
+            </a:extLst>
+          </p:cNvPr>
+          <p:cNvSpPr>
+            <a:spLocks noGrp="1"/>
+          </p:cNvSpPr>
+          <p:nvPr>
+            <p:ph type="title"/>
+          </p:nvPr>
+        </p:nvSpPr>
+        <p:spPr/>
+        <p:txBody>
+          <a:bodyPr/>
+          <a:lstStyle/>
+          <a:p>
+            <a:r>
+              <a:rPr lang="en-US" dirty="0"/>
+              <a:t>Data generated by applications have different formats</a:t>
+            </a:r>
+          </a:p>
+        </p:txBody>
+      </p:sp>
+    </p:spTree>
+    <p:extLst>
+      <p:ext uri="{BB962C8B-B14F-4D97-AF65-F5344CB8AC3E}">
+        <p14:creationId xmlns:p14="http://schemas.microsoft.com/office/powerpoint/2010/main" val="2055990861"/>
+      </p:ext>
+    </p:extLst>
+  </p:cSld>
+  <p:clrMapOvr>
+    <a:masterClrMapping/>
+  </p:clrMapOvr>
+</p:sld>
+</file>
+
+<file path=ppt/slides/slide40.xml><?xml version="1.0" encoding="utf-8"?>
 <p:sld xmlns:a="http://schemas.openxmlformats.org/drawingml/2006/main" xmlns:r="http://schemas.openxmlformats.org/officeDocument/2006/relationships" xmlns:p="http://schemas.openxmlformats.org/presentationml/2006/main">
   <p:cSld>
     <p:spTree>
@@ -14280,7 +14812,7 @@
 </p:sld>
 </file>
 
-<file path=ppt/slides/slide39.xml><?xml version="1.0" encoding="utf-8"?>
+<file path=ppt/slides/slide41.xml><?xml version="1.0" encoding="utf-8"?>
 <p:sld xmlns:a="http://schemas.openxmlformats.org/drawingml/2006/main" xmlns:r="http://schemas.openxmlformats.org/officeDocument/2006/relationships" xmlns:p="http://schemas.openxmlformats.org/presentationml/2006/main">
   <p:cSld>
     <p:spTree>
@@ -14356,91 +14888,7 @@
 </p:sld>
 </file>
 
-<file path=ppt/slides/slide4.xml><?xml version="1.0" encoding="utf-8"?>
-<p:sld xmlns:a="http://schemas.openxmlformats.org/drawingml/2006/main" xmlns:r="http://schemas.openxmlformats.org/officeDocument/2006/relationships" xmlns:p="http://schemas.openxmlformats.org/presentationml/2006/main">
-  <p:cSld>
-    <p:spTree>
-      <p:nvGrpSpPr>
-        <p:cNvPr id="1" name=""/>
-        <p:cNvGrpSpPr/>
-        <p:nvPr/>
-      </p:nvGrpSpPr>
-      <p:grpSpPr>
-        <a:xfrm>
-          <a:off x="0" y="0"/>
-          <a:ext cx="0" cy="0"/>
-          <a:chOff x="0" y="0"/>
-          <a:chExt cx="0" cy="0"/>
-        </a:xfrm>
-      </p:grpSpPr>
-      <p:sp>
-        <p:nvSpPr>
-          <p:cNvPr id="2" name="Title 1"/>
-          <p:cNvSpPr>
-            <a:spLocks noGrp="1"/>
-          </p:cNvSpPr>
-          <p:nvPr>
-            <p:ph type="title"/>
-          </p:nvPr>
-        </p:nvSpPr>
-        <p:spPr/>
-        <p:txBody>
-          <a:bodyPr/>
-          <a:lstStyle/>
-          <a:p>
-            <a:r>
-              <a:rPr lang="en-US" dirty="0">
-                <a:solidFill>
-                  <a:srgbClr val="FF0000"/>
-                </a:solidFill>
-              </a:rPr>
-              <a:t>13. </a:t>
-            </a:r>
-            <a:r>
-              <a:rPr lang="en-US" dirty="0"/>
-              <a:t>What web browsers were used?</a:t>
-            </a:r>
-          </a:p>
-        </p:txBody>
-      </p:sp>
-      <p:pic>
-        <p:nvPicPr>
-          <p:cNvPr id="4" name="Picture 3"/>
-          <p:cNvPicPr>
-            <a:picLocks noChangeAspect="1"/>
-          </p:cNvPicPr>
-          <p:nvPr/>
-        </p:nvPicPr>
-        <p:blipFill>
-          <a:blip r:embed="rId3"/>
-          <a:stretch>
-            <a:fillRect/>
-          </a:stretch>
-        </p:blipFill>
-        <p:spPr>
-          <a:xfrm>
-            <a:off x="838199" y="1555339"/>
-            <a:ext cx="10574295" cy="4855971"/>
-          </a:xfrm>
-          <a:prstGeom prst="rect">
-            <a:avLst/>
-          </a:prstGeom>
-        </p:spPr>
-      </p:pic>
-    </p:spTree>
-    <p:extLst>
-      <p:ext uri="{BB962C8B-B14F-4D97-AF65-F5344CB8AC3E}">
-        <p14:creationId xmlns:p14="http://schemas.microsoft.com/office/powerpoint/2010/main" val="3091480736"/>
-      </p:ext>
-    </p:extLst>
-  </p:cSld>
-  <p:clrMapOvr>
-    <a:masterClrMapping/>
-  </p:clrMapOvr>
-</p:sld>
-</file>
-
-<file path=ppt/slides/slide40.xml><?xml version="1.0" encoding="utf-8"?>
+<file path=ppt/slides/slide42.xml><?xml version="1.0" encoding="utf-8"?>
 <p:sld xmlns:a="http://schemas.openxmlformats.org/drawingml/2006/main" xmlns:r="http://schemas.openxmlformats.org/officeDocument/2006/relationships" xmlns:p="http://schemas.openxmlformats.org/presentationml/2006/main">
   <p:cSld>
     <p:spTree>
@@ -14569,7 +15017,7 @@
 </p:sld>
 </file>
 
-<file path=ppt/slides/slide41.xml><?xml version="1.0" encoding="utf-8"?>
+<file path=ppt/slides/slide43.xml><?xml version="1.0" encoding="utf-8"?>
 <p:sld xmlns:a="http://schemas.openxmlformats.org/drawingml/2006/main" xmlns:r="http://schemas.openxmlformats.org/officeDocument/2006/relationships" xmlns:p="http://schemas.openxmlformats.org/presentationml/2006/main">
   <p:cSld>
     <p:spTree>
@@ -14657,7 +15105,7 @@
 </p:sld>
 </file>
 
-<file path=ppt/slides/slide42.xml><?xml version="1.0" encoding="utf-8"?>
+<file path=ppt/slides/slide44.xml><?xml version="1.0" encoding="utf-8"?>
 <p:sld xmlns:a="http://schemas.openxmlformats.org/drawingml/2006/main" xmlns:r="http://schemas.openxmlformats.org/officeDocument/2006/relationships" xmlns:p="http://schemas.openxmlformats.org/presentationml/2006/main">
   <p:cSld>
     <p:spTree>
@@ -14868,7 +15316,7 @@
 </p:sld>
 </file>
 
-<file path=ppt/slides/slide43.xml><?xml version="1.0" encoding="utf-8"?>
+<file path=ppt/slides/slide45.xml><?xml version="1.0" encoding="utf-8"?>
 <p:sld xmlns:a="http://schemas.openxmlformats.org/drawingml/2006/main" xmlns:r="http://schemas.openxmlformats.org/officeDocument/2006/relationships" xmlns:p="http://schemas.openxmlformats.org/presentationml/2006/main">
   <p:cSld>
     <p:spTree>
@@ -15078,6 +15526,215 @@
 </file>
 
 <file path=ppt/slides/slide5.xml><?xml version="1.0" encoding="utf-8"?>
+<p:sld xmlns:a="http://schemas.openxmlformats.org/drawingml/2006/main" xmlns:r="http://schemas.openxmlformats.org/officeDocument/2006/relationships" xmlns:p="http://schemas.openxmlformats.org/presentationml/2006/main">
+  <p:cSld>
+    <p:spTree>
+      <p:nvGrpSpPr>
+        <p:cNvPr id="1" name=""/>
+        <p:cNvGrpSpPr/>
+        <p:nvPr/>
+      </p:nvGrpSpPr>
+      <p:grpSpPr>
+        <a:xfrm>
+          <a:off x="0" y="0"/>
+          <a:ext cx="0" cy="0"/>
+          <a:chOff x="0" y="0"/>
+          <a:chExt cx="0" cy="0"/>
+        </a:xfrm>
+      </p:grpSpPr>
+      <p:sp>
+        <p:nvSpPr>
+          <p:cNvPr id="2" name="Title 1">
+            <a:extLst>
+              <a:ext uri="{FF2B5EF4-FFF2-40B4-BE49-F238E27FC236}">
+                <a16:creationId xmlns:a16="http://schemas.microsoft.com/office/drawing/2014/main" id="{C990B706-7E51-C619-EDB7-465188F981AD}"/>
+              </a:ext>
+            </a:extLst>
+          </p:cNvPr>
+          <p:cNvSpPr>
+            <a:spLocks noGrp="1"/>
+          </p:cNvSpPr>
+          <p:nvPr>
+            <p:ph type="title"/>
+          </p:nvPr>
+        </p:nvSpPr>
+        <p:spPr/>
+        <p:txBody>
+          <a:bodyPr/>
+          <a:lstStyle/>
+          <a:p>
+            <a:r>
+              <a:rPr lang="en-US" dirty="0"/>
+              <a:t>Investigation Approach</a:t>
+            </a:r>
+          </a:p>
+        </p:txBody>
+      </p:sp>
+      <p:sp>
+        <p:nvSpPr>
+          <p:cNvPr id="3" name="Content Placeholder 2">
+            <a:extLst>
+              <a:ext uri="{FF2B5EF4-FFF2-40B4-BE49-F238E27FC236}">
+                <a16:creationId xmlns:a16="http://schemas.microsoft.com/office/drawing/2014/main" id="{FDE5C25D-0753-82FA-B101-7283CC9D92A5}"/>
+              </a:ext>
+            </a:extLst>
+          </p:cNvPr>
+          <p:cNvSpPr>
+            <a:spLocks noGrp="1"/>
+          </p:cNvSpPr>
+          <p:nvPr>
+            <p:ph idx="1"/>
+          </p:nvPr>
+        </p:nvSpPr>
+        <p:spPr/>
+        <p:txBody>
+          <a:bodyPr/>
+          <a:lstStyle/>
+          <a:p>
+            <a:r>
+              <a:rPr lang="en-US" dirty="0"/>
+              <a:t>Find all possible browsers used by suspects</a:t>
+            </a:r>
+          </a:p>
+          <a:p>
+            <a:r>
+              <a:rPr lang="en-US" dirty="0"/>
+              <a:t>Find browser history log files</a:t>
+            </a:r>
+          </a:p>
+          <a:p>
+            <a:r>
+              <a:rPr lang="en-US" dirty="0"/>
+              <a:t>Copy log files to a working directory</a:t>
+            </a:r>
+          </a:p>
+          <a:p>
+            <a:r>
+              <a:rPr lang="en-US" dirty="0"/>
+              <a:t>Find the format of the log files</a:t>
+            </a:r>
+          </a:p>
+          <a:p>
+            <a:r>
+              <a:rPr lang="en-US" dirty="0"/>
+              <a:t>Pick up the correct parsing tools to parse log files</a:t>
+            </a:r>
+          </a:p>
+          <a:p>
+            <a:r>
+              <a:rPr lang="en-US" dirty="0"/>
+              <a:t>Analyze log files</a:t>
+            </a:r>
+          </a:p>
+          <a:p>
+            <a:r>
+              <a:rPr lang="en-US" dirty="0"/>
+              <a:t>Make conclusions</a:t>
+            </a:r>
+          </a:p>
+          <a:p>
+            <a:endParaRPr lang="en-US" dirty="0"/>
+          </a:p>
+        </p:txBody>
+      </p:sp>
+    </p:spTree>
+    <p:extLst>
+      <p:ext uri="{BB962C8B-B14F-4D97-AF65-F5344CB8AC3E}">
+        <p14:creationId xmlns:p14="http://schemas.microsoft.com/office/powerpoint/2010/main" val="4165459125"/>
+      </p:ext>
+    </p:extLst>
+  </p:cSld>
+  <p:clrMapOvr>
+    <a:masterClrMapping/>
+  </p:clrMapOvr>
+</p:sld>
+</file>
+
+<file path=ppt/slides/slide6.xml><?xml version="1.0" encoding="utf-8"?>
+<p:sld xmlns:a="http://schemas.openxmlformats.org/drawingml/2006/main" xmlns:r="http://schemas.openxmlformats.org/officeDocument/2006/relationships" xmlns:p="http://schemas.openxmlformats.org/presentationml/2006/main">
+  <p:cSld>
+    <p:spTree>
+      <p:nvGrpSpPr>
+        <p:cNvPr id="1" name=""/>
+        <p:cNvGrpSpPr/>
+        <p:nvPr/>
+      </p:nvGrpSpPr>
+      <p:grpSpPr>
+        <a:xfrm>
+          <a:off x="0" y="0"/>
+          <a:ext cx="0" cy="0"/>
+          <a:chOff x="0" y="0"/>
+          <a:chExt cx="0" cy="0"/>
+        </a:xfrm>
+      </p:grpSpPr>
+      <p:sp>
+        <p:nvSpPr>
+          <p:cNvPr id="2" name="Title 1"/>
+          <p:cNvSpPr>
+            <a:spLocks noGrp="1"/>
+          </p:cNvSpPr>
+          <p:nvPr>
+            <p:ph type="title"/>
+          </p:nvPr>
+        </p:nvSpPr>
+        <p:spPr/>
+        <p:txBody>
+          <a:bodyPr/>
+          <a:lstStyle/>
+          <a:p>
+            <a:r>
+              <a:rPr lang="en-US" dirty="0">
+                <a:solidFill>
+                  <a:srgbClr val="FF0000"/>
+                </a:solidFill>
+              </a:rPr>
+              <a:t>13. </a:t>
+            </a:r>
+            <a:r>
+              <a:rPr lang="en-US" dirty="0"/>
+              <a:t>What web browsers were used?</a:t>
+            </a:r>
+          </a:p>
+        </p:txBody>
+      </p:sp>
+      <p:pic>
+        <p:nvPicPr>
+          <p:cNvPr id="4" name="Picture 3"/>
+          <p:cNvPicPr>
+            <a:picLocks noChangeAspect="1"/>
+          </p:cNvPicPr>
+          <p:nvPr/>
+        </p:nvPicPr>
+        <p:blipFill>
+          <a:blip r:embed="rId3"/>
+          <a:stretch>
+            <a:fillRect/>
+          </a:stretch>
+        </p:blipFill>
+        <p:spPr>
+          <a:xfrm>
+            <a:off x="838199" y="1555339"/>
+            <a:ext cx="10574295" cy="4855971"/>
+          </a:xfrm>
+          <a:prstGeom prst="rect">
+            <a:avLst/>
+          </a:prstGeom>
+        </p:spPr>
+      </p:pic>
+    </p:spTree>
+    <p:extLst>
+      <p:ext uri="{BB962C8B-B14F-4D97-AF65-F5344CB8AC3E}">
+        <p14:creationId xmlns:p14="http://schemas.microsoft.com/office/powerpoint/2010/main" val="3091480736"/>
+      </p:ext>
+    </p:extLst>
+  </p:cSld>
+  <p:clrMapOvr>
+    <a:masterClrMapping/>
+  </p:clrMapOvr>
+</p:sld>
+</file>
+
+<file path=ppt/slides/slide7.xml><?xml version="1.0" encoding="utf-8"?>
 <p:sld xmlns:a="http://schemas.openxmlformats.org/drawingml/2006/main" xmlns:r="http://schemas.openxmlformats.org/officeDocument/2006/relationships" xmlns:p="http://schemas.openxmlformats.org/presentationml/2006/main">
   <p:cSld>
     <p:spTree>
@@ -15233,7 +15890,7 @@
 </p:sld>
 </file>
 
-<file path=ppt/slides/slide6.xml><?xml version="1.0" encoding="utf-8"?>
+<file path=ppt/slides/slide8.xml><?xml version="1.0" encoding="utf-8"?>
 <p:sld xmlns:a="http://schemas.openxmlformats.org/drawingml/2006/main" xmlns:r="http://schemas.openxmlformats.org/officeDocument/2006/relationships" xmlns:p="http://schemas.openxmlformats.org/presentationml/2006/main">
   <p:cSld>
     <p:spTree>
@@ -15318,403 +15975,6 @@
 </p:sld>
 </file>
 
-<file path=ppt/slides/slide7.xml><?xml version="1.0" encoding="utf-8"?>
-<p:sld xmlns:a="http://schemas.openxmlformats.org/drawingml/2006/main" xmlns:r="http://schemas.openxmlformats.org/officeDocument/2006/relationships" xmlns:p="http://schemas.openxmlformats.org/presentationml/2006/main">
-  <p:cSld>
-    <p:spTree>
-      <p:nvGrpSpPr>
-        <p:cNvPr id="1" name=""/>
-        <p:cNvGrpSpPr/>
-        <p:nvPr/>
-      </p:nvGrpSpPr>
-      <p:grpSpPr>
-        <a:xfrm>
-          <a:off x="0" y="0"/>
-          <a:ext cx="0" cy="0"/>
-          <a:chOff x="0" y="0"/>
-          <a:chExt cx="0" cy="0"/>
-        </a:xfrm>
-      </p:grpSpPr>
-      <p:sp>
-        <p:nvSpPr>
-          <p:cNvPr id="2" name="Title 1"/>
-          <p:cNvSpPr>
-            <a:spLocks noGrp="1"/>
-          </p:cNvSpPr>
-          <p:nvPr>
-            <p:ph type="title"/>
-          </p:nvPr>
-        </p:nvSpPr>
-        <p:spPr/>
-        <p:txBody>
-          <a:bodyPr/>
-          <a:lstStyle/>
-          <a:p>
-            <a:r>
-              <a:rPr lang="en-US" dirty="0">
-                <a:solidFill>
-                  <a:srgbClr val="FF0000"/>
-                </a:solidFill>
-              </a:rPr>
-              <a:t>13.1</a:t>
-            </a:r>
-            <a:r>
-              <a:rPr lang="en-US" dirty="0"/>
-              <a:t> Can you find the version number?</a:t>
-            </a:r>
-          </a:p>
-        </p:txBody>
-      </p:sp>
-      <p:sp>
-        <p:nvSpPr>
-          <p:cNvPr id="3" name="Content Placeholder 2"/>
-          <p:cNvSpPr>
-            <a:spLocks noGrp="1"/>
-          </p:cNvSpPr>
-          <p:nvPr>
-            <p:ph idx="1"/>
-          </p:nvPr>
-        </p:nvSpPr>
-        <p:spPr>
-          <a:xfrm>
-            <a:off x="838200" y="1825625"/>
-            <a:ext cx="10515600" cy="2863606"/>
-          </a:xfrm>
-        </p:spPr>
-        <p:txBody>
-          <a:bodyPr>
-            <a:normAutofit/>
-          </a:bodyPr>
-          <a:lstStyle/>
-          <a:p>
-            <a:r>
-              <a:rPr lang="en-US" dirty="0"/>
-              <a:t>Locations to exam browsers’ version</a:t>
-            </a:r>
-          </a:p>
-          <a:p>
-            <a:pPr lvl="1"/>
-            <a:r>
-              <a:rPr lang="en-US" i="1" dirty="0">
-                <a:solidFill>
-                  <a:srgbClr val="007DB5"/>
-                </a:solidFill>
-              </a:rPr>
-              <a:t>HKLM\SOFTWARE\Microsoft\Internet Explorer (value: </a:t>
-            </a:r>
-            <a:r>
-              <a:rPr lang="en-US" i="1" dirty="0" err="1">
-                <a:solidFill>
-                  <a:srgbClr val="007DB5"/>
-                </a:solidFill>
-              </a:rPr>
-              <a:t>svcVersion</a:t>
-            </a:r>
-            <a:r>
-              <a:rPr lang="en-US" i="1" dirty="0">
-                <a:solidFill>
-                  <a:srgbClr val="007DB5"/>
-                </a:solidFill>
-              </a:rPr>
-              <a:t>)</a:t>
-            </a:r>
-          </a:p>
-          <a:p>
-            <a:pPr lvl="1"/>
-            <a:r>
-              <a:rPr lang="en-US" i="1" dirty="0">
-                <a:solidFill>
-                  <a:srgbClr val="007DB5"/>
-                </a:solidFill>
-              </a:rPr>
-              <a:t>HKU\informant\Software\Google\Chrome\</a:t>
-            </a:r>
-            <a:r>
-              <a:rPr lang="en-US" i="1" dirty="0" err="1">
-                <a:solidFill>
-                  <a:srgbClr val="007DB5"/>
-                </a:solidFill>
-              </a:rPr>
-              <a:t>BLBeacon</a:t>
-            </a:r>
-            <a:r>
-              <a:rPr lang="en-US" i="1" dirty="0">
-                <a:solidFill>
-                  <a:srgbClr val="007DB5"/>
-                </a:solidFill>
-              </a:rPr>
-              <a:t> (value: version)</a:t>
-            </a:r>
-          </a:p>
-          <a:p>
-            <a:r>
-              <a:rPr lang="en-US" dirty="0"/>
-              <a:t>Use Windows Registry hive shell (</a:t>
-            </a:r>
-            <a:r>
-              <a:rPr lang="en-US" i="1" dirty="0" err="1">
-                <a:solidFill>
-                  <a:srgbClr val="007DB5"/>
-                </a:solidFill>
-              </a:rPr>
-              <a:t>hivexsh</a:t>
-            </a:r>
-            <a:r>
-              <a:rPr lang="en-US" dirty="0"/>
-              <a:t>) </a:t>
-            </a:r>
-          </a:p>
-          <a:p>
-            <a:pPr lvl="1"/>
-            <a:r>
-              <a:rPr lang="en-US" dirty="0"/>
-              <a:t>It provides a simple shell for navigating Windows Registry 'hive' files.</a:t>
-            </a:r>
-          </a:p>
-        </p:txBody>
-      </p:sp>
-    </p:spTree>
-    <p:extLst>
-      <p:ext uri="{BB962C8B-B14F-4D97-AF65-F5344CB8AC3E}">
-        <p14:creationId xmlns:p14="http://schemas.microsoft.com/office/powerpoint/2010/main" val="3910298338"/>
-      </p:ext>
-    </p:extLst>
-  </p:cSld>
-  <p:clrMapOvr>
-    <a:masterClrMapping/>
-  </p:clrMapOvr>
-</p:sld>
-</file>
-
-<file path=ppt/slides/slide8.xml><?xml version="1.0" encoding="utf-8"?>
-<p:sld xmlns:a="http://schemas.openxmlformats.org/drawingml/2006/main" xmlns:r="http://schemas.openxmlformats.org/officeDocument/2006/relationships" xmlns:p="http://schemas.openxmlformats.org/presentationml/2006/main">
-  <p:cSld>
-    <p:spTree>
-      <p:nvGrpSpPr>
-        <p:cNvPr id="1" name=""/>
-        <p:cNvGrpSpPr/>
-        <p:nvPr/>
-      </p:nvGrpSpPr>
-      <p:grpSpPr>
-        <a:xfrm>
-          <a:off x="0" y="0"/>
-          <a:ext cx="0" cy="0"/>
-          <a:chOff x="0" y="0"/>
-          <a:chExt cx="0" cy="0"/>
-        </a:xfrm>
-      </p:grpSpPr>
-      <p:pic>
-        <p:nvPicPr>
-          <p:cNvPr id="4" name="Picture 3"/>
-          <p:cNvPicPr>
-            <a:picLocks noChangeAspect="1"/>
-          </p:cNvPicPr>
-          <p:nvPr/>
-        </p:nvPicPr>
-        <p:blipFill>
-          <a:blip r:embed="rId3"/>
-          <a:stretch>
-            <a:fillRect/>
-          </a:stretch>
-        </p:blipFill>
-        <p:spPr>
-          <a:xfrm>
-            <a:off x="3591719" y="3530456"/>
-            <a:ext cx="3563713" cy="762988"/>
-          </a:xfrm>
-          <a:prstGeom prst="rect">
-            <a:avLst/>
-          </a:prstGeom>
-        </p:spPr>
-      </p:pic>
-      <p:pic>
-        <p:nvPicPr>
-          <p:cNvPr id="5" name="Picture 4"/>
-          <p:cNvPicPr>
-            <a:picLocks noChangeAspect="1"/>
-          </p:cNvPicPr>
-          <p:nvPr/>
-        </p:nvPicPr>
-        <p:blipFill>
-          <a:blip r:embed="rId4"/>
-          <a:stretch>
-            <a:fillRect/>
-          </a:stretch>
-        </p:blipFill>
-        <p:spPr>
-          <a:xfrm>
-            <a:off x="3607101" y="4395981"/>
-            <a:ext cx="6238503" cy="1744805"/>
-          </a:xfrm>
-          <a:prstGeom prst="rect">
-            <a:avLst/>
-          </a:prstGeom>
-        </p:spPr>
-      </p:pic>
-      <p:pic>
-        <p:nvPicPr>
-          <p:cNvPr id="6" name="Picture 5"/>
-          <p:cNvPicPr>
-            <a:picLocks noChangeAspect="1"/>
-          </p:cNvPicPr>
-          <p:nvPr/>
-        </p:nvPicPr>
-        <p:blipFill>
-          <a:blip r:embed="rId5"/>
-          <a:stretch>
-            <a:fillRect/>
-          </a:stretch>
-        </p:blipFill>
-        <p:spPr>
-          <a:xfrm>
-            <a:off x="3607101" y="1876897"/>
-            <a:ext cx="5902911" cy="1468529"/>
-          </a:xfrm>
-          <a:prstGeom prst="rect">
-            <a:avLst/>
-          </a:prstGeom>
-        </p:spPr>
-      </p:pic>
-      <p:sp>
-        <p:nvSpPr>
-          <p:cNvPr id="7" name="TextBox 6"/>
-          <p:cNvSpPr txBox="1"/>
-          <p:nvPr/>
-        </p:nvSpPr>
-        <p:spPr>
-          <a:xfrm>
-            <a:off x="896816" y="1875718"/>
-            <a:ext cx="2710285" cy="369332"/>
-          </a:xfrm>
-          <a:prstGeom prst="rect">
-            <a:avLst/>
-          </a:prstGeom>
-          <a:solidFill>
-            <a:srgbClr val="FFC000"/>
-          </a:solidFill>
-        </p:spPr>
-        <p:txBody>
-          <a:bodyPr wrap="square" rtlCol="0">
-            <a:spAutoFit/>
-          </a:bodyPr>
-          <a:lstStyle/>
-          <a:p>
-            <a:r>
-              <a:rPr lang="en-US" dirty="0"/>
-              <a:t>Install </a:t>
-            </a:r>
-            <a:r>
-              <a:rPr lang="en-US" i="1" dirty="0" err="1">
-                <a:solidFill>
-                  <a:srgbClr val="007DB5"/>
-                </a:solidFill>
-              </a:rPr>
-              <a:t>hivexsh</a:t>
-            </a:r>
-            <a:endParaRPr lang="en-US" i="1" dirty="0">
-              <a:solidFill>
-                <a:srgbClr val="007DB5"/>
-              </a:solidFill>
-            </a:endParaRPr>
-          </a:p>
-        </p:txBody>
-      </p:sp>
-      <p:sp>
-        <p:nvSpPr>
-          <p:cNvPr id="2" name="Title 1"/>
-          <p:cNvSpPr>
-            <a:spLocks noGrp="1"/>
-          </p:cNvSpPr>
-          <p:nvPr>
-            <p:ph type="title"/>
-          </p:nvPr>
-        </p:nvSpPr>
-        <p:spPr/>
-        <p:txBody>
-          <a:bodyPr/>
-          <a:lstStyle/>
-          <a:p>
-            <a:r>
-              <a:rPr lang="en-US" dirty="0"/>
-              <a:t>Install </a:t>
-            </a:r>
-            <a:r>
-              <a:rPr lang="en-US" i="1" dirty="0" err="1">
-                <a:solidFill>
-                  <a:srgbClr val="FF0000"/>
-                </a:solidFill>
-              </a:rPr>
-              <a:t>hivexsh</a:t>
-            </a:r>
-            <a:endParaRPr lang="en-US" i="1" dirty="0">
-              <a:solidFill>
-                <a:srgbClr val="FF0000"/>
-              </a:solidFill>
-            </a:endParaRPr>
-          </a:p>
-        </p:txBody>
-      </p:sp>
-      <p:sp>
-        <p:nvSpPr>
-          <p:cNvPr id="8" name="TextBox 7"/>
-          <p:cNvSpPr txBox="1"/>
-          <p:nvPr/>
-        </p:nvSpPr>
-        <p:spPr>
-          <a:xfrm>
-            <a:off x="881434" y="3542618"/>
-            <a:ext cx="2710285" cy="369332"/>
-          </a:xfrm>
-          <a:prstGeom prst="rect">
-            <a:avLst/>
-          </a:prstGeom>
-          <a:solidFill>
-            <a:srgbClr val="FFC000"/>
-          </a:solidFill>
-        </p:spPr>
-        <p:txBody>
-          <a:bodyPr wrap="square" rtlCol="0">
-            <a:spAutoFit/>
-          </a:bodyPr>
-          <a:lstStyle/>
-          <a:p>
-            <a:r>
-              <a:rPr lang="en-US" dirty="0"/>
-              <a:t>Show </a:t>
-            </a:r>
-            <a:r>
-              <a:rPr lang="en-US" i="1" dirty="0" err="1">
-                <a:solidFill>
-                  <a:srgbClr val="007DB5"/>
-                </a:solidFill>
-              </a:rPr>
-              <a:t>hivexsh</a:t>
-            </a:r>
-            <a:r>
-              <a:rPr lang="en-US" dirty="0"/>
-              <a:t> manual</a:t>
-            </a:r>
-            <a:endParaRPr lang="en-US" i="1" dirty="0">
-              <a:solidFill>
-                <a:srgbClr val="007DB5"/>
-              </a:solidFill>
-            </a:endParaRPr>
-          </a:p>
-        </p:txBody>
-      </p:sp>
-    </p:spTree>
-    <p:extLst>
-      <p:ext uri="{BB962C8B-B14F-4D97-AF65-F5344CB8AC3E}">
-        <p14:creationId xmlns:p14="http://schemas.microsoft.com/office/powerpoint/2010/main" val="929697321"/>
-      </p:ext>
-    </p:extLst>
-  </p:cSld>
-  <p:clrMapOvr>
-    <a:masterClrMapping/>
-  </p:clrMapOvr>
-</p:sld>
-</file>
-
 <file path=ppt/slides/slide9.xml><?xml version="1.0" encoding="utf-8"?>
 <p:sld xmlns:a="http://schemas.openxmlformats.org/drawingml/2006/main" xmlns:r="http://schemas.openxmlformats.org/officeDocument/2006/relationships" xmlns:p="http://schemas.openxmlformats.org/presentationml/2006/main">
   <p:cSld>
@@ -15732,57 +15992,121 @@
           <a:chExt cx="0" cy="0"/>
         </a:xfrm>
       </p:grpSpPr>
-      <p:pic>
-        <p:nvPicPr>
-          <p:cNvPr id="2" name="Picture 1"/>
-          <p:cNvPicPr>
-            <a:picLocks noChangeAspect="1"/>
-          </p:cNvPicPr>
-          <p:nvPr/>
-        </p:nvPicPr>
-        <p:blipFill>
-          <a:blip r:embed="rId3"/>
-          <a:stretch>
-            <a:fillRect/>
-          </a:stretch>
-        </p:blipFill>
+      <p:sp>
+        <p:nvSpPr>
+          <p:cNvPr id="2" name="Title 1"/>
+          <p:cNvSpPr>
+            <a:spLocks noGrp="1"/>
+          </p:cNvSpPr>
+          <p:nvPr>
+            <p:ph type="title"/>
+          </p:nvPr>
+        </p:nvSpPr>
+        <p:spPr/>
+        <p:txBody>
+          <a:bodyPr/>
+          <a:lstStyle/>
+          <a:p>
+            <a:r>
+              <a:rPr lang="en-US" dirty="0">
+                <a:solidFill>
+                  <a:srgbClr val="FF0000"/>
+                </a:solidFill>
+              </a:rPr>
+              <a:t>13.1</a:t>
+            </a:r>
+            <a:r>
+              <a:rPr lang="en-US" dirty="0"/>
+              <a:t> Can you find the version number?</a:t>
+            </a:r>
+          </a:p>
+        </p:txBody>
+      </p:sp>
+      <p:sp>
+        <p:nvSpPr>
+          <p:cNvPr id="3" name="Content Placeholder 2"/>
+          <p:cNvSpPr>
+            <a:spLocks noGrp="1"/>
+          </p:cNvSpPr>
+          <p:nvPr>
+            <p:ph idx="1"/>
+          </p:nvPr>
+        </p:nvSpPr>
         <p:spPr>
           <a:xfrm>
-            <a:off x="1361882" y="967040"/>
-            <a:ext cx="7321618" cy="3469507"/>
+            <a:off x="838200" y="1825625"/>
+            <a:ext cx="10515600" cy="2863606"/>
           </a:xfrm>
-          <a:prstGeom prst="rect">
-            <a:avLst/>
-          </a:prstGeom>
         </p:spPr>
-      </p:pic>
-      <p:sp>
-        <p:nvSpPr>
-          <p:cNvPr id="3" name="TextBox 2"/>
-          <p:cNvSpPr txBox="1"/>
-          <p:nvPr/>
-        </p:nvSpPr>
-        <p:spPr>
-          <a:xfrm>
-            <a:off x="1361882" y="597708"/>
-            <a:ext cx="4304272" cy="369332"/>
-          </a:xfrm>
-          <a:prstGeom prst="rect">
-            <a:avLst/>
-          </a:prstGeom>
-          <a:solidFill>
-            <a:srgbClr val="FFC000"/>
-          </a:solidFill>
-        </p:spPr>
-        <p:txBody>
-          <a:bodyPr wrap="square" rtlCol="0">
-            <a:spAutoFit/>
+        <p:txBody>
+          <a:bodyPr>
+            <a:normAutofit/>
           </a:bodyPr>
           <a:lstStyle/>
           <a:p>
             <a:r>
               <a:rPr lang="en-US" dirty="0"/>
-              <a:t>Exam the version of IE using </a:t>
+              <a:t>Locations to exam browsers’ version</a:t>
+            </a:r>
+          </a:p>
+          <a:p>
+            <a:pPr lvl="1"/>
+            <a:r>
+              <a:rPr lang="en-US" i="1" dirty="0">
+                <a:solidFill>
+                  <a:srgbClr val="007DB5"/>
+                </a:solidFill>
+              </a:rPr>
+              <a:t>HKLM\SOFTWARE\Microsoft\Internet Explorer (value: </a:t>
+            </a:r>
+            <a:r>
+              <a:rPr lang="en-US" i="1" dirty="0" err="1">
+                <a:solidFill>
+                  <a:srgbClr val="007DB5"/>
+                </a:solidFill>
+              </a:rPr>
+              <a:t>svcVersion</a:t>
+            </a:r>
+            <a:r>
+              <a:rPr lang="en-US" i="1" dirty="0">
+                <a:solidFill>
+                  <a:srgbClr val="007DB5"/>
+                </a:solidFill>
+              </a:rPr>
+              <a:t>)</a:t>
+            </a:r>
+          </a:p>
+          <a:p>
+            <a:pPr lvl="1"/>
+            <a:r>
+              <a:rPr lang="en-US" i="1" dirty="0">
+                <a:solidFill>
+                  <a:srgbClr val="007DB5"/>
+                </a:solidFill>
+              </a:rPr>
+              <a:t>HKU\informant\Software\Google\Chrome\</a:t>
+            </a:r>
+            <a:r>
+              <a:rPr lang="en-US" i="1" dirty="0" err="1">
+                <a:solidFill>
+                  <a:srgbClr val="007DB5"/>
+                </a:solidFill>
+              </a:rPr>
+              <a:t>BLBeacon</a:t>
+            </a:r>
+            <a:r>
+              <a:rPr lang="en-US" i="1" dirty="0">
+                <a:solidFill>
+                  <a:srgbClr val="007DB5"/>
+                </a:solidFill>
+              </a:rPr>
+              <a:t> (value: version)</a:t>
+            </a:r>
+          </a:p>
+          <a:p>
+            <a:r>
+              <a:rPr lang="en-US" dirty="0"/>
+              <a:t>Use Windows Registry hive shell (</a:t>
             </a:r>
             <a:r>
               <a:rPr lang="en-US" i="1" dirty="0" err="1">
@@ -15792,73 +16116,16 @@
               </a:rPr>
               <a:t>hivexsh</a:t>
             </a:r>
-            <a:endParaRPr lang="en-US" i="1" dirty="0">
-              <a:solidFill>
-                <a:srgbClr val="007DB5"/>
-              </a:solidFill>
-            </a:endParaRPr>
-          </a:p>
-        </p:txBody>
-      </p:sp>
-      <p:sp>
-        <p:nvSpPr>
-          <p:cNvPr id="4" name="TextBox 3"/>
-          <p:cNvSpPr txBox="1"/>
-          <p:nvPr/>
-        </p:nvSpPr>
-        <p:spPr>
-          <a:xfrm>
-            <a:off x="1361882" y="4805879"/>
-            <a:ext cx="6508210" cy="369332"/>
-          </a:xfrm>
-          <a:prstGeom prst="rect">
-            <a:avLst/>
-          </a:prstGeom>
-          <a:solidFill>
-            <a:srgbClr val="FFC000"/>
-          </a:solidFill>
-        </p:spPr>
-        <p:txBody>
-          <a:bodyPr wrap="square" rtlCol="0">
-            <a:spAutoFit/>
-          </a:bodyPr>
-          <a:lstStyle/>
-          <a:p>
-            <a:r>
-              <a:rPr lang="en-US" dirty="0"/>
-              <a:t>How to exam the version of </a:t>
-            </a:r>
-            <a:r>
-              <a:rPr lang="en-US" i="1" dirty="0">
-                <a:solidFill>
-                  <a:srgbClr val="007DB5"/>
-                </a:solidFill>
-              </a:rPr>
-              <a:t>Chrome</a:t>
-            </a:r>
-            <a:r>
-              <a:rPr lang="en-US" dirty="0"/>
-              <a:t> using </a:t>
-            </a:r>
-            <a:r>
-              <a:rPr lang="en-US" i="1" dirty="0" err="1">
-                <a:solidFill>
-                  <a:srgbClr val="007DB5"/>
-                </a:solidFill>
-              </a:rPr>
-              <a:t>hivexsh</a:t>
-            </a:r>
-            <a:r>
-              <a:rPr lang="en-US" i="1" dirty="0">
-                <a:solidFill>
-                  <a:srgbClr val="007DB5"/>
-                </a:solidFill>
-              </a:rPr>
-              <a:t> </a:t>
-            </a:r>
-            <a:r>
-              <a:rPr lang="en-US" dirty="0"/>
-              <a:t>?</a:t>
+            <a:r>
+              <a:rPr lang="en-US" dirty="0"/>
+              <a:t>) </a:t>
+            </a:r>
+          </a:p>
+          <a:p>
+            <a:pPr lvl="1"/>
+            <a:r>
+              <a:rPr lang="en-US" dirty="0"/>
+              <a:t>It provides a simple shell for navigating Windows Registry 'hive' files.</a:t>
             </a:r>
           </a:p>
         </p:txBody>
@@ -15866,7 +16133,7 @@
     </p:spTree>
     <p:extLst>
       <p:ext uri="{BB962C8B-B14F-4D97-AF65-F5344CB8AC3E}">
-        <p14:creationId xmlns:p14="http://schemas.microsoft.com/office/powerpoint/2010/main" val="3748405130"/>
+        <p14:creationId xmlns:p14="http://schemas.microsoft.com/office/powerpoint/2010/main" val="3910298338"/>
       </p:ext>
     </p:extLst>
   </p:cSld>

--- a/NIST_Data_Leakage_Case/NIST_Data_Leakage_03_WebHistory_SQL.pptx
+++ b/NIST_Data_Leakage_Case/NIST_Data_Leakage_03_WebHistory_SQL.pptx
@@ -162,7 +162,7 @@
 <file path=ppt/revisionInfo.xml><?xml version="1.0" encoding="utf-8"?>
 <p1510:revInfo xmlns:a="http://schemas.openxmlformats.org/drawingml/2006/main" xmlns:r="http://schemas.openxmlformats.org/officeDocument/2006/relationships" xmlns:p1510="http://schemas.microsoft.com/office/powerpoint/2015/10/main">
   <p1510:revLst>
-    <p1510:client id="{409D07DA-7E5C-4EF5-A9AF-5A4926BCA666}" v="40" dt="2022-09-27T21:28:04"/>
+    <p1510:client id="{409D07DA-7E5C-4EF5-A9AF-5A4926BCA666}" v="50" dt="2023-09-29T12:29:37.752"/>
   </p1510:revLst>
 </p1510:revInfo>
 </file>
@@ -212,7 +212,7 @@
   <pc:docChgLst>
     <pc:chgData name="Weifeng Xu" userId="e7aed605-a3dd-4d5a-a692-a87037af107b" providerId="ADAL" clId="{409D07DA-7E5C-4EF5-A9AF-5A4926BCA666}"/>
     <pc:docChg chg="undo custSel addSld delSld modSld sldOrd">
-      <pc:chgData name="Weifeng Xu" userId="e7aed605-a3dd-4d5a-a692-a87037af107b" providerId="ADAL" clId="{409D07DA-7E5C-4EF5-A9AF-5A4926BCA666}" dt="2023-02-28T15:25:30.597" v="1644" actId="6549"/>
+      <pc:chgData name="Weifeng Xu" userId="e7aed605-a3dd-4d5a-a692-a87037af107b" providerId="ADAL" clId="{409D07DA-7E5C-4EF5-A9AF-5A4926BCA666}" dt="2023-09-29T15:32:23.960" v="1962" actId="6549"/>
       <pc:docMkLst>
         <pc:docMk/>
       </pc:docMkLst>
@@ -285,7 +285,7 @@
         </pc:picChg>
       </pc:sldChg>
       <pc:sldChg chg="addSp modSp new mod modClrScheme chgLayout modNotesTx">
-        <pc:chgData name="Weifeng Xu" userId="e7aed605-a3dd-4d5a-a692-a87037af107b" providerId="ADAL" clId="{409D07DA-7E5C-4EF5-A9AF-5A4926BCA666}" dt="2023-02-28T15:05:31.701" v="1005" actId="20577"/>
+        <pc:chgData name="Weifeng Xu" userId="e7aed605-a3dd-4d5a-a692-a87037af107b" providerId="ADAL" clId="{409D07DA-7E5C-4EF5-A9AF-5A4926BCA666}" dt="2023-09-27T20:57:48.018" v="1663" actId="20577"/>
         <pc:sldMkLst>
           <pc:docMk/>
           <pc:sldMk cId="2904199124" sldId="301"/>
@@ -299,7 +299,7 @@
           </ac:spMkLst>
         </pc:spChg>
         <pc:spChg chg="add mod">
-          <ac:chgData name="Weifeng Xu" userId="e7aed605-a3dd-4d5a-a692-a87037af107b" providerId="ADAL" clId="{409D07DA-7E5C-4EF5-A9AF-5A4926BCA666}" dt="2023-02-28T15:05:31.701" v="1005" actId="20577"/>
+          <ac:chgData name="Weifeng Xu" userId="e7aed605-a3dd-4d5a-a692-a87037af107b" providerId="ADAL" clId="{409D07DA-7E5C-4EF5-A9AF-5A4926BCA666}" dt="2023-09-27T20:57:48.018" v="1663" actId="20577"/>
           <ac:spMkLst>
             <pc:docMk/>
             <pc:sldMk cId="2904199124" sldId="301"/>
@@ -393,7 +393,7 @@
         </pc:spChg>
       </pc:sldChg>
       <pc:sldChg chg="addSp delSp modSp add mod setBg modClrScheme chgLayout">
-        <pc:chgData name="Weifeng Xu" userId="e7aed605-a3dd-4d5a-a692-a87037af107b" providerId="ADAL" clId="{409D07DA-7E5C-4EF5-A9AF-5A4926BCA666}" dt="2022-09-27T21:19:57.149" v="753" actId="1076"/>
+        <pc:chgData name="Weifeng Xu" userId="e7aed605-a3dd-4d5a-a692-a87037af107b" providerId="ADAL" clId="{409D07DA-7E5C-4EF5-A9AF-5A4926BCA666}" dt="2023-09-29T15:27:12.910" v="1869" actId="14100"/>
         <pc:sldMkLst>
           <pc:docMk/>
           <pc:sldMk cId="4010385979" sldId="304"/>
@@ -415,7 +415,7 @@
           </ac:spMkLst>
         </pc:spChg>
         <pc:spChg chg="mod">
-          <ac:chgData name="Weifeng Xu" userId="e7aed605-a3dd-4d5a-a692-a87037af107b" providerId="ADAL" clId="{409D07DA-7E5C-4EF5-A9AF-5A4926BCA666}" dt="2022-09-27T21:19:37.724" v="749" actId="1076"/>
+          <ac:chgData name="Weifeng Xu" userId="e7aed605-a3dd-4d5a-a692-a87037af107b" providerId="ADAL" clId="{409D07DA-7E5C-4EF5-A9AF-5A4926BCA666}" dt="2023-09-29T15:26:47.601" v="1867" actId="14100"/>
           <ac:spMkLst>
             <pc:docMk/>
             <pc:sldMk cId="4010385979" sldId="304"/>
@@ -430,6 +430,14 @@
             <ac:spMk id="5" creationId="{F41488E2-6CC7-AC84-80C7-6DE74C734264}"/>
           </ac:spMkLst>
         </pc:spChg>
+        <pc:spChg chg="mod">
+          <ac:chgData name="Weifeng Xu" userId="e7aed605-a3dd-4d5a-a692-a87037af107b" providerId="ADAL" clId="{409D07DA-7E5C-4EF5-A9AF-5A4926BCA666}" dt="2023-09-29T15:27:12.910" v="1869" actId="14100"/>
+          <ac:spMkLst>
+            <pc:docMk/>
+            <pc:sldMk cId="4010385979" sldId="304"/>
+            <ac:spMk id="6" creationId="{DBB35AD8-5C2E-43B0-9DEE-1602D90C480F}"/>
+          </ac:spMkLst>
+        </pc:spChg>
         <pc:picChg chg="mod">
           <ac:chgData name="Weifeng Xu" userId="e7aed605-a3dd-4d5a-a692-a87037af107b" providerId="ADAL" clId="{409D07DA-7E5C-4EF5-A9AF-5A4926BCA666}" dt="2022-09-27T21:19:37.724" v="749" actId="1076"/>
           <ac:picMkLst>
@@ -440,13 +448,13 @@
         </pc:picChg>
       </pc:sldChg>
       <pc:sldChg chg="addSp delSp modSp new mod modClrScheme chgLayout">
-        <pc:chgData name="Weifeng Xu" userId="e7aed605-a3dd-4d5a-a692-a87037af107b" providerId="ADAL" clId="{409D07DA-7E5C-4EF5-A9AF-5A4926BCA666}" dt="2023-02-27T14:13:22.234" v="936" actId="20577"/>
+        <pc:chgData name="Weifeng Xu" userId="e7aed605-a3dd-4d5a-a692-a87037af107b" providerId="ADAL" clId="{409D07DA-7E5C-4EF5-A9AF-5A4926BCA666}" dt="2023-09-29T15:28:36.773" v="1922" actId="20577"/>
         <pc:sldMkLst>
           <pc:docMk/>
           <pc:sldMk cId="2055990861" sldId="305"/>
         </pc:sldMkLst>
         <pc:spChg chg="add mod">
-          <ac:chgData name="Weifeng Xu" userId="e7aed605-a3dd-4d5a-a692-a87037af107b" providerId="ADAL" clId="{409D07DA-7E5C-4EF5-A9AF-5A4926BCA666}" dt="2022-09-27T21:28:02.821" v="783" actId="1076"/>
+          <ac:chgData name="Weifeng Xu" userId="e7aed605-a3dd-4d5a-a692-a87037af107b" providerId="ADAL" clId="{409D07DA-7E5C-4EF5-A9AF-5A4926BCA666}" dt="2023-09-29T12:22:58.723" v="1667" actId="1076"/>
           <ac:spMkLst>
             <pc:docMk/>
             <pc:sldMk cId="2055990861" sldId="305"/>
@@ -454,15 +462,39 @@
           </ac:spMkLst>
         </pc:spChg>
         <pc:spChg chg="add mod ord">
-          <ac:chgData name="Weifeng Xu" userId="e7aed605-a3dd-4d5a-a692-a87037af107b" providerId="ADAL" clId="{409D07DA-7E5C-4EF5-A9AF-5A4926BCA666}" dt="2023-02-27T14:13:22.234" v="936" actId="20577"/>
+          <ac:chgData name="Weifeng Xu" userId="e7aed605-a3dd-4d5a-a692-a87037af107b" providerId="ADAL" clId="{409D07DA-7E5C-4EF5-A9AF-5A4926BCA666}" dt="2023-09-29T15:28:36.773" v="1922" actId="20577"/>
           <ac:spMkLst>
             <pc:docMk/>
             <pc:sldMk cId="2055990861" sldId="305"/>
             <ac:spMk id="3" creationId="{A2FBCAF6-1D6B-F98D-62FF-A370F64D637F}"/>
           </ac:spMkLst>
         </pc:spChg>
+        <pc:spChg chg="add mod">
+          <ac:chgData name="Weifeng Xu" userId="e7aed605-a3dd-4d5a-a692-a87037af107b" providerId="ADAL" clId="{409D07DA-7E5C-4EF5-A9AF-5A4926BCA666}" dt="2023-09-29T12:23:29.728" v="1676" actId="404"/>
+          <ac:spMkLst>
+            <pc:docMk/>
+            <pc:sldMk cId="2055990861" sldId="305"/>
+            <ac:spMk id="5" creationId="{EEEEBAA8-D425-ADA9-D1DB-CCFB2B164B15}"/>
+          </ac:spMkLst>
+        </pc:spChg>
+        <pc:spChg chg="add mod">
+          <ac:chgData name="Weifeng Xu" userId="e7aed605-a3dd-4d5a-a692-a87037af107b" providerId="ADAL" clId="{409D07DA-7E5C-4EF5-A9AF-5A4926BCA666}" dt="2023-09-29T12:23:50.866" v="1682" actId="1076"/>
+          <ac:spMkLst>
+            <pc:docMk/>
+            <pc:sldMk cId="2055990861" sldId="305"/>
+            <ac:spMk id="6" creationId="{3EB645F8-65F9-B1F6-17AB-409CBE99BDD1}"/>
+          </ac:spMkLst>
+        </pc:spChg>
         <pc:picChg chg="add mod">
-          <ac:chgData name="Weifeng Xu" userId="e7aed605-a3dd-4d5a-a692-a87037af107b" providerId="ADAL" clId="{409D07DA-7E5C-4EF5-A9AF-5A4926BCA666}" dt="2022-09-27T21:27:53.570" v="780" actId="1076"/>
+          <ac:chgData name="Weifeng Xu" userId="e7aed605-a3dd-4d5a-a692-a87037af107b" providerId="ADAL" clId="{409D07DA-7E5C-4EF5-A9AF-5A4926BCA666}" dt="2023-09-29T12:24:23.336" v="1685" actId="1076"/>
+          <ac:picMkLst>
+            <pc:docMk/>
+            <pc:sldMk cId="2055990861" sldId="305"/>
+            <ac:picMk id="4" creationId="{25ABF1CC-FE20-A77D-EB47-33FDBEC4BAD0}"/>
+          </ac:picMkLst>
+        </pc:picChg>
+        <pc:picChg chg="add mod">
+          <ac:chgData name="Weifeng Xu" userId="e7aed605-a3dd-4d5a-a692-a87037af107b" providerId="ADAL" clId="{409D07DA-7E5C-4EF5-A9AF-5A4926BCA666}" dt="2023-09-29T12:22:58.723" v="1667" actId="1076"/>
           <ac:picMkLst>
             <pc:docMk/>
             <pc:sldMk cId="2055990861" sldId="305"/>
@@ -478,7 +510,7 @@
           </ac:picMkLst>
         </pc:picChg>
         <pc:picChg chg="add del mod">
-          <ac:chgData name="Weifeng Xu" userId="e7aed605-a3dd-4d5a-a692-a87037af107b" providerId="ADAL" clId="{409D07DA-7E5C-4EF5-A9AF-5A4926BCA666}" dt="2022-09-27T21:28:03.999" v="784" actId="1076"/>
+          <ac:chgData name="Weifeng Xu" userId="e7aed605-a3dd-4d5a-a692-a87037af107b" providerId="ADAL" clId="{409D07DA-7E5C-4EF5-A9AF-5A4926BCA666}" dt="2023-09-29T12:23:36.890" v="1678" actId="1076"/>
           <ac:picMkLst>
             <pc:docMk/>
             <pc:sldMk cId="2055990861" sldId="305"/>
@@ -487,13 +519,13 @@
         </pc:picChg>
       </pc:sldChg>
       <pc:sldChg chg="addSp modSp new mod ord modClrScheme chgLayout">
-        <pc:chgData name="Weifeng Xu" userId="e7aed605-a3dd-4d5a-a692-a87037af107b" providerId="ADAL" clId="{409D07DA-7E5C-4EF5-A9AF-5A4926BCA666}" dt="2023-02-28T15:21:39.217" v="1362" actId="20577"/>
+        <pc:chgData name="Weifeng Xu" userId="e7aed605-a3dd-4d5a-a692-a87037af107b" providerId="ADAL" clId="{409D07DA-7E5C-4EF5-A9AF-5A4926BCA666}" dt="2023-09-29T15:32:23.960" v="1962" actId="6549"/>
         <pc:sldMkLst>
           <pc:docMk/>
           <pc:sldMk cId="4165459125" sldId="306"/>
         </pc:sldMkLst>
         <pc:spChg chg="mod ord">
-          <ac:chgData name="Weifeng Xu" userId="e7aed605-a3dd-4d5a-a692-a87037af107b" providerId="ADAL" clId="{409D07DA-7E5C-4EF5-A9AF-5A4926BCA666}" dt="2023-02-28T15:16:21.162" v="1033" actId="700"/>
+          <ac:chgData name="Weifeng Xu" userId="e7aed605-a3dd-4d5a-a692-a87037af107b" providerId="ADAL" clId="{409D07DA-7E5C-4EF5-A9AF-5A4926BCA666}" dt="2023-09-29T15:32:23.960" v="1962" actId="6549"/>
           <ac:spMkLst>
             <pc:docMk/>
             <pc:sldMk cId="4165459125" sldId="306"/>
@@ -501,7 +533,7 @@
           </ac:spMkLst>
         </pc:spChg>
         <pc:spChg chg="add mod ord">
-          <ac:chgData name="Weifeng Xu" userId="e7aed605-a3dd-4d5a-a692-a87037af107b" providerId="ADAL" clId="{409D07DA-7E5C-4EF5-A9AF-5A4926BCA666}" dt="2023-02-28T15:21:39.217" v="1362" actId="20577"/>
+          <ac:chgData name="Weifeng Xu" userId="e7aed605-a3dd-4d5a-a692-a87037af107b" providerId="ADAL" clId="{409D07DA-7E5C-4EF5-A9AF-5A4926BCA666}" dt="2023-09-29T12:24:58.591" v="1708" actId="20577"/>
           <ac:spMkLst>
             <pc:docMk/>
             <pc:sldMk cId="4165459125" sldId="306"/>
@@ -510,7 +542,7 @@
         </pc:spChg>
       </pc:sldChg>
       <pc:sldChg chg="modSp new mod">
-        <pc:chgData name="Weifeng Xu" userId="e7aed605-a3dd-4d5a-a692-a87037af107b" providerId="ADAL" clId="{409D07DA-7E5C-4EF5-A9AF-5A4926BCA666}" dt="2023-02-28T15:25:30.597" v="1644" actId="6549"/>
+        <pc:chgData name="Weifeng Xu" userId="e7aed605-a3dd-4d5a-a692-a87037af107b" providerId="ADAL" clId="{409D07DA-7E5C-4EF5-A9AF-5A4926BCA666}" dt="2023-09-29T12:42:57.552" v="1866" actId="20577"/>
         <pc:sldMkLst>
           <pc:docMk/>
           <pc:sldMk cId="2202518917" sldId="307"/>
@@ -524,13 +556,20 @@
           </ac:spMkLst>
         </pc:spChg>
         <pc:spChg chg="mod">
-          <ac:chgData name="Weifeng Xu" userId="e7aed605-a3dd-4d5a-a692-a87037af107b" providerId="ADAL" clId="{409D07DA-7E5C-4EF5-A9AF-5A4926BCA666}" dt="2023-02-28T15:25:30.597" v="1644" actId="6549"/>
+          <ac:chgData name="Weifeng Xu" userId="e7aed605-a3dd-4d5a-a692-a87037af107b" providerId="ADAL" clId="{409D07DA-7E5C-4EF5-A9AF-5A4926BCA666}" dt="2023-09-29T12:42:57.552" v="1866" actId="20577"/>
           <ac:spMkLst>
             <pc:docMk/>
             <pc:sldMk cId="2202518917" sldId="307"/>
             <ac:spMk id="3" creationId="{C37B6B56-2138-CADD-E2D5-70BE27CBC5CC}"/>
           </ac:spMkLst>
         </pc:spChg>
+      </pc:sldChg>
+      <pc:sldChg chg="add del">
+        <pc:chgData name="Weifeng Xu" userId="e7aed605-a3dd-4d5a-a692-a87037af107b" providerId="ADAL" clId="{409D07DA-7E5C-4EF5-A9AF-5A4926BCA666}" dt="2023-09-29T12:24:15.180" v="1683" actId="47"/>
+        <pc:sldMkLst>
+          <pc:docMk/>
+          <pc:sldMk cId="982507903" sldId="342"/>
+        </pc:sldMkLst>
       </pc:sldChg>
     </pc:docChg>
   </pc:docChgLst>
@@ -862,7 +901,7 @@
           <a:p>
             <a:fld id="{EE41F6E3-57F9-402E-BDBA-5B2DE11C8530}" type="datetimeFigureOut">
               <a:rPr lang="en-US" smtClean="0"/>
-              <a:t>2/28/2023</a:t>
+              <a:t>9/29/2023</a:t>
             </a:fld>
             <a:endParaRPr lang="en-US"/>
           </a:p>
@@ -5299,7 +5338,7 @@
           <a:p>
             <a:fld id="{4263717A-E3C1-4BED-ABE0-B7069385E023}" type="datetimeFigureOut">
               <a:rPr lang="en-US" smtClean="0"/>
-              <a:t>2/28/2023</a:t>
+              <a:t>9/29/2023</a:t>
             </a:fld>
             <a:endParaRPr lang="en-US"/>
           </a:p>
@@ -5472,7 +5511,7 @@
           <a:p>
             <a:fld id="{4263717A-E3C1-4BED-ABE0-B7069385E023}" type="datetimeFigureOut">
               <a:rPr lang="en-US" smtClean="0"/>
-              <a:t>2/28/2023</a:t>
+              <a:t>9/29/2023</a:t>
             </a:fld>
             <a:endParaRPr lang="en-US"/>
           </a:p>
@@ -5650,7 +5689,7 @@
           <a:p>
             <a:fld id="{4263717A-E3C1-4BED-ABE0-B7069385E023}" type="datetimeFigureOut">
               <a:rPr lang="en-US" smtClean="0"/>
-              <a:t>2/28/2023</a:t>
+              <a:t>9/29/2023</a:t>
             </a:fld>
             <a:endParaRPr lang="en-US"/>
           </a:p>
@@ -5818,7 +5857,7 @@
           <a:p>
             <a:fld id="{4263717A-E3C1-4BED-ABE0-B7069385E023}" type="datetimeFigureOut">
               <a:rPr lang="en-US" smtClean="0"/>
-              <a:t>2/28/2023</a:t>
+              <a:t>9/29/2023</a:t>
             </a:fld>
             <a:endParaRPr lang="en-US"/>
           </a:p>
@@ -6063,7 +6102,7 @@
           <a:p>
             <a:fld id="{4263717A-E3C1-4BED-ABE0-B7069385E023}" type="datetimeFigureOut">
               <a:rPr lang="en-US" smtClean="0"/>
-              <a:t>2/28/2023</a:t>
+              <a:t>9/29/2023</a:t>
             </a:fld>
             <a:endParaRPr lang="en-US"/>
           </a:p>
@@ -6292,7 +6331,7 @@
           <a:p>
             <a:fld id="{4263717A-E3C1-4BED-ABE0-B7069385E023}" type="datetimeFigureOut">
               <a:rPr lang="en-US" smtClean="0"/>
-              <a:t>2/28/2023</a:t>
+              <a:t>9/29/2023</a:t>
             </a:fld>
             <a:endParaRPr lang="en-US"/>
           </a:p>
@@ -6656,7 +6695,7 @@
           <a:p>
             <a:fld id="{4263717A-E3C1-4BED-ABE0-B7069385E023}" type="datetimeFigureOut">
               <a:rPr lang="en-US" smtClean="0"/>
-              <a:t>2/28/2023</a:t>
+              <a:t>9/29/2023</a:t>
             </a:fld>
             <a:endParaRPr lang="en-US"/>
           </a:p>
@@ -6773,7 +6812,7 @@
           <a:p>
             <a:fld id="{4263717A-E3C1-4BED-ABE0-B7069385E023}" type="datetimeFigureOut">
               <a:rPr lang="en-US" smtClean="0"/>
-              <a:t>2/28/2023</a:t>
+              <a:t>9/29/2023</a:t>
             </a:fld>
             <a:endParaRPr lang="en-US"/>
           </a:p>
@@ -6868,7 +6907,7 @@
           <a:p>
             <a:fld id="{4263717A-E3C1-4BED-ABE0-B7069385E023}" type="datetimeFigureOut">
               <a:rPr lang="en-US" smtClean="0"/>
-              <a:t>2/28/2023</a:t>
+              <a:t>9/29/2023</a:t>
             </a:fld>
             <a:endParaRPr lang="en-US"/>
           </a:p>
@@ -7143,7 +7182,7 @@
           <a:p>
             <a:fld id="{4263717A-E3C1-4BED-ABE0-B7069385E023}" type="datetimeFigureOut">
               <a:rPr lang="en-US" smtClean="0"/>
-              <a:t>2/28/2023</a:t>
+              <a:t>9/29/2023</a:t>
             </a:fld>
             <a:endParaRPr lang="en-US"/>
           </a:p>
@@ -7395,7 +7434,7 @@
           <a:p>
             <a:fld id="{4263717A-E3C1-4BED-ABE0-B7069385E023}" type="datetimeFigureOut">
               <a:rPr lang="en-US" smtClean="0"/>
-              <a:t>2/28/2023</a:t>
+              <a:t>9/29/2023</a:t>
             </a:fld>
             <a:endParaRPr lang="en-US"/>
           </a:p>
@@ -7606,7 +7645,7 @@
           <a:p>
             <a:fld id="{4263717A-E3C1-4BED-ABE0-B7069385E023}" type="datetimeFigureOut">
               <a:rPr lang="en-US" smtClean="0"/>
-              <a:t>2/28/2023</a:t>
+              <a:t>9/29/2023</a:t>
             </a:fld>
             <a:endParaRPr lang="en-US"/>
           </a:p>
@@ -10264,23 +10303,25 @@
           <a:p>
             <a:r>
               <a:rPr lang="en-US" dirty="0"/>
-              <a:t>Understand the compute layer that generates evidence</a:t>
-            </a:r>
-          </a:p>
-          <a:p>
-            <a:r>
-              <a:rPr lang="en-US" dirty="0"/>
-              <a:t>The approach to investigating browser history</a:t>
-            </a:r>
-          </a:p>
-          <a:p>
-            <a:r>
-              <a:rPr lang="en-US"/>
-              <a:t>Familiar </a:t>
-            </a:r>
-            <a:r>
-              <a:rPr lang="en-US" dirty="0"/>
-              <a:t>with important tools for cyber investigations</a:t>
+              <a:t>Understand the application layer of a computer system that generates evidence</a:t>
+            </a:r>
+          </a:p>
+          <a:p>
+            <a:r>
+              <a:rPr lang="en-US" dirty="0"/>
+              <a:t>Understand the behavioral model of an application</a:t>
+            </a:r>
+          </a:p>
+          <a:p>
+            <a:r>
+              <a:rPr lang="en-US" dirty="0"/>
+              <a:t>The approach to investigating browser history (evidence generated by an application)</a:t>
+            </a:r>
+          </a:p>
+          <a:p>
+            <a:r>
+              <a:rPr lang="en-US" dirty="0"/>
+              <a:t>Familiar with important tools for browser investigations</a:t>
             </a:r>
           </a:p>
         </p:txBody>
@@ -12426,8 +12467,8 @@
         </p:nvSpPr>
         <p:spPr>
           <a:xfrm>
-            <a:off x="7189393" y="6566910"/>
-            <a:ext cx="6176864" cy="261610"/>
+            <a:off x="6930313" y="6411118"/>
+            <a:ext cx="4453967" cy="261610"/>
           </a:xfrm>
           <a:prstGeom prst="rect">
             <a:avLst/>
@@ -12514,7 +12555,7 @@
         <p:spPr>
           <a:xfrm>
             <a:off x="10313457" y="2056675"/>
-            <a:ext cx="1878543" cy="2585323"/>
+            <a:ext cx="1771863" cy="2585323"/>
           </a:xfrm>
           <a:prstGeom prst="rect">
             <a:avLst/>
@@ -13366,7 +13407,15 @@
             </a:r>
             <a:r>
               <a:rPr lang="en-US" dirty="0"/>
-              <a:t> second (/1000,000)</a:t>
+              <a:t> second </a:t>
+            </a:r>
+            <a:r>
+              <a:rPr lang="en-US"/>
+              <a:t>(/1,000,000</a:t>
+            </a:r>
+            <a:r>
+              <a:rPr lang="en-US" dirty="0"/>
+              <a:t>)</a:t>
             </a:r>
           </a:p>
           <a:p>
@@ -14478,7 +14527,7 @@
         </p:blipFill>
         <p:spPr bwMode="auto">
           <a:xfrm>
-            <a:off x="1176130" y="2422973"/>
+            <a:off x="1031350" y="1942913"/>
             <a:ext cx="3576983" cy="2012053"/>
           </a:xfrm>
           <a:prstGeom prst="rect">
@@ -14525,8 +14574,8 @@
         </p:blipFill>
         <p:spPr bwMode="auto">
           <a:xfrm>
-            <a:off x="6096000" y="2716764"/>
-            <a:ext cx="4737953" cy="1424470"/>
+            <a:off x="5943600" y="1971607"/>
+            <a:ext cx="5864492" cy="1763165"/>
           </a:xfrm>
           <a:prstGeom prst="rect">
             <a:avLst/>
@@ -14557,7 +14606,7 @@
         </p:nvSpPr>
         <p:spPr>
           <a:xfrm>
-            <a:off x="5094813" y="3333250"/>
+            <a:off x="4950033" y="2853190"/>
             <a:ext cx="838772" cy="343759"/>
           </a:xfrm>
           <a:prstGeom prst="rightArrow">
@@ -14620,8 +14669,138 @@
           <a:p>
             <a:r>
               <a:rPr lang="en-US" dirty="0"/>
-              <a:t>Data generated by applications have different formats</a:t>
-            </a:r>
+              <a:t>Reconstruct behavior models from app-generated data</a:t>
+            </a:r>
+          </a:p>
+        </p:txBody>
+      </p:sp>
+      <p:pic>
+        <p:nvPicPr>
+          <p:cNvPr id="4" name="Graphic 3">
+            <a:extLst>
+              <a:ext uri="{FF2B5EF4-FFF2-40B4-BE49-F238E27FC236}">
+                <a16:creationId xmlns:a16="http://schemas.microsoft.com/office/drawing/2014/main" id="{25ABF1CC-FE20-A77D-EB47-33FDBEC4BAD0}"/>
+              </a:ext>
+            </a:extLst>
+          </p:cNvPr>
+          <p:cNvPicPr>
+            <a:picLocks noChangeAspect="1"/>
+          </p:cNvPicPr>
+          <p:nvPr/>
+        </p:nvPicPr>
+        <p:blipFill>
+          <a:blip r:embed="rId4">
+            <a:extLst>
+              <a:ext uri="{28A0092B-C50C-407E-A947-70E740481C1C}">
+                <a14:useLocalDpi xmlns:a14="http://schemas.microsoft.com/office/drawing/2010/main" val="0"/>
+              </a:ext>
+              <a:ext uri="{96DAC541-7B7A-43D3-8B79-37D633B846F1}">
+                <asvg:svgBlip xmlns:asvg="http://schemas.microsoft.com/office/drawing/2016/SVG/main" r:embed="rId5"/>
+              </a:ext>
+            </a:extLst>
+          </a:blip>
+          <a:stretch>
+            <a:fillRect/>
+          </a:stretch>
+        </p:blipFill>
+        <p:spPr>
+          <a:xfrm>
+            <a:off x="838200" y="4363824"/>
+            <a:ext cx="10515600" cy="1846982"/>
+          </a:xfrm>
+          <a:prstGeom prst="rect">
+            <a:avLst/>
+          </a:prstGeom>
+        </p:spPr>
+      </p:pic>
+      <p:sp>
+        <p:nvSpPr>
+          <p:cNvPr id="5" name="TextBox 4">
+            <a:extLst>
+              <a:ext uri="{FF2B5EF4-FFF2-40B4-BE49-F238E27FC236}">
+                <a16:creationId xmlns:a16="http://schemas.microsoft.com/office/drawing/2014/main" id="{EEEEBAA8-D425-ADA9-D1DB-CCFB2B164B15}"/>
+              </a:ext>
+            </a:extLst>
+          </p:cNvPr>
+          <p:cNvSpPr txBox="1"/>
+          <p:nvPr/>
+        </p:nvSpPr>
+        <p:spPr>
+          <a:xfrm>
+            <a:off x="1809547" y="6264147"/>
+            <a:ext cx="8789873" cy="369332"/>
+          </a:xfrm>
+          <a:prstGeom prst="rect">
+            <a:avLst/>
+          </a:prstGeom>
+          <a:noFill/>
+        </p:spPr>
+        <p:txBody>
+          <a:bodyPr wrap="square" rtlCol="0">
+            <a:spAutoFit/>
+          </a:bodyPr>
+          <a:lstStyle/>
+          <a:p>
+            <a:pPr algn="ctr"/>
+            <a:r>
+              <a:rPr lang="en-GB" dirty="0"/>
+              <a:t>A state diagram for application usage investigations</a:t>
+            </a:r>
+            <a:endParaRPr lang="en-US" dirty="0"/>
+          </a:p>
+        </p:txBody>
+      </p:sp>
+      <p:sp>
+        <p:nvSpPr>
+          <p:cNvPr id="6" name="Arrow: Right 5">
+            <a:extLst>
+              <a:ext uri="{FF2B5EF4-FFF2-40B4-BE49-F238E27FC236}">
+                <a16:creationId xmlns:a16="http://schemas.microsoft.com/office/drawing/2014/main" id="{3EB645F8-65F9-B1F6-17AB-409CBE99BDD1}"/>
+              </a:ext>
+            </a:extLst>
+          </p:cNvPr>
+          <p:cNvSpPr/>
+          <p:nvPr/>
+        </p:nvSpPr>
+        <p:spPr>
+          <a:xfrm rot="5400000">
+            <a:off x="8699073" y="3945998"/>
+            <a:ext cx="838772" cy="343759"/>
+          </a:xfrm>
+          <a:prstGeom prst="rightArrow">
+            <a:avLst/>
+          </a:prstGeom>
+          <a:solidFill>
+            <a:srgbClr val="FF0000"/>
+          </a:solidFill>
+          <a:ln>
+            <a:solidFill>
+              <a:srgbClr val="FF0000"/>
+            </a:solidFill>
+          </a:ln>
+        </p:spPr>
+        <p:style>
+          <a:lnRef idx="2">
+            <a:schemeClr val="accent1">
+              <a:shade val="50000"/>
+            </a:schemeClr>
+          </a:lnRef>
+          <a:fillRef idx="1">
+            <a:schemeClr val="accent1"/>
+          </a:fillRef>
+          <a:effectRef idx="0">
+            <a:schemeClr val="accent1"/>
+          </a:effectRef>
+          <a:fontRef idx="minor">
+            <a:schemeClr val="lt1"/>
+          </a:fontRef>
+        </p:style>
+        <p:txBody>
+          <a:bodyPr rtlCol="0" anchor="ctr"/>
+          <a:lstStyle/>
+          <a:p>
+            <a:pPr algn="ctr"/>
+            <a:endParaRPr lang="en-US"/>
           </a:p>
         </p:txBody>
       </p:sp>
@@ -15565,8 +15744,13 @@
           <a:p>
             <a:r>
               <a:rPr lang="en-US" dirty="0"/>
-              <a:t>Investigation Approach</a:t>
-            </a:r>
+              <a:t>Application Investigation Approach: Modeling</a:t>
+            </a:r>
+            <a:r>
+              <a:rPr lang="en-US" sz="2400" dirty="0"/>
+              <a:t> </a:t>
+            </a:r>
+            <a:endParaRPr lang="en-US" dirty="0"/>
           </a:p>
         </p:txBody>
       </p:sp>
@@ -15593,7 +15777,7 @@
           <a:p>
             <a:r>
               <a:rPr lang="en-US" dirty="0"/>
-              <a:t>Find all possible browsers used by suspects</a:t>
+              <a:t>Find all possible browsers (versions) used by suspects</a:t>
             </a:r>
           </a:p>
           <a:p>
@@ -15629,7 +15813,7 @@
           <a:p>
             <a:r>
               <a:rPr lang="en-US" dirty="0"/>
-              <a:t>Make conclusions</a:t>
+              <a:t>Make conclusions (with  state models)</a:t>
             </a:r>
           </a:p>
           <a:p>

--- a/NIST_Data_Leakage_Case/NIST_Data_Leakage_03_WebHistory_SQL.pptx
+++ b/NIST_Data_Leakage_Case/NIST_Data_Leakage_03_WebHistory_SQL.pptx
@@ -162,7 +162,7 @@
 <file path=ppt/revisionInfo.xml><?xml version="1.0" encoding="utf-8"?>
 <p1510:revInfo xmlns:a="http://schemas.openxmlformats.org/drawingml/2006/main" xmlns:r="http://schemas.openxmlformats.org/officeDocument/2006/relationships" xmlns:p1510="http://schemas.microsoft.com/office/powerpoint/2015/10/main">
   <p1510:revLst>
-    <p1510:client id="{409D07DA-7E5C-4EF5-A9AF-5A4926BCA666}" v="50" dt="2023-09-29T12:29:37.752"/>
+    <p1510:client id="{409D07DA-7E5C-4EF5-A9AF-5A4926BCA666}" v="51" dt="2023-09-30T20:00:51.327"/>
   </p1510:revLst>
 </p1510:revInfo>
 </file>
@@ -212,7 +212,7 @@
   <pc:docChgLst>
     <pc:chgData name="Weifeng Xu" userId="e7aed605-a3dd-4d5a-a692-a87037af107b" providerId="ADAL" clId="{409D07DA-7E5C-4EF5-A9AF-5A4926BCA666}"/>
     <pc:docChg chg="undo custSel addSld delSld modSld sldOrd">
-      <pc:chgData name="Weifeng Xu" userId="e7aed605-a3dd-4d5a-a692-a87037af107b" providerId="ADAL" clId="{409D07DA-7E5C-4EF5-A9AF-5A4926BCA666}" dt="2023-09-29T15:32:23.960" v="1962" actId="6549"/>
+      <pc:chgData name="Weifeng Xu" userId="e7aed605-a3dd-4d5a-a692-a87037af107b" providerId="ADAL" clId="{409D07DA-7E5C-4EF5-A9AF-5A4926BCA666}" dt="2023-09-30T20:00:51.327" v="1963"/>
       <pc:docMkLst>
         <pc:docMk/>
       </pc:docMkLst>
@@ -222,6 +222,29 @@
           <pc:docMk/>
           <pc:sldMk cId="162022530" sldId="256"/>
         </pc:sldMkLst>
+      </pc:sldChg>
+      <pc:sldChg chg="addSp modSp">
+        <pc:chgData name="Weifeng Xu" userId="e7aed605-a3dd-4d5a-a692-a87037af107b" providerId="ADAL" clId="{409D07DA-7E5C-4EF5-A9AF-5A4926BCA666}" dt="2023-09-30T20:00:51.327" v="1963"/>
+        <pc:sldMkLst>
+          <pc:docMk/>
+          <pc:sldMk cId="2467373167" sldId="273"/>
+        </pc:sldMkLst>
+        <pc:spChg chg="add mod">
+          <ac:chgData name="Weifeng Xu" userId="e7aed605-a3dd-4d5a-a692-a87037af107b" providerId="ADAL" clId="{409D07DA-7E5C-4EF5-A9AF-5A4926BCA666}" dt="2023-09-30T20:00:51.327" v="1963"/>
+          <ac:spMkLst>
+            <pc:docMk/>
+            <pc:sldMk cId="2467373167" sldId="273"/>
+            <ac:spMk id="2" creationId="{A1CFE1A6-6357-323E-FC80-EB0655F1F629}"/>
+          </ac:spMkLst>
+        </pc:spChg>
+        <pc:picChg chg="add mod">
+          <ac:chgData name="Weifeng Xu" userId="e7aed605-a3dd-4d5a-a692-a87037af107b" providerId="ADAL" clId="{409D07DA-7E5C-4EF5-A9AF-5A4926BCA666}" dt="2023-09-30T20:00:51.327" v="1963"/>
+          <ac:picMkLst>
+            <pc:docMk/>
+            <pc:sldMk cId="2467373167" sldId="273"/>
+            <ac:picMk id="3" creationId="{74D27F6F-A270-A6AC-CE3D-D81B60853AFF}"/>
+          </ac:picMkLst>
+        </pc:picChg>
       </pc:sldChg>
       <pc:sldChg chg="modSp">
         <pc:chgData name="Weifeng Xu" userId="e7aed605-a3dd-4d5a-a692-a87037af107b" providerId="ADAL" clId="{409D07DA-7E5C-4EF5-A9AF-5A4926BCA666}" dt="2022-03-08T23:20:49.315" v="344" actId="20578"/>
@@ -901,7 +924,7 @@
           <a:p>
             <a:fld id="{EE41F6E3-57F9-402E-BDBA-5B2DE11C8530}" type="datetimeFigureOut">
               <a:rPr lang="en-US" smtClean="0"/>
-              <a:t>9/29/2023</a:t>
+              <a:t>9/30/2023</a:t>
             </a:fld>
             <a:endParaRPr lang="en-US"/>
           </a:p>
@@ -5338,7 +5361,7 @@
           <a:p>
             <a:fld id="{4263717A-E3C1-4BED-ABE0-B7069385E023}" type="datetimeFigureOut">
               <a:rPr lang="en-US" smtClean="0"/>
-              <a:t>9/29/2023</a:t>
+              <a:t>9/30/2023</a:t>
             </a:fld>
             <a:endParaRPr lang="en-US"/>
           </a:p>
@@ -5511,7 +5534,7 @@
           <a:p>
             <a:fld id="{4263717A-E3C1-4BED-ABE0-B7069385E023}" type="datetimeFigureOut">
               <a:rPr lang="en-US" smtClean="0"/>
-              <a:t>9/29/2023</a:t>
+              <a:t>9/30/2023</a:t>
             </a:fld>
             <a:endParaRPr lang="en-US"/>
           </a:p>
@@ -5689,7 +5712,7 @@
           <a:p>
             <a:fld id="{4263717A-E3C1-4BED-ABE0-B7069385E023}" type="datetimeFigureOut">
               <a:rPr lang="en-US" smtClean="0"/>
-              <a:t>9/29/2023</a:t>
+              <a:t>9/30/2023</a:t>
             </a:fld>
             <a:endParaRPr lang="en-US"/>
           </a:p>
@@ -5857,7 +5880,7 @@
           <a:p>
             <a:fld id="{4263717A-E3C1-4BED-ABE0-B7069385E023}" type="datetimeFigureOut">
               <a:rPr lang="en-US" smtClean="0"/>
-              <a:t>9/29/2023</a:t>
+              <a:t>9/30/2023</a:t>
             </a:fld>
             <a:endParaRPr lang="en-US"/>
           </a:p>
@@ -6102,7 +6125,7 @@
           <a:p>
             <a:fld id="{4263717A-E3C1-4BED-ABE0-B7069385E023}" type="datetimeFigureOut">
               <a:rPr lang="en-US" smtClean="0"/>
-              <a:t>9/29/2023</a:t>
+              <a:t>9/30/2023</a:t>
             </a:fld>
             <a:endParaRPr lang="en-US"/>
           </a:p>
@@ -6331,7 +6354,7 @@
           <a:p>
             <a:fld id="{4263717A-E3C1-4BED-ABE0-B7069385E023}" type="datetimeFigureOut">
               <a:rPr lang="en-US" smtClean="0"/>
-              <a:t>9/29/2023</a:t>
+              <a:t>9/30/2023</a:t>
             </a:fld>
             <a:endParaRPr lang="en-US"/>
           </a:p>
@@ -6695,7 +6718,7 @@
           <a:p>
             <a:fld id="{4263717A-E3C1-4BED-ABE0-B7069385E023}" type="datetimeFigureOut">
               <a:rPr lang="en-US" smtClean="0"/>
-              <a:t>9/29/2023</a:t>
+              <a:t>9/30/2023</a:t>
             </a:fld>
             <a:endParaRPr lang="en-US"/>
           </a:p>
@@ -6812,7 +6835,7 @@
           <a:p>
             <a:fld id="{4263717A-E3C1-4BED-ABE0-B7069385E023}" type="datetimeFigureOut">
               <a:rPr lang="en-US" smtClean="0"/>
-              <a:t>9/29/2023</a:t>
+              <a:t>9/30/2023</a:t>
             </a:fld>
             <a:endParaRPr lang="en-US"/>
           </a:p>
@@ -6907,7 +6930,7 @@
           <a:p>
             <a:fld id="{4263717A-E3C1-4BED-ABE0-B7069385E023}" type="datetimeFigureOut">
               <a:rPr lang="en-US" smtClean="0"/>
-              <a:t>9/29/2023</a:t>
+              <a:t>9/30/2023</a:t>
             </a:fld>
             <a:endParaRPr lang="en-US"/>
           </a:p>
@@ -7182,7 +7205,7 @@
           <a:p>
             <a:fld id="{4263717A-E3C1-4BED-ABE0-B7069385E023}" type="datetimeFigureOut">
               <a:rPr lang="en-US" smtClean="0"/>
-              <a:t>9/29/2023</a:t>
+              <a:t>9/30/2023</a:t>
             </a:fld>
             <a:endParaRPr lang="en-US"/>
           </a:p>
@@ -7434,7 +7457,7 @@
           <a:p>
             <a:fld id="{4263717A-E3C1-4BED-ABE0-B7069385E023}" type="datetimeFigureOut">
               <a:rPr lang="en-US" smtClean="0"/>
-              <a:t>9/29/2023</a:t>
+              <a:t>9/30/2023</a:t>
             </a:fld>
             <a:endParaRPr lang="en-US"/>
           </a:p>
@@ -7645,7 +7668,7 @@
           <a:p>
             <a:fld id="{4263717A-E3C1-4BED-ABE0-B7069385E023}" type="datetimeFigureOut">
               <a:rPr lang="en-US" smtClean="0"/>
-              <a:t>9/29/2023</a:t>
+              <a:t>9/30/2023</a:t>
             </a:fld>
             <a:endParaRPr lang="en-US"/>
           </a:p>
@@ -10023,6 +10046,96 @@
           </a:prstGeom>
         </p:spPr>
       </p:pic>
+      <p:sp>
+        <p:nvSpPr>
+          <p:cNvPr id="2" name="TextBox 1">
+            <a:extLst>
+              <a:ext uri="{FF2B5EF4-FFF2-40B4-BE49-F238E27FC236}">
+                <a16:creationId xmlns:a16="http://schemas.microsoft.com/office/drawing/2014/main" id="{A1CFE1A6-6357-323E-FC80-EB0655F1F629}"/>
+              </a:ext>
+            </a:extLst>
+          </p:cNvPr>
+          <p:cNvSpPr txBox="1"/>
+          <p:nvPr/>
+        </p:nvSpPr>
+        <p:spPr>
+          <a:xfrm>
+            <a:off x="829491" y="5433724"/>
+            <a:ext cx="8969991" cy="738664"/>
+          </a:xfrm>
+          <a:prstGeom prst="rect">
+            <a:avLst/>
+          </a:prstGeom>
+          <a:noFill/>
+        </p:spPr>
+        <p:txBody>
+          <a:bodyPr wrap="square">
+            <a:spAutoFit/>
+          </a:bodyPr>
+          <a:lstStyle/>
+          <a:p>
+            <a:r>
+              <a:rPr lang="en-US" sz="1400" dirty="0"/>
+              <a:t>Download all files used in the lab: </a:t>
+            </a:r>
+          </a:p>
+          <a:p>
+            <a:r>
+              <a:rPr lang="en-US" sz="1400" dirty="0">
+                <a:latin typeface="OCRB" panose="020B0609020202020204" pitchFamily="49" charset="0"/>
+              </a:rPr>
+              <a:t>https://github.com/frankwxu/digital-forensics-lab/tree/main/NIST_Data_Leakage_Case/NIST_Answers/lab_generated_file/webhistory</a:t>
+            </a:r>
+          </a:p>
+        </p:txBody>
+      </p:sp>
+      <p:pic>
+        <p:nvPicPr>
+          <p:cNvPr id="3" name="Picture 2" descr="Download Download Download Now Download Icon Royalty-Free Stock  Illustration Image - Pixabay">
+            <a:extLst>
+              <a:ext uri="{FF2B5EF4-FFF2-40B4-BE49-F238E27FC236}">
+                <a16:creationId xmlns:a16="http://schemas.microsoft.com/office/drawing/2014/main" id="{74D27F6F-A270-A6AC-CE3D-D81B60853AFF}"/>
+              </a:ext>
+            </a:extLst>
+          </p:cNvPr>
+          <p:cNvPicPr>
+            <a:picLocks noChangeAspect="1" noChangeArrowheads="1"/>
+          </p:cNvPicPr>
+          <p:nvPr/>
+        </p:nvPicPr>
+        <p:blipFill>
+          <a:blip r:embed="rId4">
+            <a:extLst>
+              <a:ext uri="{28A0092B-C50C-407E-A947-70E740481C1C}">
+                <a14:useLocalDpi xmlns:a14="http://schemas.microsoft.com/office/drawing/2010/main" val="0"/>
+              </a:ext>
+            </a:extLst>
+          </a:blip>
+          <a:srcRect/>
+          <a:stretch>
+            <a:fillRect/>
+          </a:stretch>
+        </p:blipFill>
+        <p:spPr bwMode="auto">
+          <a:xfrm>
+            <a:off x="829491" y="4139304"/>
+            <a:ext cx="1185273" cy="1185273"/>
+          </a:xfrm>
+          <a:prstGeom prst="rect">
+            <a:avLst/>
+          </a:prstGeom>
+          <a:noFill/>
+          <a:extLst>
+            <a:ext uri="{909E8E84-426E-40DD-AFC4-6F175D3DCCD1}">
+              <a14:hiddenFill xmlns:a14="http://schemas.microsoft.com/office/drawing/2010/main">
+                <a:solidFill>
+                  <a:srgbClr val="FFFFFF"/>
+                </a:solidFill>
+              </a14:hiddenFill>
+            </a:ext>
+          </a:extLst>
+        </p:spPr>
+      </p:pic>
     </p:spTree>
     <p:extLst>
       <p:ext uri="{BB962C8B-B14F-4D97-AF65-F5344CB8AC3E}">
